--- a/images/Pictures.pptx
+++ b/images/Pictures.pptx
@@ -9,7 +9,7 @@
   </p:notesMasterIdLst>
   <p:sldIdLst>
     <p:sldId id="303" r:id="rId2"/>
-    <p:sldId id="301" r:id="rId3"/>
+    <p:sldId id="309" r:id="rId3"/>
     <p:sldId id="302" r:id="rId4"/>
     <p:sldId id="304" r:id="rId5"/>
     <p:sldId id="305" r:id="rId6"/>
@@ -215,7 +215,7 @@
             <a:fld id="{581B34DE-D9D5-401C-8A45-6D5600A3470E}" type="datetimeFigureOut">
               <a:rPr lang="en-US" smtClean="0"/>
               <a:pPr/>
-              <a:t>6/16/2016</a:t>
+              <a:t>9/14/2016</a:t>
             </a:fld>
             <a:endParaRPr lang="en-US"/>
           </a:p>
@@ -620,10 +620,10 @@
           <a:lstStyle/>
           <a:p>
             <a:r>
-              <a:rPr lang="en-US" smtClean="0"/>
-              <a:t>orchestrator_in_band_and_out_of_band</a:t>
-            </a:r>
-            <a:endParaRPr lang="en-US"/>
+              <a:rPr lang="en-US" dirty="0" smtClean="0"/>
+              <a:t>deployment.png</a:t>
+            </a:r>
+            <a:endParaRPr lang="en-US" dirty="0"/>
           </a:p>
         </p:txBody>
       </p:sp>
@@ -645,7 +645,7 @@
             <a:fld id="{96ADF636-4A01-4CCE-85D9-7F2B0C6E604A}" type="slidenum">
               <a:rPr lang="en-US" smtClean="0"/>
               <a:pPr/>
-              <a:t>5</a:t>
+              <a:t>2</a:t>
             </a:fld>
             <a:endParaRPr lang="en-US"/>
           </a:p>
@@ -654,7 +654,7 @@
     </p:spTree>
     <p:extLst>
       <p:ext uri="{BB962C8B-B14F-4D97-AF65-F5344CB8AC3E}">
-        <p14:creationId xmlns:p14="http://schemas.microsoft.com/office/powerpoint/2010/main" val="4178323500"/>
+        <p14:creationId xmlns:p14="http://schemas.microsoft.com/office/powerpoint/2010/main" val="2621988314"/>
       </p:ext>
     </p:extLst>
   </p:cSld>
@@ -710,6 +710,273 @@
           <a:p>
             <a:r>
               <a:rPr lang="en-US" dirty="0" smtClean="0"/>
+              <a:t>service_graph.png</a:t>
+            </a:r>
+            <a:endParaRPr lang="en-US" dirty="0"/>
+          </a:p>
+        </p:txBody>
+      </p:sp>
+      <p:sp>
+        <p:nvSpPr>
+          <p:cNvPr id="4" name="Slide Number Placeholder 3"/>
+          <p:cNvSpPr>
+            <a:spLocks noGrp="1"/>
+          </p:cNvSpPr>
+          <p:nvPr>
+            <p:ph type="sldNum" sz="quarter" idx="10"/>
+          </p:nvPr>
+        </p:nvSpPr>
+        <p:spPr/>
+        <p:txBody>
+          <a:bodyPr/>
+          <a:lstStyle/>
+          <a:p>
+            <a:fld id="{96ADF636-4A01-4CCE-85D9-7F2B0C6E604A}" type="slidenum">
+              <a:rPr lang="en-US" smtClean="0"/>
+              <a:pPr/>
+              <a:t>3</a:t>
+            </a:fld>
+            <a:endParaRPr lang="en-US"/>
+          </a:p>
+        </p:txBody>
+      </p:sp>
+    </p:spTree>
+    <p:extLst>
+      <p:ext uri="{BB962C8B-B14F-4D97-AF65-F5344CB8AC3E}">
+        <p14:creationId xmlns:p14="http://schemas.microsoft.com/office/powerpoint/2010/main" val="4194888739"/>
+      </p:ext>
+    </p:extLst>
+  </p:cSld>
+  <p:clrMapOvr>
+    <a:masterClrMapping/>
+  </p:clrMapOvr>
+</p:notes>
+</file>
+
+<file path=ppt/notesSlides/notesSlide4.xml><?xml version="1.0" encoding="utf-8"?>
+<p:notes xmlns:a="http://schemas.openxmlformats.org/drawingml/2006/main" xmlns:r="http://schemas.openxmlformats.org/officeDocument/2006/relationships" xmlns:p="http://schemas.openxmlformats.org/presentationml/2006/main">
+  <p:cSld>
+    <p:spTree>
+      <p:nvGrpSpPr>
+        <p:cNvPr id="1" name=""/>
+        <p:cNvGrpSpPr/>
+        <p:nvPr/>
+      </p:nvGrpSpPr>
+      <p:grpSpPr>
+        <a:xfrm>
+          <a:off x="0" y="0"/>
+          <a:ext cx="0" cy="0"/>
+          <a:chOff x="0" y="0"/>
+          <a:chExt cx="0" cy="0"/>
+        </a:xfrm>
+      </p:grpSpPr>
+      <p:sp>
+        <p:nvSpPr>
+          <p:cNvPr id="2" name="Slide Image Placeholder 1"/>
+          <p:cNvSpPr>
+            <a:spLocks noGrp="1" noRot="1" noChangeAspect="1"/>
+          </p:cNvSpPr>
+          <p:nvPr>
+            <p:ph type="sldImg"/>
+          </p:nvPr>
+        </p:nvSpPr>
+        <p:spPr/>
+      </p:sp>
+      <p:sp>
+        <p:nvSpPr>
+          <p:cNvPr id="3" name="Notes Placeholder 2"/>
+          <p:cNvSpPr>
+            <a:spLocks noGrp="1"/>
+          </p:cNvSpPr>
+          <p:nvPr>
+            <p:ph type="body" idx="1"/>
+          </p:nvPr>
+        </p:nvSpPr>
+        <p:spPr/>
+        <p:txBody>
+          <a:bodyPr/>
+          <a:lstStyle/>
+          <a:p>
+            <a:r>
+              <a:rPr lang="en-US" dirty="0" err="1" smtClean="0"/>
+              <a:t>vpn_sec_configuration</a:t>
+            </a:r>
+            <a:endParaRPr lang="en-US" dirty="0"/>
+          </a:p>
+        </p:txBody>
+      </p:sp>
+      <p:sp>
+        <p:nvSpPr>
+          <p:cNvPr id="4" name="Slide Number Placeholder 3"/>
+          <p:cNvSpPr>
+            <a:spLocks noGrp="1"/>
+          </p:cNvSpPr>
+          <p:nvPr>
+            <p:ph type="sldNum" sz="quarter" idx="10"/>
+          </p:nvPr>
+        </p:nvSpPr>
+        <p:spPr/>
+        <p:txBody>
+          <a:bodyPr/>
+          <a:lstStyle/>
+          <a:p>
+            <a:fld id="{96ADF636-4A01-4CCE-85D9-7F2B0C6E604A}" type="slidenum">
+              <a:rPr lang="en-US" smtClean="0"/>
+              <a:pPr/>
+              <a:t>4</a:t>
+            </a:fld>
+            <a:endParaRPr lang="en-US"/>
+          </a:p>
+        </p:txBody>
+      </p:sp>
+    </p:spTree>
+    <p:extLst>
+      <p:ext uri="{BB962C8B-B14F-4D97-AF65-F5344CB8AC3E}">
+        <p14:creationId xmlns:p14="http://schemas.microsoft.com/office/powerpoint/2010/main" val="2474673473"/>
+      </p:ext>
+    </p:extLst>
+  </p:cSld>
+  <p:clrMapOvr>
+    <a:masterClrMapping/>
+  </p:clrMapOvr>
+</p:notes>
+</file>
+
+<file path=ppt/notesSlides/notesSlide5.xml><?xml version="1.0" encoding="utf-8"?>
+<p:notes xmlns:a="http://schemas.openxmlformats.org/drawingml/2006/main" xmlns:r="http://schemas.openxmlformats.org/officeDocument/2006/relationships" xmlns:p="http://schemas.openxmlformats.org/presentationml/2006/main">
+  <p:cSld>
+    <p:spTree>
+      <p:nvGrpSpPr>
+        <p:cNvPr id="1" name=""/>
+        <p:cNvGrpSpPr/>
+        <p:nvPr/>
+      </p:nvGrpSpPr>
+      <p:grpSpPr>
+        <a:xfrm>
+          <a:off x="0" y="0"/>
+          <a:ext cx="0" cy="0"/>
+          <a:chOff x="0" y="0"/>
+          <a:chExt cx="0" cy="0"/>
+        </a:xfrm>
+      </p:grpSpPr>
+      <p:sp>
+        <p:nvSpPr>
+          <p:cNvPr id="2" name="Slide Image Placeholder 1"/>
+          <p:cNvSpPr>
+            <a:spLocks noGrp="1" noRot="1" noChangeAspect="1"/>
+          </p:cNvSpPr>
+          <p:nvPr>
+            <p:ph type="sldImg"/>
+          </p:nvPr>
+        </p:nvSpPr>
+        <p:spPr/>
+      </p:sp>
+      <p:sp>
+        <p:nvSpPr>
+          <p:cNvPr id="3" name="Notes Placeholder 2"/>
+          <p:cNvSpPr>
+            <a:spLocks noGrp="1"/>
+          </p:cNvSpPr>
+          <p:nvPr>
+            <p:ph type="body" idx="1"/>
+          </p:nvPr>
+        </p:nvSpPr>
+        <p:spPr/>
+        <p:txBody>
+          <a:bodyPr/>
+          <a:lstStyle/>
+          <a:p>
+            <a:r>
+              <a:rPr lang="en-US" smtClean="0"/>
+              <a:t>orchestrator_in_band_and_out_of_band</a:t>
+            </a:r>
+            <a:endParaRPr lang="en-US"/>
+          </a:p>
+        </p:txBody>
+      </p:sp>
+      <p:sp>
+        <p:nvSpPr>
+          <p:cNvPr id="4" name="Slide Number Placeholder 3"/>
+          <p:cNvSpPr>
+            <a:spLocks noGrp="1"/>
+          </p:cNvSpPr>
+          <p:nvPr>
+            <p:ph type="sldNum" sz="quarter" idx="10"/>
+          </p:nvPr>
+        </p:nvSpPr>
+        <p:spPr/>
+        <p:txBody>
+          <a:bodyPr/>
+          <a:lstStyle/>
+          <a:p>
+            <a:fld id="{96ADF636-4A01-4CCE-85D9-7F2B0C6E604A}" type="slidenum">
+              <a:rPr lang="en-US" smtClean="0"/>
+              <a:pPr/>
+              <a:t>5</a:t>
+            </a:fld>
+            <a:endParaRPr lang="en-US"/>
+          </a:p>
+        </p:txBody>
+      </p:sp>
+    </p:spTree>
+    <p:extLst>
+      <p:ext uri="{BB962C8B-B14F-4D97-AF65-F5344CB8AC3E}">
+        <p14:creationId xmlns:p14="http://schemas.microsoft.com/office/powerpoint/2010/main" val="4178323500"/>
+      </p:ext>
+    </p:extLst>
+  </p:cSld>
+  <p:clrMapOvr>
+    <a:masterClrMapping/>
+  </p:clrMapOvr>
+</p:notes>
+</file>
+
+<file path=ppt/notesSlides/notesSlide6.xml><?xml version="1.0" encoding="utf-8"?>
+<p:notes xmlns:a="http://schemas.openxmlformats.org/drawingml/2006/main" xmlns:r="http://schemas.openxmlformats.org/officeDocument/2006/relationships" xmlns:p="http://schemas.openxmlformats.org/presentationml/2006/main">
+  <p:cSld>
+    <p:spTree>
+      <p:nvGrpSpPr>
+        <p:cNvPr id="1" name=""/>
+        <p:cNvGrpSpPr/>
+        <p:nvPr/>
+      </p:nvGrpSpPr>
+      <p:grpSpPr>
+        <a:xfrm>
+          <a:off x="0" y="0"/>
+          <a:ext cx="0" cy="0"/>
+          <a:chOff x="0" y="0"/>
+          <a:chExt cx="0" cy="0"/>
+        </a:xfrm>
+      </p:grpSpPr>
+      <p:sp>
+        <p:nvSpPr>
+          <p:cNvPr id="2" name="Slide Image Placeholder 1"/>
+          <p:cNvSpPr>
+            <a:spLocks noGrp="1" noRot="1" noChangeAspect="1"/>
+          </p:cNvSpPr>
+          <p:nvPr>
+            <p:ph type="sldImg"/>
+          </p:nvPr>
+        </p:nvSpPr>
+        <p:spPr/>
+      </p:sp>
+      <p:sp>
+        <p:nvSpPr>
+          <p:cNvPr id="3" name="Notes Placeholder 2"/>
+          <p:cNvSpPr>
+            <a:spLocks noGrp="1"/>
+          </p:cNvSpPr>
+          <p:nvPr>
+            <p:ph type="body" idx="1"/>
+          </p:nvPr>
+        </p:nvSpPr>
+        <p:spPr/>
+        <p:txBody>
+          <a:bodyPr/>
+          <a:lstStyle/>
+          <a:p>
+            <a:r>
+              <a:rPr lang="en-US" dirty="0" smtClean="0"/>
               <a:t>RUD.png</a:t>
             </a:r>
             <a:endParaRPr lang="en-US" dirty="0"/>
@@ -753,7 +1020,7 @@
 </p:notes>
 </file>
 
-<file path=ppt/notesSlides/notesSlide4.xml><?xml version="1.0" encoding="utf-8"?>
+<file path=ppt/notesSlides/notesSlide7.xml><?xml version="1.0" encoding="utf-8"?>
 <p:notes xmlns:a="http://schemas.openxmlformats.org/drawingml/2006/main" xmlns:r="http://schemas.openxmlformats.org/officeDocument/2006/relationships" xmlns:p="http://schemas.openxmlformats.org/presentationml/2006/main">
   <p:cSld>
     <p:spTree>
@@ -974,7 +1241,7 @@
             <a:fld id="{3D599013-5C43-42B3-986A-3CF64AAE02B4}" type="datetimeFigureOut">
               <a:rPr lang="en-US" smtClean="0"/>
               <a:pPr/>
-              <a:t>6/16/2016</a:t>
+              <a:t>9/14/2016</a:t>
             </a:fld>
             <a:endParaRPr lang="en-US"/>
           </a:p>
@@ -1146,7 +1413,7 @@
             <a:fld id="{3D599013-5C43-42B3-986A-3CF64AAE02B4}" type="datetimeFigureOut">
               <a:rPr lang="en-US" smtClean="0"/>
               <a:pPr/>
-              <a:t>6/16/2016</a:t>
+              <a:t>9/14/2016</a:t>
             </a:fld>
             <a:endParaRPr lang="en-US"/>
           </a:p>
@@ -1328,7 +1595,7 @@
             <a:fld id="{3D599013-5C43-42B3-986A-3CF64AAE02B4}" type="datetimeFigureOut">
               <a:rPr lang="en-US" smtClean="0"/>
               <a:pPr/>
-              <a:t>6/16/2016</a:t>
+              <a:t>9/14/2016</a:t>
             </a:fld>
             <a:endParaRPr lang="en-US"/>
           </a:p>
@@ -1500,7 +1767,7 @@
             <a:fld id="{3D599013-5C43-42B3-986A-3CF64AAE02B4}" type="datetimeFigureOut">
               <a:rPr lang="en-US" smtClean="0"/>
               <a:pPr/>
-              <a:t>6/16/2016</a:t>
+              <a:t>9/14/2016</a:t>
             </a:fld>
             <a:endParaRPr lang="en-US"/>
           </a:p>
@@ -1746,7 +2013,7 @@
             <a:fld id="{3D599013-5C43-42B3-986A-3CF64AAE02B4}" type="datetimeFigureOut">
               <a:rPr lang="en-US" smtClean="0"/>
               <a:pPr/>
-              <a:t>6/16/2016</a:t>
+              <a:t>9/14/2016</a:t>
             </a:fld>
             <a:endParaRPr lang="en-US"/>
           </a:p>
@@ -1980,7 +2247,7 @@
             <a:fld id="{3D599013-5C43-42B3-986A-3CF64AAE02B4}" type="datetimeFigureOut">
               <a:rPr lang="en-US" smtClean="0"/>
               <a:pPr/>
-              <a:t>6/16/2016</a:t>
+              <a:t>9/14/2016</a:t>
             </a:fld>
             <a:endParaRPr lang="en-US"/>
           </a:p>
@@ -2349,7 +2616,7 @@
             <a:fld id="{3D599013-5C43-42B3-986A-3CF64AAE02B4}" type="datetimeFigureOut">
               <a:rPr lang="en-US" smtClean="0"/>
               <a:pPr/>
-              <a:t>6/16/2016</a:t>
+              <a:t>9/14/2016</a:t>
             </a:fld>
             <a:endParaRPr lang="en-US"/>
           </a:p>
@@ -2469,7 +2736,7 @@
             <a:fld id="{3D599013-5C43-42B3-986A-3CF64AAE02B4}" type="datetimeFigureOut">
               <a:rPr lang="en-US" smtClean="0"/>
               <a:pPr/>
-              <a:t>6/16/2016</a:t>
+              <a:t>9/14/2016</a:t>
             </a:fld>
             <a:endParaRPr lang="en-US"/>
           </a:p>
@@ -2566,7 +2833,7 @@
             <a:fld id="{3D599013-5C43-42B3-986A-3CF64AAE02B4}" type="datetimeFigureOut">
               <a:rPr lang="en-US" smtClean="0"/>
               <a:pPr/>
-              <a:t>6/16/2016</a:t>
+              <a:t>9/14/2016</a:t>
             </a:fld>
             <a:endParaRPr lang="en-US"/>
           </a:p>
@@ -2845,7 +3112,7 @@
             <a:fld id="{3D599013-5C43-42B3-986A-3CF64AAE02B4}" type="datetimeFigureOut">
               <a:rPr lang="en-US" smtClean="0"/>
               <a:pPr/>
-              <a:t>6/16/2016</a:t>
+              <a:t>9/14/2016</a:t>
             </a:fld>
             <a:endParaRPr lang="en-US"/>
           </a:p>
@@ -3104,7 +3371,7 @@
             <a:fld id="{3D599013-5C43-42B3-986A-3CF64AAE02B4}" type="datetimeFigureOut">
               <a:rPr lang="en-US" smtClean="0"/>
               <a:pPr/>
-              <a:t>6/16/2016</a:t>
+              <a:t>9/14/2016</a:t>
             </a:fld>
             <a:endParaRPr lang="en-US"/>
           </a:p>
@@ -3319,7 +3586,7 @@
             <a:fld id="{3D599013-5C43-42B3-986A-3CF64AAE02B4}" type="datetimeFigureOut">
               <a:rPr lang="en-US" smtClean="0"/>
               <a:pPr/>
-              <a:t>6/16/2016</a:t>
+              <a:t>9/14/2016</a:t>
             </a:fld>
             <a:endParaRPr lang="en-US"/>
           </a:p>
@@ -10105,6 +10372,828 @@
           <a:chExt cx="0" cy="0"/>
         </a:xfrm>
       </p:grpSpPr>
+      <p:graphicFrame>
+        <p:nvGraphicFramePr>
+          <p:cNvPr id="24" name="Tabella 23"/>
+          <p:cNvGraphicFramePr>
+            <a:graphicFrameLocks noGrp="1"/>
+          </p:cNvGraphicFramePr>
+          <p:nvPr>
+            <p:extLst>
+              <p:ext uri="{D42A27DB-BD31-4B8C-83A1-F6EECF244321}">
+                <p14:modId xmlns:p14="http://schemas.microsoft.com/office/powerpoint/2010/main" val="3598934757"/>
+              </p:ext>
+            </p:extLst>
+          </p:nvPr>
+        </p:nvGraphicFramePr>
+        <p:xfrm>
+          <a:off x="3347864" y="428604"/>
+          <a:ext cx="1872208" cy="1492390"/>
+        </p:xfrm>
+        <a:graphic>
+          <a:graphicData uri="http://schemas.openxmlformats.org/drawingml/2006/table">
+            <a:tbl>
+              <a:tblPr firstRow="1" bandRow="1">
+                <a:tableStyleId>{5C22544A-7EE6-4342-B048-85BDC9FD1C3A}</a:tableStyleId>
+              </a:tblPr>
+              <a:tblGrid>
+                <a:gridCol w="648072">
+                  <a:extLst>
+                    <a:ext uri="{9D8B030D-6E8A-4147-A177-3AD203B41FA5}">
+                      <a16:colId xmlns="" xmlns:a16="http://schemas.microsoft.com/office/drawing/2014/main" val="20000"/>
+                    </a:ext>
+                  </a:extLst>
+                </a:gridCol>
+                <a:gridCol w="1224136">
+                  <a:extLst>
+                    <a:ext uri="{9D8B030D-6E8A-4147-A177-3AD203B41FA5}">
+                      <a16:colId xmlns="" xmlns:a16="http://schemas.microsoft.com/office/drawing/2014/main" val="20001"/>
+                    </a:ext>
+                  </a:extLst>
+                </a:gridCol>
+              </a:tblGrid>
+              <a:tr h="298478">
+                <a:tc>
+                  <a:txBody>
+                    <a:bodyPr/>
+                    <a:lstStyle/>
+                    <a:p>
+                      <a:r>
+                        <a:rPr lang="it-IT" sz="1200" b="1" dirty="0" smtClean="0"/>
+                        <a:t>Match</a:t>
+                      </a:r>
+                      <a:endParaRPr lang="it-IT" sz="1200" b="1" dirty="0"/>
+                    </a:p>
+                  </a:txBody>
+                  <a:tcPr>
+                    <a:lnL w="12700" cap="flat" cmpd="sng" algn="ctr">
+                      <a:solidFill>
+                        <a:schemeClr val="tx1"/>
+                      </a:solidFill>
+                      <a:prstDash val="solid"/>
+                      <a:round/>
+                      <a:headEnd type="none" w="med" len="med"/>
+                      <a:tailEnd type="none" w="med" len="med"/>
+                    </a:lnL>
+                    <a:lnT w="12700" cap="flat" cmpd="sng" algn="ctr">
+                      <a:solidFill>
+                        <a:schemeClr val="tx1"/>
+                      </a:solidFill>
+                      <a:prstDash val="solid"/>
+                      <a:round/>
+                      <a:headEnd type="none" w="med" len="med"/>
+                      <a:tailEnd type="none" w="med" len="med"/>
+                    </a:lnT>
+                  </a:tcPr>
+                </a:tc>
+                <a:tc>
+                  <a:txBody>
+                    <a:bodyPr/>
+                    <a:lstStyle/>
+                    <a:p>
+                      <a:r>
+                        <a:rPr lang="it-IT" sz="1200" b="1" dirty="0" err="1" smtClean="0"/>
+                        <a:t>Action</a:t>
+                      </a:r>
+                      <a:endParaRPr lang="it-IT" sz="1200" b="1" dirty="0"/>
+                    </a:p>
+                  </a:txBody>
+                  <a:tcPr>
+                    <a:lnR w="12700" cap="flat" cmpd="sng" algn="ctr">
+                      <a:solidFill>
+                        <a:schemeClr val="tx1"/>
+                      </a:solidFill>
+                      <a:prstDash val="solid"/>
+                      <a:round/>
+                      <a:headEnd type="none" w="med" len="med"/>
+                      <a:tailEnd type="none" w="med" len="med"/>
+                    </a:lnR>
+                    <a:lnT w="12700" cap="flat" cmpd="sng" algn="ctr">
+                      <a:solidFill>
+                        <a:schemeClr val="tx1"/>
+                      </a:solidFill>
+                      <a:prstDash val="solid"/>
+                      <a:round/>
+                      <a:headEnd type="none" w="med" len="med"/>
+                      <a:tailEnd type="none" w="med" len="med"/>
+                    </a:lnT>
+                  </a:tcPr>
+                </a:tc>
+                <a:extLst>
+                  <a:ext uri="{0D108BD9-81ED-4DB2-BD59-A6C34878D82A}">
+                    <a16:rowId xmlns="" xmlns:a16="http://schemas.microsoft.com/office/drawing/2014/main" val="10000"/>
+                  </a:ext>
+                </a:extLst>
+              </a:tr>
+              <a:tr h="298478">
+                <a:tc>
+                  <a:txBody>
+                    <a:bodyPr/>
+                    <a:lstStyle/>
+                    <a:p>
+                      <a:r>
+                        <a:rPr lang="it-IT" sz="1200" dirty="0" err="1" smtClean="0"/>
+                        <a:t>Port</a:t>
+                      </a:r>
+                      <a:r>
+                        <a:rPr lang="it-IT" sz="1200" baseline="0" dirty="0" smtClean="0"/>
+                        <a:t> 1</a:t>
+                      </a:r>
+                      <a:endParaRPr lang="it-IT" sz="1200" dirty="0"/>
+                    </a:p>
+                  </a:txBody>
+                  <a:tcPr>
+                    <a:lnL w="12700" cap="flat" cmpd="sng" algn="ctr">
+                      <a:solidFill>
+                        <a:schemeClr val="tx1"/>
+                      </a:solidFill>
+                      <a:prstDash val="solid"/>
+                      <a:round/>
+                      <a:headEnd type="none" w="med" len="med"/>
+                      <a:tailEnd type="none" w="med" len="med"/>
+                    </a:lnL>
+                  </a:tcPr>
+                </a:tc>
+                <a:tc>
+                  <a:txBody>
+                    <a:bodyPr/>
+                    <a:lstStyle/>
+                    <a:p>
+                      <a:r>
+                        <a:rPr lang="it-IT" sz="1200" dirty="0" smtClean="0"/>
+                        <a:t>Output </a:t>
+                      </a:r>
+                      <a:r>
+                        <a:rPr lang="it-IT" sz="1200" dirty="0" err="1" smtClean="0"/>
+                        <a:t>port</a:t>
+                      </a:r>
+                      <a:r>
+                        <a:rPr lang="it-IT" sz="1200" baseline="0" dirty="0" smtClean="0"/>
+                        <a:t> 3</a:t>
+                      </a:r>
+                      <a:endParaRPr lang="it-IT" sz="1200" dirty="0"/>
+                    </a:p>
+                  </a:txBody>
+                  <a:tcPr>
+                    <a:lnR w="12700" cap="flat" cmpd="sng" algn="ctr">
+                      <a:solidFill>
+                        <a:schemeClr val="tx1"/>
+                      </a:solidFill>
+                      <a:prstDash val="solid"/>
+                      <a:round/>
+                      <a:headEnd type="none" w="med" len="med"/>
+                      <a:tailEnd type="none" w="med" len="med"/>
+                    </a:lnR>
+                  </a:tcPr>
+                </a:tc>
+                <a:extLst>
+                  <a:ext uri="{0D108BD9-81ED-4DB2-BD59-A6C34878D82A}">
+                    <a16:rowId xmlns="" xmlns:a16="http://schemas.microsoft.com/office/drawing/2014/main" val="10001"/>
+                  </a:ext>
+                </a:extLst>
+              </a:tr>
+              <a:tr h="298478">
+                <a:tc>
+                  <a:txBody>
+                    <a:bodyPr/>
+                    <a:lstStyle/>
+                    <a:p>
+                      <a:r>
+                        <a:rPr lang="it-IT" sz="1200" dirty="0" err="1" smtClean="0"/>
+                        <a:t>Port</a:t>
+                      </a:r>
+                      <a:r>
+                        <a:rPr lang="it-IT" sz="1200" dirty="0" smtClean="0"/>
+                        <a:t> 3</a:t>
+                      </a:r>
+                      <a:endParaRPr lang="it-IT" sz="1200" dirty="0"/>
+                    </a:p>
+                  </a:txBody>
+                  <a:tcPr>
+                    <a:lnL w="12700" cap="flat" cmpd="sng" algn="ctr">
+                      <a:solidFill>
+                        <a:schemeClr val="tx1"/>
+                      </a:solidFill>
+                      <a:prstDash val="solid"/>
+                      <a:round/>
+                      <a:headEnd type="none" w="med" len="med"/>
+                      <a:tailEnd type="none" w="med" len="med"/>
+                    </a:lnL>
+                  </a:tcPr>
+                </a:tc>
+                <a:tc>
+                  <a:txBody>
+                    <a:bodyPr/>
+                    <a:lstStyle/>
+                    <a:p>
+                      <a:r>
+                        <a:rPr lang="it-IT" sz="1200" dirty="0" smtClean="0"/>
+                        <a:t>Output</a:t>
+                      </a:r>
+                      <a:r>
+                        <a:rPr lang="it-IT" sz="1200" baseline="0" dirty="0" smtClean="0"/>
+                        <a:t> </a:t>
+                      </a:r>
+                      <a:r>
+                        <a:rPr lang="it-IT" sz="1200" baseline="0" dirty="0" err="1" smtClean="0"/>
+                        <a:t>port</a:t>
+                      </a:r>
+                      <a:r>
+                        <a:rPr lang="it-IT" sz="1200" baseline="0" dirty="0" smtClean="0"/>
+                        <a:t> 1</a:t>
+                      </a:r>
+                      <a:endParaRPr lang="it-IT" sz="1200" dirty="0"/>
+                    </a:p>
+                  </a:txBody>
+                  <a:tcPr>
+                    <a:lnR w="12700" cap="flat" cmpd="sng" algn="ctr">
+                      <a:solidFill>
+                        <a:schemeClr val="tx1"/>
+                      </a:solidFill>
+                      <a:prstDash val="solid"/>
+                      <a:round/>
+                      <a:headEnd type="none" w="med" len="med"/>
+                      <a:tailEnd type="none" w="med" len="med"/>
+                    </a:lnR>
+                  </a:tcPr>
+                </a:tc>
+                <a:extLst>
+                  <a:ext uri="{0D108BD9-81ED-4DB2-BD59-A6C34878D82A}">
+                    <a16:rowId xmlns="" xmlns:a16="http://schemas.microsoft.com/office/drawing/2014/main" val="10002"/>
+                  </a:ext>
+                </a:extLst>
+              </a:tr>
+              <a:tr h="298478">
+                <a:tc>
+                  <a:txBody>
+                    <a:bodyPr/>
+                    <a:lstStyle/>
+                    <a:p>
+                      <a:r>
+                        <a:rPr lang="it-IT" sz="1200" dirty="0" err="1" smtClean="0"/>
+                        <a:t>Port</a:t>
+                      </a:r>
+                      <a:r>
+                        <a:rPr lang="it-IT" sz="1200" dirty="0" smtClean="0"/>
+                        <a:t> 2</a:t>
+                      </a:r>
+                      <a:endParaRPr lang="it-IT" sz="1200" dirty="0"/>
+                    </a:p>
+                  </a:txBody>
+                  <a:tcPr>
+                    <a:lnL w="12700" cap="flat" cmpd="sng" algn="ctr">
+                      <a:solidFill>
+                        <a:schemeClr val="tx1"/>
+                      </a:solidFill>
+                      <a:prstDash val="solid"/>
+                      <a:round/>
+                      <a:headEnd type="none" w="med" len="med"/>
+                      <a:tailEnd type="none" w="med" len="med"/>
+                    </a:lnL>
+                  </a:tcPr>
+                </a:tc>
+                <a:tc>
+                  <a:txBody>
+                    <a:bodyPr/>
+                    <a:lstStyle/>
+                    <a:p>
+                      <a:r>
+                        <a:rPr lang="it-IT" sz="1200" dirty="0" smtClean="0"/>
+                        <a:t>Output </a:t>
+                      </a:r>
+                      <a:r>
+                        <a:rPr lang="it-IT" sz="1200" dirty="0" err="1" smtClean="0"/>
+                        <a:t>port</a:t>
+                      </a:r>
+                      <a:r>
+                        <a:rPr lang="it-IT" sz="1200" baseline="0" dirty="0" smtClean="0"/>
+                        <a:t> 4</a:t>
+                      </a:r>
+                      <a:endParaRPr lang="it-IT" sz="1200" dirty="0"/>
+                    </a:p>
+                  </a:txBody>
+                  <a:tcPr>
+                    <a:lnR w="12700" cap="flat" cmpd="sng" algn="ctr">
+                      <a:solidFill>
+                        <a:schemeClr val="tx1"/>
+                      </a:solidFill>
+                      <a:prstDash val="solid"/>
+                      <a:round/>
+                      <a:headEnd type="none" w="med" len="med"/>
+                      <a:tailEnd type="none" w="med" len="med"/>
+                    </a:lnR>
+                  </a:tcPr>
+                </a:tc>
+                <a:extLst>
+                  <a:ext uri="{0D108BD9-81ED-4DB2-BD59-A6C34878D82A}">
+                    <a16:rowId xmlns="" xmlns:a16="http://schemas.microsoft.com/office/drawing/2014/main" val="10003"/>
+                  </a:ext>
+                </a:extLst>
+              </a:tr>
+              <a:tr h="298478">
+                <a:tc>
+                  <a:txBody>
+                    <a:bodyPr/>
+                    <a:lstStyle/>
+                    <a:p>
+                      <a:r>
+                        <a:rPr lang="it-IT" sz="1200" dirty="0" err="1" smtClean="0"/>
+                        <a:t>Port</a:t>
+                      </a:r>
+                      <a:r>
+                        <a:rPr lang="it-IT" sz="1200" dirty="0" smtClean="0"/>
+                        <a:t> 4</a:t>
+                      </a:r>
+                      <a:endParaRPr lang="it-IT" sz="1200" dirty="0"/>
+                    </a:p>
+                  </a:txBody>
+                  <a:tcPr>
+                    <a:lnL w="12700" cap="flat" cmpd="sng" algn="ctr">
+                      <a:solidFill>
+                        <a:schemeClr val="tx1"/>
+                      </a:solidFill>
+                      <a:prstDash val="solid"/>
+                      <a:round/>
+                      <a:headEnd type="none" w="med" len="med"/>
+                      <a:tailEnd type="none" w="med" len="med"/>
+                    </a:lnL>
+                    <a:lnB w="12700" cap="flat" cmpd="sng" algn="ctr">
+                      <a:solidFill>
+                        <a:schemeClr val="tx1"/>
+                      </a:solidFill>
+                      <a:prstDash val="solid"/>
+                      <a:round/>
+                      <a:headEnd type="none" w="med" len="med"/>
+                      <a:tailEnd type="none" w="med" len="med"/>
+                    </a:lnB>
+                  </a:tcPr>
+                </a:tc>
+                <a:tc>
+                  <a:txBody>
+                    <a:bodyPr/>
+                    <a:lstStyle/>
+                    <a:p>
+                      <a:r>
+                        <a:rPr lang="it-IT" sz="1200" dirty="0" smtClean="0"/>
+                        <a:t>Output</a:t>
+                      </a:r>
+                      <a:r>
+                        <a:rPr lang="it-IT" sz="1200" baseline="0" dirty="0" smtClean="0"/>
+                        <a:t> </a:t>
+                      </a:r>
+                      <a:r>
+                        <a:rPr lang="it-IT" sz="1200" baseline="0" dirty="0" err="1" smtClean="0"/>
+                        <a:t>port</a:t>
+                      </a:r>
+                      <a:r>
+                        <a:rPr lang="it-IT" sz="1200" baseline="0" dirty="0" smtClean="0"/>
+                        <a:t> 2</a:t>
+                      </a:r>
+                      <a:endParaRPr lang="it-IT" sz="1200" dirty="0"/>
+                    </a:p>
+                  </a:txBody>
+                  <a:tcPr>
+                    <a:lnR w="12700" cap="flat" cmpd="sng" algn="ctr">
+                      <a:solidFill>
+                        <a:schemeClr val="tx1"/>
+                      </a:solidFill>
+                      <a:prstDash val="solid"/>
+                      <a:round/>
+                      <a:headEnd type="none" w="med" len="med"/>
+                      <a:tailEnd type="none" w="med" len="med"/>
+                    </a:lnR>
+                    <a:lnB w="12700" cap="flat" cmpd="sng" algn="ctr">
+                      <a:solidFill>
+                        <a:schemeClr val="tx1"/>
+                      </a:solidFill>
+                      <a:prstDash val="solid"/>
+                      <a:round/>
+                      <a:headEnd type="none" w="med" len="med"/>
+                      <a:tailEnd type="none" w="med" len="med"/>
+                    </a:lnB>
+                  </a:tcPr>
+                </a:tc>
+                <a:extLst>
+                  <a:ext uri="{0D108BD9-81ED-4DB2-BD59-A6C34878D82A}">
+                    <a16:rowId xmlns="" xmlns:a16="http://schemas.microsoft.com/office/drawing/2014/main" val="10004"/>
+                  </a:ext>
+                </a:extLst>
+              </a:tr>
+            </a:tbl>
+          </a:graphicData>
+        </a:graphic>
+      </p:graphicFrame>
+      <p:graphicFrame>
+        <p:nvGraphicFramePr>
+          <p:cNvPr id="30" name="Tabella 29"/>
+          <p:cNvGraphicFramePr>
+            <a:graphicFrameLocks noGrp="1"/>
+          </p:cNvGraphicFramePr>
+          <p:nvPr>
+            <p:extLst>
+              <p:ext uri="{D42A27DB-BD31-4B8C-83A1-F6EECF244321}">
+                <p14:modId xmlns:p14="http://schemas.microsoft.com/office/powerpoint/2010/main" val="2722487107"/>
+              </p:ext>
+            </p:extLst>
+          </p:nvPr>
+        </p:nvGraphicFramePr>
+        <p:xfrm>
+          <a:off x="3357554" y="2167136"/>
+          <a:ext cx="1862518" cy="1371600"/>
+        </p:xfrm>
+        <a:graphic>
+          <a:graphicData uri="http://schemas.openxmlformats.org/drawingml/2006/table">
+            <a:tbl>
+              <a:tblPr firstRow="1" bandRow="1">
+                <a:tableStyleId>{5C22544A-7EE6-4342-B048-85BDC9FD1C3A}</a:tableStyleId>
+              </a:tblPr>
+              <a:tblGrid>
+                <a:gridCol w="638382">
+                  <a:extLst>
+                    <a:ext uri="{9D8B030D-6E8A-4147-A177-3AD203B41FA5}">
+                      <a16:colId xmlns="" xmlns:a16="http://schemas.microsoft.com/office/drawing/2014/main" val="20000"/>
+                    </a:ext>
+                  </a:extLst>
+                </a:gridCol>
+                <a:gridCol w="1224136">
+                  <a:extLst>
+                    <a:ext uri="{9D8B030D-6E8A-4147-A177-3AD203B41FA5}">
+                      <a16:colId xmlns="" xmlns:a16="http://schemas.microsoft.com/office/drawing/2014/main" val="20001"/>
+                    </a:ext>
+                  </a:extLst>
+                </a:gridCol>
+              </a:tblGrid>
+              <a:tr h="137714">
+                <a:tc>
+                  <a:txBody>
+                    <a:bodyPr/>
+                    <a:lstStyle/>
+                    <a:p>
+                      <a:r>
+                        <a:rPr lang="it-IT" sz="1200" b="1" dirty="0" smtClean="0"/>
+                        <a:t>Match</a:t>
+                      </a:r>
+                      <a:endParaRPr lang="it-IT" sz="1200" b="1" dirty="0"/>
+                    </a:p>
+                  </a:txBody>
+                  <a:tcPr>
+                    <a:lnL w="12700" cap="flat" cmpd="sng" algn="ctr">
+                      <a:solidFill>
+                        <a:schemeClr val="tx1"/>
+                      </a:solidFill>
+                      <a:prstDash val="solid"/>
+                      <a:round/>
+                      <a:headEnd type="none" w="med" len="med"/>
+                      <a:tailEnd type="none" w="med" len="med"/>
+                    </a:lnL>
+                    <a:lnT w="12700" cap="flat" cmpd="sng" algn="ctr">
+                      <a:solidFill>
+                        <a:schemeClr val="tx1"/>
+                      </a:solidFill>
+                      <a:prstDash val="solid"/>
+                      <a:round/>
+                      <a:headEnd type="none" w="med" len="med"/>
+                      <a:tailEnd type="none" w="med" len="med"/>
+                    </a:lnT>
+                  </a:tcPr>
+                </a:tc>
+                <a:tc>
+                  <a:txBody>
+                    <a:bodyPr/>
+                    <a:lstStyle/>
+                    <a:p>
+                      <a:r>
+                        <a:rPr lang="it-IT" sz="1200" b="1" dirty="0" err="1" smtClean="0"/>
+                        <a:t>Action</a:t>
+                      </a:r>
+                      <a:endParaRPr lang="it-IT" sz="1200" b="1" dirty="0"/>
+                    </a:p>
+                  </a:txBody>
+                  <a:tcPr>
+                    <a:lnR w="12700" cap="flat" cmpd="sng" algn="ctr">
+                      <a:solidFill>
+                        <a:schemeClr val="tx1"/>
+                      </a:solidFill>
+                      <a:prstDash val="solid"/>
+                      <a:round/>
+                      <a:headEnd type="none" w="med" len="med"/>
+                      <a:tailEnd type="none" w="med" len="med"/>
+                    </a:lnR>
+                    <a:lnT w="12700" cap="flat" cmpd="sng" algn="ctr">
+                      <a:solidFill>
+                        <a:schemeClr val="tx1"/>
+                      </a:solidFill>
+                      <a:prstDash val="solid"/>
+                      <a:round/>
+                      <a:headEnd type="none" w="med" len="med"/>
+                      <a:tailEnd type="none" w="med" len="med"/>
+                    </a:lnT>
+                  </a:tcPr>
+                </a:tc>
+                <a:extLst>
+                  <a:ext uri="{0D108BD9-81ED-4DB2-BD59-A6C34878D82A}">
+                    <a16:rowId xmlns="" xmlns:a16="http://schemas.microsoft.com/office/drawing/2014/main" val="10000"/>
+                  </a:ext>
+                </a:extLst>
+              </a:tr>
+              <a:tr h="243345">
+                <a:tc>
+                  <a:txBody>
+                    <a:bodyPr/>
+                    <a:lstStyle/>
+                    <a:p>
+                      <a:r>
+                        <a:rPr lang="it-IT" sz="1200" dirty="0" err="1" smtClean="0"/>
+                        <a:t>Port</a:t>
+                      </a:r>
+                      <a:r>
+                        <a:rPr lang="it-IT" sz="1200" baseline="0" dirty="0" smtClean="0"/>
+                        <a:t> 1</a:t>
+                      </a:r>
+                      <a:endParaRPr lang="it-IT" sz="1200" dirty="0"/>
+                    </a:p>
+                  </a:txBody>
+                  <a:tcPr>
+                    <a:lnL w="12700" cap="flat" cmpd="sng" algn="ctr">
+                      <a:solidFill>
+                        <a:schemeClr val="tx1"/>
+                      </a:solidFill>
+                      <a:prstDash val="solid"/>
+                      <a:round/>
+                      <a:headEnd type="none" w="med" len="med"/>
+                      <a:tailEnd type="none" w="med" len="med"/>
+                    </a:lnL>
+                  </a:tcPr>
+                </a:tc>
+                <a:tc>
+                  <a:txBody>
+                    <a:bodyPr/>
+                    <a:lstStyle/>
+                    <a:p>
+                      <a:r>
+                        <a:rPr lang="it-IT" sz="1200" dirty="0" smtClean="0"/>
+                        <a:t>Output </a:t>
+                      </a:r>
+                      <a:r>
+                        <a:rPr lang="it-IT" sz="1200" dirty="0" err="1" smtClean="0"/>
+                        <a:t>port</a:t>
+                      </a:r>
+                      <a:r>
+                        <a:rPr lang="it-IT" sz="1200" baseline="0" dirty="0" smtClean="0"/>
+                        <a:t> 3</a:t>
+                      </a:r>
+                      <a:endParaRPr lang="it-IT" sz="1200" dirty="0"/>
+                    </a:p>
+                  </a:txBody>
+                  <a:tcPr>
+                    <a:lnR w="12700" cap="flat" cmpd="sng" algn="ctr">
+                      <a:solidFill>
+                        <a:schemeClr val="tx1"/>
+                      </a:solidFill>
+                      <a:prstDash val="solid"/>
+                      <a:round/>
+                      <a:headEnd type="none" w="med" len="med"/>
+                      <a:tailEnd type="none" w="med" len="med"/>
+                    </a:lnR>
+                  </a:tcPr>
+                </a:tc>
+                <a:extLst>
+                  <a:ext uri="{0D108BD9-81ED-4DB2-BD59-A6C34878D82A}">
+                    <a16:rowId xmlns="" xmlns:a16="http://schemas.microsoft.com/office/drawing/2014/main" val="10001"/>
+                  </a:ext>
+                </a:extLst>
+              </a:tr>
+              <a:tr h="243345">
+                <a:tc>
+                  <a:txBody>
+                    <a:bodyPr/>
+                    <a:lstStyle/>
+                    <a:p>
+                      <a:r>
+                        <a:rPr lang="it-IT" sz="1200" dirty="0" err="1" smtClean="0"/>
+                        <a:t>Port</a:t>
+                      </a:r>
+                      <a:r>
+                        <a:rPr lang="it-IT" sz="1200" dirty="0" smtClean="0"/>
+                        <a:t> 3</a:t>
+                      </a:r>
+                      <a:endParaRPr lang="it-IT" sz="1200" dirty="0"/>
+                    </a:p>
+                  </a:txBody>
+                  <a:tcPr>
+                    <a:lnL w="12700" cap="flat" cmpd="sng" algn="ctr">
+                      <a:solidFill>
+                        <a:schemeClr val="tx1"/>
+                      </a:solidFill>
+                      <a:prstDash val="solid"/>
+                      <a:round/>
+                      <a:headEnd type="none" w="med" len="med"/>
+                      <a:tailEnd type="none" w="med" len="med"/>
+                    </a:lnL>
+                  </a:tcPr>
+                </a:tc>
+                <a:tc>
+                  <a:txBody>
+                    <a:bodyPr/>
+                    <a:lstStyle/>
+                    <a:p>
+                      <a:r>
+                        <a:rPr lang="it-IT" sz="1200" dirty="0" smtClean="0"/>
+                        <a:t>Output</a:t>
+                      </a:r>
+                      <a:r>
+                        <a:rPr lang="it-IT" sz="1200" baseline="0" dirty="0" smtClean="0"/>
+                        <a:t> </a:t>
+                      </a:r>
+                      <a:r>
+                        <a:rPr lang="it-IT" sz="1200" baseline="0" dirty="0" err="1" smtClean="0"/>
+                        <a:t>port</a:t>
+                      </a:r>
+                      <a:r>
+                        <a:rPr lang="it-IT" sz="1200" baseline="0" dirty="0" smtClean="0"/>
+                        <a:t> 1</a:t>
+                      </a:r>
+                      <a:endParaRPr lang="it-IT" sz="1200" dirty="0"/>
+                    </a:p>
+                  </a:txBody>
+                  <a:tcPr>
+                    <a:lnR w="12700" cap="flat" cmpd="sng" algn="ctr">
+                      <a:solidFill>
+                        <a:schemeClr val="tx1"/>
+                      </a:solidFill>
+                      <a:prstDash val="solid"/>
+                      <a:round/>
+                      <a:headEnd type="none" w="med" len="med"/>
+                      <a:tailEnd type="none" w="med" len="med"/>
+                    </a:lnR>
+                  </a:tcPr>
+                </a:tc>
+                <a:extLst>
+                  <a:ext uri="{0D108BD9-81ED-4DB2-BD59-A6C34878D82A}">
+                    <a16:rowId xmlns="" xmlns:a16="http://schemas.microsoft.com/office/drawing/2014/main" val="10002"/>
+                  </a:ext>
+                </a:extLst>
+              </a:tr>
+              <a:tr h="243345">
+                <a:tc>
+                  <a:txBody>
+                    <a:bodyPr/>
+                    <a:lstStyle/>
+                    <a:p>
+                      <a:r>
+                        <a:rPr lang="it-IT" sz="1200" dirty="0" err="1" smtClean="0"/>
+                        <a:t>Port</a:t>
+                      </a:r>
+                      <a:r>
+                        <a:rPr lang="it-IT" sz="1200" dirty="0" smtClean="0"/>
+                        <a:t> 2</a:t>
+                      </a:r>
+                      <a:endParaRPr lang="it-IT" sz="1200" dirty="0"/>
+                    </a:p>
+                  </a:txBody>
+                  <a:tcPr>
+                    <a:lnL w="12700" cap="flat" cmpd="sng" algn="ctr">
+                      <a:solidFill>
+                        <a:schemeClr val="tx1"/>
+                      </a:solidFill>
+                      <a:prstDash val="solid"/>
+                      <a:round/>
+                      <a:headEnd type="none" w="med" len="med"/>
+                      <a:tailEnd type="none" w="med" len="med"/>
+                    </a:lnL>
+                  </a:tcPr>
+                </a:tc>
+                <a:tc>
+                  <a:txBody>
+                    <a:bodyPr/>
+                    <a:lstStyle/>
+                    <a:p>
+                      <a:r>
+                        <a:rPr lang="it-IT" sz="1200" dirty="0" smtClean="0"/>
+                        <a:t>Output </a:t>
+                      </a:r>
+                      <a:r>
+                        <a:rPr lang="it-IT" sz="1200" dirty="0" err="1" smtClean="0"/>
+                        <a:t>port</a:t>
+                      </a:r>
+                      <a:r>
+                        <a:rPr lang="it-IT" sz="1200" baseline="0" dirty="0" smtClean="0"/>
+                        <a:t> 4</a:t>
+                      </a:r>
+                      <a:endParaRPr lang="it-IT" sz="1200" dirty="0"/>
+                    </a:p>
+                  </a:txBody>
+                  <a:tcPr>
+                    <a:lnR w="12700" cap="flat" cmpd="sng" algn="ctr">
+                      <a:solidFill>
+                        <a:schemeClr val="tx1"/>
+                      </a:solidFill>
+                      <a:prstDash val="solid"/>
+                      <a:round/>
+                      <a:headEnd type="none" w="med" len="med"/>
+                      <a:tailEnd type="none" w="med" len="med"/>
+                    </a:lnR>
+                  </a:tcPr>
+                </a:tc>
+                <a:extLst>
+                  <a:ext uri="{0D108BD9-81ED-4DB2-BD59-A6C34878D82A}">
+                    <a16:rowId xmlns="" xmlns:a16="http://schemas.microsoft.com/office/drawing/2014/main" val="10003"/>
+                  </a:ext>
+                </a:extLst>
+              </a:tr>
+              <a:tr h="243345">
+                <a:tc>
+                  <a:txBody>
+                    <a:bodyPr/>
+                    <a:lstStyle/>
+                    <a:p>
+                      <a:r>
+                        <a:rPr lang="it-IT" sz="1200" dirty="0" err="1" smtClean="0"/>
+                        <a:t>Port</a:t>
+                      </a:r>
+                      <a:r>
+                        <a:rPr lang="it-IT" sz="1200" dirty="0" smtClean="0"/>
+                        <a:t> 4</a:t>
+                      </a:r>
+                      <a:endParaRPr lang="it-IT" sz="1200" dirty="0"/>
+                    </a:p>
+                  </a:txBody>
+                  <a:tcPr>
+                    <a:lnL w="12700" cap="flat" cmpd="sng" algn="ctr">
+                      <a:solidFill>
+                        <a:schemeClr val="tx1"/>
+                      </a:solidFill>
+                      <a:prstDash val="solid"/>
+                      <a:round/>
+                      <a:headEnd type="none" w="med" len="med"/>
+                      <a:tailEnd type="none" w="med" len="med"/>
+                    </a:lnL>
+                    <a:lnB w="12700" cap="flat" cmpd="sng" algn="ctr">
+                      <a:solidFill>
+                        <a:schemeClr val="tx1"/>
+                      </a:solidFill>
+                      <a:prstDash val="solid"/>
+                      <a:round/>
+                      <a:headEnd type="none" w="med" len="med"/>
+                      <a:tailEnd type="none" w="med" len="med"/>
+                    </a:lnB>
+                  </a:tcPr>
+                </a:tc>
+                <a:tc>
+                  <a:txBody>
+                    <a:bodyPr/>
+                    <a:lstStyle/>
+                    <a:p>
+                      <a:r>
+                        <a:rPr lang="it-IT" sz="1200" dirty="0" smtClean="0"/>
+                        <a:t>Output</a:t>
+                      </a:r>
+                      <a:r>
+                        <a:rPr lang="it-IT" sz="1200" baseline="0" dirty="0" smtClean="0"/>
+                        <a:t> </a:t>
+                      </a:r>
+                      <a:r>
+                        <a:rPr lang="it-IT" sz="1200" baseline="0" dirty="0" err="1" smtClean="0"/>
+                        <a:t>port</a:t>
+                      </a:r>
+                      <a:r>
+                        <a:rPr lang="it-IT" sz="1200" baseline="0" dirty="0" smtClean="0"/>
+                        <a:t> 2</a:t>
+                      </a:r>
+                      <a:endParaRPr lang="it-IT" sz="1200" dirty="0"/>
+                    </a:p>
+                  </a:txBody>
+                  <a:tcPr>
+                    <a:lnR w="12700" cap="flat" cmpd="sng" algn="ctr">
+                      <a:solidFill>
+                        <a:schemeClr val="tx1"/>
+                      </a:solidFill>
+                      <a:prstDash val="solid"/>
+                      <a:round/>
+                      <a:headEnd type="none" w="med" len="med"/>
+                      <a:tailEnd type="none" w="med" len="med"/>
+                    </a:lnR>
+                    <a:lnB w="12700" cap="flat" cmpd="sng" algn="ctr">
+                      <a:solidFill>
+                        <a:schemeClr val="tx1"/>
+                      </a:solidFill>
+                      <a:prstDash val="solid"/>
+                      <a:round/>
+                      <a:headEnd type="none" w="med" len="med"/>
+                      <a:tailEnd type="none" w="med" len="med"/>
+                    </a:lnB>
+                  </a:tcPr>
+                </a:tc>
+                <a:extLst>
+                  <a:ext uri="{0D108BD9-81ED-4DB2-BD59-A6C34878D82A}">
+                    <a16:rowId xmlns="" xmlns:a16="http://schemas.microsoft.com/office/drawing/2014/main" val="10004"/>
+                  </a:ext>
+                </a:extLst>
+              </a:tr>
+            </a:tbl>
+          </a:graphicData>
+        </a:graphic>
+      </p:graphicFrame>
       <p:sp>
         <p:nvSpPr>
           <p:cNvPr id="2" name="CustomShape 2"/>
@@ -10113,8 +11202,8 @@
         </p:nvSpPr>
         <p:spPr>
           <a:xfrm>
-            <a:off x="928662" y="2714620"/>
-            <a:ext cx="1500198" cy="359640"/>
+            <a:off x="1624306" y="2078602"/>
+            <a:ext cx="1082812" cy="259581"/>
           </a:xfrm>
           <a:prstGeom prst="rect">
             <a:avLst/>
@@ -10141,12 +11230,12 @@
               </a:lnSpc>
             </a:pPr>
             <a:r>
-              <a:rPr lang="it-IT" sz="1400" dirty="0">
+              <a:rPr lang="it-IT" sz="1200" dirty="0">
                 <a:cs typeface="Times New Roman" pitchFamily="18" charset="0"/>
               </a:rPr>
               <a:t>LSI - 0 </a:t>
             </a:r>
-            <a:endParaRPr sz="1400" dirty="0">
+            <a:endParaRPr sz="1200" dirty="0">
               <a:cs typeface="Times New Roman" pitchFamily="18" charset="0"/>
             </a:endParaRPr>
           </a:p>
@@ -10160,8 +11249,8 @@
         </p:nvCxnSpPr>
         <p:spPr>
           <a:xfrm>
-            <a:off x="1142976" y="3071810"/>
-            <a:ext cx="1198" cy="457200"/>
+            <a:off x="1778993" y="2336414"/>
+            <a:ext cx="865" cy="329997"/>
           </a:xfrm>
           <a:prstGeom prst="line">
             <a:avLst/>
@@ -10195,8 +11284,8 @@
         </p:nvCxnSpPr>
         <p:spPr>
           <a:xfrm>
-            <a:off x="2071670" y="3071810"/>
-            <a:ext cx="0" cy="457200"/>
+            <a:off x="2449305" y="2336414"/>
+            <a:ext cx="0" cy="329997"/>
           </a:xfrm>
           <a:prstGeom prst="line">
             <a:avLst/>
@@ -10230,8 +11319,8 @@
         </p:nvSpPr>
         <p:spPr>
           <a:xfrm>
-            <a:off x="642910" y="3424952"/>
-            <a:ext cx="500066" cy="289800"/>
+            <a:off x="1546767" y="2643764"/>
+            <a:ext cx="360937" cy="209172"/>
           </a:xfrm>
           <a:prstGeom prst="rect">
             <a:avLst/>
@@ -10242,12 +11331,12 @@
           <a:lstStyle/>
           <a:p>
             <a:r>
-              <a:rPr lang="it-IT" sz="1200" dirty="0" smtClean="0">
+              <a:rPr lang="it-IT" sz="1100" dirty="0" smtClean="0">
                 <a:cs typeface="Times New Roman" pitchFamily="18" charset="0"/>
               </a:rPr>
               <a:t>eth0</a:t>
             </a:r>
-            <a:endParaRPr sz="1200" dirty="0">
+            <a:endParaRPr sz="1100" dirty="0">
               <a:cs typeface="Times New Roman" pitchFamily="18" charset="0"/>
             </a:endParaRPr>
           </a:p>
@@ -10261,8 +11350,8 @@
         </p:nvSpPr>
         <p:spPr>
           <a:xfrm>
-            <a:off x="2071670" y="3424952"/>
-            <a:ext cx="500066" cy="289800"/>
+            <a:off x="2266847" y="2643764"/>
+            <a:ext cx="360937" cy="209172"/>
           </a:xfrm>
           <a:prstGeom prst="rect">
             <a:avLst/>
@@ -10273,12 +11362,12 @@
           <a:lstStyle/>
           <a:p>
             <a:r>
-              <a:rPr lang="it-IT" sz="1200" dirty="0" smtClean="0">
+              <a:rPr lang="it-IT" sz="1100" dirty="0" smtClean="0">
                 <a:cs typeface="Times New Roman" pitchFamily="18" charset="0"/>
               </a:rPr>
               <a:t>eth1</a:t>
             </a:r>
-            <a:endParaRPr sz="1200" dirty="0">
+            <a:endParaRPr sz="1100" dirty="0">
               <a:cs typeface="Times New Roman" pitchFamily="18" charset="0"/>
             </a:endParaRPr>
           </a:p>
@@ -10292,8 +11381,8 @@
         </p:nvSpPr>
         <p:spPr>
           <a:xfrm>
-            <a:off x="285720" y="1857364"/>
-            <a:ext cx="1571636" cy="359640"/>
+            <a:off x="971600" y="1459853"/>
+            <a:ext cx="1323018" cy="259581"/>
           </a:xfrm>
           <a:prstGeom prst="rect">
             <a:avLst/>
@@ -10320,30 +11409,30 @@
               </a:lnSpc>
             </a:pPr>
             <a:r>
-              <a:rPr lang="it-IT" sz="1400" dirty="0">
+              <a:rPr lang="it-IT" sz="1200" dirty="0">
                 <a:cs typeface="Times New Roman" pitchFamily="18" charset="0"/>
               </a:rPr>
               <a:t>LSI </a:t>
             </a:r>
             <a:r>
-              <a:rPr lang="it-IT" sz="1400" dirty="0" smtClean="0">
+              <a:rPr lang="it-IT" sz="1200" dirty="0" smtClean="0">
                 <a:cs typeface="Times New Roman" pitchFamily="18" charset="0"/>
               </a:rPr>
               <a:t>– </a:t>
             </a:r>
             <a:r>
-              <a:rPr lang="it-IT" sz="1400" dirty="0" err="1" smtClean="0">
+              <a:rPr lang="it-IT" sz="1200" dirty="0" err="1" smtClean="0">
                 <a:cs typeface="Times New Roman" pitchFamily="18" charset="0"/>
               </a:rPr>
               <a:t>dummy_graph</a:t>
             </a:r>
             <a:r>
-              <a:rPr lang="it-IT" sz="1400" dirty="0" smtClean="0">
+              <a:rPr lang="it-IT" sz="1200" dirty="0" smtClean="0">
                 <a:cs typeface="Times New Roman" pitchFamily="18" charset="0"/>
               </a:rPr>
               <a:t> </a:t>
             </a:r>
-            <a:endParaRPr sz="1400" dirty="0">
+            <a:endParaRPr sz="1200" dirty="0">
               <a:cs typeface="Times New Roman" pitchFamily="18" charset="0"/>
             </a:endParaRPr>
           </a:p>
@@ -10357,8 +11446,8 @@
         </p:nvSpPr>
         <p:spPr>
           <a:xfrm flipH="1" flipV="1">
-            <a:off x="785786" y="2214554"/>
-            <a:ext cx="357190" cy="500066"/>
+            <a:off x="1521181" y="1717665"/>
+            <a:ext cx="257812" cy="360937"/>
           </a:xfrm>
           <a:prstGeom prst="line">
             <a:avLst/>
@@ -10380,8 +11469,8 @@
         </p:nvSpPr>
         <p:spPr>
           <a:xfrm flipH="1" flipV="1">
-            <a:off x="1571604" y="2214554"/>
-            <a:ext cx="428628" cy="500066"/>
+            <a:off x="2088368" y="1717665"/>
+            <a:ext cx="309375" cy="360937"/>
           </a:xfrm>
           <a:prstGeom prst="line">
             <a:avLst/>
@@ -10403,8 +11492,8 @@
         </p:nvSpPr>
         <p:spPr>
           <a:xfrm flipV="1">
-            <a:off x="785786" y="1071546"/>
-            <a:ext cx="0" cy="785818"/>
+            <a:off x="1521181" y="892666"/>
+            <a:ext cx="0" cy="567187"/>
           </a:xfrm>
           <a:prstGeom prst="line">
             <a:avLst/>
@@ -10426,8 +11515,8 @@
         </p:nvSpPr>
         <p:spPr>
           <a:xfrm flipH="1" flipV="1">
-            <a:off x="1214414" y="1142984"/>
-            <a:ext cx="0" cy="714380"/>
+            <a:off x="1830556" y="944228"/>
+            <a:ext cx="0" cy="515624"/>
           </a:xfrm>
           <a:prstGeom prst="line">
             <a:avLst/>
@@ -10449,8 +11538,8 @@
         </p:nvSpPr>
         <p:spPr>
           <a:xfrm>
-            <a:off x="642910" y="714356"/>
-            <a:ext cx="714380" cy="503640"/>
+            <a:off x="1418056" y="634854"/>
+            <a:ext cx="515625" cy="363517"/>
           </a:xfrm>
           <a:prstGeom prst="roundRect">
             <a:avLst>
@@ -10476,12 +11565,12 @@
               </a:lnSpc>
             </a:pPr>
             <a:r>
-              <a:rPr lang="it-IT" sz="1400" dirty="0" err="1" smtClean="0">
+              <a:rPr lang="it-IT" sz="1200" dirty="0" err="1" smtClean="0">
                 <a:cs typeface="Times New Roman" pitchFamily="18" charset="0"/>
               </a:rPr>
               <a:t>dummy</a:t>
             </a:r>
-            <a:endParaRPr sz="1400" dirty="0">
+            <a:endParaRPr sz="1200" dirty="0">
               <a:cs typeface="Times New Roman" pitchFamily="18" charset="0"/>
             </a:endParaRPr>
           </a:p>
@@ -10495,8 +11584,8 @@
         </p:nvSpPr>
         <p:spPr>
           <a:xfrm>
-            <a:off x="285720" y="1214422"/>
-            <a:ext cx="500066" cy="289800"/>
+            <a:off x="1043608" y="995791"/>
+            <a:ext cx="360937" cy="209172"/>
           </a:xfrm>
           <a:prstGeom prst="rect">
             <a:avLst/>
@@ -10507,12 +11596,12 @@
           <a:lstStyle/>
           <a:p>
             <a:r>
-              <a:rPr lang="it-IT" sz="1200" dirty="0" smtClean="0">
+              <a:rPr lang="it-IT" sz="1100" dirty="0" smtClean="0">
                 <a:cs typeface="Times New Roman" pitchFamily="18" charset="0"/>
               </a:rPr>
               <a:t>port1</a:t>
             </a:r>
-            <a:endParaRPr sz="1200" dirty="0">
+            <a:endParaRPr sz="1100" dirty="0">
               <a:cs typeface="Times New Roman" pitchFamily="18" charset="0"/>
             </a:endParaRPr>
           </a:p>
@@ -10526,8 +11615,8 @@
         </p:nvSpPr>
         <p:spPr>
           <a:xfrm>
-            <a:off x="1214414" y="1210374"/>
-            <a:ext cx="500066" cy="289800"/>
+            <a:off x="1830556" y="992869"/>
+            <a:ext cx="360937" cy="209172"/>
           </a:xfrm>
           <a:prstGeom prst="rect">
             <a:avLst/>
@@ -10538,12 +11627,12 @@
           <a:lstStyle/>
           <a:p>
             <a:r>
-              <a:rPr lang="it-IT" sz="1200" dirty="0" smtClean="0">
+              <a:rPr lang="it-IT" sz="1100" dirty="0" smtClean="0">
                 <a:cs typeface="Times New Roman" pitchFamily="18" charset="0"/>
               </a:rPr>
               <a:t>port2</a:t>
             </a:r>
-            <a:endParaRPr sz="1200" dirty="0">
+            <a:endParaRPr sz="1100" dirty="0">
               <a:cs typeface="Times New Roman" pitchFamily="18" charset="0"/>
             </a:endParaRPr>
           </a:p>
@@ -10557,8 +11646,8 @@
         </p:nvSpPr>
         <p:spPr>
           <a:xfrm>
-            <a:off x="928662" y="3071810"/>
-            <a:ext cx="214314" cy="289800"/>
+            <a:off x="1547664" y="2336414"/>
+            <a:ext cx="154687" cy="209172"/>
           </a:xfrm>
           <a:prstGeom prst="rect">
             <a:avLst/>
@@ -10569,12 +11658,12 @@
           <a:lstStyle/>
           <a:p>
             <a:r>
-              <a:rPr lang="it-IT" sz="1200" b="1" dirty="0" smtClean="0">
+              <a:rPr lang="it-IT" sz="1100" b="1" dirty="0" smtClean="0">
                 <a:cs typeface="Times New Roman" pitchFamily="18" charset="0"/>
               </a:rPr>
               <a:t>1</a:t>
             </a:r>
-            <a:endParaRPr sz="1200" b="1" dirty="0">
+            <a:endParaRPr sz="1100" b="1" dirty="0">
               <a:cs typeface="Times New Roman" pitchFamily="18" charset="0"/>
             </a:endParaRPr>
           </a:p>
@@ -10588,8 +11677,8 @@
         </p:nvSpPr>
         <p:spPr>
           <a:xfrm>
-            <a:off x="2071670" y="3071810"/>
-            <a:ext cx="214314" cy="289800"/>
+            <a:off x="2449305" y="2336414"/>
+            <a:ext cx="154687" cy="209172"/>
           </a:xfrm>
           <a:prstGeom prst="rect">
             <a:avLst/>
@@ -10600,12 +11689,12 @@
           <a:lstStyle/>
           <a:p>
             <a:r>
-              <a:rPr lang="it-IT" sz="1200" b="1" dirty="0" smtClean="0">
+              <a:rPr lang="it-IT" sz="1100" b="1" dirty="0" smtClean="0">
                 <a:cs typeface="Times New Roman" pitchFamily="18" charset="0"/>
               </a:rPr>
               <a:t>2</a:t>
             </a:r>
-            <a:endParaRPr sz="1200" b="1" dirty="0">
+            <a:endParaRPr sz="1100" b="1" dirty="0">
               <a:cs typeface="Times New Roman" pitchFamily="18" charset="0"/>
             </a:endParaRPr>
           </a:p>
@@ -10619,8 +11708,8 @@
         </p:nvSpPr>
         <p:spPr>
           <a:xfrm>
-            <a:off x="1071538" y="2500306"/>
-            <a:ext cx="214314" cy="289800"/>
+            <a:off x="1727431" y="1847746"/>
+            <a:ext cx="154687" cy="209172"/>
           </a:xfrm>
           <a:prstGeom prst="rect">
             <a:avLst/>
@@ -10631,12 +11720,12 @@
           <a:lstStyle/>
           <a:p>
             <a:r>
-              <a:rPr lang="it-IT" sz="1200" b="1" dirty="0" smtClean="0">
+              <a:rPr lang="it-IT" sz="1100" b="1" dirty="0" smtClean="0">
                 <a:cs typeface="Times New Roman" pitchFamily="18" charset="0"/>
               </a:rPr>
               <a:t>3</a:t>
             </a:r>
-            <a:endParaRPr sz="1200" b="1" dirty="0">
+            <a:endParaRPr sz="1100" b="1" dirty="0">
               <a:cs typeface="Times New Roman" pitchFamily="18" charset="0"/>
             </a:endParaRPr>
           </a:p>
@@ -10650,8 +11739,8 @@
         </p:nvSpPr>
         <p:spPr>
           <a:xfrm>
-            <a:off x="1928794" y="2496258"/>
-            <a:ext cx="214314" cy="289800"/>
+            <a:off x="2346180" y="1844824"/>
+            <a:ext cx="154687" cy="209172"/>
           </a:xfrm>
           <a:prstGeom prst="rect">
             <a:avLst/>
@@ -10662,12 +11751,12 @@
           <a:lstStyle/>
           <a:p>
             <a:r>
-              <a:rPr lang="it-IT" sz="1200" b="1" dirty="0" smtClean="0">
+              <a:rPr lang="it-IT" sz="1100" b="1" dirty="0" smtClean="0">
                 <a:cs typeface="Times New Roman" pitchFamily="18" charset="0"/>
               </a:rPr>
               <a:t>4</a:t>
             </a:r>
-            <a:endParaRPr sz="1200" b="1" dirty="0">
+            <a:endParaRPr sz="1100" b="1" dirty="0">
               <a:cs typeface="Times New Roman" pitchFamily="18" charset="0"/>
             </a:endParaRPr>
           </a:p>
@@ -10681,8 +11770,8 @@
         </p:nvSpPr>
         <p:spPr>
           <a:xfrm>
-            <a:off x="642910" y="2210506"/>
-            <a:ext cx="214314" cy="289800"/>
+            <a:off x="1418056" y="1714743"/>
+            <a:ext cx="154687" cy="209172"/>
           </a:xfrm>
           <a:prstGeom prst="rect">
             <a:avLst/>
@@ -10693,12 +11782,12 @@
           <a:lstStyle/>
           <a:p>
             <a:r>
-              <a:rPr lang="it-IT" sz="1200" b="1" dirty="0" smtClean="0">
+              <a:rPr lang="it-IT" sz="1100" b="1" dirty="0" smtClean="0">
                 <a:cs typeface="Times New Roman" pitchFamily="18" charset="0"/>
               </a:rPr>
               <a:t>1</a:t>
             </a:r>
-            <a:endParaRPr sz="1200" b="1" dirty="0">
+            <a:endParaRPr sz="1100" b="1" dirty="0">
               <a:cs typeface="Times New Roman" pitchFamily="18" charset="0"/>
             </a:endParaRPr>
           </a:p>
@@ -10712,8 +11801,8 @@
         </p:nvSpPr>
         <p:spPr>
           <a:xfrm>
-            <a:off x="1357290" y="2214554"/>
-            <a:ext cx="214314" cy="289800"/>
+            <a:off x="1933681" y="1717665"/>
+            <a:ext cx="154687" cy="209172"/>
           </a:xfrm>
           <a:prstGeom prst="rect">
             <a:avLst/>
@@ -10724,12 +11813,12 @@
           <a:lstStyle/>
           <a:p>
             <a:r>
-              <a:rPr lang="it-IT" sz="1200" b="1" dirty="0" smtClean="0">
+              <a:rPr lang="it-IT" sz="1100" b="1" dirty="0" smtClean="0">
                 <a:cs typeface="Times New Roman" pitchFamily="18" charset="0"/>
               </a:rPr>
               <a:t>2</a:t>
             </a:r>
-            <a:endParaRPr sz="1200" b="1" dirty="0">
+            <a:endParaRPr sz="1100" b="1" dirty="0">
               <a:cs typeface="Times New Roman" pitchFamily="18" charset="0"/>
             </a:endParaRPr>
           </a:p>
@@ -10743,8 +11832,8 @@
         </p:nvSpPr>
         <p:spPr>
           <a:xfrm>
-            <a:off x="571472" y="1639002"/>
-            <a:ext cx="214314" cy="289800"/>
+            <a:off x="1331640" y="1268760"/>
+            <a:ext cx="154687" cy="209172"/>
           </a:xfrm>
           <a:prstGeom prst="rect">
             <a:avLst/>
@@ -10755,12 +11844,12 @@
           <a:lstStyle/>
           <a:p>
             <a:r>
-              <a:rPr lang="it-IT" sz="1200" b="1" dirty="0" smtClean="0">
+              <a:rPr lang="it-IT" sz="1100" b="1" dirty="0" smtClean="0">
                 <a:cs typeface="Times New Roman" pitchFamily="18" charset="0"/>
               </a:rPr>
               <a:t>3</a:t>
             </a:r>
-            <a:endParaRPr sz="1200" b="1" dirty="0">
+            <a:endParaRPr sz="1100" b="1" dirty="0">
               <a:cs typeface="Times New Roman" pitchFamily="18" charset="0"/>
             </a:endParaRPr>
           </a:p>
@@ -10774,8 +11863,8 @@
         </p:nvSpPr>
         <p:spPr>
           <a:xfrm>
-            <a:off x="1214414" y="1639002"/>
-            <a:ext cx="214314" cy="289800"/>
+            <a:off x="1795702" y="1268760"/>
+            <a:ext cx="154687" cy="209172"/>
           </a:xfrm>
           <a:prstGeom prst="rect">
             <a:avLst/>
@@ -10786,286 +11875,17 @@
           <a:lstStyle/>
           <a:p>
             <a:r>
-              <a:rPr lang="it-IT" sz="1200" b="1" dirty="0" smtClean="0">
+              <a:rPr lang="it-IT" sz="1100" b="1" dirty="0" smtClean="0">
                 <a:cs typeface="Times New Roman" pitchFamily="18" charset="0"/>
               </a:rPr>
               <a:t>4</a:t>
             </a:r>
-            <a:endParaRPr sz="1200" b="1" dirty="0">
+            <a:endParaRPr sz="1100" b="1" dirty="0">
               <a:cs typeface="Times New Roman" pitchFamily="18" charset="0"/>
             </a:endParaRPr>
           </a:p>
         </p:txBody>
       </p:sp>
-      <p:graphicFrame>
-        <p:nvGraphicFramePr>
-          <p:cNvPr id="24" name="Tabella 23"/>
-          <p:cNvGraphicFramePr>
-            <a:graphicFrameLocks noGrp="1"/>
-          </p:cNvGraphicFramePr>
-          <p:nvPr/>
-        </p:nvGraphicFramePr>
-        <p:xfrm>
-          <a:off x="3286116" y="428604"/>
-          <a:ext cx="2500330" cy="1785950"/>
-        </p:xfrm>
-        <a:graphic>
-          <a:graphicData uri="http://schemas.openxmlformats.org/drawingml/2006/table">
-            <a:tbl>
-              <a:tblPr firstRow="1" bandRow="1">
-                <a:tableStyleId>{5C22544A-7EE6-4342-B048-85BDC9FD1C3A}</a:tableStyleId>
-              </a:tblPr>
-              <a:tblGrid>
-                <a:gridCol w="1250165">
-                  <a:extLst>
-                    <a:ext uri="{9D8B030D-6E8A-4147-A177-3AD203B41FA5}">
-                      <a16:colId xmlns:a16="http://schemas.microsoft.com/office/drawing/2014/main" xmlns="" val="20000"/>
-                    </a:ext>
-                  </a:extLst>
-                </a:gridCol>
-                <a:gridCol w="1250165">
-                  <a:extLst>
-                    <a:ext uri="{9D8B030D-6E8A-4147-A177-3AD203B41FA5}">
-                      <a16:colId xmlns:a16="http://schemas.microsoft.com/office/drawing/2014/main" xmlns="" val="20001"/>
-                    </a:ext>
-                  </a:extLst>
-                </a:gridCol>
-              </a:tblGrid>
-              <a:tr h="357190">
-                <a:tc>
-                  <a:txBody>
-                    <a:bodyPr/>
-                    <a:lstStyle/>
-                    <a:p>
-                      <a:r>
-                        <a:rPr lang="it-IT" sz="1400" b="1" dirty="0" smtClean="0"/>
-                        <a:t>Match</a:t>
-                      </a:r>
-                      <a:endParaRPr lang="it-IT" sz="1400" b="1" dirty="0"/>
-                    </a:p>
-                  </a:txBody>
-                  <a:tcPr/>
-                </a:tc>
-                <a:tc>
-                  <a:txBody>
-                    <a:bodyPr/>
-                    <a:lstStyle/>
-                    <a:p>
-                      <a:r>
-                        <a:rPr lang="it-IT" sz="1400" b="1" dirty="0" err="1" smtClean="0"/>
-                        <a:t>Action</a:t>
-                      </a:r>
-                      <a:endParaRPr lang="it-IT" sz="1400" b="1" dirty="0"/>
-                    </a:p>
-                  </a:txBody>
-                  <a:tcPr/>
-                </a:tc>
-                <a:extLst>
-                  <a:ext uri="{0D108BD9-81ED-4DB2-BD59-A6C34878D82A}">
-                    <a16:rowId xmlns:a16="http://schemas.microsoft.com/office/drawing/2014/main" xmlns="" val="10000"/>
-                  </a:ext>
-                </a:extLst>
-              </a:tr>
-              <a:tr h="357190">
-                <a:tc>
-                  <a:txBody>
-                    <a:bodyPr/>
-                    <a:lstStyle/>
-                    <a:p>
-                      <a:r>
-                        <a:rPr lang="it-IT" sz="1400" dirty="0" err="1" smtClean="0"/>
-                        <a:t>Port</a:t>
-                      </a:r>
-                      <a:r>
-                        <a:rPr lang="it-IT" sz="1400" baseline="0" dirty="0" smtClean="0"/>
-                        <a:t> 1</a:t>
-                      </a:r>
-                      <a:endParaRPr lang="it-IT" sz="1400" dirty="0"/>
-                    </a:p>
-                  </a:txBody>
-                  <a:tcPr/>
-                </a:tc>
-                <a:tc>
-                  <a:txBody>
-                    <a:bodyPr/>
-                    <a:lstStyle/>
-                    <a:p>
-                      <a:r>
-                        <a:rPr lang="it-IT" sz="1400" dirty="0" smtClean="0"/>
-                        <a:t>Output </a:t>
-                      </a:r>
-                      <a:r>
-                        <a:rPr lang="it-IT" sz="1400" dirty="0" err="1" smtClean="0"/>
-                        <a:t>port</a:t>
-                      </a:r>
-                      <a:r>
-                        <a:rPr lang="it-IT" sz="1400" baseline="0" dirty="0" smtClean="0"/>
-                        <a:t> 3</a:t>
-                      </a:r>
-                      <a:endParaRPr lang="it-IT" sz="1400" dirty="0"/>
-                    </a:p>
-                  </a:txBody>
-                  <a:tcPr/>
-                </a:tc>
-                <a:extLst>
-                  <a:ext uri="{0D108BD9-81ED-4DB2-BD59-A6C34878D82A}">
-                    <a16:rowId xmlns:a16="http://schemas.microsoft.com/office/drawing/2014/main" xmlns="" val="10001"/>
-                  </a:ext>
-                </a:extLst>
-              </a:tr>
-              <a:tr h="357190">
-                <a:tc>
-                  <a:txBody>
-                    <a:bodyPr/>
-                    <a:lstStyle/>
-                    <a:p>
-                      <a:r>
-                        <a:rPr lang="it-IT" sz="1400" dirty="0" err="1" smtClean="0"/>
-                        <a:t>Port</a:t>
-                      </a:r>
-                      <a:r>
-                        <a:rPr lang="it-IT" sz="1400" dirty="0" smtClean="0"/>
-                        <a:t> 3</a:t>
-                      </a:r>
-                      <a:endParaRPr lang="it-IT" sz="1400" dirty="0"/>
-                    </a:p>
-                  </a:txBody>
-                  <a:tcPr/>
-                </a:tc>
-                <a:tc>
-                  <a:txBody>
-                    <a:bodyPr/>
-                    <a:lstStyle/>
-                    <a:p>
-                      <a:r>
-                        <a:rPr lang="it-IT" sz="1400" dirty="0" smtClean="0"/>
-                        <a:t>Output</a:t>
-                      </a:r>
-                      <a:r>
-                        <a:rPr lang="it-IT" sz="1400" baseline="0" dirty="0" smtClean="0"/>
-                        <a:t> </a:t>
-                      </a:r>
-                      <a:r>
-                        <a:rPr lang="it-IT" sz="1400" baseline="0" dirty="0" err="1" smtClean="0"/>
-                        <a:t>port</a:t>
-                      </a:r>
-                      <a:r>
-                        <a:rPr lang="it-IT" sz="1400" baseline="0" dirty="0" smtClean="0"/>
-                        <a:t> 1</a:t>
-                      </a:r>
-                      <a:endParaRPr lang="it-IT" sz="1400" dirty="0"/>
-                    </a:p>
-                  </a:txBody>
-                  <a:tcPr/>
-                </a:tc>
-                <a:extLst>
-                  <a:ext uri="{0D108BD9-81ED-4DB2-BD59-A6C34878D82A}">
-                    <a16:rowId xmlns:a16="http://schemas.microsoft.com/office/drawing/2014/main" xmlns="" val="10002"/>
-                  </a:ext>
-                </a:extLst>
-              </a:tr>
-              <a:tr h="357190">
-                <a:tc>
-                  <a:txBody>
-                    <a:bodyPr/>
-                    <a:lstStyle/>
-                    <a:p>
-                      <a:r>
-                        <a:rPr lang="it-IT" sz="1400" dirty="0" err="1" smtClean="0"/>
-                        <a:t>Port</a:t>
-                      </a:r>
-                      <a:r>
-                        <a:rPr lang="it-IT" sz="1400" dirty="0" smtClean="0"/>
-                        <a:t> 2</a:t>
-                      </a:r>
-                      <a:endParaRPr lang="it-IT" sz="1400" dirty="0"/>
-                    </a:p>
-                  </a:txBody>
-                  <a:tcPr/>
-                </a:tc>
-                <a:tc>
-                  <a:txBody>
-                    <a:bodyPr/>
-                    <a:lstStyle/>
-                    <a:p>
-                      <a:r>
-                        <a:rPr lang="it-IT" sz="1400" dirty="0" smtClean="0"/>
-                        <a:t>Output </a:t>
-                      </a:r>
-                      <a:r>
-                        <a:rPr lang="it-IT" sz="1400" dirty="0" err="1" smtClean="0"/>
-                        <a:t>port</a:t>
-                      </a:r>
-                      <a:r>
-                        <a:rPr lang="it-IT" sz="1400" baseline="0" dirty="0" smtClean="0"/>
-                        <a:t> 4</a:t>
-                      </a:r>
-                      <a:endParaRPr lang="it-IT" sz="1400" dirty="0"/>
-                    </a:p>
-                  </a:txBody>
-                  <a:tcPr/>
-                </a:tc>
-                <a:extLst>
-                  <a:ext uri="{0D108BD9-81ED-4DB2-BD59-A6C34878D82A}">
-                    <a16:rowId xmlns:a16="http://schemas.microsoft.com/office/drawing/2014/main" xmlns="" val="10003"/>
-                  </a:ext>
-                </a:extLst>
-              </a:tr>
-              <a:tr h="357190">
-                <a:tc>
-                  <a:txBody>
-                    <a:bodyPr/>
-                    <a:lstStyle/>
-                    <a:p>
-                      <a:r>
-                        <a:rPr lang="it-IT" sz="1400" dirty="0" err="1" smtClean="0"/>
-                        <a:t>Port</a:t>
-                      </a:r>
-                      <a:r>
-                        <a:rPr lang="it-IT" sz="1400" dirty="0" smtClean="0"/>
-                        <a:t> 4</a:t>
-                      </a:r>
-                      <a:endParaRPr lang="it-IT" sz="1400" dirty="0"/>
-                    </a:p>
-                  </a:txBody>
-                  <a:tcPr/>
-                </a:tc>
-                <a:tc>
-                  <a:txBody>
-                    <a:bodyPr/>
-                    <a:lstStyle/>
-                    <a:p>
-                      <a:r>
-                        <a:rPr lang="it-IT" sz="1400" dirty="0" smtClean="0"/>
-                        <a:t>Output</a:t>
-                      </a:r>
-                      <a:r>
-                        <a:rPr lang="it-IT" sz="1400" baseline="0" dirty="0" smtClean="0"/>
-                        <a:t> </a:t>
-                      </a:r>
-                      <a:r>
-                        <a:rPr lang="it-IT" sz="1400" baseline="0" dirty="0" err="1" smtClean="0"/>
-                        <a:t>port</a:t>
-                      </a:r>
-                      <a:r>
-                        <a:rPr lang="it-IT" sz="1400" baseline="0" dirty="0" smtClean="0"/>
-                        <a:t> 2</a:t>
-                      </a:r>
-                      <a:endParaRPr lang="it-IT" sz="1400" dirty="0"/>
-                    </a:p>
-                  </a:txBody>
-                  <a:tcPr/>
-                </a:tc>
-                <a:extLst>
-                  <a:ext uri="{0D108BD9-81ED-4DB2-BD59-A6C34878D82A}">
-                    <a16:rowId xmlns:a16="http://schemas.microsoft.com/office/drawing/2014/main" xmlns="" val="10004"/>
-                  </a:ext>
-                </a:extLst>
-              </a:tr>
-            </a:tbl>
-          </a:graphicData>
-        </a:graphic>
-      </p:graphicFrame>
       <p:cxnSp>
         <p:nvCxnSpPr>
           <p:cNvPr id="26" name="Connettore 1 25"/>
@@ -11074,8 +11894,8 @@
         </p:nvCxnSpPr>
         <p:spPr>
           <a:xfrm rot="5400000" flipH="1" flipV="1">
-            <a:off x="1857356" y="428604"/>
-            <a:ext cx="1428760" cy="1428760"/>
+            <a:off x="2294618" y="428604"/>
+            <a:ext cx="1031249" cy="1031249"/>
           </a:xfrm>
           <a:prstGeom prst="line">
             <a:avLst/>
@@ -11110,8 +11930,8 @@
         </p:nvCxnSpPr>
         <p:spPr>
           <a:xfrm>
-            <a:off x="1857356" y="2214554"/>
-            <a:ext cx="1428760" cy="1588"/>
+            <a:off x="2294618" y="1717665"/>
+            <a:ext cx="1053246" cy="174412"/>
           </a:xfrm>
           <a:prstGeom prst="line">
             <a:avLst/>
@@ -11138,275 +11958,6 @@
           </a:fontRef>
         </p:style>
       </p:cxnSp>
-      <p:graphicFrame>
-        <p:nvGraphicFramePr>
-          <p:cNvPr id="30" name="Tabella 29"/>
-          <p:cNvGraphicFramePr>
-            <a:graphicFrameLocks noGrp="1"/>
-          </p:cNvGraphicFramePr>
-          <p:nvPr/>
-        </p:nvGraphicFramePr>
-        <p:xfrm>
-          <a:off x="3357554" y="2500306"/>
-          <a:ext cx="2500330" cy="1785950"/>
-        </p:xfrm>
-        <a:graphic>
-          <a:graphicData uri="http://schemas.openxmlformats.org/drawingml/2006/table">
-            <a:tbl>
-              <a:tblPr firstRow="1" bandRow="1">
-                <a:tableStyleId>{5C22544A-7EE6-4342-B048-85BDC9FD1C3A}</a:tableStyleId>
-              </a:tblPr>
-              <a:tblGrid>
-                <a:gridCol w="1250165">
-                  <a:extLst>
-                    <a:ext uri="{9D8B030D-6E8A-4147-A177-3AD203B41FA5}">
-                      <a16:colId xmlns:a16="http://schemas.microsoft.com/office/drawing/2014/main" xmlns="" val="20000"/>
-                    </a:ext>
-                  </a:extLst>
-                </a:gridCol>
-                <a:gridCol w="1250165">
-                  <a:extLst>
-                    <a:ext uri="{9D8B030D-6E8A-4147-A177-3AD203B41FA5}">
-                      <a16:colId xmlns:a16="http://schemas.microsoft.com/office/drawing/2014/main" xmlns="" val="20001"/>
-                    </a:ext>
-                  </a:extLst>
-                </a:gridCol>
-              </a:tblGrid>
-              <a:tr h="357190">
-                <a:tc>
-                  <a:txBody>
-                    <a:bodyPr/>
-                    <a:lstStyle/>
-                    <a:p>
-                      <a:r>
-                        <a:rPr lang="it-IT" sz="1400" b="1" dirty="0" smtClean="0"/>
-                        <a:t>Match</a:t>
-                      </a:r>
-                      <a:endParaRPr lang="it-IT" sz="1400" b="1" dirty="0"/>
-                    </a:p>
-                  </a:txBody>
-                  <a:tcPr/>
-                </a:tc>
-                <a:tc>
-                  <a:txBody>
-                    <a:bodyPr/>
-                    <a:lstStyle/>
-                    <a:p>
-                      <a:r>
-                        <a:rPr lang="it-IT" sz="1400" b="1" dirty="0" err="1" smtClean="0"/>
-                        <a:t>Action</a:t>
-                      </a:r>
-                      <a:endParaRPr lang="it-IT" sz="1400" b="1" dirty="0"/>
-                    </a:p>
-                  </a:txBody>
-                  <a:tcPr/>
-                </a:tc>
-                <a:extLst>
-                  <a:ext uri="{0D108BD9-81ED-4DB2-BD59-A6C34878D82A}">
-                    <a16:rowId xmlns:a16="http://schemas.microsoft.com/office/drawing/2014/main" xmlns="" val="10000"/>
-                  </a:ext>
-                </a:extLst>
-              </a:tr>
-              <a:tr h="357190">
-                <a:tc>
-                  <a:txBody>
-                    <a:bodyPr/>
-                    <a:lstStyle/>
-                    <a:p>
-                      <a:r>
-                        <a:rPr lang="it-IT" sz="1400" dirty="0" err="1" smtClean="0"/>
-                        <a:t>Port</a:t>
-                      </a:r>
-                      <a:r>
-                        <a:rPr lang="it-IT" sz="1400" baseline="0" dirty="0" smtClean="0"/>
-                        <a:t> 1</a:t>
-                      </a:r>
-                      <a:endParaRPr lang="it-IT" sz="1400" dirty="0"/>
-                    </a:p>
-                  </a:txBody>
-                  <a:tcPr/>
-                </a:tc>
-                <a:tc>
-                  <a:txBody>
-                    <a:bodyPr/>
-                    <a:lstStyle/>
-                    <a:p>
-                      <a:r>
-                        <a:rPr lang="it-IT" sz="1400" dirty="0" smtClean="0"/>
-                        <a:t>Output </a:t>
-                      </a:r>
-                      <a:r>
-                        <a:rPr lang="it-IT" sz="1400" dirty="0" err="1" smtClean="0"/>
-                        <a:t>port</a:t>
-                      </a:r>
-                      <a:r>
-                        <a:rPr lang="it-IT" sz="1400" baseline="0" dirty="0" smtClean="0"/>
-                        <a:t> 3</a:t>
-                      </a:r>
-                      <a:endParaRPr lang="it-IT" sz="1400" dirty="0"/>
-                    </a:p>
-                  </a:txBody>
-                  <a:tcPr/>
-                </a:tc>
-                <a:extLst>
-                  <a:ext uri="{0D108BD9-81ED-4DB2-BD59-A6C34878D82A}">
-                    <a16:rowId xmlns:a16="http://schemas.microsoft.com/office/drawing/2014/main" xmlns="" val="10001"/>
-                  </a:ext>
-                </a:extLst>
-              </a:tr>
-              <a:tr h="357190">
-                <a:tc>
-                  <a:txBody>
-                    <a:bodyPr/>
-                    <a:lstStyle/>
-                    <a:p>
-                      <a:r>
-                        <a:rPr lang="it-IT" sz="1400" dirty="0" err="1" smtClean="0"/>
-                        <a:t>Port</a:t>
-                      </a:r>
-                      <a:r>
-                        <a:rPr lang="it-IT" sz="1400" dirty="0" smtClean="0"/>
-                        <a:t> 3</a:t>
-                      </a:r>
-                      <a:endParaRPr lang="it-IT" sz="1400" dirty="0"/>
-                    </a:p>
-                  </a:txBody>
-                  <a:tcPr/>
-                </a:tc>
-                <a:tc>
-                  <a:txBody>
-                    <a:bodyPr/>
-                    <a:lstStyle/>
-                    <a:p>
-                      <a:r>
-                        <a:rPr lang="it-IT" sz="1400" dirty="0" smtClean="0"/>
-                        <a:t>Output</a:t>
-                      </a:r>
-                      <a:r>
-                        <a:rPr lang="it-IT" sz="1400" baseline="0" dirty="0" smtClean="0"/>
-                        <a:t> </a:t>
-                      </a:r>
-                      <a:r>
-                        <a:rPr lang="it-IT" sz="1400" baseline="0" dirty="0" err="1" smtClean="0"/>
-                        <a:t>port</a:t>
-                      </a:r>
-                      <a:r>
-                        <a:rPr lang="it-IT" sz="1400" baseline="0" dirty="0" smtClean="0"/>
-                        <a:t> 1</a:t>
-                      </a:r>
-                      <a:endParaRPr lang="it-IT" sz="1400" dirty="0"/>
-                    </a:p>
-                  </a:txBody>
-                  <a:tcPr/>
-                </a:tc>
-                <a:extLst>
-                  <a:ext uri="{0D108BD9-81ED-4DB2-BD59-A6C34878D82A}">
-                    <a16:rowId xmlns:a16="http://schemas.microsoft.com/office/drawing/2014/main" xmlns="" val="10002"/>
-                  </a:ext>
-                </a:extLst>
-              </a:tr>
-              <a:tr h="357190">
-                <a:tc>
-                  <a:txBody>
-                    <a:bodyPr/>
-                    <a:lstStyle/>
-                    <a:p>
-                      <a:r>
-                        <a:rPr lang="it-IT" sz="1400" dirty="0" err="1" smtClean="0"/>
-                        <a:t>Port</a:t>
-                      </a:r>
-                      <a:r>
-                        <a:rPr lang="it-IT" sz="1400" dirty="0" smtClean="0"/>
-                        <a:t> 2</a:t>
-                      </a:r>
-                      <a:endParaRPr lang="it-IT" sz="1400" dirty="0"/>
-                    </a:p>
-                  </a:txBody>
-                  <a:tcPr/>
-                </a:tc>
-                <a:tc>
-                  <a:txBody>
-                    <a:bodyPr/>
-                    <a:lstStyle/>
-                    <a:p>
-                      <a:r>
-                        <a:rPr lang="it-IT" sz="1400" dirty="0" smtClean="0"/>
-                        <a:t>Output </a:t>
-                      </a:r>
-                      <a:r>
-                        <a:rPr lang="it-IT" sz="1400" dirty="0" err="1" smtClean="0"/>
-                        <a:t>port</a:t>
-                      </a:r>
-                      <a:r>
-                        <a:rPr lang="it-IT" sz="1400" baseline="0" dirty="0" smtClean="0"/>
-                        <a:t> 4</a:t>
-                      </a:r>
-                      <a:endParaRPr lang="it-IT" sz="1400" dirty="0"/>
-                    </a:p>
-                  </a:txBody>
-                  <a:tcPr/>
-                </a:tc>
-                <a:extLst>
-                  <a:ext uri="{0D108BD9-81ED-4DB2-BD59-A6C34878D82A}">
-                    <a16:rowId xmlns:a16="http://schemas.microsoft.com/office/drawing/2014/main" xmlns="" val="10003"/>
-                  </a:ext>
-                </a:extLst>
-              </a:tr>
-              <a:tr h="357190">
-                <a:tc>
-                  <a:txBody>
-                    <a:bodyPr/>
-                    <a:lstStyle/>
-                    <a:p>
-                      <a:r>
-                        <a:rPr lang="it-IT" sz="1400" dirty="0" err="1" smtClean="0"/>
-                        <a:t>Port</a:t>
-                      </a:r>
-                      <a:r>
-                        <a:rPr lang="it-IT" sz="1400" dirty="0" smtClean="0"/>
-                        <a:t> 4</a:t>
-                      </a:r>
-                      <a:endParaRPr lang="it-IT" sz="1400" dirty="0"/>
-                    </a:p>
-                  </a:txBody>
-                  <a:tcPr/>
-                </a:tc>
-                <a:tc>
-                  <a:txBody>
-                    <a:bodyPr/>
-                    <a:lstStyle/>
-                    <a:p>
-                      <a:r>
-                        <a:rPr lang="it-IT" sz="1400" dirty="0" smtClean="0"/>
-                        <a:t>Output</a:t>
-                      </a:r>
-                      <a:r>
-                        <a:rPr lang="it-IT" sz="1400" baseline="0" dirty="0" smtClean="0"/>
-                        <a:t> </a:t>
-                      </a:r>
-                      <a:r>
-                        <a:rPr lang="it-IT" sz="1400" baseline="0" dirty="0" err="1" smtClean="0"/>
-                        <a:t>port</a:t>
-                      </a:r>
-                      <a:r>
-                        <a:rPr lang="it-IT" sz="1400" baseline="0" dirty="0" smtClean="0"/>
-                        <a:t> 2</a:t>
-                      </a:r>
-                      <a:endParaRPr lang="it-IT" sz="1400" dirty="0"/>
-                    </a:p>
-                  </a:txBody>
-                  <a:tcPr/>
-                </a:tc>
-                <a:extLst>
-                  <a:ext uri="{0D108BD9-81ED-4DB2-BD59-A6C34878D82A}">
-                    <a16:rowId xmlns:a16="http://schemas.microsoft.com/office/drawing/2014/main" xmlns="" val="10004"/>
-                  </a:ext>
-                </a:extLst>
-              </a:tr>
-            </a:tbl>
-          </a:graphicData>
-        </a:graphic>
-      </p:graphicFrame>
       <p:cxnSp>
         <p:nvCxnSpPr>
           <p:cNvPr id="31" name="Connettore 1 30"/>
@@ -11414,9 +11965,9 @@
           <p:nvPr/>
         </p:nvCxnSpPr>
         <p:spPr>
-          <a:xfrm rot="10800000" flipV="1">
-            <a:off x="2428860" y="2500306"/>
-            <a:ext cx="1000132" cy="214314"/>
+          <a:xfrm flipH="1" flipV="1">
+            <a:off x="2707118" y="2078602"/>
+            <a:ext cx="670312" cy="54254"/>
           </a:xfrm>
           <a:prstGeom prst="line">
             <a:avLst/>
@@ -11450,9 +12001,9 @@
           <p:nvPr/>
         </p:nvCxnSpPr>
         <p:spPr>
-          <a:xfrm rot="16200000" flipV="1">
-            <a:off x="2285984" y="3214686"/>
-            <a:ext cx="1214446" cy="928694"/>
+          <a:xfrm flipH="1" flipV="1">
+            <a:off x="2707118" y="2336414"/>
+            <a:ext cx="640746" cy="1202322"/>
           </a:xfrm>
           <a:prstGeom prst="line">
             <a:avLst/>
@@ -11480,6 +12031,11 @@
         </p:style>
       </p:cxnSp>
     </p:spTree>
+    <p:extLst>
+      <p:ext uri="{BB962C8B-B14F-4D97-AF65-F5344CB8AC3E}">
+        <p14:creationId xmlns:p14="http://schemas.microsoft.com/office/powerpoint/2010/main" val="2487360343"/>
+      </p:ext>
+    </p:extLst>
   </p:cSld>
   <p:clrMapOvr>
     <a:masterClrMapping/>
@@ -11551,7 +12107,7 @@
           <a:lstStyle/>
           <a:p>
             <a:pPr algn="ctr"/>
-            <a:endParaRPr lang="it-IT" sz="1400" b="1" dirty="0">
+            <a:endParaRPr lang="it-IT" sz="1400" dirty="0">
               <a:solidFill>
                 <a:schemeClr val="tx1"/>
               </a:solidFill>
@@ -11642,7 +12198,7 @@
           <a:lstStyle/>
           <a:p>
             <a:pPr algn="ctr"/>
-            <a:endParaRPr lang="it-IT" sz="1200" b="1" dirty="0">
+            <a:endParaRPr lang="it-IT" sz="1200" dirty="0">
               <a:solidFill>
                 <a:schemeClr val="tx1"/>
               </a:solidFill>
@@ -11702,7 +12258,7 @@
           <a:lstStyle/>
           <a:p>
             <a:pPr algn="ctr"/>
-            <a:endParaRPr lang="it-IT" sz="1200" b="1" dirty="0">
+            <a:endParaRPr lang="it-IT" sz="1200" dirty="0">
               <a:solidFill>
                 <a:schemeClr val="tx1"/>
               </a:solidFill>
@@ -11757,7 +12313,7 @@
           <a:lstStyle/>
           <a:p>
             <a:pPr algn="ctr"/>
-            <a:endParaRPr lang="it-IT" sz="1200" b="1" dirty="0">
+            <a:endParaRPr lang="it-IT" sz="1200" dirty="0">
               <a:solidFill>
                 <a:schemeClr val="tx1"/>
               </a:solidFill>
@@ -11888,7 +12444,7 @@
           <a:lstStyle/>
           <a:p>
             <a:pPr algn="ctr"/>
-            <a:endParaRPr lang="it-IT" sz="1200" b="1" dirty="0">
+            <a:endParaRPr lang="it-IT" sz="1200" dirty="0">
               <a:solidFill>
                 <a:schemeClr val="tx1"/>
               </a:solidFill>
@@ -11919,10 +12475,10 @@
           <a:lstStyle/>
           <a:p>
             <a:r>
-              <a:rPr lang="it-IT" sz="1000" b="1" dirty="0" smtClean="0"/>
+              <a:rPr lang="it-IT" sz="1000" dirty="0" smtClean="0"/>
               <a:t>port1</a:t>
             </a:r>
-            <a:endParaRPr lang="it-IT" sz="1000" b="1" dirty="0"/>
+            <a:endParaRPr lang="it-IT" sz="1000" dirty="0"/>
           </a:p>
         </p:txBody>
       </p:sp>
@@ -11949,10 +12505,10 @@
           <a:lstStyle/>
           <a:p>
             <a:r>
-              <a:rPr lang="it-IT" sz="1000" b="1" dirty="0" smtClean="0"/>
+              <a:rPr lang="it-IT" sz="1000" dirty="0" smtClean="0"/>
               <a:t>port2</a:t>
             </a:r>
-            <a:endParaRPr lang="it-IT" sz="1000" b="1" dirty="0"/>
+            <a:endParaRPr lang="it-IT" sz="1000" dirty="0"/>
           </a:p>
         </p:txBody>
       </p:sp>
@@ -11979,10 +12535,10 @@
           <a:lstStyle/>
           <a:p>
             <a:r>
-              <a:rPr lang="it-IT" sz="1000" b="1" dirty="0" smtClean="0"/>
+              <a:rPr lang="it-IT" sz="1000" dirty="0" smtClean="0"/>
               <a:t>eth0</a:t>
             </a:r>
-            <a:endParaRPr lang="it-IT" sz="1000" b="1" dirty="0"/>
+            <a:endParaRPr lang="it-IT" sz="1000" dirty="0"/>
           </a:p>
         </p:txBody>
       </p:sp>
@@ -12009,10 +12565,10 @@
           <a:lstStyle/>
           <a:p>
             <a:r>
-              <a:rPr lang="it-IT" sz="1000" b="1" dirty="0" smtClean="0"/>
+              <a:rPr lang="it-IT" sz="1000" dirty="0" smtClean="0"/>
               <a:t>eth1</a:t>
             </a:r>
-            <a:endParaRPr lang="it-IT" sz="1000" b="1" dirty="0"/>
+            <a:endParaRPr lang="it-IT" sz="1000" dirty="0"/>
           </a:p>
         </p:txBody>
       </p:sp>
@@ -12041,128 +12597,6 @@
           <a:chExt cx="0" cy="0"/>
         </a:xfrm>
       </p:grpSpPr>
-      <p:sp>
-        <p:nvSpPr>
-          <p:cNvPr id="19" name="Nuvola 18"/>
-          <p:cNvSpPr/>
-          <p:nvPr/>
-        </p:nvSpPr>
-        <p:spPr>
-          <a:xfrm>
-            <a:off x="3338360" y="2360736"/>
-            <a:ext cx="2032390" cy="1199466"/>
-          </a:xfrm>
-          <a:prstGeom prst="cloud">
-            <a:avLst/>
-          </a:prstGeom>
-          <a:gradFill>
-            <a:gsLst>
-              <a:gs pos="0">
-                <a:schemeClr val="accent1">
-                  <a:lumMod val="5000"/>
-                  <a:lumOff val="95000"/>
-                </a:schemeClr>
-              </a:gs>
-              <a:gs pos="74000">
-                <a:schemeClr val="accent1">
-                  <a:lumMod val="45000"/>
-                  <a:lumOff val="55000"/>
-                </a:schemeClr>
-              </a:gs>
-              <a:gs pos="83000">
-                <a:schemeClr val="accent1">
-                  <a:lumMod val="45000"/>
-                  <a:lumOff val="55000"/>
-                </a:schemeClr>
-              </a:gs>
-              <a:gs pos="100000">
-                <a:schemeClr val="accent1">
-                  <a:lumMod val="30000"/>
-                  <a:lumOff val="70000"/>
-                </a:schemeClr>
-              </a:gs>
-            </a:gsLst>
-            <a:lin ang="5400000" scaled="1"/>
-          </a:gradFill>
-        </p:spPr>
-        <p:style>
-          <a:lnRef idx="2">
-            <a:schemeClr val="accent1">
-              <a:shade val="50000"/>
-            </a:schemeClr>
-          </a:lnRef>
-          <a:fillRef idx="1">
-            <a:schemeClr val="accent1"/>
-          </a:fillRef>
-          <a:effectRef idx="0">
-            <a:schemeClr val="accent1"/>
-          </a:effectRef>
-          <a:fontRef idx="minor">
-            <a:schemeClr val="lt1"/>
-          </a:fontRef>
-        </p:style>
-        <p:txBody>
-          <a:bodyPr rtlCol="0" anchor="ctr"/>
-          <a:lstStyle/>
-          <a:p>
-            <a:pPr algn="ctr"/>
-            <a:endParaRPr lang="en-US">
-              <a:latin typeface="Arial" panose="020B0604020202020204" pitchFamily="34" charset="0"/>
-              <a:cs typeface="Arial" panose="020B0604020202020204" pitchFamily="34" charset="0"/>
-            </a:endParaRPr>
-          </a:p>
-        </p:txBody>
-      </p:sp>
-      <p:sp>
-        <p:nvSpPr>
-          <p:cNvPr id="8" name="Cilindro 7"/>
-          <p:cNvSpPr/>
-          <p:nvPr/>
-        </p:nvSpPr>
-        <p:spPr>
-          <a:xfrm rot="5400000">
-            <a:off x="4278526" y="1645791"/>
-            <a:ext cx="363052" cy="2727121"/>
-          </a:xfrm>
-          <a:prstGeom prst="can">
-            <a:avLst/>
-          </a:prstGeom>
-        </p:spPr>
-        <p:style>
-          <a:lnRef idx="2">
-            <a:schemeClr val="accent1">
-              <a:shade val="50000"/>
-            </a:schemeClr>
-          </a:lnRef>
-          <a:fillRef idx="1">
-            <a:schemeClr val="accent1"/>
-          </a:fillRef>
-          <a:effectRef idx="0">
-            <a:schemeClr val="accent1"/>
-          </a:effectRef>
-          <a:fontRef idx="minor">
-            <a:schemeClr val="lt1"/>
-          </a:fontRef>
-        </p:style>
-        <p:txBody>
-          <a:bodyPr vert="vert270" rtlCol="0" anchor="ctr"/>
-          <a:lstStyle/>
-          <a:p>
-            <a:pPr algn="ctr"/>
-            <a:r>
-              <a:rPr lang="en-US" dirty="0" smtClean="0">
-                <a:latin typeface="Arial" panose="020B0604020202020204" pitchFamily="34" charset="0"/>
-                <a:cs typeface="Arial" panose="020B0604020202020204" pitchFamily="34" charset="0"/>
-              </a:rPr>
-              <a:t>IPsec tunnel</a:t>
-            </a:r>
-            <a:endParaRPr lang="en-US" dirty="0">
-              <a:latin typeface="Arial" panose="020B0604020202020204" pitchFamily="34" charset="0"/>
-              <a:cs typeface="Arial" panose="020B0604020202020204" pitchFamily="34" charset="0"/>
-            </a:endParaRPr>
-          </a:p>
-        </p:txBody>
-      </p:sp>
       <p:cxnSp>
         <p:nvCxnSpPr>
           <p:cNvPr id="10" name="Connettore 1 9"/>
@@ -12171,7 +12605,7 @@
         </p:nvCxnSpPr>
         <p:spPr>
           <a:xfrm flipH="1" flipV="1">
-            <a:off x="1466850" y="2963313"/>
+            <a:off x="1586803" y="2963313"/>
             <a:ext cx="431903" cy="1"/>
           </a:xfrm>
           <a:prstGeom prst="line">
@@ -12206,7 +12640,7 @@
         </p:nvCxnSpPr>
         <p:spPr>
           <a:xfrm flipH="1">
-            <a:off x="1447800" y="2527300"/>
+            <a:off x="1567753" y="2527300"/>
             <a:ext cx="12700" cy="2159000"/>
           </a:xfrm>
           <a:prstGeom prst="line">
@@ -12241,7 +12675,7 @@
         </p:nvCxnSpPr>
         <p:spPr>
           <a:xfrm flipH="1" flipV="1">
-            <a:off x="1028597" y="4237792"/>
+            <a:off x="1148550" y="4237792"/>
             <a:ext cx="431903" cy="1"/>
           </a:xfrm>
           <a:prstGeom prst="line">
@@ -12277,7 +12711,7 @@
           <p:nvPr/>
         </p:nvPicPr>
         <p:blipFill>
-          <a:blip r:embed="rId2" cstate="print">
+          <a:blip r:embed="rId3" cstate="print">
             <a:extLst>
               <a:ext uri="{28A0092B-C50C-407E-A947-70E740481C1C}">
                 <a14:useLocalDpi xmlns:a14="http://schemas.microsoft.com/office/drawing/2010/main" val="0"/>
@@ -12290,7 +12724,7 @@
         </p:blipFill>
         <p:spPr>
           <a:xfrm>
-            <a:off x="515280" y="3983837"/>
+            <a:off x="635233" y="3983837"/>
             <a:ext cx="303716" cy="507910"/>
           </a:xfrm>
           <a:prstGeom prst="rect">
@@ -12306,242 +12740,46 @@
         </p:nvSpPr>
         <p:spPr>
           <a:xfrm>
-            <a:off x="117946" y="2960469"/>
-            <a:ext cx="1338829" cy="646331"/>
+            <a:off x="367742" y="2960469"/>
+            <a:ext cx="1079142" cy="523220"/>
           </a:xfrm>
           <a:prstGeom prst="rect">
             <a:avLst/>
           </a:prstGeom>
-          <a:noFill/>
-        </p:spPr>
-        <p:txBody>
-          <a:bodyPr wrap="none" rtlCol="0">
+          <a:ln w="12700">
+            <a:solidFill>
+              <a:schemeClr val="tx1"/>
+            </a:solidFill>
+            <a:prstDash val="dash"/>
+          </a:ln>
+        </p:spPr>
+        <p:txBody>
+          <a:bodyPr wrap="square">
             <a:spAutoFit/>
           </a:bodyPr>
-          <a:lstStyle/>
-          <a:p>
-            <a:pPr algn="ctr"/>
-            <a:r>
-              <a:rPr lang="en-US" dirty="0" smtClean="0">
+          <a:lstStyle>
+            <a:defPPr>
+              <a:defRPr lang="en-US"/>
+            </a:defPPr>
+            <a:lvl1pPr algn="ctr">
+              <a:defRPr sz="1400">
                 <a:latin typeface="Arial" panose="020B0604020202020204" pitchFamily="34" charset="0"/>
                 <a:cs typeface="Arial" panose="020B0604020202020204" pitchFamily="34" charset="0"/>
-              </a:rPr>
+              </a:defRPr>
+            </a:lvl1pPr>
+          </a:lstStyle>
+          <a:p>
+            <a:r>
+              <a:rPr lang="en-US" dirty="0"/>
               <a:t>Network</a:t>
             </a:r>
           </a:p>
           <a:p>
-            <a:pPr algn="ctr"/>
-            <a:r>
-              <a:rPr lang="en-US" dirty="0" smtClean="0">
-                <a:latin typeface="Arial" panose="020B0604020202020204" pitchFamily="34" charset="0"/>
-                <a:cs typeface="Arial" panose="020B0604020202020204" pitchFamily="34" charset="0"/>
-              </a:rPr>
+            <a:r>
+              <a:rPr lang="en-US" dirty="0"/>
               <a:t>10.0.1.0/24</a:t>
             </a:r>
-            <a:endParaRPr lang="en-US" dirty="0">
-              <a:latin typeface="Arial" panose="020B0604020202020204" pitchFamily="34" charset="0"/>
-              <a:cs typeface="Arial" panose="020B0604020202020204" pitchFamily="34" charset="0"/>
-            </a:endParaRPr>
-          </a:p>
-        </p:txBody>
-      </p:sp>
-      <p:sp>
-        <p:nvSpPr>
-          <p:cNvPr id="18" name="Callout 10 17"/>
-          <p:cNvSpPr/>
-          <p:nvPr/>
-        </p:nvSpPr>
-        <p:spPr>
-          <a:xfrm>
-            <a:off x="2183527" y="2069511"/>
-            <a:ext cx="1154833" cy="315952"/>
-          </a:xfrm>
-          <a:prstGeom prst="callout2">
-            <a:avLst>
-              <a:gd name="adj1" fmla="val 18750"/>
-              <a:gd name="adj2" fmla="val -8333"/>
-              <a:gd name="adj3" fmla="val 18750"/>
-              <a:gd name="adj4" fmla="val -16667"/>
-              <a:gd name="adj5" fmla="val 246154"/>
-              <a:gd name="adj6" fmla="val -38394"/>
-            </a:avLst>
-          </a:prstGeom>
-          <a:solidFill>
-            <a:schemeClr val="tx2"/>
-          </a:solidFill>
-        </p:spPr>
-        <p:style>
-          <a:lnRef idx="2">
-            <a:schemeClr val="accent1">
-              <a:shade val="50000"/>
-            </a:schemeClr>
-          </a:lnRef>
-          <a:fillRef idx="1">
-            <a:schemeClr val="accent1"/>
-          </a:fillRef>
-          <a:effectRef idx="0">
-            <a:schemeClr val="accent1"/>
-          </a:effectRef>
-          <a:fontRef idx="minor">
-            <a:schemeClr val="lt1"/>
-          </a:fontRef>
-        </p:style>
-        <p:txBody>
-          <a:bodyPr rtlCol="0" anchor="ctr"/>
-          <a:lstStyle/>
-          <a:p>
-            <a:pPr algn="ctr"/>
-            <a:r>
-              <a:rPr lang="en-US" sz="1600" dirty="0" smtClean="0">
-                <a:latin typeface="Arial" panose="020B0604020202020204" pitchFamily="34" charset="0"/>
-                <a:cs typeface="Arial" panose="020B0604020202020204" pitchFamily="34" charset="0"/>
-              </a:rPr>
-              <a:t>10.0.1.1</a:t>
-            </a:r>
-            <a:endParaRPr lang="en-US" sz="1600" dirty="0">
-              <a:latin typeface="Arial" panose="020B0604020202020204" pitchFamily="34" charset="0"/>
-              <a:cs typeface="Arial" panose="020B0604020202020204" pitchFamily="34" charset="0"/>
-            </a:endParaRPr>
-          </a:p>
-        </p:txBody>
-      </p:sp>
-      <p:sp>
-        <p:nvSpPr>
-          <p:cNvPr id="20" name="Callout 10 19"/>
-          <p:cNvSpPr/>
-          <p:nvPr/>
-        </p:nvSpPr>
-        <p:spPr>
-          <a:xfrm>
-            <a:off x="3197522" y="3851916"/>
-            <a:ext cx="1154833" cy="628522"/>
-          </a:xfrm>
-          <a:prstGeom prst="callout2">
-            <a:avLst>
-              <a:gd name="adj1" fmla="val 18750"/>
-              <a:gd name="adj2" fmla="val -8333"/>
-              <a:gd name="adj3" fmla="val 18750"/>
-              <a:gd name="adj4" fmla="val -16667"/>
-              <a:gd name="adj5" fmla="val -109786"/>
-              <a:gd name="adj6" fmla="val -840"/>
-            </a:avLst>
-          </a:prstGeom>
-          <a:solidFill>
-            <a:schemeClr val="tx2"/>
-          </a:solidFill>
-        </p:spPr>
-        <p:style>
-          <a:lnRef idx="2">
-            <a:schemeClr val="accent1">
-              <a:shade val="50000"/>
-            </a:schemeClr>
-          </a:lnRef>
-          <a:fillRef idx="1">
-            <a:schemeClr val="accent1"/>
-          </a:fillRef>
-          <a:effectRef idx="0">
-            <a:schemeClr val="accent1"/>
-          </a:effectRef>
-          <a:fontRef idx="minor">
-            <a:schemeClr val="lt1"/>
-          </a:fontRef>
-        </p:style>
-        <p:txBody>
-          <a:bodyPr rtlCol="0" anchor="ctr"/>
-          <a:lstStyle/>
-          <a:p>
-            <a:pPr algn="ctr"/>
-            <a:r>
-              <a:rPr lang="en-US" sz="1600" dirty="0" smtClean="0">
-                <a:latin typeface="Arial" panose="020B0604020202020204" pitchFamily="34" charset="0"/>
-                <a:cs typeface="Arial" panose="020B0604020202020204" pitchFamily="34" charset="0"/>
-              </a:rPr>
-              <a:t>Public IP</a:t>
-            </a:r>
-          </a:p>
-          <a:p>
-            <a:pPr algn="ctr"/>
-            <a:r>
-              <a:rPr lang="en-US" sz="1600" dirty="0" err="1" smtClean="0">
-                <a:latin typeface="Arial" panose="020B0604020202020204" pitchFamily="34" charset="0"/>
-                <a:cs typeface="Arial" panose="020B0604020202020204" pitchFamily="34" charset="0"/>
-              </a:rPr>
-              <a:t>x.x.x.x</a:t>
-            </a:r>
-            <a:endParaRPr lang="en-US" sz="1600" dirty="0">
-              <a:latin typeface="Arial" panose="020B0604020202020204" pitchFamily="34" charset="0"/>
-              <a:cs typeface="Arial" panose="020B0604020202020204" pitchFamily="34" charset="0"/>
-            </a:endParaRPr>
-          </a:p>
-        </p:txBody>
-      </p:sp>
-      <p:sp>
-        <p:nvSpPr>
-          <p:cNvPr id="22" name="Callout 10 21"/>
-          <p:cNvSpPr/>
-          <p:nvPr/>
-        </p:nvSpPr>
-        <p:spPr>
-          <a:xfrm>
-            <a:off x="6025760" y="1778000"/>
-            <a:ext cx="1154833" cy="607463"/>
-          </a:xfrm>
-          <a:prstGeom prst="callout2">
-            <a:avLst>
-              <a:gd name="adj1" fmla="val 18750"/>
-              <a:gd name="adj2" fmla="val -8333"/>
-              <a:gd name="adj3" fmla="val 18750"/>
-              <a:gd name="adj4" fmla="val -16667"/>
-              <a:gd name="adj5" fmla="val 158716"/>
-              <a:gd name="adj6" fmla="val -28333"/>
-            </a:avLst>
-          </a:prstGeom>
-          <a:solidFill>
-            <a:schemeClr val="tx2"/>
-          </a:solidFill>
-        </p:spPr>
-        <p:style>
-          <a:lnRef idx="2">
-            <a:schemeClr val="accent1">
-              <a:shade val="50000"/>
-            </a:schemeClr>
-          </a:lnRef>
-          <a:fillRef idx="1">
-            <a:schemeClr val="accent1"/>
-          </a:fillRef>
-          <a:effectRef idx="0">
-            <a:schemeClr val="accent1"/>
-          </a:effectRef>
-          <a:fontRef idx="minor">
-            <a:schemeClr val="lt1"/>
-          </a:fontRef>
-        </p:style>
-        <p:txBody>
-          <a:bodyPr rtlCol="0" anchor="ctr"/>
-          <a:lstStyle/>
-          <a:p>
-            <a:pPr algn="ctr"/>
-            <a:r>
-              <a:rPr lang="en-US" sz="1600" dirty="0" smtClean="0">
-                <a:latin typeface="Arial" panose="020B0604020202020204" pitchFamily="34" charset="0"/>
-                <a:cs typeface="Arial" panose="020B0604020202020204" pitchFamily="34" charset="0"/>
-              </a:rPr>
-              <a:t>Public IP</a:t>
-            </a:r>
-          </a:p>
-          <a:p>
-            <a:pPr algn="ctr"/>
-            <a:r>
-              <a:rPr lang="en-US" sz="1600" dirty="0" err="1" smtClean="0">
-                <a:latin typeface="Arial" panose="020B0604020202020204" pitchFamily="34" charset="0"/>
-                <a:cs typeface="Arial" panose="020B0604020202020204" pitchFamily="34" charset="0"/>
-              </a:rPr>
-              <a:t>y.y.y.y</a:t>
-            </a:r>
-            <a:endParaRPr lang="en-US" sz="1600" dirty="0">
-              <a:latin typeface="Arial" panose="020B0604020202020204" pitchFamily="34" charset="0"/>
-              <a:cs typeface="Arial" panose="020B0604020202020204" pitchFamily="34" charset="0"/>
-            </a:endParaRPr>
+            <a:endParaRPr lang="en-US" dirty="0"/>
           </a:p>
         </p:txBody>
       </p:sp>
@@ -12553,7 +12791,7 @@
         </p:nvCxnSpPr>
         <p:spPr>
           <a:xfrm flipH="1" flipV="1">
-            <a:off x="6988337" y="2960469"/>
+            <a:off x="6012160" y="2960469"/>
             <a:ext cx="431903" cy="1"/>
           </a:xfrm>
           <a:prstGeom prst="line">
@@ -12588,7 +12826,7 @@
         </p:nvCxnSpPr>
         <p:spPr>
           <a:xfrm flipH="1">
-            <a:off x="7407540" y="2524456"/>
+            <a:off x="6431363" y="2524456"/>
             <a:ext cx="12700" cy="2159000"/>
           </a:xfrm>
           <a:prstGeom prst="line">
@@ -12623,7 +12861,7 @@
         </p:nvCxnSpPr>
         <p:spPr>
           <a:xfrm flipH="1" flipV="1">
-            <a:off x="7413890" y="4237289"/>
+            <a:off x="6437713" y="4237289"/>
             <a:ext cx="431903" cy="1"/>
           </a:xfrm>
           <a:prstGeom prst="line">
@@ -12653,325 +12891,6 @@
       <p:pic>
         <p:nvPicPr>
           <p:cNvPr id="1028" name="Picture 4" descr="http://www.rw-designer.com/icon-image/7507-256x256x32.png"/>
-          <p:cNvPicPr>
-            <a:picLocks noChangeAspect="1" noChangeArrowheads="1"/>
-          </p:cNvPicPr>
-          <p:nvPr/>
-        </p:nvPicPr>
-        <p:blipFill>
-          <a:blip r:embed="rId3" cstate="print">
-            <a:extLst>
-              <a:ext uri="{28A0092B-C50C-407E-A947-70E740481C1C}">
-                <a14:useLocalDpi xmlns:a14="http://schemas.microsoft.com/office/drawing/2010/main" val="0"/>
-              </a:ext>
-            </a:extLst>
-          </a:blip>
-          <a:srcRect/>
-          <a:stretch>
-            <a:fillRect/>
-          </a:stretch>
-        </p:blipFill>
-        <p:spPr bwMode="auto">
-          <a:xfrm>
-            <a:off x="7852143" y="3860805"/>
-            <a:ext cx="822651" cy="822651"/>
-          </a:xfrm>
-          <a:prstGeom prst="rect">
-            <a:avLst/>
-          </a:prstGeom>
-          <a:noFill/>
-          <a:extLst>
-            <a:ext uri="{909E8E84-426E-40DD-AFC4-6F175D3DCCD1}">
-              <a14:hiddenFill xmlns:a14="http://schemas.microsoft.com/office/drawing/2010/main">
-                <a:solidFill>
-                  <a:srgbClr val="FFFFFF"/>
-                </a:solidFill>
-              </a14:hiddenFill>
-            </a:ext>
-          </a:extLst>
-        </p:spPr>
-      </p:pic>
-      <p:sp>
-        <p:nvSpPr>
-          <p:cNvPr id="28" name="CasellaDiTesto 27"/>
-          <p:cNvSpPr txBox="1"/>
-          <p:nvPr/>
-        </p:nvSpPr>
-        <p:spPr>
-          <a:xfrm>
-            <a:off x="7523011" y="2906825"/>
-            <a:ext cx="1338829" cy="646331"/>
-          </a:xfrm>
-          <a:prstGeom prst="rect">
-            <a:avLst/>
-          </a:prstGeom>
-          <a:noFill/>
-        </p:spPr>
-        <p:txBody>
-          <a:bodyPr wrap="none" rtlCol="0">
-            <a:spAutoFit/>
-          </a:bodyPr>
-          <a:lstStyle/>
-          <a:p>
-            <a:pPr algn="ctr"/>
-            <a:r>
-              <a:rPr lang="en-US" dirty="0" smtClean="0">
-                <a:latin typeface="Arial" panose="020B0604020202020204" pitchFamily="34" charset="0"/>
-                <a:cs typeface="Arial" panose="020B0604020202020204" pitchFamily="34" charset="0"/>
-              </a:rPr>
-              <a:t>Network</a:t>
-            </a:r>
-          </a:p>
-          <a:p>
-            <a:pPr algn="ctr"/>
-            <a:r>
-              <a:rPr lang="en-US" dirty="0" smtClean="0">
-                <a:latin typeface="Arial" panose="020B0604020202020204" pitchFamily="34" charset="0"/>
-                <a:cs typeface="Arial" panose="020B0604020202020204" pitchFamily="34" charset="0"/>
-              </a:rPr>
-              <a:t>10.0.2.0/24</a:t>
-            </a:r>
-            <a:endParaRPr lang="en-US" dirty="0">
-              <a:latin typeface="Arial" panose="020B0604020202020204" pitchFamily="34" charset="0"/>
-              <a:cs typeface="Arial" panose="020B0604020202020204" pitchFamily="34" charset="0"/>
-            </a:endParaRPr>
-          </a:p>
-        </p:txBody>
-      </p:sp>
-      <p:sp>
-        <p:nvSpPr>
-          <p:cNvPr id="30" name="Callout 10 29"/>
-          <p:cNvSpPr/>
-          <p:nvPr/>
-        </p:nvSpPr>
-        <p:spPr>
-          <a:xfrm>
-            <a:off x="5370750" y="3955712"/>
-            <a:ext cx="1154833" cy="315952"/>
-          </a:xfrm>
-          <a:prstGeom prst="callout2">
-            <a:avLst>
-              <a:gd name="adj1" fmla="val 34828"/>
-              <a:gd name="adj2" fmla="val 102739"/>
-              <a:gd name="adj3" fmla="val 34828"/>
-              <a:gd name="adj4" fmla="val 114200"/>
-              <a:gd name="adj5" fmla="val -301516"/>
-              <a:gd name="adj6" fmla="val 151747"/>
-            </a:avLst>
-          </a:prstGeom>
-          <a:solidFill>
-            <a:schemeClr val="tx2"/>
-          </a:solidFill>
-        </p:spPr>
-        <p:style>
-          <a:lnRef idx="2">
-            <a:schemeClr val="accent1">
-              <a:shade val="50000"/>
-            </a:schemeClr>
-          </a:lnRef>
-          <a:fillRef idx="1">
-            <a:schemeClr val="accent1"/>
-          </a:fillRef>
-          <a:effectRef idx="0">
-            <a:schemeClr val="accent1"/>
-          </a:effectRef>
-          <a:fontRef idx="minor">
-            <a:schemeClr val="lt1"/>
-          </a:fontRef>
-        </p:style>
-        <p:txBody>
-          <a:bodyPr rtlCol="0" anchor="ctr"/>
-          <a:lstStyle/>
-          <a:p>
-            <a:pPr algn="ctr"/>
-            <a:r>
-              <a:rPr lang="en-US" sz="1600" dirty="0" smtClean="0">
-                <a:latin typeface="Arial" panose="020B0604020202020204" pitchFamily="34" charset="0"/>
-                <a:cs typeface="Arial" panose="020B0604020202020204" pitchFamily="34" charset="0"/>
-              </a:rPr>
-              <a:t>10.0.2.1</a:t>
-            </a:r>
-          </a:p>
-        </p:txBody>
-      </p:sp>
-      <p:cxnSp>
-        <p:nvCxnSpPr>
-          <p:cNvPr id="29" name="Connettore 1 28"/>
-          <p:cNvCxnSpPr/>
-          <p:nvPr/>
-        </p:nvCxnSpPr>
-        <p:spPr>
-          <a:xfrm>
-            <a:off x="1028597" y="4074038"/>
-            <a:ext cx="635103" cy="0"/>
-          </a:xfrm>
-          <a:prstGeom prst="line">
-            <a:avLst/>
-          </a:prstGeom>
-          <a:ln w="38100">
-            <a:solidFill>
-              <a:schemeClr val="accent4"/>
-            </a:solidFill>
-          </a:ln>
-        </p:spPr>
-        <p:style>
-          <a:lnRef idx="1">
-            <a:schemeClr val="accent1"/>
-          </a:lnRef>
-          <a:fillRef idx="0">
-            <a:schemeClr val="accent1"/>
-          </a:fillRef>
-          <a:effectRef idx="0">
-            <a:schemeClr val="accent1"/>
-          </a:effectRef>
-          <a:fontRef idx="minor">
-            <a:schemeClr val="tx1"/>
-          </a:fontRef>
-        </p:style>
-      </p:cxnSp>
-      <p:cxnSp>
-        <p:nvCxnSpPr>
-          <p:cNvPr id="34" name="Connettore 1 33"/>
-          <p:cNvCxnSpPr/>
-          <p:nvPr/>
-        </p:nvCxnSpPr>
-        <p:spPr>
-          <a:xfrm flipH="1" flipV="1">
-            <a:off x="1640894" y="3098803"/>
-            <a:ext cx="6350" cy="975235"/>
-          </a:xfrm>
-          <a:prstGeom prst="line">
-            <a:avLst/>
-          </a:prstGeom>
-          <a:ln w="38100">
-            <a:solidFill>
-              <a:schemeClr val="accent4"/>
-            </a:solidFill>
-          </a:ln>
-        </p:spPr>
-        <p:style>
-          <a:lnRef idx="1">
-            <a:schemeClr val="accent1"/>
-          </a:lnRef>
-          <a:fillRef idx="0">
-            <a:schemeClr val="accent1"/>
-          </a:fillRef>
-          <a:effectRef idx="0">
-            <a:schemeClr val="accent1"/>
-          </a:effectRef>
-          <a:fontRef idx="minor">
-            <a:schemeClr val="tx1"/>
-          </a:fontRef>
-        </p:style>
-      </p:cxnSp>
-      <p:cxnSp>
-        <p:nvCxnSpPr>
-          <p:cNvPr id="38" name="Connettore 1 37"/>
-          <p:cNvCxnSpPr/>
-          <p:nvPr/>
-        </p:nvCxnSpPr>
-        <p:spPr>
-          <a:xfrm>
-            <a:off x="1640894" y="3100903"/>
-            <a:ext cx="5627807" cy="7218"/>
-          </a:xfrm>
-          <a:prstGeom prst="line">
-            <a:avLst/>
-          </a:prstGeom>
-          <a:ln w="38100">
-            <a:solidFill>
-              <a:schemeClr val="accent4"/>
-            </a:solidFill>
-          </a:ln>
-        </p:spPr>
-        <p:style>
-          <a:lnRef idx="1">
-            <a:schemeClr val="accent1"/>
-          </a:lnRef>
-          <a:fillRef idx="0">
-            <a:schemeClr val="accent1"/>
-          </a:fillRef>
-          <a:effectRef idx="0">
-            <a:schemeClr val="accent1"/>
-          </a:effectRef>
-          <a:fontRef idx="minor">
-            <a:schemeClr val="tx1"/>
-          </a:fontRef>
-        </p:style>
-      </p:cxnSp>
-      <p:cxnSp>
-        <p:nvCxnSpPr>
-          <p:cNvPr id="41" name="Connettore 1 40"/>
-          <p:cNvCxnSpPr/>
-          <p:nvPr/>
-        </p:nvCxnSpPr>
-        <p:spPr>
-          <a:xfrm flipH="1" flipV="1">
-            <a:off x="7262351" y="3116338"/>
-            <a:ext cx="6350" cy="975235"/>
-          </a:xfrm>
-          <a:prstGeom prst="line">
-            <a:avLst/>
-          </a:prstGeom>
-          <a:ln w="38100">
-            <a:solidFill>
-              <a:schemeClr val="accent4"/>
-            </a:solidFill>
-          </a:ln>
-        </p:spPr>
-        <p:style>
-          <a:lnRef idx="1">
-            <a:schemeClr val="accent1"/>
-          </a:lnRef>
-          <a:fillRef idx="0">
-            <a:schemeClr val="accent1"/>
-          </a:fillRef>
-          <a:effectRef idx="0">
-            <a:schemeClr val="accent1"/>
-          </a:effectRef>
-          <a:fontRef idx="minor">
-            <a:schemeClr val="tx1"/>
-          </a:fontRef>
-        </p:style>
-      </p:cxnSp>
-      <p:cxnSp>
-        <p:nvCxnSpPr>
-          <p:cNvPr id="42" name="Connettore 1 41"/>
-          <p:cNvCxnSpPr/>
-          <p:nvPr/>
-        </p:nvCxnSpPr>
-        <p:spPr>
-          <a:xfrm>
-            <a:off x="7268701" y="4074038"/>
-            <a:ext cx="635103" cy="0"/>
-          </a:xfrm>
-          <a:prstGeom prst="line">
-            <a:avLst/>
-          </a:prstGeom>
-          <a:ln w="38100">
-            <a:solidFill>
-              <a:schemeClr val="accent4"/>
-            </a:solidFill>
-          </a:ln>
-        </p:spPr>
-        <p:style>
-          <a:lnRef idx="1">
-            <a:schemeClr val="accent1"/>
-          </a:lnRef>
-          <a:fillRef idx="0">
-            <a:schemeClr val="accent1"/>
-          </a:fillRef>
-          <a:effectRef idx="0">
-            <a:schemeClr val="accent1"/>
-          </a:effectRef>
-          <a:fontRef idx="minor">
-            <a:schemeClr val="tx1"/>
-          </a:fontRef>
-        </p:style>
-      </p:cxnSp>
-      <p:pic>
-        <p:nvPicPr>
-          <p:cNvPr id="1026" name="Picture 2" descr="http://www.clker.com/cliparts/6/c/4/a/1195429795336159975juanjo_Router.svg.hi.png"/>
           <p:cNvPicPr>
             <a:picLocks noChangeAspect="1" noChangeArrowheads="1"/>
           </p:cNvPicPr>
@@ -12992,8 +12911,8 @@
         </p:blipFill>
         <p:spPr bwMode="auto">
           <a:xfrm>
-            <a:off x="1892403" y="2617748"/>
-            <a:ext cx="1258064" cy="836613"/>
+            <a:off x="6875966" y="3860805"/>
+            <a:ext cx="822651" cy="822651"/>
           </a:xfrm>
           <a:prstGeom prst="rect">
             <a:avLst/>
@@ -13010,16 +12929,526 @@
           </a:extLst>
         </p:spPr>
       </p:pic>
+      <p:sp>
+        <p:nvSpPr>
+          <p:cNvPr id="28" name="CasellaDiTesto 27"/>
+          <p:cNvSpPr txBox="1"/>
+          <p:nvPr/>
+        </p:nvSpPr>
+        <p:spPr>
+          <a:xfrm>
+            <a:off x="6676677" y="2906825"/>
+            <a:ext cx="1079142" cy="523220"/>
+          </a:xfrm>
+          <a:prstGeom prst="rect">
+            <a:avLst/>
+          </a:prstGeom>
+          <a:ln w="12700">
+            <a:solidFill>
+              <a:schemeClr val="tx1"/>
+            </a:solidFill>
+            <a:prstDash val="dash"/>
+          </a:ln>
+        </p:spPr>
+        <p:txBody>
+          <a:bodyPr wrap="square">
+            <a:spAutoFit/>
+          </a:bodyPr>
+          <a:lstStyle>
+            <a:defPPr>
+              <a:defRPr lang="en-US"/>
+            </a:defPPr>
+            <a:lvl1pPr algn="ctr">
+              <a:defRPr sz="1400">
+                <a:latin typeface="Arial" panose="020B0604020202020204" pitchFamily="34" charset="0"/>
+                <a:cs typeface="Arial" panose="020B0604020202020204" pitchFamily="34" charset="0"/>
+              </a:defRPr>
+            </a:lvl1pPr>
+          </a:lstStyle>
+          <a:p>
+            <a:r>
+              <a:rPr lang="en-US" dirty="0"/>
+              <a:t>Network</a:t>
+            </a:r>
+          </a:p>
+          <a:p>
+            <a:r>
+              <a:rPr lang="en-US" dirty="0"/>
+              <a:t>10.0.2.0/24</a:t>
+            </a:r>
+            <a:endParaRPr lang="en-US" dirty="0"/>
+          </a:p>
+        </p:txBody>
+      </p:sp>
+      <p:cxnSp>
+        <p:nvCxnSpPr>
+          <p:cNvPr id="29" name="Connettore 1 28"/>
+          <p:cNvCxnSpPr/>
+          <p:nvPr/>
+        </p:nvCxnSpPr>
+        <p:spPr>
+          <a:xfrm>
+            <a:off x="1148550" y="4074038"/>
+            <a:ext cx="635103" cy="0"/>
+          </a:xfrm>
+          <a:prstGeom prst="line">
+            <a:avLst/>
+          </a:prstGeom>
+          <a:ln w="38100">
+            <a:solidFill>
+              <a:schemeClr val="accent4"/>
+            </a:solidFill>
+          </a:ln>
+        </p:spPr>
+        <p:style>
+          <a:lnRef idx="1">
+            <a:schemeClr val="accent1"/>
+          </a:lnRef>
+          <a:fillRef idx="0">
+            <a:schemeClr val="accent1"/>
+          </a:fillRef>
+          <a:effectRef idx="0">
+            <a:schemeClr val="accent1"/>
+          </a:effectRef>
+          <a:fontRef idx="minor">
+            <a:schemeClr val="tx1"/>
+          </a:fontRef>
+        </p:style>
+      </p:cxnSp>
+      <p:cxnSp>
+        <p:nvCxnSpPr>
+          <p:cNvPr id="34" name="Connettore 1 33"/>
+          <p:cNvCxnSpPr/>
+          <p:nvPr/>
+        </p:nvCxnSpPr>
+        <p:spPr>
+          <a:xfrm flipH="1" flipV="1">
+            <a:off x="1760847" y="3098803"/>
+            <a:ext cx="6350" cy="975235"/>
+          </a:xfrm>
+          <a:prstGeom prst="line">
+            <a:avLst/>
+          </a:prstGeom>
+          <a:ln w="38100">
+            <a:solidFill>
+              <a:schemeClr val="accent4"/>
+            </a:solidFill>
+          </a:ln>
+        </p:spPr>
+        <p:style>
+          <a:lnRef idx="1">
+            <a:schemeClr val="accent1"/>
+          </a:lnRef>
+          <a:fillRef idx="0">
+            <a:schemeClr val="accent1"/>
+          </a:fillRef>
+          <a:effectRef idx="0">
+            <a:schemeClr val="accent1"/>
+          </a:effectRef>
+          <a:fontRef idx="minor">
+            <a:schemeClr val="tx1"/>
+          </a:fontRef>
+        </p:style>
+      </p:cxnSp>
+      <p:cxnSp>
+        <p:nvCxnSpPr>
+          <p:cNvPr id="38" name="Connettore 1 37"/>
+          <p:cNvCxnSpPr/>
+          <p:nvPr/>
+        </p:nvCxnSpPr>
+        <p:spPr>
+          <a:xfrm>
+            <a:off x="1767197" y="3113066"/>
+            <a:ext cx="4603173" cy="6116"/>
+          </a:xfrm>
+          <a:prstGeom prst="line">
+            <a:avLst/>
+          </a:prstGeom>
+          <a:ln w="38100">
+            <a:solidFill>
+              <a:schemeClr val="accent4"/>
+            </a:solidFill>
+          </a:ln>
+        </p:spPr>
+        <p:style>
+          <a:lnRef idx="1">
+            <a:schemeClr val="accent1"/>
+          </a:lnRef>
+          <a:fillRef idx="0">
+            <a:schemeClr val="accent1"/>
+          </a:fillRef>
+          <a:effectRef idx="0">
+            <a:schemeClr val="accent1"/>
+          </a:effectRef>
+          <a:fontRef idx="minor">
+            <a:schemeClr val="tx1"/>
+          </a:fontRef>
+        </p:style>
+      </p:cxnSp>
+      <p:cxnSp>
+        <p:nvCxnSpPr>
+          <p:cNvPr id="41" name="Connettore 1 40"/>
+          <p:cNvCxnSpPr/>
+          <p:nvPr/>
+        </p:nvCxnSpPr>
+        <p:spPr>
+          <a:xfrm flipH="1" flipV="1">
+            <a:off x="6286174" y="3116338"/>
+            <a:ext cx="6350" cy="975235"/>
+          </a:xfrm>
+          <a:prstGeom prst="line">
+            <a:avLst/>
+          </a:prstGeom>
+          <a:ln w="38100">
+            <a:solidFill>
+              <a:schemeClr val="accent4"/>
+            </a:solidFill>
+          </a:ln>
+        </p:spPr>
+        <p:style>
+          <a:lnRef idx="1">
+            <a:schemeClr val="accent1"/>
+          </a:lnRef>
+          <a:fillRef idx="0">
+            <a:schemeClr val="accent1"/>
+          </a:fillRef>
+          <a:effectRef idx="0">
+            <a:schemeClr val="accent1"/>
+          </a:effectRef>
+          <a:fontRef idx="minor">
+            <a:schemeClr val="tx1"/>
+          </a:fontRef>
+        </p:style>
+      </p:cxnSp>
+      <p:cxnSp>
+        <p:nvCxnSpPr>
+          <p:cNvPr id="42" name="Connettore 1 41"/>
+          <p:cNvCxnSpPr/>
+          <p:nvPr/>
+        </p:nvCxnSpPr>
+        <p:spPr>
+          <a:xfrm>
+            <a:off x="6292524" y="4074038"/>
+            <a:ext cx="635103" cy="0"/>
+          </a:xfrm>
+          <a:prstGeom prst="line">
+            <a:avLst/>
+          </a:prstGeom>
+          <a:ln w="38100">
+            <a:solidFill>
+              <a:schemeClr val="accent4"/>
+            </a:solidFill>
+          </a:ln>
+        </p:spPr>
+        <p:style>
+          <a:lnRef idx="1">
+            <a:schemeClr val="accent1"/>
+          </a:lnRef>
+          <a:fillRef idx="0">
+            <a:schemeClr val="accent1"/>
+          </a:fillRef>
+          <a:effectRef idx="0">
+            <a:schemeClr val="accent1"/>
+          </a:effectRef>
+          <a:fontRef idx="minor">
+            <a:schemeClr val="tx1"/>
+          </a:fontRef>
+        </p:style>
+      </p:cxnSp>
+      <p:sp>
+        <p:nvSpPr>
+          <p:cNvPr id="2" name="Rectangle 1"/>
+          <p:cNvSpPr/>
+          <p:nvPr/>
+        </p:nvSpPr>
+        <p:spPr>
+          <a:xfrm>
+            <a:off x="2502849" y="3594794"/>
+            <a:ext cx="1115976" cy="523220"/>
+          </a:xfrm>
+          <a:prstGeom prst="rect">
+            <a:avLst/>
+          </a:prstGeom>
+          <a:ln w="12700">
+            <a:solidFill>
+              <a:schemeClr val="tx1"/>
+            </a:solidFill>
+            <a:prstDash val="dash"/>
+          </a:ln>
+        </p:spPr>
+        <p:txBody>
+          <a:bodyPr wrap="square">
+            <a:spAutoFit/>
+          </a:bodyPr>
+          <a:lstStyle/>
+          <a:p>
+            <a:pPr algn="ctr"/>
+            <a:r>
+              <a:rPr lang="en-US" sz="1400" dirty="0">
+                <a:latin typeface="Arial" panose="020B0604020202020204" pitchFamily="34" charset="0"/>
+                <a:cs typeface="Arial" panose="020B0604020202020204" pitchFamily="34" charset="0"/>
+              </a:rPr>
+              <a:t>Public IP</a:t>
+            </a:r>
+          </a:p>
+          <a:p>
+            <a:pPr algn="ctr"/>
+            <a:r>
+              <a:rPr lang="en-US" sz="1400" dirty="0" err="1">
+                <a:latin typeface="Arial" panose="020B0604020202020204" pitchFamily="34" charset="0"/>
+                <a:cs typeface="Arial" panose="020B0604020202020204" pitchFamily="34" charset="0"/>
+              </a:rPr>
+              <a:t>x.x.x.x</a:t>
+            </a:r>
+            <a:endParaRPr lang="en-US" sz="1400" dirty="0">
+              <a:latin typeface="Arial" panose="020B0604020202020204" pitchFamily="34" charset="0"/>
+              <a:cs typeface="Arial" panose="020B0604020202020204" pitchFamily="34" charset="0"/>
+            </a:endParaRPr>
+          </a:p>
+        </p:txBody>
+      </p:sp>
+      <p:cxnSp>
+        <p:nvCxnSpPr>
+          <p:cNvPr id="4" name="Straight Connector 3"/>
+          <p:cNvCxnSpPr>
+            <a:endCxn id="2" idx="0"/>
+          </p:cNvCxnSpPr>
+          <p:nvPr/>
+        </p:nvCxnSpPr>
+        <p:spPr>
+          <a:xfrm>
+            <a:off x="2912372" y="3245710"/>
+            <a:ext cx="148465" cy="349084"/>
+          </a:xfrm>
+          <a:prstGeom prst="line">
+            <a:avLst/>
+          </a:prstGeom>
+          <a:ln w="12700">
+            <a:solidFill>
+              <a:schemeClr val="tx1"/>
+            </a:solidFill>
+            <a:prstDash val="dash"/>
+          </a:ln>
+        </p:spPr>
+      </p:cxnSp>
+      <p:sp>
+        <p:nvSpPr>
+          <p:cNvPr id="31" name="Rectangle 30"/>
+          <p:cNvSpPr/>
+          <p:nvPr/>
+        </p:nvSpPr>
+        <p:spPr>
+          <a:xfrm>
+            <a:off x="4855402" y="1962649"/>
+            <a:ext cx="1115976" cy="523220"/>
+          </a:xfrm>
+          <a:prstGeom prst="rect">
+            <a:avLst/>
+          </a:prstGeom>
+          <a:ln w="12700">
+            <a:solidFill>
+              <a:schemeClr val="tx1"/>
+            </a:solidFill>
+            <a:prstDash val="dash"/>
+          </a:ln>
+        </p:spPr>
+        <p:txBody>
+          <a:bodyPr wrap="square">
+            <a:spAutoFit/>
+          </a:bodyPr>
+          <a:lstStyle/>
+          <a:p>
+            <a:pPr algn="ctr"/>
+            <a:r>
+              <a:rPr lang="en-US" sz="1400" dirty="0">
+                <a:latin typeface="Arial" panose="020B0604020202020204" pitchFamily="34" charset="0"/>
+                <a:cs typeface="Arial" panose="020B0604020202020204" pitchFamily="34" charset="0"/>
+              </a:rPr>
+              <a:t>Public IP</a:t>
+            </a:r>
+          </a:p>
+          <a:p>
+            <a:pPr algn="ctr"/>
+            <a:r>
+              <a:rPr lang="en-US" sz="1400" dirty="0" err="1" smtClean="0">
+                <a:latin typeface="Arial" panose="020B0604020202020204" pitchFamily="34" charset="0"/>
+                <a:cs typeface="Arial" panose="020B0604020202020204" pitchFamily="34" charset="0"/>
+              </a:rPr>
+              <a:t>y.y.y.y</a:t>
+            </a:r>
+            <a:endParaRPr lang="en-US" sz="1400" dirty="0">
+              <a:latin typeface="Arial" panose="020B0604020202020204" pitchFamily="34" charset="0"/>
+              <a:cs typeface="Arial" panose="020B0604020202020204" pitchFamily="34" charset="0"/>
+            </a:endParaRPr>
+          </a:p>
+        </p:txBody>
+      </p:sp>
+      <p:cxnSp>
+        <p:nvCxnSpPr>
+          <p:cNvPr id="32" name="Straight Connector 31"/>
+          <p:cNvCxnSpPr>
+            <a:endCxn id="31" idx="2"/>
+          </p:cNvCxnSpPr>
+          <p:nvPr/>
+        </p:nvCxnSpPr>
+        <p:spPr>
+          <a:xfrm flipV="1">
+            <a:off x="5142887" y="2485869"/>
+            <a:ext cx="270503" cy="341957"/>
+          </a:xfrm>
+          <a:prstGeom prst="line">
+            <a:avLst/>
+          </a:prstGeom>
+          <a:ln w="12700">
+            <a:solidFill>
+              <a:schemeClr val="tx1"/>
+            </a:solidFill>
+            <a:prstDash val="dash"/>
+          </a:ln>
+        </p:spPr>
+      </p:cxnSp>
+      <p:sp>
+        <p:nvSpPr>
+          <p:cNvPr id="33" name="Rectangle 32"/>
+          <p:cNvSpPr/>
+          <p:nvPr/>
+        </p:nvSpPr>
+        <p:spPr>
+          <a:xfrm>
+            <a:off x="4893560" y="3686237"/>
+            <a:ext cx="1115976" cy="307777"/>
+          </a:xfrm>
+          <a:prstGeom prst="rect">
+            <a:avLst/>
+          </a:prstGeom>
+          <a:ln w="12700">
+            <a:solidFill>
+              <a:schemeClr val="tx1"/>
+            </a:solidFill>
+            <a:prstDash val="dash"/>
+          </a:ln>
+        </p:spPr>
+        <p:txBody>
+          <a:bodyPr wrap="square">
+            <a:spAutoFit/>
+          </a:bodyPr>
+          <a:lstStyle/>
+          <a:p>
+            <a:pPr algn="ctr"/>
+            <a:r>
+              <a:rPr lang="en-US" sz="1400" dirty="0" smtClean="0">
+                <a:latin typeface="Arial" panose="020B0604020202020204" pitchFamily="34" charset="0"/>
+                <a:cs typeface="Arial" panose="020B0604020202020204" pitchFamily="34" charset="0"/>
+              </a:rPr>
+              <a:t>10.0.2.1</a:t>
+            </a:r>
+            <a:endParaRPr lang="en-US" sz="1400" dirty="0">
+              <a:latin typeface="Arial" panose="020B0604020202020204" pitchFamily="34" charset="0"/>
+              <a:cs typeface="Arial" panose="020B0604020202020204" pitchFamily="34" charset="0"/>
+            </a:endParaRPr>
+          </a:p>
+        </p:txBody>
+      </p:sp>
+      <p:cxnSp>
+        <p:nvCxnSpPr>
+          <p:cNvPr id="35" name="Straight Connector 34"/>
+          <p:cNvCxnSpPr>
+            <a:endCxn id="33" idx="0"/>
+          </p:cNvCxnSpPr>
+          <p:nvPr/>
+        </p:nvCxnSpPr>
+        <p:spPr>
+          <a:xfrm flipH="1">
+            <a:off x="5451548" y="3245710"/>
+            <a:ext cx="644808" cy="440527"/>
+          </a:xfrm>
+          <a:prstGeom prst="line">
+            <a:avLst/>
+          </a:prstGeom>
+          <a:ln w="12700">
+            <a:solidFill>
+              <a:schemeClr val="tx1"/>
+            </a:solidFill>
+            <a:prstDash val="dash"/>
+          </a:ln>
+        </p:spPr>
+      </p:cxnSp>
+      <p:sp>
+        <p:nvSpPr>
+          <p:cNvPr id="36" name="Rectangle 35"/>
+          <p:cNvSpPr/>
+          <p:nvPr/>
+        </p:nvSpPr>
+        <p:spPr>
+          <a:xfrm>
+            <a:off x="1148550" y="2098586"/>
+            <a:ext cx="1115976" cy="307777"/>
+          </a:xfrm>
+          <a:prstGeom prst="rect">
+            <a:avLst/>
+          </a:prstGeom>
+          <a:ln w="12700">
+            <a:solidFill>
+              <a:schemeClr val="tx1"/>
+            </a:solidFill>
+            <a:prstDash val="dash"/>
+          </a:ln>
+        </p:spPr>
+        <p:txBody>
+          <a:bodyPr wrap="square">
+            <a:spAutoFit/>
+          </a:bodyPr>
+          <a:lstStyle/>
+          <a:p>
+            <a:pPr algn="ctr"/>
+            <a:r>
+              <a:rPr lang="en-US" sz="1400" dirty="0" smtClean="0">
+                <a:latin typeface="Arial" panose="020B0604020202020204" pitchFamily="34" charset="0"/>
+                <a:cs typeface="Arial" panose="020B0604020202020204" pitchFamily="34" charset="0"/>
+              </a:rPr>
+              <a:t>10.0.1.1</a:t>
+            </a:r>
+            <a:endParaRPr lang="en-US" sz="1400" dirty="0">
+              <a:latin typeface="Arial" panose="020B0604020202020204" pitchFamily="34" charset="0"/>
+              <a:cs typeface="Arial" panose="020B0604020202020204" pitchFamily="34" charset="0"/>
+            </a:endParaRPr>
+          </a:p>
+        </p:txBody>
+      </p:sp>
+      <p:cxnSp>
+        <p:nvCxnSpPr>
+          <p:cNvPr id="37" name="Straight Connector 36"/>
+          <p:cNvCxnSpPr>
+            <a:endCxn id="36" idx="2"/>
+          </p:cNvCxnSpPr>
+          <p:nvPr/>
+        </p:nvCxnSpPr>
+        <p:spPr>
+          <a:xfrm flipH="1" flipV="1">
+            <a:off x="1706538" y="2406363"/>
+            <a:ext cx="363142" cy="481780"/>
+          </a:xfrm>
+          <a:prstGeom prst="line">
+            <a:avLst/>
+          </a:prstGeom>
+          <a:ln w="12700">
+            <a:solidFill>
+              <a:schemeClr val="tx1"/>
+            </a:solidFill>
+            <a:prstDash val="dash"/>
+          </a:ln>
+        </p:spPr>
+      </p:cxnSp>
       <p:pic>
         <p:nvPicPr>
-          <p:cNvPr id="6" name="Picture 2" descr="http://www.clker.com/cliparts/6/c/4/a/1195429795336159975juanjo_Router.svg.hi.png"/>
+          <p:cNvPr id="40" name="Picture 37"/>
           <p:cNvPicPr>
-            <a:picLocks noChangeAspect="1" noChangeArrowheads="1"/>
+            <a:picLocks noChangeArrowheads="1"/>
           </p:cNvPicPr>
           <p:nvPr/>
         </p:nvPicPr>
         <p:blipFill>
-          <a:blip r:embed="rId4" cstate="print">
+          <a:blip r:embed="rId5">
             <a:extLst>
               <a:ext uri="{28A0092B-C50C-407E-A947-70E740481C1C}">
                 <a14:useLocalDpi xmlns:a14="http://schemas.microsoft.com/office/drawing/2010/main" val="0"/>
@@ -13033,13 +13462,16 @@
         </p:blipFill>
         <p:spPr bwMode="auto">
           <a:xfrm>
-            <a:off x="5769638" y="2617748"/>
-            <a:ext cx="1258064" cy="836613"/>
+            <a:off x="2005910" y="2818058"/>
+            <a:ext cx="906462" cy="533400"/>
           </a:xfrm>
           <a:prstGeom prst="rect">
             <a:avLst/>
           </a:prstGeom>
           <a:noFill/>
+          <a:ln>
+            <a:noFill/>
+          </a:ln>
           <a:extLst>
             <a:ext uri="{909E8E84-426E-40DD-AFC4-6F175D3DCCD1}">
               <a14:hiddenFill xmlns:a14="http://schemas.microsoft.com/office/drawing/2010/main">
@@ -13048,9 +13480,141 @@
                 </a:solidFill>
               </a14:hiddenFill>
             </a:ext>
+            <a:ext uri="{91240B29-F687-4F45-9708-019B960494DF}">
+              <a14:hiddenLine xmlns:a14="http://schemas.microsoft.com/office/drawing/2010/main" w="9525">
+                <a:solidFill>
+                  <a:srgbClr val="000000"/>
+                </a:solidFill>
+                <a:miter lim="800000"/>
+                <a:headEnd/>
+                <a:tailEnd/>
+              </a14:hiddenLine>
+            </a:ext>
           </a:extLst>
         </p:spPr>
       </p:pic>
+      <p:pic>
+        <p:nvPicPr>
+          <p:cNvPr id="43" name="Picture 37"/>
+          <p:cNvPicPr>
+            <a:picLocks noChangeArrowheads="1"/>
+          </p:cNvPicPr>
+          <p:nvPr/>
+        </p:nvPicPr>
+        <p:blipFill>
+          <a:blip r:embed="rId5">
+            <a:extLst>
+              <a:ext uri="{28A0092B-C50C-407E-A947-70E740481C1C}">
+                <a14:useLocalDpi xmlns:a14="http://schemas.microsoft.com/office/drawing/2010/main" val="0"/>
+              </a:ext>
+            </a:extLst>
+          </a:blip>
+          <a:srcRect/>
+          <a:stretch>
+            <a:fillRect/>
+          </a:stretch>
+        </p:blipFill>
+        <p:spPr bwMode="auto">
+          <a:xfrm>
+            <a:off x="5159655" y="2801062"/>
+            <a:ext cx="906462" cy="533400"/>
+          </a:xfrm>
+          <a:prstGeom prst="rect">
+            <a:avLst/>
+          </a:prstGeom>
+          <a:noFill/>
+          <a:ln>
+            <a:noFill/>
+          </a:ln>
+          <a:extLst>
+            <a:ext uri="{909E8E84-426E-40DD-AFC4-6F175D3DCCD1}">
+              <a14:hiddenFill xmlns:a14="http://schemas.microsoft.com/office/drawing/2010/main">
+                <a:solidFill>
+                  <a:srgbClr val="FFFFFF"/>
+                </a:solidFill>
+              </a14:hiddenFill>
+            </a:ext>
+            <a:ext uri="{91240B29-F687-4F45-9708-019B960494DF}">
+              <a14:hiddenLine xmlns:a14="http://schemas.microsoft.com/office/drawing/2010/main" w="9525">
+                <a:solidFill>
+                  <a:srgbClr val="000000"/>
+                </a:solidFill>
+                <a:miter lim="800000"/>
+                <a:headEnd/>
+                <a:tailEnd/>
+              </a14:hiddenLine>
+            </a:ext>
+          </a:extLst>
+        </p:spPr>
+      </p:pic>
+      <p:sp>
+        <p:nvSpPr>
+          <p:cNvPr id="8" name="Cilindro 7"/>
+          <p:cNvSpPr/>
+          <p:nvPr/>
+        </p:nvSpPr>
+        <p:spPr>
+          <a:xfrm rot="5400000">
+            <a:off x="3841328" y="2082990"/>
+            <a:ext cx="417884" cy="1907556"/>
+          </a:xfrm>
+          <a:prstGeom prst="can">
+            <a:avLst/>
+          </a:prstGeom>
+          <a:solidFill>
+            <a:schemeClr val="accent1">
+              <a:lumMod val="20000"/>
+              <a:lumOff val="80000"/>
+              <a:alpha val="50000"/>
+            </a:schemeClr>
+          </a:solidFill>
+          <a:ln>
+            <a:solidFill>
+              <a:schemeClr val="tx1"/>
+            </a:solidFill>
+          </a:ln>
+        </p:spPr>
+        <p:style>
+          <a:lnRef idx="2">
+            <a:schemeClr val="accent1">
+              <a:shade val="50000"/>
+            </a:schemeClr>
+          </a:lnRef>
+          <a:fillRef idx="1">
+            <a:schemeClr val="accent1"/>
+          </a:fillRef>
+          <a:effectRef idx="0">
+            <a:schemeClr val="accent1"/>
+          </a:effectRef>
+          <a:fontRef idx="minor">
+            <a:schemeClr val="lt1"/>
+          </a:fontRef>
+        </p:style>
+        <p:txBody>
+          <a:bodyPr vert="vert270" rtlCol="0" anchor="t"/>
+          <a:lstStyle/>
+          <a:p>
+            <a:pPr algn="ctr"/>
+            <a:r>
+              <a:rPr lang="en-US" sz="1400" dirty="0" smtClean="0">
+                <a:solidFill>
+                  <a:schemeClr val="tx1"/>
+                </a:solidFill>
+                <a:latin typeface="Arial" panose="020B0604020202020204" pitchFamily="34" charset="0"/>
+                <a:cs typeface="Arial" panose="020B0604020202020204" pitchFamily="34" charset="0"/>
+              </a:rPr>
+              <a:t>IPsec tunnel</a:t>
+            </a:r>
+            <a:endParaRPr lang="en-US" sz="1400" dirty="0">
+              <a:solidFill>
+                <a:schemeClr val="tx1"/>
+              </a:solidFill>
+              <a:latin typeface="Arial" panose="020B0604020202020204" pitchFamily="34" charset="0"/>
+              <a:cs typeface="Arial" panose="020B0604020202020204" pitchFamily="34" charset="0"/>
+            </a:endParaRPr>
+          </a:p>
+        </p:txBody>
+      </p:sp>
     </p:spTree>
     <p:extLst>
       <p:ext uri="{BB962C8B-B14F-4D97-AF65-F5344CB8AC3E}">
@@ -15558,105 +16122,6 @@
               <a:t>Global orchestrator</a:t>
             </a:r>
             <a:endParaRPr lang="it-IT" sz="1400" dirty="0"/>
-          </a:p>
-        </p:txBody>
-      </p:sp>
-      <p:sp>
-        <p:nvSpPr>
-          <p:cNvPr id="7" name="Rectangle 6"/>
-          <p:cNvSpPr/>
-          <p:nvPr/>
-        </p:nvSpPr>
-        <p:spPr>
-          <a:xfrm>
-            <a:off x="3355673" y="3244334"/>
-            <a:ext cx="2432654" cy="369332"/>
-          </a:xfrm>
-          <a:prstGeom prst="rect">
-            <a:avLst/>
-          </a:prstGeom>
-        </p:spPr>
-        <p:txBody>
-          <a:bodyPr wrap="none">
-            <a:spAutoFit/>
-          </a:bodyPr>
-          <a:lstStyle/>
-          <a:p>
-            <a:r>
-              <a:rPr lang="en-US" dirty="0">
-                <a:solidFill>
-                  <a:srgbClr val="606060"/>
-                </a:solidFill>
-              </a:rPr>
-              <a:t>Intel Corporation NV/SA</a:t>
-            </a:r>
-            <a:endParaRPr lang="en-US" dirty="0"/>
-          </a:p>
-        </p:txBody>
-      </p:sp>
-      <p:sp>
-        <p:nvSpPr>
-          <p:cNvPr id="8" name="Rectangle 7"/>
-          <p:cNvSpPr/>
-          <p:nvPr/>
-        </p:nvSpPr>
-        <p:spPr>
-          <a:xfrm>
-            <a:off x="3355673" y="3244334"/>
-            <a:ext cx="2432654" cy="369332"/>
-          </a:xfrm>
-          <a:prstGeom prst="rect">
-            <a:avLst/>
-          </a:prstGeom>
-        </p:spPr>
-        <p:txBody>
-          <a:bodyPr wrap="none">
-            <a:spAutoFit/>
-          </a:bodyPr>
-          <a:lstStyle/>
-          <a:p>
-            <a:r>
-              <a:rPr lang="en-US" dirty="0">
-                <a:solidFill>
-                  <a:srgbClr val="606060"/>
-                </a:solidFill>
-              </a:rPr>
-              <a:t>Intel Corporation NV/SA</a:t>
-            </a:r>
-            <a:endParaRPr lang="en-US" dirty="0"/>
-          </a:p>
-        </p:txBody>
-      </p:sp>
-      <p:sp>
-        <p:nvSpPr>
-          <p:cNvPr id="9" name="Rectangle 8"/>
-          <p:cNvSpPr/>
-          <p:nvPr/>
-        </p:nvSpPr>
-        <p:spPr>
-          <a:xfrm>
-            <a:off x="3355673" y="3244334"/>
-            <a:ext cx="2432654" cy="369332"/>
-          </a:xfrm>
-          <a:prstGeom prst="rect">
-            <a:avLst/>
-          </a:prstGeom>
-        </p:spPr>
-        <p:txBody>
-          <a:bodyPr wrap="none">
-            <a:spAutoFit/>
-          </a:bodyPr>
-          <a:lstStyle/>
-          <a:p>
-            <a:r>
-              <a:rPr lang="en-US" dirty="0">
-                <a:solidFill>
-                  <a:srgbClr val="606060"/>
-                </a:solidFill>
-              </a:rPr>
-              <a:t>Intel Corporation NV/SA</a:t>
-            </a:r>
-            <a:endParaRPr lang="en-US" dirty="0"/>
           </a:p>
         </p:txBody>
       </p:sp>

--- a/images/Pictures.pptx
+++ b/images/Pictures.pptx
@@ -6,7 +6,7 @@
     <p:sldMasterId id="2147483672" r:id="rId2"/>
   </p:sldMasterIdLst>
   <p:notesMasterIdLst>
-    <p:notesMasterId r:id="rId16"/>
+    <p:notesMasterId r:id="rId17"/>
   </p:notesMasterIdLst>
   <p:sldIdLst>
     <p:sldId id="303" r:id="rId3"/>
@@ -22,6 +22,7 @@
     <p:sldId id="313" r:id="rId13"/>
     <p:sldId id="314" r:id="rId14"/>
     <p:sldId id="315" r:id="rId15"/>
+    <p:sldId id="316" r:id="rId16"/>
   </p:sldIdLst>
   <p:sldSz cx="9144000" cy="6858000" type="screen4x3"/>
   <p:notesSz cx="6858000" cy="9144000"/>
@@ -188,7 +189,7 @@
             </a:lvl1pPr>
           </a:lstStyle>
           <a:p>
-            <a:endParaRPr lang="en-US"/>
+            <a:endParaRPr lang="en-US" dirty="0"/>
           </a:p>
         </p:txBody>
       </p:sp>
@@ -222,9 +223,9 @@
             <a:fld id="{581B34DE-D9D5-401C-8A45-6D5600A3470E}" type="datetimeFigureOut">
               <a:rPr lang="en-US" smtClean="0"/>
               <a:pPr/>
-              <a:t>10/24/2016</a:t>
+              <a:t>10/27/2016</a:t>
             </a:fld>
-            <a:endParaRPr lang="en-US"/>
+            <a:endParaRPr lang="en-US" dirty="0"/>
           </a:p>
         </p:txBody>
       </p:sp>
@@ -257,7 +258,7 @@
           <a:bodyPr vert="horz" lIns="91440" tIns="45720" rIns="91440" bIns="45720" rtlCol="0" anchor="ctr"/>
           <a:lstStyle/>
           <a:p>
-            <a:endParaRPr lang="en-US"/>
+            <a:endParaRPr lang="en-US" dirty="0"/>
           </a:p>
         </p:txBody>
       </p:sp>
@@ -347,7 +348,7 @@
             </a:lvl1pPr>
           </a:lstStyle>
           <a:p>
-            <a:endParaRPr lang="en-US"/>
+            <a:endParaRPr lang="en-US" dirty="0"/>
           </a:p>
         </p:txBody>
       </p:sp>
@@ -383,7 +384,7 @@
               <a:pPr/>
               <a:t>‹N›</a:t>
             </a:fld>
-            <a:endParaRPr lang="en-US"/>
+            <a:endParaRPr lang="en-US" dirty="0"/>
           </a:p>
         </p:txBody>
       </p:sp>
@@ -1242,9 +1243,9 @@
             <a:fld id="{3D599013-5C43-42B3-986A-3CF64AAE02B4}" type="datetimeFigureOut">
               <a:rPr lang="en-US" smtClean="0"/>
               <a:pPr/>
-              <a:t>10/24/2016</a:t>
+              <a:t>10/27/2016</a:t>
             </a:fld>
-            <a:endParaRPr lang="en-US"/>
+            <a:endParaRPr lang="en-US" dirty="0"/>
           </a:p>
         </p:txBody>
       </p:sp>
@@ -1263,7 +1264,7 @@
           <a:bodyPr/>
           <a:lstStyle/>
           <a:p>
-            <a:endParaRPr lang="en-US"/>
+            <a:endParaRPr lang="en-US" dirty="0"/>
           </a:p>
         </p:txBody>
       </p:sp>
@@ -1287,7 +1288,7 @@
               <a:pPr/>
               <a:t>‹N›</a:t>
             </a:fld>
-            <a:endParaRPr lang="en-US"/>
+            <a:endParaRPr lang="en-US" dirty="0"/>
           </a:p>
         </p:txBody>
       </p:sp>
@@ -1414,9 +1415,9 @@
             <a:fld id="{3D599013-5C43-42B3-986A-3CF64AAE02B4}" type="datetimeFigureOut">
               <a:rPr lang="en-US" smtClean="0"/>
               <a:pPr/>
-              <a:t>10/24/2016</a:t>
+              <a:t>10/27/2016</a:t>
             </a:fld>
-            <a:endParaRPr lang="en-US"/>
+            <a:endParaRPr lang="en-US" dirty="0"/>
           </a:p>
         </p:txBody>
       </p:sp>
@@ -1435,7 +1436,7 @@
           <a:bodyPr/>
           <a:lstStyle/>
           <a:p>
-            <a:endParaRPr lang="en-US"/>
+            <a:endParaRPr lang="en-US" dirty="0"/>
           </a:p>
         </p:txBody>
       </p:sp>
@@ -1459,7 +1460,7 @@
               <a:pPr/>
               <a:t>‹N›</a:t>
             </a:fld>
-            <a:endParaRPr lang="en-US"/>
+            <a:endParaRPr lang="en-US" dirty="0"/>
           </a:p>
         </p:txBody>
       </p:sp>
@@ -1596,9 +1597,9 @@
             <a:fld id="{3D599013-5C43-42B3-986A-3CF64AAE02B4}" type="datetimeFigureOut">
               <a:rPr lang="en-US" smtClean="0"/>
               <a:pPr/>
-              <a:t>10/24/2016</a:t>
+              <a:t>10/27/2016</a:t>
             </a:fld>
-            <a:endParaRPr lang="en-US"/>
+            <a:endParaRPr lang="en-US" dirty="0"/>
           </a:p>
         </p:txBody>
       </p:sp>
@@ -1617,7 +1618,7 @@
           <a:bodyPr/>
           <a:lstStyle/>
           <a:p>
-            <a:endParaRPr lang="en-US"/>
+            <a:endParaRPr lang="en-US" dirty="0"/>
           </a:p>
         </p:txBody>
       </p:sp>
@@ -1641,7 +1642,7 @@
               <a:pPr/>
               <a:t>‹N›</a:t>
             </a:fld>
-            <a:endParaRPr lang="en-US"/>
+            <a:endParaRPr lang="en-US" dirty="0"/>
           </a:p>
         </p:txBody>
       </p:sp>
@@ -1787,9 +1788,9 @@
           <a:p>
             <a:fld id="{3F96F2D7-2467-4E8E-B24B-63336E0458CC}" type="datetimeFigureOut">
               <a:rPr lang="it-IT" smtClean="0"/>
-              <a:t>24/10/2016</a:t>
+              <a:t>27/10/2016</a:t>
             </a:fld>
-            <a:endParaRPr lang="it-IT"/>
+            <a:endParaRPr lang="it-IT" dirty="0"/>
           </a:p>
         </p:txBody>
       </p:sp>
@@ -1812,7 +1813,7 @@
               <a:defRPr/>
             </a:pPr>
             <a:r>
-              <a:rPr lang="en-US"/>
+              <a:rPr lang="en-US" dirty="0"/>
               <a:t>© ETSI 2015. All rights reserved</a:t>
             </a:r>
           </a:p>
@@ -1838,7 +1839,7 @@
               <a:pPr/>
               <a:t>‹N›</a:t>
             </a:fld>
-            <a:endParaRPr lang="en-US"/>
+            <a:endParaRPr lang="en-US" dirty="0"/>
           </a:p>
         </p:txBody>
       </p:sp>
@@ -1963,9 +1964,9 @@
           <a:p>
             <a:fld id="{3F96F2D7-2467-4E8E-B24B-63336E0458CC}" type="datetimeFigureOut">
               <a:rPr lang="it-IT" smtClean="0"/>
-              <a:t>24/10/2016</a:t>
+              <a:t>27/10/2016</a:t>
             </a:fld>
-            <a:endParaRPr lang="it-IT"/>
+            <a:endParaRPr lang="it-IT" dirty="0"/>
           </a:p>
         </p:txBody>
       </p:sp>
@@ -1988,7 +1989,7 @@
               <a:defRPr/>
             </a:pPr>
             <a:r>
-              <a:rPr lang="en-US"/>
+              <a:rPr lang="en-US" dirty="0"/>
               <a:t>© ETSI 2015. All rights reserved</a:t>
             </a:r>
           </a:p>
@@ -2014,7 +2015,7 @@
               <a:pPr/>
               <a:t>‹N›</a:t>
             </a:fld>
-            <a:endParaRPr lang="en-US"/>
+            <a:endParaRPr lang="en-US" dirty="0"/>
           </a:p>
         </p:txBody>
       </p:sp>
@@ -2216,9 +2217,9 @@
           <a:p>
             <a:fld id="{3F96F2D7-2467-4E8E-B24B-63336E0458CC}" type="datetimeFigureOut">
               <a:rPr lang="it-IT" smtClean="0"/>
-              <a:t>24/10/2016</a:t>
+              <a:t>27/10/2016</a:t>
             </a:fld>
-            <a:endParaRPr lang="it-IT"/>
+            <a:endParaRPr lang="it-IT" dirty="0"/>
           </a:p>
         </p:txBody>
       </p:sp>
@@ -2241,7 +2242,7 @@
               <a:defRPr/>
             </a:pPr>
             <a:r>
-              <a:rPr lang="en-US"/>
+              <a:rPr lang="en-US" dirty="0"/>
               <a:t>© ETSI 2015. All rights reserved</a:t>
             </a:r>
           </a:p>
@@ -2267,7 +2268,7 @@
               <a:pPr/>
               <a:t>‹N›</a:t>
             </a:fld>
-            <a:endParaRPr lang="en-US"/>
+            <a:endParaRPr lang="en-US" dirty="0"/>
           </a:p>
         </p:txBody>
       </p:sp>
@@ -2453,9 +2454,9 @@
           <a:p>
             <a:fld id="{3F96F2D7-2467-4E8E-B24B-63336E0458CC}" type="datetimeFigureOut">
               <a:rPr lang="it-IT" smtClean="0"/>
-              <a:t>24/10/2016</a:t>
+              <a:t>27/10/2016</a:t>
             </a:fld>
-            <a:endParaRPr lang="it-IT"/>
+            <a:endParaRPr lang="it-IT" dirty="0"/>
           </a:p>
         </p:txBody>
       </p:sp>
@@ -2478,7 +2479,7 @@
               <a:defRPr/>
             </a:pPr>
             <a:r>
-              <a:rPr lang="en-US"/>
+              <a:rPr lang="en-US" dirty="0"/>
               <a:t>© ETSI 2015. All rights reserved</a:t>
             </a:r>
           </a:p>
@@ -2504,7 +2505,7 @@
               <a:pPr/>
               <a:t>‹N›</a:t>
             </a:fld>
-            <a:endParaRPr lang="en-US"/>
+            <a:endParaRPr lang="en-US" dirty="0"/>
           </a:p>
         </p:txBody>
       </p:sp>
@@ -2825,9 +2826,9 @@
           <a:p>
             <a:fld id="{3F96F2D7-2467-4E8E-B24B-63336E0458CC}" type="datetimeFigureOut">
               <a:rPr lang="it-IT" smtClean="0"/>
-              <a:t>24/10/2016</a:t>
+              <a:t>27/10/2016</a:t>
             </a:fld>
-            <a:endParaRPr lang="it-IT"/>
+            <a:endParaRPr lang="it-IT" dirty="0"/>
           </a:p>
         </p:txBody>
       </p:sp>
@@ -2850,7 +2851,7 @@
               <a:defRPr/>
             </a:pPr>
             <a:r>
-              <a:rPr lang="en-US"/>
+              <a:rPr lang="en-US" dirty="0"/>
               <a:t>© ETSI 2015. All rights reserved</a:t>
             </a:r>
           </a:p>
@@ -2876,7 +2877,7 @@
               <a:pPr/>
               <a:t>‹N›</a:t>
             </a:fld>
-            <a:endParaRPr lang="en-US"/>
+            <a:endParaRPr lang="en-US" dirty="0"/>
           </a:p>
         </p:txBody>
       </p:sp>
@@ -2950,9 +2951,9 @@
           <a:p>
             <a:fld id="{3F96F2D7-2467-4E8E-B24B-63336E0458CC}" type="datetimeFigureOut">
               <a:rPr lang="it-IT" smtClean="0"/>
-              <a:t>24/10/2016</a:t>
+              <a:t>27/10/2016</a:t>
             </a:fld>
-            <a:endParaRPr lang="it-IT"/>
+            <a:endParaRPr lang="it-IT" dirty="0"/>
           </a:p>
         </p:txBody>
       </p:sp>
@@ -2975,7 +2976,7 @@
               <a:defRPr/>
             </a:pPr>
             <a:r>
-              <a:rPr lang="en-US"/>
+              <a:rPr lang="en-US" dirty="0"/>
               <a:t>© ETSI 2015. All rights reserved</a:t>
             </a:r>
           </a:p>
@@ -3001,7 +3002,7 @@
               <a:pPr/>
               <a:t>‹N›</a:t>
             </a:fld>
-            <a:endParaRPr lang="en-US"/>
+            <a:endParaRPr lang="en-US" dirty="0"/>
           </a:p>
         </p:txBody>
       </p:sp>
@@ -3053,9 +3054,9 @@
           <a:p>
             <a:fld id="{3F96F2D7-2467-4E8E-B24B-63336E0458CC}" type="datetimeFigureOut">
               <a:rPr lang="it-IT" smtClean="0"/>
-              <a:t>24/10/2016</a:t>
+              <a:t>27/10/2016</a:t>
             </a:fld>
-            <a:endParaRPr lang="it-IT"/>
+            <a:endParaRPr lang="it-IT" dirty="0"/>
           </a:p>
         </p:txBody>
       </p:sp>
@@ -3078,7 +3079,7 @@
               <a:defRPr/>
             </a:pPr>
             <a:r>
-              <a:rPr lang="en-US"/>
+              <a:rPr lang="en-US" dirty="0"/>
               <a:t>© ETSI 2015. All rights reserved</a:t>
             </a:r>
           </a:p>
@@ -3104,7 +3105,7 @@
               <a:pPr/>
               <a:t>‹N›</a:t>
             </a:fld>
-            <a:endParaRPr lang="en-US"/>
+            <a:endParaRPr lang="en-US" dirty="0"/>
           </a:p>
         </p:txBody>
       </p:sp>
@@ -3336,9 +3337,9 @@
           <a:p>
             <a:fld id="{3F96F2D7-2467-4E8E-B24B-63336E0458CC}" type="datetimeFigureOut">
               <a:rPr lang="it-IT" smtClean="0"/>
-              <a:t>24/10/2016</a:t>
+              <a:t>27/10/2016</a:t>
             </a:fld>
-            <a:endParaRPr lang="it-IT"/>
+            <a:endParaRPr lang="it-IT" dirty="0"/>
           </a:p>
         </p:txBody>
       </p:sp>
@@ -3361,7 +3362,7 @@
               <a:defRPr/>
             </a:pPr>
             <a:r>
-              <a:rPr lang="en-US"/>
+              <a:rPr lang="en-US" dirty="0"/>
               <a:t>© ETSI 2015. All rights reserved</a:t>
             </a:r>
           </a:p>
@@ -3387,7 +3388,7 @@
               <a:pPr/>
               <a:t>‹N›</a:t>
             </a:fld>
-            <a:endParaRPr lang="en-US"/>
+            <a:endParaRPr lang="en-US" dirty="0"/>
           </a:p>
         </p:txBody>
       </p:sp>
@@ -3515,9 +3516,9 @@
             <a:fld id="{3D599013-5C43-42B3-986A-3CF64AAE02B4}" type="datetimeFigureOut">
               <a:rPr lang="en-US" smtClean="0"/>
               <a:pPr/>
-              <a:t>10/24/2016</a:t>
+              <a:t>10/27/2016</a:t>
             </a:fld>
-            <a:endParaRPr lang="en-US"/>
+            <a:endParaRPr lang="en-US" dirty="0"/>
           </a:p>
         </p:txBody>
       </p:sp>
@@ -3536,7 +3537,7 @@
           <a:bodyPr/>
           <a:lstStyle/>
           <a:p>
-            <a:endParaRPr lang="en-US"/>
+            <a:endParaRPr lang="en-US" dirty="0"/>
           </a:p>
         </p:txBody>
       </p:sp>
@@ -3560,7 +3561,7 @@
               <a:pPr/>
               <a:t>‹N›</a:t>
             </a:fld>
-            <a:endParaRPr lang="en-US"/>
+            <a:endParaRPr lang="en-US" dirty="0"/>
           </a:p>
         </p:txBody>
       </p:sp>
@@ -3682,7 +3683,7 @@
             </a:lvl9pPr>
           </a:lstStyle>
           <a:p>
-            <a:endParaRPr lang="it-IT"/>
+            <a:endParaRPr lang="it-IT" dirty="0"/>
           </a:p>
         </p:txBody>
       </p:sp>
@@ -3768,9 +3769,9 @@
           <a:p>
             <a:fld id="{3F96F2D7-2467-4E8E-B24B-63336E0458CC}" type="datetimeFigureOut">
               <a:rPr lang="it-IT" smtClean="0"/>
-              <a:t>24/10/2016</a:t>
+              <a:t>27/10/2016</a:t>
             </a:fld>
-            <a:endParaRPr lang="it-IT"/>
+            <a:endParaRPr lang="it-IT" dirty="0"/>
           </a:p>
         </p:txBody>
       </p:sp>
@@ -3793,7 +3794,7 @@
               <a:defRPr/>
             </a:pPr>
             <a:r>
-              <a:rPr lang="en-US"/>
+              <a:rPr lang="en-US" dirty="0"/>
               <a:t>© ETSI 2015. All rights reserved</a:t>
             </a:r>
           </a:p>
@@ -3819,7 +3820,7 @@
               <a:pPr/>
               <a:t>‹N›</a:t>
             </a:fld>
-            <a:endParaRPr lang="en-US"/>
+            <a:endParaRPr lang="en-US" dirty="0"/>
           </a:p>
         </p:txBody>
       </p:sp>
@@ -3944,9 +3945,9 @@
           <a:p>
             <a:fld id="{3F96F2D7-2467-4E8E-B24B-63336E0458CC}" type="datetimeFigureOut">
               <a:rPr lang="it-IT" smtClean="0"/>
-              <a:t>24/10/2016</a:t>
+              <a:t>27/10/2016</a:t>
             </a:fld>
-            <a:endParaRPr lang="it-IT"/>
+            <a:endParaRPr lang="it-IT" dirty="0"/>
           </a:p>
         </p:txBody>
       </p:sp>
@@ -3969,7 +3970,7 @@
               <a:defRPr/>
             </a:pPr>
             <a:r>
-              <a:rPr lang="en-US"/>
+              <a:rPr lang="en-US" dirty="0"/>
               <a:t>© ETSI 2015. All rights reserved</a:t>
             </a:r>
           </a:p>
@@ -3995,7 +3996,7 @@
               <a:pPr/>
               <a:t>‹N›</a:t>
             </a:fld>
-            <a:endParaRPr lang="en-US"/>
+            <a:endParaRPr lang="en-US" dirty="0"/>
           </a:p>
         </p:txBody>
       </p:sp>
@@ -4130,9 +4131,9 @@
           <a:p>
             <a:fld id="{3F96F2D7-2467-4E8E-B24B-63336E0458CC}" type="datetimeFigureOut">
               <a:rPr lang="it-IT" smtClean="0"/>
-              <a:t>24/10/2016</a:t>
+              <a:t>27/10/2016</a:t>
             </a:fld>
-            <a:endParaRPr lang="it-IT"/>
+            <a:endParaRPr lang="it-IT" dirty="0"/>
           </a:p>
         </p:txBody>
       </p:sp>
@@ -4155,7 +4156,7 @@
               <a:defRPr/>
             </a:pPr>
             <a:r>
-              <a:rPr lang="en-US"/>
+              <a:rPr lang="en-US" dirty="0"/>
               <a:t>© ETSI 2015. All rights reserved</a:t>
             </a:r>
           </a:p>
@@ -4181,7 +4182,7 @@
               <a:pPr/>
               <a:t>‹N›</a:t>
             </a:fld>
-            <a:endParaRPr lang="en-US"/>
+            <a:endParaRPr lang="en-US" dirty="0"/>
           </a:p>
         </p:txBody>
       </p:sp>
@@ -4264,7 +4265,7 @@
               <a:defRPr/>
             </a:pPr>
             <a:r>
-              <a:rPr lang="en-US"/>
+              <a:rPr lang="en-US" dirty="0"/>
               <a:t>© ETSI 2015. All rights reserved</a:t>
             </a:r>
           </a:p>
@@ -4294,7 +4295,7 @@
               <a:pPr/>
               <a:t>‹N›</a:t>
             </a:fld>
-            <a:endParaRPr lang="en-US"/>
+            <a:endParaRPr lang="en-US" dirty="0"/>
           </a:p>
         </p:txBody>
       </p:sp>
@@ -4664,10 +4665,9 @@
               <a:defRPr/>
             </a:pPr>
             <a:r>
-              <a:rPr lang="en-US"/>
+              <a:rPr lang="en-US" dirty="0"/>
               <a:t>© ETSI 2015. All rights reserved</a:t>
             </a:r>
-            <a:endParaRPr lang="en-US" dirty="0"/>
           </a:p>
         </p:txBody>
       </p:sp>
@@ -4912,7 +4912,7 @@
               <a:pPr/>
               <a:t>‹N›</a:t>
             </a:fld>
-            <a:endParaRPr lang="en-US"/>
+            <a:endParaRPr lang="en-US" dirty="0"/>
           </a:p>
         </p:txBody>
       </p:sp>
@@ -4945,7 +4945,7 @@
               <a:defRPr/>
             </a:pPr>
             <a:r>
-              <a:rPr lang="en-US"/>
+              <a:rPr lang="en-US" dirty="0"/>
               <a:t>© ETSI 2015. All rights reserved</a:t>
             </a:r>
           </a:p>
@@ -5192,7 +5192,7 @@
               <a:pPr/>
               <a:t>‹N›</a:t>
             </a:fld>
-            <a:endParaRPr lang="en-US"/>
+            <a:endParaRPr lang="en-US" dirty="0"/>
           </a:p>
         </p:txBody>
       </p:sp>
@@ -5225,7 +5225,7 @@
               <a:defRPr/>
             </a:pPr>
             <a:r>
-              <a:rPr lang="en-US"/>
+              <a:rPr lang="en-US" dirty="0"/>
               <a:t>© ETSI 2015. All rights reserved</a:t>
             </a:r>
           </a:p>
@@ -5472,7 +5472,7 @@
               <a:pPr/>
               <a:t>‹N›</a:t>
             </a:fld>
-            <a:endParaRPr lang="en-US"/>
+            <a:endParaRPr lang="en-US" dirty="0"/>
           </a:p>
         </p:txBody>
       </p:sp>
@@ -5505,7 +5505,7 @@
               <a:defRPr/>
             </a:pPr>
             <a:r>
-              <a:rPr lang="en-US"/>
+              <a:rPr lang="en-US" dirty="0"/>
               <a:t>© ETSI 2015. All rights reserved</a:t>
             </a:r>
           </a:p>
@@ -5752,7 +5752,7 @@
               <a:pPr/>
               <a:t>‹N›</a:t>
             </a:fld>
-            <a:endParaRPr lang="en-US"/>
+            <a:endParaRPr lang="en-US" dirty="0"/>
           </a:p>
         </p:txBody>
       </p:sp>
@@ -5785,7 +5785,7 @@
               <a:defRPr/>
             </a:pPr>
             <a:r>
-              <a:rPr lang="en-US"/>
+              <a:rPr lang="en-US" dirty="0"/>
               <a:t>© ETSI 2015. All rights reserved</a:t>
             </a:r>
           </a:p>
@@ -6032,7 +6032,7 @@
               <a:pPr/>
               <a:t>‹N›</a:t>
             </a:fld>
-            <a:endParaRPr lang="en-US"/>
+            <a:endParaRPr lang="en-US" dirty="0"/>
           </a:p>
         </p:txBody>
       </p:sp>
@@ -6065,7 +6065,7 @@
               <a:defRPr/>
             </a:pPr>
             <a:r>
-              <a:rPr lang="en-US"/>
+              <a:rPr lang="en-US" dirty="0"/>
               <a:t>© ETSI 2015. All rights reserved</a:t>
             </a:r>
           </a:p>
@@ -6271,9 +6271,9 @@
             <a:fld id="{3D599013-5C43-42B3-986A-3CF64AAE02B4}" type="datetimeFigureOut">
               <a:rPr lang="en-US" smtClean="0"/>
               <a:pPr/>
-              <a:t>10/24/2016</a:t>
+              <a:t>10/27/2016</a:t>
             </a:fld>
-            <a:endParaRPr lang="en-US"/>
+            <a:endParaRPr lang="en-US" dirty="0"/>
           </a:p>
         </p:txBody>
       </p:sp>
@@ -6292,7 +6292,7 @@
           <a:bodyPr/>
           <a:lstStyle/>
           <a:p>
-            <a:endParaRPr lang="en-US"/>
+            <a:endParaRPr lang="en-US" dirty="0"/>
           </a:p>
         </p:txBody>
       </p:sp>
@@ -6316,7 +6316,7 @@
               <a:pPr/>
               <a:t>‹N›</a:t>
             </a:fld>
-            <a:endParaRPr lang="en-US"/>
+            <a:endParaRPr lang="en-US" dirty="0"/>
           </a:p>
         </p:txBody>
       </p:sp>
@@ -6558,7 +6558,7 @@
               <a:pPr/>
               <a:t>‹N›</a:t>
             </a:fld>
-            <a:endParaRPr lang="en-US"/>
+            <a:endParaRPr lang="en-US" dirty="0"/>
           </a:p>
         </p:txBody>
       </p:sp>
@@ -6591,7 +6591,7 @@
               <a:defRPr/>
             </a:pPr>
             <a:r>
-              <a:rPr lang="en-US"/>
+              <a:rPr lang="en-US" dirty="0"/>
               <a:t>© ETSI 2015. All rights reserved</a:t>
             </a:r>
           </a:p>
@@ -6765,7 +6765,7 @@
               <a:defRPr/>
             </a:pPr>
             <a:r>
-              <a:rPr lang="en-US"/>
+              <a:rPr lang="en-US" dirty="0"/>
               <a:t>© ETSI 2015. All rights reserved</a:t>
             </a:r>
           </a:p>
@@ -6795,7 +6795,7 @@
               <a:pPr/>
               <a:t>‹N›</a:t>
             </a:fld>
-            <a:endParaRPr lang="en-US"/>
+            <a:endParaRPr lang="en-US" dirty="0"/>
           </a:p>
         </p:txBody>
       </p:sp>
@@ -6987,9 +6987,9 @@
             <a:fld id="{3D599013-5C43-42B3-986A-3CF64AAE02B4}" type="datetimeFigureOut">
               <a:rPr lang="en-US" smtClean="0"/>
               <a:pPr/>
-              <a:t>10/24/2016</a:t>
+              <a:t>10/27/2016</a:t>
             </a:fld>
-            <a:endParaRPr lang="en-US"/>
+            <a:endParaRPr lang="en-US" dirty="0"/>
           </a:p>
         </p:txBody>
       </p:sp>
@@ -7008,7 +7008,7 @@
           <a:bodyPr/>
           <a:lstStyle/>
           <a:p>
-            <a:endParaRPr lang="en-US"/>
+            <a:endParaRPr lang="en-US" dirty="0"/>
           </a:p>
         </p:txBody>
       </p:sp>
@@ -7032,7 +7032,7 @@
               <a:pPr/>
               <a:t>‹N›</a:t>
             </a:fld>
-            <a:endParaRPr lang="en-US"/>
+            <a:endParaRPr lang="en-US" dirty="0"/>
           </a:p>
         </p:txBody>
       </p:sp>
@@ -7356,9 +7356,9 @@
             <a:fld id="{3D599013-5C43-42B3-986A-3CF64AAE02B4}" type="datetimeFigureOut">
               <a:rPr lang="en-US" smtClean="0"/>
               <a:pPr/>
-              <a:t>10/24/2016</a:t>
+              <a:t>10/27/2016</a:t>
             </a:fld>
-            <a:endParaRPr lang="en-US"/>
+            <a:endParaRPr lang="en-US" dirty="0"/>
           </a:p>
         </p:txBody>
       </p:sp>
@@ -7377,7 +7377,7 @@
           <a:bodyPr/>
           <a:lstStyle/>
           <a:p>
-            <a:endParaRPr lang="en-US"/>
+            <a:endParaRPr lang="en-US" dirty="0"/>
           </a:p>
         </p:txBody>
       </p:sp>
@@ -7401,7 +7401,7 @@
               <a:pPr/>
               <a:t>‹N›</a:t>
             </a:fld>
-            <a:endParaRPr lang="en-US"/>
+            <a:endParaRPr lang="en-US" dirty="0"/>
           </a:p>
         </p:txBody>
       </p:sp>
@@ -7476,9 +7476,9 @@
             <a:fld id="{3D599013-5C43-42B3-986A-3CF64AAE02B4}" type="datetimeFigureOut">
               <a:rPr lang="en-US" smtClean="0"/>
               <a:pPr/>
-              <a:t>10/24/2016</a:t>
+              <a:t>10/27/2016</a:t>
             </a:fld>
-            <a:endParaRPr lang="en-US"/>
+            <a:endParaRPr lang="en-US" dirty="0"/>
           </a:p>
         </p:txBody>
       </p:sp>
@@ -7497,7 +7497,7 @@
           <a:bodyPr/>
           <a:lstStyle/>
           <a:p>
-            <a:endParaRPr lang="en-US"/>
+            <a:endParaRPr lang="en-US" dirty="0"/>
           </a:p>
         </p:txBody>
       </p:sp>
@@ -7521,7 +7521,7 @@
               <a:pPr/>
               <a:t>‹N›</a:t>
             </a:fld>
-            <a:endParaRPr lang="en-US"/>
+            <a:endParaRPr lang="en-US" dirty="0"/>
           </a:p>
         </p:txBody>
       </p:sp>
@@ -7573,9 +7573,9 @@
             <a:fld id="{3D599013-5C43-42B3-986A-3CF64AAE02B4}" type="datetimeFigureOut">
               <a:rPr lang="en-US" smtClean="0"/>
               <a:pPr/>
-              <a:t>10/24/2016</a:t>
+              <a:t>10/27/2016</a:t>
             </a:fld>
-            <a:endParaRPr lang="en-US"/>
+            <a:endParaRPr lang="en-US" dirty="0"/>
           </a:p>
         </p:txBody>
       </p:sp>
@@ -7594,7 +7594,7 @@
           <a:bodyPr/>
           <a:lstStyle/>
           <a:p>
-            <a:endParaRPr lang="en-US"/>
+            <a:endParaRPr lang="en-US" dirty="0"/>
           </a:p>
         </p:txBody>
       </p:sp>
@@ -7618,7 +7618,7 @@
               <a:pPr/>
               <a:t>‹N›</a:t>
             </a:fld>
-            <a:endParaRPr lang="en-US"/>
+            <a:endParaRPr lang="en-US" dirty="0"/>
           </a:p>
         </p:txBody>
       </p:sp>
@@ -7852,9 +7852,9 @@
             <a:fld id="{3D599013-5C43-42B3-986A-3CF64AAE02B4}" type="datetimeFigureOut">
               <a:rPr lang="en-US" smtClean="0"/>
               <a:pPr/>
-              <a:t>10/24/2016</a:t>
+              <a:t>10/27/2016</a:t>
             </a:fld>
-            <a:endParaRPr lang="en-US"/>
+            <a:endParaRPr lang="en-US" dirty="0"/>
           </a:p>
         </p:txBody>
       </p:sp>
@@ -7873,7 +7873,7 @@
           <a:bodyPr/>
           <a:lstStyle/>
           <a:p>
-            <a:endParaRPr lang="en-US"/>
+            <a:endParaRPr lang="en-US" dirty="0"/>
           </a:p>
         </p:txBody>
       </p:sp>
@@ -7897,7 +7897,7 @@
               <a:pPr/>
               <a:t>‹N›</a:t>
             </a:fld>
-            <a:endParaRPr lang="en-US"/>
+            <a:endParaRPr lang="en-US" dirty="0"/>
           </a:p>
         </p:txBody>
       </p:sp>
@@ -8021,10 +8021,9 @@
           </a:lstStyle>
           <a:p>
             <a:r>
-              <a:rPr lang="en-US"/>
+              <a:rPr lang="en-US" dirty="0"/>
               <a:t>Click icon to add picture</a:t>
             </a:r>
-            <a:endParaRPr lang="en-US" dirty="0"/>
           </a:p>
         </p:txBody>
       </p:sp>
@@ -8111,9 +8110,9 @@
             <a:fld id="{3D599013-5C43-42B3-986A-3CF64AAE02B4}" type="datetimeFigureOut">
               <a:rPr lang="en-US" smtClean="0"/>
               <a:pPr/>
-              <a:t>10/24/2016</a:t>
+              <a:t>10/27/2016</a:t>
             </a:fld>
-            <a:endParaRPr lang="en-US"/>
+            <a:endParaRPr lang="en-US" dirty="0"/>
           </a:p>
         </p:txBody>
       </p:sp>
@@ -8132,7 +8131,7 @@
           <a:bodyPr/>
           <a:lstStyle/>
           <a:p>
-            <a:endParaRPr lang="en-US"/>
+            <a:endParaRPr lang="en-US" dirty="0"/>
           </a:p>
         </p:txBody>
       </p:sp>
@@ -8156,7 +8155,7 @@
               <a:pPr/>
               <a:t>‹N›</a:t>
             </a:fld>
-            <a:endParaRPr lang="en-US"/>
+            <a:endParaRPr lang="en-US" dirty="0"/>
           </a:p>
         </p:txBody>
       </p:sp>
@@ -8326,9 +8325,9 @@
             <a:fld id="{3D599013-5C43-42B3-986A-3CF64AAE02B4}" type="datetimeFigureOut">
               <a:rPr lang="en-US" smtClean="0"/>
               <a:pPr/>
-              <a:t>10/24/2016</a:t>
+              <a:t>10/27/2016</a:t>
             </a:fld>
-            <a:endParaRPr lang="en-US"/>
+            <a:endParaRPr lang="en-US" dirty="0"/>
           </a:p>
         </p:txBody>
       </p:sp>
@@ -8365,7 +8364,7 @@
             </a:lvl1pPr>
           </a:lstStyle>
           <a:p>
-            <a:endParaRPr lang="en-US"/>
+            <a:endParaRPr lang="en-US" dirty="0"/>
           </a:p>
         </p:txBody>
       </p:sp>
@@ -8407,7 +8406,7 @@
               <a:pPr/>
               <a:t>‹N›</a:t>
             </a:fld>
-            <a:endParaRPr lang="en-US"/>
+            <a:endParaRPr lang="en-US" dirty="0"/>
           </a:p>
         </p:txBody>
       </p:sp>
@@ -8865,9 +8864,9 @@
           <a:p>
             <a:fld id="{3F96F2D7-2467-4E8E-B24B-63336E0458CC}" type="datetimeFigureOut">
               <a:rPr lang="it-IT" smtClean="0"/>
-              <a:t>24/10/2016</a:t>
+              <a:t>27/10/2016</a:t>
             </a:fld>
-            <a:endParaRPr lang="it-IT"/>
+            <a:endParaRPr lang="it-IT" dirty="0"/>
           </a:p>
         </p:txBody>
       </p:sp>
@@ -8908,7 +8907,7 @@
               <a:defRPr/>
             </a:pPr>
             <a:r>
-              <a:rPr lang="en-US"/>
+              <a:rPr lang="en-US" dirty="0"/>
               <a:t>© ETSI 2015. All rights reserved</a:t>
             </a:r>
           </a:p>
@@ -8952,7 +8951,7 @@
               <a:pPr/>
               <a:t>‹N›</a:t>
             </a:fld>
-            <a:endParaRPr lang="en-US"/>
+            <a:endParaRPr lang="en-US" dirty="0"/>
           </a:p>
         </p:txBody>
       </p:sp>
@@ -23830,6 +23829,927 @@
     <p:extLst>
       <p:ext uri="{BB962C8B-B14F-4D97-AF65-F5344CB8AC3E}">
         <p14:creationId xmlns:p14="http://schemas.microsoft.com/office/powerpoint/2010/main" val="529406174"/>
+      </p:ext>
+    </p:extLst>
+  </p:cSld>
+  <p:clrMapOvr>
+    <a:masterClrMapping/>
+  </p:clrMapOvr>
+  <p:transition>
+    <p:wipe dir="r"/>
+  </p:transition>
+</p:sld>
+</file>
+
+<file path=ppt/slides/slide14.xml><?xml version="1.0" encoding="utf-8"?>
+<p:sld xmlns:a="http://schemas.openxmlformats.org/drawingml/2006/main" xmlns:r="http://schemas.openxmlformats.org/officeDocument/2006/relationships" xmlns:p="http://schemas.openxmlformats.org/presentationml/2006/main">
+  <p:cSld>
+    <p:spTree>
+      <p:nvGrpSpPr>
+        <p:cNvPr id="1" name=""/>
+        <p:cNvGrpSpPr/>
+        <p:nvPr/>
+      </p:nvGrpSpPr>
+      <p:grpSpPr>
+        <a:xfrm>
+          <a:off x="0" y="0"/>
+          <a:ext cx="0" cy="0"/>
+          <a:chOff x="0" y="0"/>
+          <a:chExt cx="0" cy="0"/>
+        </a:xfrm>
+      </p:grpSpPr>
+      <p:pic>
+        <p:nvPicPr>
+          <p:cNvPr id="4" name="Picture 280"/>
+          <p:cNvPicPr>
+            <a:picLocks noChangeAspect="1"/>
+          </p:cNvPicPr>
+          <p:nvPr/>
+        </p:nvPicPr>
+        <p:blipFill>
+          <a:blip r:embed="rId2" cstate="print">
+            <a:extLst>
+              <a:ext uri="{28A0092B-C50C-407E-A947-70E740481C1C}">
+                <a14:useLocalDpi xmlns:a14="http://schemas.microsoft.com/office/drawing/2010/main" val="0"/>
+              </a:ext>
+            </a:extLst>
+          </a:blip>
+          <a:stretch>
+            <a:fillRect/>
+          </a:stretch>
+        </p:blipFill>
+        <p:spPr>
+          <a:xfrm>
+            <a:off x="2123728" y="548680"/>
+            <a:ext cx="303716" cy="507910"/>
+          </a:xfrm>
+          <a:prstGeom prst="rect">
+            <a:avLst/>
+          </a:prstGeom>
+        </p:spPr>
+      </p:pic>
+      <p:sp>
+        <p:nvSpPr>
+          <p:cNvPr id="5" name="CustomShape 2"/>
+          <p:cNvSpPr/>
+          <p:nvPr/>
+        </p:nvSpPr>
+        <p:spPr>
+          <a:xfrm>
+            <a:off x="1678048" y="1821965"/>
+            <a:ext cx="1179392" cy="359640"/>
+          </a:xfrm>
+          <a:prstGeom prst="rect">
+            <a:avLst/>
+          </a:prstGeom>
+          <a:solidFill>
+            <a:schemeClr val="accent1">
+              <a:lumMod val="20000"/>
+              <a:lumOff val="80000"/>
+            </a:schemeClr>
+          </a:solidFill>
+          <a:ln w="12700">
+            <a:solidFill>
+              <a:schemeClr val="tx1"/>
+            </a:solidFill>
+          </a:ln>
+          <a:effectLst>
+            <a:outerShdw blurRad="152400" dir="5400000" sx="90000" sy="-19000" rotWithShape="0">
+              <a:prstClr val="black">
+                <a:alpha val="15000"/>
+              </a:prstClr>
+            </a:outerShdw>
+          </a:effectLst>
+        </p:spPr>
+        <p:txBody>
+          <a:bodyPr wrap="none" lIns="90000" tIns="45000" rIns="90000" bIns="45000" anchor="ctr"/>
+          <a:lstStyle>
+            <a:defPPr>
+              <a:defRPr lang="en-US"/>
+            </a:defPPr>
+            <a:lvl1pPr marL="0" algn="l" defTabSz="914400" rtl="0" eaLnBrk="1" latinLnBrk="0" hangingPunct="1">
+              <a:defRPr sz="1800" kern="1200">
+                <a:solidFill>
+                  <a:schemeClr val="tx1"/>
+                </a:solidFill>
+                <a:latin typeface="+mn-lt"/>
+                <a:ea typeface="+mn-ea"/>
+                <a:cs typeface="+mn-cs"/>
+              </a:defRPr>
+            </a:lvl1pPr>
+            <a:lvl2pPr marL="457200" algn="l" defTabSz="914400" rtl="0" eaLnBrk="1" latinLnBrk="0" hangingPunct="1">
+              <a:defRPr sz="1800" kern="1200">
+                <a:solidFill>
+                  <a:schemeClr val="tx1"/>
+                </a:solidFill>
+                <a:latin typeface="+mn-lt"/>
+                <a:ea typeface="+mn-ea"/>
+                <a:cs typeface="+mn-cs"/>
+              </a:defRPr>
+            </a:lvl2pPr>
+            <a:lvl3pPr marL="914400" algn="l" defTabSz="914400" rtl="0" eaLnBrk="1" latinLnBrk="0" hangingPunct="1">
+              <a:defRPr sz="1800" kern="1200">
+                <a:solidFill>
+                  <a:schemeClr val="tx1"/>
+                </a:solidFill>
+                <a:latin typeface="+mn-lt"/>
+                <a:ea typeface="+mn-ea"/>
+                <a:cs typeface="+mn-cs"/>
+              </a:defRPr>
+            </a:lvl3pPr>
+            <a:lvl4pPr marL="1371600" algn="l" defTabSz="914400" rtl="0" eaLnBrk="1" latinLnBrk="0" hangingPunct="1">
+              <a:defRPr sz="1800" kern="1200">
+                <a:solidFill>
+                  <a:schemeClr val="tx1"/>
+                </a:solidFill>
+                <a:latin typeface="+mn-lt"/>
+                <a:ea typeface="+mn-ea"/>
+                <a:cs typeface="+mn-cs"/>
+              </a:defRPr>
+            </a:lvl4pPr>
+            <a:lvl5pPr marL="1828800" algn="l" defTabSz="914400" rtl="0" eaLnBrk="1" latinLnBrk="0" hangingPunct="1">
+              <a:defRPr sz="1800" kern="1200">
+                <a:solidFill>
+                  <a:schemeClr val="tx1"/>
+                </a:solidFill>
+                <a:latin typeface="+mn-lt"/>
+                <a:ea typeface="+mn-ea"/>
+                <a:cs typeface="+mn-cs"/>
+              </a:defRPr>
+            </a:lvl5pPr>
+            <a:lvl6pPr marL="2286000" algn="l" defTabSz="914400" rtl="0" eaLnBrk="1" latinLnBrk="0" hangingPunct="1">
+              <a:defRPr sz="1800" kern="1200">
+                <a:solidFill>
+                  <a:schemeClr val="tx1"/>
+                </a:solidFill>
+                <a:latin typeface="+mn-lt"/>
+                <a:ea typeface="+mn-ea"/>
+                <a:cs typeface="+mn-cs"/>
+              </a:defRPr>
+            </a:lvl6pPr>
+            <a:lvl7pPr marL="2743200" algn="l" defTabSz="914400" rtl="0" eaLnBrk="1" latinLnBrk="0" hangingPunct="1">
+              <a:defRPr sz="1800" kern="1200">
+                <a:solidFill>
+                  <a:schemeClr val="tx1"/>
+                </a:solidFill>
+                <a:latin typeface="+mn-lt"/>
+                <a:ea typeface="+mn-ea"/>
+                <a:cs typeface="+mn-cs"/>
+              </a:defRPr>
+            </a:lvl7pPr>
+            <a:lvl8pPr marL="3200400" algn="l" defTabSz="914400" rtl="0" eaLnBrk="1" latinLnBrk="0" hangingPunct="1">
+              <a:defRPr sz="1800" kern="1200">
+                <a:solidFill>
+                  <a:schemeClr val="tx1"/>
+                </a:solidFill>
+                <a:latin typeface="+mn-lt"/>
+                <a:ea typeface="+mn-ea"/>
+                <a:cs typeface="+mn-cs"/>
+              </a:defRPr>
+            </a:lvl8pPr>
+            <a:lvl9pPr marL="3657600" algn="l" defTabSz="914400" rtl="0" eaLnBrk="1" latinLnBrk="0" hangingPunct="1">
+              <a:defRPr sz="1800" kern="1200">
+                <a:solidFill>
+                  <a:schemeClr val="tx1"/>
+                </a:solidFill>
+                <a:latin typeface="+mn-lt"/>
+                <a:ea typeface="+mn-ea"/>
+                <a:cs typeface="+mn-cs"/>
+              </a:defRPr>
+            </a:lvl9pPr>
+          </a:lstStyle>
+          <a:p>
+            <a:pPr algn="ctr">
+              <a:lnSpc>
+                <a:spcPct val="100000"/>
+              </a:lnSpc>
+            </a:pPr>
+            <a:r>
+              <a:rPr lang="it-IT" sz="1400" dirty="0">
+                <a:cs typeface="Times New Roman" pitchFamily="18" charset="0"/>
+              </a:rPr>
+              <a:t>GUI</a:t>
+            </a:r>
+            <a:endParaRPr sz="1400" dirty="0">
+              <a:cs typeface="Times New Roman" pitchFamily="18" charset="0"/>
+            </a:endParaRPr>
+          </a:p>
+        </p:txBody>
+      </p:sp>
+      <p:sp>
+        <p:nvSpPr>
+          <p:cNvPr id="6" name="CustomShape 2"/>
+          <p:cNvSpPr/>
+          <p:nvPr/>
+        </p:nvSpPr>
+        <p:spPr>
+          <a:xfrm>
+            <a:off x="3766281" y="1821965"/>
+            <a:ext cx="1512168" cy="359640"/>
+          </a:xfrm>
+          <a:prstGeom prst="rect">
+            <a:avLst/>
+          </a:prstGeom>
+          <a:solidFill>
+            <a:schemeClr val="accent1">
+              <a:lumMod val="20000"/>
+              <a:lumOff val="80000"/>
+            </a:schemeClr>
+          </a:solidFill>
+          <a:ln w="12700">
+            <a:solidFill>
+              <a:schemeClr val="tx1"/>
+            </a:solidFill>
+          </a:ln>
+          <a:effectLst>
+            <a:outerShdw blurRad="152400" dir="5400000" sx="90000" sy="-19000" rotWithShape="0">
+              <a:prstClr val="black">
+                <a:alpha val="15000"/>
+              </a:prstClr>
+            </a:outerShdw>
+          </a:effectLst>
+        </p:spPr>
+        <p:txBody>
+          <a:bodyPr wrap="none" lIns="90000" tIns="45000" rIns="90000" bIns="45000" anchor="ctr"/>
+          <a:lstStyle>
+            <a:defPPr>
+              <a:defRPr lang="en-US"/>
+            </a:defPPr>
+            <a:lvl1pPr marL="0" algn="l" defTabSz="914400" rtl="0" eaLnBrk="1" latinLnBrk="0" hangingPunct="1">
+              <a:defRPr sz="1800" kern="1200">
+                <a:solidFill>
+                  <a:schemeClr val="tx1"/>
+                </a:solidFill>
+                <a:latin typeface="+mn-lt"/>
+                <a:ea typeface="+mn-ea"/>
+                <a:cs typeface="+mn-cs"/>
+              </a:defRPr>
+            </a:lvl1pPr>
+            <a:lvl2pPr marL="457200" algn="l" defTabSz="914400" rtl="0" eaLnBrk="1" latinLnBrk="0" hangingPunct="1">
+              <a:defRPr sz="1800" kern="1200">
+                <a:solidFill>
+                  <a:schemeClr val="tx1"/>
+                </a:solidFill>
+                <a:latin typeface="+mn-lt"/>
+                <a:ea typeface="+mn-ea"/>
+                <a:cs typeface="+mn-cs"/>
+              </a:defRPr>
+            </a:lvl2pPr>
+            <a:lvl3pPr marL="914400" algn="l" defTabSz="914400" rtl="0" eaLnBrk="1" latinLnBrk="0" hangingPunct="1">
+              <a:defRPr sz="1800" kern="1200">
+                <a:solidFill>
+                  <a:schemeClr val="tx1"/>
+                </a:solidFill>
+                <a:latin typeface="+mn-lt"/>
+                <a:ea typeface="+mn-ea"/>
+                <a:cs typeface="+mn-cs"/>
+              </a:defRPr>
+            </a:lvl3pPr>
+            <a:lvl4pPr marL="1371600" algn="l" defTabSz="914400" rtl="0" eaLnBrk="1" latinLnBrk="0" hangingPunct="1">
+              <a:defRPr sz="1800" kern="1200">
+                <a:solidFill>
+                  <a:schemeClr val="tx1"/>
+                </a:solidFill>
+                <a:latin typeface="+mn-lt"/>
+                <a:ea typeface="+mn-ea"/>
+                <a:cs typeface="+mn-cs"/>
+              </a:defRPr>
+            </a:lvl4pPr>
+            <a:lvl5pPr marL="1828800" algn="l" defTabSz="914400" rtl="0" eaLnBrk="1" latinLnBrk="0" hangingPunct="1">
+              <a:defRPr sz="1800" kern="1200">
+                <a:solidFill>
+                  <a:schemeClr val="tx1"/>
+                </a:solidFill>
+                <a:latin typeface="+mn-lt"/>
+                <a:ea typeface="+mn-ea"/>
+                <a:cs typeface="+mn-cs"/>
+              </a:defRPr>
+            </a:lvl5pPr>
+            <a:lvl6pPr marL="2286000" algn="l" defTabSz="914400" rtl="0" eaLnBrk="1" latinLnBrk="0" hangingPunct="1">
+              <a:defRPr sz="1800" kern="1200">
+                <a:solidFill>
+                  <a:schemeClr val="tx1"/>
+                </a:solidFill>
+                <a:latin typeface="+mn-lt"/>
+                <a:ea typeface="+mn-ea"/>
+                <a:cs typeface="+mn-cs"/>
+              </a:defRPr>
+            </a:lvl6pPr>
+            <a:lvl7pPr marL="2743200" algn="l" defTabSz="914400" rtl="0" eaLnBrk="1" latinLnBrk="0" hangingPunct="1">
+              <a:defRPr sz="1800" kern="1200">
+                <a:solidFill>
+                  <a:schemeClr val="tx1"/>
+                </a:solidFill>
+                <a:latin typeface="+mn-lt"/>
+                <a:ea typeface="+mn-ea"/>
+                <a:cs typeface="+mn-cs"/>
+              </a:defRPr>
+            </a:lvl7pPr>
+            <a:lvl8pPr marL="3200400" algn="l" defTabSz="914400" rtl="0" eaLnBrk="1" latinLnBrk="0" hangingPunct="1">
+              <a:defRPr sz="1800" kern="1200">
+                <a:solidFill>
+                  <a:schemeClr val="tx1"/>
+                </a:solidFill>
+                <a:latin typeface="+mn-lt"/>
+                <a:ea typeface="+mn-ea"/>
+                <a:cs typeface="+mn-cs"/>
+              </a:defRPr>
+            </a:lvl8pPr>
+            <a:lvl9pPr marL="3657600" algn="l" defTabSz="914400" rtl="0" eaLnBrk="1" latinLnBrk="0" hangingPunct="1">
+              <a:defRPr sz="1800" kern="1200">
+                <a:solidFill>
+                  <a:schemeClr val="tx1"/>
+                </a:solidFill>
+                <a:latin typeface="+mn-lt"/>
+                <a:ea typeface="+mn-ea"/>
+                <a:cs typeface="+mn-cs"/>
+              </a:defRPr>
+            </a:lvl9pPr>
+          </a:lstStyle>
+          <a:p>
+            <a:pPr algn="ctr">
+              <a:lnSpc>
+                <a:spcPct val="100000"/>
+              </a:lnSpc>
+            </a:pPr>
+            <a:r>
+              <a:rPr lang="it-IT" sz="1400" dirty="0">
+                <a:cs typeface="Times New Roman" pitchFamily="18" charset="0"/>
+              </a:rPr>
+              <a:t>VNF-Repository</a:t>
+            </a:r>
+            <a:endParaRPr sz="1400" dirty="0">
+              <a:cs typeface="Times New Roman" pitchFamily="18" charset="0"/>
+            </a:endParaRPr>
+          </a:p>
+        </p:txBody>
+      </p:sp>
+      <p:sp>
+        <p:nvSpPr>
+          <p:cNvPr id="7" name="CustomShape 2"/>
+          <p:cNvSpPr/>
+          <p:nvPr/>
+        </p:nvSpPr>
+        <p:spPr>
+          <a:xfrm>
+            <a:off x="1544769" y="3068959"/>
+            <a:ext cx="1445950" cy="359640"/>
+          </a:xfrm>
+          <a:prstGeom prst="rect">
+            <a:avLst/>
+          </a:prstGeom>
+          <a:solidFill>
+            <a:schemeClr val="accent1">
+              <a:lumMod val="20000"/>
+              <a:lumOff val="80000"/>
+            </a:schemeClr>
+          </a:solidFill>
+          <a:ln w="12700">
+            <a:solidFill>
+              <a:schemeClr val="tx1"/>
+            </a:solidFill>
+          </a:ln>
+          <a:effectLst>
+            <a:outerShdw blurRad="152400" dir="5400000" sx="90000" sy="-19000" rotWithShape="0">
+              <a:prstClr val="black">
+                <a:alpha val="15000"/>
+              </a:prstClr>
+            </a:outerShdw>
+          </a:effectLst>
+        </p:spPr>
+        <p:txBody>
+          <a:bodyPr wrap="none" lIns="90000" tIns="45000" rIns="90000" bIns="45000" anchor="ctr"/>
+          <a:lstStyle>
+            <a:defPPr>
+              <a:defRPr lang="en-US"/>
+            </a:defPPr>
+            <a:lvl1pPr marL="0" algn="l" defTabSz="914400" rtl="0" eaLnBrk="1" latinLnBrk="0" hangingPunct="1">
+              <a:defRPr sz="1800" kern="1200">
+                <a:solidFill>
+                  <a:schemeClr val="tx1"/>
+                </a:solidFill>
+                <a:latin typeface="+mn-lt"/>
+                <a:ea typeface="+mn-ea"/>
+                <a:cs typeface="+mn-cs"/>
+              </a:defRPr>
+            </a:lvl1pPr>
+            <a:lvl2pPr marL="457200" algn="l" defTabSz="914400" rtl="0" eaLnBrk="1" latinLnBrk="0" hangingPunct="1">
+              <a:defRPr sz="1800" kern="1200">
+                <a:solidFill>
+                  <a:schemeClr val="tx1"/>
+                </a:solidFill>
+                <a:latin typeface="+mn-lt"/>
+                <a:ea typeface="+mn-ea"/>
+                <a:cs typeface="+mn-cs"/>
+              </a:defRPr>
+            </a:lvl2pPr>
+            <a:lvl3pPr marL="914400" algn="l" defTabSz="914400" rtl="0" eaLnBrk="1" latinLnBrk="0" hangingPunct="1">
+              <a:defRPr sz="1800" kern="1200">
+                <a:solidFill>
+                  <a:schemeClr val="tx1"/>
+                </a:solidFill>
+                <a:latin typeface="+mn-lt"/>
+                <a:ea typeface="+mn-ea"/>
+                <a:cs typeface="+mn-cs"/>
+              </a:defRPr>
+            </a:lvl3pPr>
+            <a:lvl4pPr marL="1371600" algn="l" defTabSz="914400" rtl="0" eaLnBrk="1" latinLnBrk="0" hangingPunct="1">
+              <a:defRPr sz="1800" kern="1200">
+                <a:solidFill>
+                  <a:schemeClr val="tx1"/>
+                </a:solidFill>
+                <a:latin typeface="+mn-lt"/>
+                <a:ea typeface="+mn-ea"/>
+                <a:cs typeface="+mn-cs"/>
+              </a:defRPr>
+            </a:lvl4pPr>
+            <a:lvl5pPr marL="1828800" algn="l" defTabSz="914400" rtl="0" eaLnBrk="1" latinLnBrk="0" hangingPunct="1">
+              <a:defRPr sz="1800" kern="1200">
+                <a:solidFill>
+                  <a:schemeClr val="tx1"/>
+                </a:solidFill>
+                <a:latin typeface="+mn-lt"/>
+                <a:ea typeface="+mn-ea"/>
+                <a:cs typeface="+mn-cs"/>
+              </a:defRPr>
+            </a:lvl5pPr>
+            <a:lvl6pPr marL="2286000" algn="l" defTabSz="914400" rtl="0" eaLnBrk="1" latinLnBrk="0" hangingPunct="1">
+              <a:defRPr sz="1800" kern="1200">
+                <a:solidFill>
+                  <a:schemeClr val="tx1"/>
+                </a:solidFill>
+                <a:latin typeface="+mn-lt"/>
+                <a:ea typeface="+mn-ea"/>
+                <a:cs typeface="+mn-cs"/>
+              </a:defRPr>
+            </a:lvl6pPr>
+            <a:lvl7pPr marL="2743200" algn="l" defTabSz="914400" rtl="0" eaLnBrk="1" latinLnBrk="0" hangingPunct="1">
+              <a:defRPr sz="1800" kern="1200">
+                <a:solidFill>
+                  <a:schemeClr val="tx1"/>
+                </a:solidFill>
+                <a:latin typeface="+mn-lt"/>
+                <a:ea typeface="+mn-ea"/>
+                <a:cs typeface="+mn-cs"/>
+              </a:defRPr>
+            </a:lvl7pPr>
+            <a:lvl8pPr marL="3200400" algn="l" defTabSz="914400" rtl="0" eaLnBrk="1" latinLnBrk="0" hangingPunct="1">
+              <a:defRPr sz="1800" kern="1200">
+                <a:solidFill>
+                  <a:schemeClr val="tx1"/>
+                </a:solidFill>
+                <a:latin typeface="+mn-lt"/>
+                <a:ea typeface="+mn-ea"/>
+                <a:cs typeface="+mn-cs"/>
+              </a:defRPr>
+            </a:lvl8pPr>
+            <a:lvl9pPr marL="3657600" algn="l" defTabSz="914400" rtl="0" eaLnBrk="1" latinLnBrk="0" hangingPunct="1">
+              <a:defRPr sz="1800" kern="1200">
+                <a:solidFill>
+                  <a:schemeClr val="tx1"/>
+                </a:solidFill>
+                <a:latin typeface="+mn-lt"/>
+                <a:ea typeface="+mn-ea"/>
+                <a:cs typeface="+mn-cs"/>
+              </a:defRPr>
+            </a:lvl9pPr>
+          </a:lstStyle>
+          <a:p>
+            <a:pPr algn="ctr">
+              <a:lnSpc>
+                <a:spcPct val="100000"/>
+              </a:lnSpc>
+            </a:pPr>
+            <a:r>
+              <a:rPr lang="it-IT" sz="1400" dirty="0">
+                <a:cs typeface="Times New Roman" pitchFamily="18" charset="0"/>
+              </a:rPr>
+              <a:t>Universal-node</a:t>
+            </a:r>
+            <a:endParaRPr sz="1400" dirty="0">
+              <a:cs typeface="Times New Roman" pitchFamily="18" charset="0"/>
+            </a:endParaRPr>
+          </a:p>
+        </p:txBody>
+      </p:sp>
+      <p:cxnSp>
+        <p:nvCxnSpPr>
+          <p:cNvPr id="8" name="Connettore 2 7"/>
+          <p:cNvCxnSpPr/>
+          <p:nvPr/>
+        </p:nvCxnSpPr>
+        <p:spPr>
+          <a:xfrm flipV="1">
+            <a:off x="2267744" y="1124744"/>
+            <a:ext cx="0" cy="576064"/>
+          </a:xfrm>
+          <a:prstGeom prst="straightConnector1">
+            <a:avLst/>
+          </a:prstGeom>
+          <a:ln w="28575">
+            <a:headEnd type="triangle"/>
+            <a:tailEnd type="triangle"/>
+          </a:ln>
+          <a:effectLst/>
+        </p:spPr>
+        <p:style>
+          <a:lnRef idx="1">
+            <a:schemeClr val="accent2"/>
+          </a:lnRef>
+          <a:fillRef idx="0">
+            <a:schemeClr val="accent2"/>
+          </a:fillRef>
+          <a:effectRef idx="0">
+            <a:schemeClr val="accent2"/>
+          </a:effectRef>
+          <a:fontRef idx="minor">
+            <a:schemeClr val="tx1"/>
+          </a:fontRef>
+        </p:style>
+      </p:cxnSp>
+      <p:cxnSp>
+        <p:nvCxnSpPr>
+          <p:cNvPr id="12" name="Connettore 2 11"/>
+          <p:cNvCxnSpPr/>
+          <p:nvPr/>
+        </p:nvCxnSpPr>
+        <p:spPr>
+          <a:xfrm flipH="1" flipV="1">
+            <a:off x="2275428" y="2265242"/>
+            <a:ext cx="158" cy="720080"/>
+          </a:xfrm>
+          <a:prstGeom prst="straightConnector1">
+            <a:avLst/>
+          </a:prstGeom>
+          <a:ln w="28575">
+            <a:headEnd type="triangle"/>
+            <a:tailEnd type="triangle"/>
+          </a:ln>
+          <a:effectLst/>
+        </p:spPr>
+        <p:style>
+          <a:lnRef idx="1">
+            <a:schemeClr val="accent2"/>
+          </a:lnRef>
+          <a:fillRef idx="0">
+            <a:schemeClr val="accent2"/>
+          </a:fillRef>
+          <a:effectRef idx="0">
+            <a:schemeClr val="accent2"/>
+          </a:effectRef>
+          <a:fontRef idx="minor">
+            <a:schemeClr val="tx1"/>
+          </a:fontRef>
+        </p:style>
+      </p:cxnSp>
+      <p:cxnSp>
+        <p:nvCxnSpPr>
+          <p:cNvPr id="14" name="Connettore 2 13"/>
+          <p:cNvCxnSpPr/>
+          <p:nvPr/>
+        </p:nvCxnSpPr>
+        <p:spPr>
+          <a:xfrm flipH="1">
+            <a:off x="2915817" y="1988840"/>
+            <a:ext cx="792087" cy="0"/>
+          </a:xfrm>
+          <a:prstGeom prst="straightConnector1">
+            <a:avLst/>
+          </a:prstGeom>
+          <a:ln w="28575">
+            <a:headEnd type="triangle"/>
+            <a:tailEnd type="triangle"/>
+          </a:ln>
+          <a:effectLst/>
+        </p:spPr>
+        <p:style>
+          <a:lnRef idx="1">
+            <a:schemeClr val="accent2"/>
+          </a:lnRef>
+          <a:fillRef idx="0">
+            <a:schemeClr val="accent2"/>
+          </a:fillRef>
+          <a:effectRef idx="0">
+            <a:schemeClr val="accent2"/>
+          </a:effectRef>
+          <a:fontRef idx="minor">
+            <a:schemeClr val="tx1"/>
+          </a:fontRef>
+        </p:style>
+      </p:cxnSp>
+      <p:sp>
+        <p:nvSpPr>
+          <p:cNvPr id="18" name="Rettangolo 17"/>
+          <p:cNvSpPr/>
+          <p:nvPr/>
+        </p:nvSpPr>
+        <p:spPr>
+          <a:xfrm>
+            <a:off x="899592" y="1412776"/>
+            <a:ext cx="4896544" cy="2376264"/>
+          </a:xfrm>
+          <a:prstGeom prst="rect">
+            <a:avLst/>
+          </a:prstGeom>
+          <a:noFill/>
+          <a:ln cmpd="dbl">
+            <a:solidFill>
+              <a:schemeClr val="accent1">
+                <a:shade val="50000"/>
+              </a:schemeClr>
+            </a:solidFill>
+            <a:prstDash val="dash"/>
+          </a:ln>
+        </p:spPr>
+        <p:style>
+          <a:lnRef idx="2">
+            <a:schemeClr val="accent1">
+              <a:shade val="50000"/>
+            </a:schemeClr>
+          </a:lnRef>
+          <a:fillRef idx="1">
+            <a:schemeClr val="accent1"/>
+          </a:fillRef>
+          <a:effectRef idx="0">
+            <a:schemeClr val="accent1"/>
+          </a:effectRef>
+          <a:fontRef idx="minor">
+            <a:schemeClr val="lt1"/>
+          </a:fontRef>
+        </p:style>
+        <p:txBody>
+          <a:bodyPr rtlCol="0" anchor="ctr"/>
+          <a:lstStyle/>
+          <a:p>
+            <a:pPr algn="ctr"/>
+            <a:endParaRPr lang="it-IT" dirty="0"/>
+          </a:p>
+        </p:txBody>
+      </p:sp>
+      <p:sp>
+        <p:nvSpPr>
+          <p:cNvPr id="19" name="Ovale 18"/>
+          <p:cNvSpPr/>
+          <p:nvPr/>
+        </p:nvSpPr>
+        <p:spPr>
+          <a:xfrm>
+            <a:off x="1979712" y="4509118"/>
+            <a:ext cx="360040" cy="360040"/>
+          </a:xfrm>
+          <a:prstGeom prst="ellipse">
+            <a:avLst/>
+          </a:prstGeom>
+        </p:spPr>
+        <p:style>
+          <a:lnRef idx="2">
+            <a:schemeClr val="accent1">
+              <a:shade val="50000"/>
+            </a:schemeClr>
+          </a:lnRef>
+          <a:fillRef idx="1">
+            <a:schemeClr val="accent1"/>
+          </a:fillRef>
+          <a:effectRef idx="0">
+            <a:schemeClr val="accent1"/>
+          </a:effectRef>
+          <a:fontRef idx="minor">
+            <a:schemeClr val="lt1"/>
+          </a:fontRef>
+        </p:style>
+        <p:txBody>
+          <a:bodyPr rtlCol="0" anchor="ctr"/>
+          <a:lstStyle/>
+          <a:p>
+            <a:pPr algn="ctr"/>
+            <a:endParaRPr lang="it-IT" dirty="0"/>
+          </a:p>
+        </p:txBody>
+      </p:sp>
+      <p:sp>
+        <p:nvSpPr>
+          <p:cNvPr id="20" name="Ovale 19"/>
+          <p:cNvSpPr/>
+          <p:nvPr/>
+        </p:nvSpPr>
+        <p:spPr>
+          <a:xfrm>
+            <a:off x="5616116" y="4509096"/>
+            <a:ext cx="360040" cy="360040"/>
+          </a:xfrm>
+          <a:prstGeom prst="ellipse">
+            <a:avLst/>
+          </a:prstGeom>
+        </p:spPr>
+        <p:style>
+          <a:lnRef idx="2">
+            <a:schemeClr val="accent1">
+              <a:shade val="50000"/>
+            </a:schemeClr>
+          </a:lnRef>
+          <a:fillRef idx="1">
+            <a:schemeClr val="accent1"/>
+          </a:fillRef>
+          <a:effectRef idx="0">
+            <a:schemeClr val="accent1"/>
+          </a:effectRef>
+          <a:fontRef idx="minor">
+            <a:schemeClr val="lt1"/>
+          </a:fontRef>
+        </p:style>
+        <p:txBody>
+          <a:bodyPr rtlCol="0" anchor="ctr"/>
+          <a:lstStyle/>
+          <a:p>
+            <a:pPr algn="ctr"/>
+            <a:endParaRPr lang="it-IT" dirty="0"/>
+          </a:p>
+        </p:txBody>
+      </p:sp>
+      <p:sp>
+        <p:nvSpPr>
+          <p:cNvPr id="21" name="Rettangolo 20"/>
+          <p:cNvSpPr/>
+          <p:nvPr/>
+        </p:nvSpPr>
+        <p:spPr>
+          <a:xfrm>
+            <a:off x="3401870" y="4473127"/>
+            <a:ext cx="1152128" cy="432024"/>
+          </a:xfrm>
+          <a:prstGeom prst="rect">
+            <a:avLst/>
+          </a:prstGeom>
+        </p:spPr>
+        <p:style>
+          <a:lnRef idx="2">
+            <a:schemeClr val="accent6">
+              <a:shade val="50000"/>
+            </a:schemeClr>
+          </a:lnRef>
+          <a:fillRef idx="1">
+            <a:schemeClr val="accent6"/>
+          </a:fillRef>
+          <a:effectRef idx="0">
+            <a:schemeClr val="accent6"/>
+          </a:effectRef>
+          <a:fontRef idx="minor">
+            <a:schemeClr val="lt1"/>
+          </a:fontRef>
+        </p:style>
+        <p:txBody>
+          <a:bodyPr rtlCol="0" anchor="ctr"/>
+          <a:lstStyle/>
+          <a:p>
+            <a:pPr algn="ctr"/>
+            <a:r>
+              <a:rPr lang="it-IT" sz="1500" dirty="0"/>
+              <a:t>firewall</a:t>
+            </a:r>
+          </a:p>
+        </p:txBody>
+      </p:sp>
+      <p:cxnSp>
+        <p:nvCxnSpPr>
+          <p:cNvPr id="23" name="Connettore diritto 22"/>
+          <p:cNvCxnSpPr>
+            <a:stCxn id="19" idx="6"/>
+            <a:endCxn id="21" idx="1"/>
+          </p:cNvCxnSpPr>
+          <p:nvPr/>
+        </p:nvCxnSpPr>
+        <p:spPr>
+          <a:xfrm>
+            <a:off x="2339752" y="4689138"/>
+            <a:ext cx="1062118" cy="1"/>
+          </a:xfrm>
+          <a:prstGeom prst="line">
+            <a:avLst/>
+          </a:prstGeom>
+          <a:ln w="12700"/>
+        </p:spPr>
+        <p:style>
+          <a:lnRef idx="1">
+            <a:schemeClr val="dk1"/>
+          </a:lnRef>
+          <a:fillRef idx="0">
+            <a:schemeClr val="dk1"/>
+          </a:fillRef>
+          <a:effectRef idx="0">
+            <a:schemeClr val="dk1"/>
+          </a:effectRef>
+          <a:fontRef idx="minor">
+            <a:schemeClr val="tx1"/>
+          </a:fontRef>
+        </p:style>
+      </p:cxnSp>
+      <p:cxnSp>
+        <p:nvCxnSpPr>
+          <p:cNvPr id="24" name="Connettore diritto 23"/>
+          <p:cNvCxnSpPr/>
+          <p:nvPr/>
+        </p:nvCxnSpPr>
+        <p:spPr>
+          <a:xfrm>
+            <a:off x="4553998" y="4689115"/>
+            <a:ext cx="1062118" cy="1"/>
+          </a:xfrm>
+          <a:prstGeom prst="line">
+            <a:avLst/>
+          </a:prstGeom>
+          <a:ln w="12700"/>
+        </p:spPr>
+        <p:style>
+          <a:lnRef idx="1">
+            <a:schemeClr val="dk1"/>
+          </a:lnRef>
+          <a:fillRef idx="0">
+            <a:schemeClr val="dk1"/>
+          </a:fillRef>
+          <a:effectRef idx="0">
+            <a:schemeClr val="dk1"/>
+          </a:effectRef>
+          <a:fontRef idx="minor">
+            <a:schemeClr val="tx1"/>
+          </a:fontRef>
+        </p:style>
+      </p:cxnSp>
+      <p:sp>
+        <p:nvSpPr>
+          <p:cNvPr id="25" name="CasellaDiTesto 24"/>
+          <p:cNvSpPr txBox="1"/>
+          <p:nvPr/>
+        </p:nvSpPr>
+        <p:spPr>
+          <a:xfrm>
+            <a:off x="5560751" y="4869136"/>
+            <a:ext cx="470770" cy="276999"/>
+          </a:xfrm>
+          <a:prstGeom prst="rect">
+            <a:avLst/>
+          </a:prstGeom>
+          <a:noFill/>
+        </p:spPr>
+        <p:txBody>
+          <a:bodyPr wrap="none" rtlCol="0">
+            <a:spAutoFit/>
+          </a:bodyPr>
+          <a:lstStyle/>
+          <a:p>
+            <a:pPr algn="ctr"/>
+            <a:r>
+              <a:rPr lang="it-IT" sz="1200" dirty="0">
+                <a:solidFill>
+                  <a:schemeClr val="bg1">
+                    <a:lumMod val="65000"/>
+                  </a:schemeClr>
+                </a:solidFill>
+              </a:rPr>
+              <a:t>eth2</a:t>
+            </a:r>
+          </a:p>
+        </p:txBody>
+      </p:sp>
+      <p:sp>
+        <p:nvSpPr>
+          <p:cNvPr id="26" name="CasellaDiTesto 25"/>
+          <p:cNvSpPr txBox="1"/>
+          <p:nvPr/>
+        </p:nvSpPr>
+        <p:spPr>
+          <a:xfrm>
+            <a:off x="1924347" y="4869136"/>
+            <a:ext cx="470770" cy="276999"/>
+          </a:xfrm>
+          <a:prstGeom prst="rect">
+            <a:avLst/>
+          </a:prstGeom>
+          <a:noFill/>
+        </p:spPr>
+        <p:txBody>
+          <a:bodyPr wrap="none" rtlCol="0">
+            <a:spAutoFit/>
+          </a:bodyPr>
+          <a:lstStyle/>
+          <a:p>
+            <a:pPr algn="ctr"/>
+            <a:r>
+              <a:rPr lang="it-IT" sz="1200" dirty="0">
+                <a:solidFill>
+                  <a:schemeClr val="bg1">
+                    <a:lumMod val="65000"/>
+                  </a:schemeClr>
+                </a:solidFill>
+              </a:rPr>
+              <a:t>eth1</a:t>
+            </a:r>
+          </a:p>
+        </p:txBody>
+      </p:sp>
+    </p:spTree>
+    <p:extLst>
+      <p:ext uri="{BB962C8B-B14F-4D97-AF65-F5344CB8AC3E}">
+        <p14:creationId xmlns:p14="http://schemas.microsoft.com/office/powerpoint/2010/main" val="3330417980"/>
       </p:ext>
     </p:extLst>
   </p:cSld>

--- a/images/Pictures.pptx
+++ b/images/Pictures.pptx
@@ -9,7 +9,7 @@
     <p:notesMasterId r:id="rId17"/>
   </p:notesMasterIdLst>
   <p:sldIdLst>
-    <p:sldId id="303" r:id="rId3"/>
+    <p:sldId id="317" r:id="rId3"/>
     <p:sldId id="309" r:id="rId4"/>
     <p:sldId id="302" r:id="rId5"/>
     <p:sldId id="304" r:id="rId6"/>
@@ -123,7 +123,7 @@
   </p:defaultTextStyle>
   <p:extLst>
     <p:ext uri="{EFAFB233-063F-42B5-8137-9DF3F51BA10A}">
-      <p15:sldGuideLst xmlns:p15="http://schemas.microsoft.com/office/powerpoint/2012/main">
+      <p15:sldGuideLst xmlns="" xmlns:p15="http://schemas.microsoft.com/office/powerpoint/2012/main">
         <p15:guide id="1" orient="horz" pos="2160">
           <p15:clr>
             <a:srgbClr val="A4A3A4"/>
@@ -223,7 +223,7 @@
             <a:fld id="{581B34DE-D9D5-401C-8A45-6D5600A3470E}" type="datetimeFigureOut">
               <a:rPr lang="en-US" smtClean="0"/>
               <a:pPr/>
-              <a:t>10/27/2016</a:t>
+              <a:t>12/9/2016</a:t>
             </a:fld>
             <a:endParaRPr lang="en-US" dirty="0"/>
           </a:p>
@@ -391,7 +391,7 @@
     </p:spTree>
     <p:extLst>
       <p:ext uri="{BB962C8B-B14F-4D97-AF65-F5344CB8AC3E}">
-        <p14:creationId xmlns:p14="http://schemas.microsoft.com/office/powerpoint/2010/main" val="1725926972"/>
+        <p14:creationId xmlns="" xmlns:p14="http://schemas.microsoft.com/office/powerpoint/2010/main" val="1725926972"/>
       </p:ext>
     </p:extLst>
   </p:cSld>
@@ -538,9 +538,10 @@
           <a:lstStyle/>
           <a:p>
             <a:r>
-              <a:rPr lang="it-IT" dirty="0"/>
-              <a:t>universal-node.png</a:t>
-            </a:r>
+              <a:rPr lang="it-IT" smtClean="0"/>
+              <a:t>architecture.pdf</a:t>
+            </a:r>
+            <a:endParaRPr lang="it-IT" dirty="0"/>
           </a:p>
         </p:txBody>
       </p:sp>
@@ -571,7 +572,7 @@
     </p:spTree>
     <p:extLst>
       <p:ext uri="{BB962C8B-B14F-4D97-AF65-F5344CB8AC3E}">
-        <p14:creationId xmlns:p14="http://schemas.microsoft.com/office/powerpoint/2010/main" val="1789000989"/>
+        <p14:creationId xmlns="" xmlns:p14="http://schemas.microsoft.com/office/powerpoint/2010/main" val="3988112671"/>
       </p:ext>
     </p:extLst>
   </p:cSld>
@@ -659,7 +660,7 @@
     </p:spTree>
     <p:extLst>
       <p:ext uri="{BB962C8B-B14F-4D97-AF65-F5344CB8AC3E}">
-        <p14:creationId xmlns:p14="http://schemas.microsoft.com/office/powerpoint/2010/main" val="2621988314"/>
+        <p14:creationId xmlns="" xmlns:p14="http://schemas.microsoft.com/office/powerpoint/2010/main" val="2621988314"/>
       </p:ext>
     </p:extLst>
   </p:cSld>
@@ -747,7 +748,7 @@
     </p:spTree>
     <p:extLst>
       <p:ext uri="{BB962C8B-B14F-4D97-AF65-F5344CB8AC3E}">
-        <p14:creationId xmlns:p14="http://schemas.microsoft.com/office/powerpoint/2010/main" val="4194888739"/>
+        <p14:creationId xmlns="" xmlns:p14="http://schemas.microsoft.com/office/powerpoint/2010/main" val="4194888739"/>
       </p:ext>
     </p:extLst>
   </p:cSld>
@@ -836,7 +837,7 @@
     </p:spTree>
     <p:extLst>
       <p:ext uri="{BB962C8B-B14F-4D97-AF65-F5344CB8AC3E}">
-        <p14:creationId xmlns:p14="http://schemas.microsoft.com/office/powerpoint/2010/main" val="2474673473"/>
+        <p14:creationId xmlns="" xmlns:p14="http://schemas.microsoft.com/office/powerpoint/2010/main" val="2474673473"/>
       </p:ext>
     </p:extLst>
   </p:cSld>
@@ -924,7 +925,7 @@
     </p:spTree>
     <p:extLst>
       <p:ext uri="{BB962C8B-B14F-4D97-AF65-F5344CB8AC3E}">
-        <p14:creationId xmlns:p14="http://schemas.microsoft.com/office/powerpoint/2010/main" val="4178323500"/>
+        <p14:creationId xmlns="" xmlns:p14="http://schemas.microsoft.com/office/powerpoint/2010/main" val="4178323500"/>
       </p:ext>
     </p:extLst>
   </p:cSld>
@@ -1012,7 +1013,7 @@
     </p:spTree>
     <p:extLst>
       <p:ext uri="{BB962C8B-B14F-4D97-AF65-F5344CB8AC3E}">
-        <p14:creationId xmlns:p14="http://schemas.microsoft.com/office/powerpoint/2010/main" val="3164758251"/>
+        <p14:creationId xmlns="" xmlns:p14="http://schemas.microsoft.com/office/powerpoint/2010/main" val="3164758251"/>
       </p:ext>
     </p:extLst>
   </p:cSld>
@@ -1101,7 +1102,7 @@
     </p:spTree>
     <p:extLst>
       <p:ext uri="{BB962C8B-B14F-4D97-AF65-F5344CB8AC3E}">
-        <p14:creationId xmlns:p14="http://schemas.microsoft.com/office/powerpoint/2010/main" val="2769061943"/>
+        <p14:creationId xmlns="" xmlns:p14="http://schemas.microsoft.com/office/powerpoint/2010/main" val="2769061943"/>
       </p:ext>
     </p:extLst>
   </p:cSld>
@@ -1243,7 +1244,7 @@
             <a:fld id="{3D599013-5C43-42B3-986A-3CF64AAE02B4}" type="datetimeFigureOut">
               <a:rPr lang="en-US" smtClean="0"/>
               <a:pPr/>
-              <a:t>10/27/2016</a:t>
+              <a:t>12/9/2016</a:t>
             </a:fld>
             <a:endParaRPr lang="en-US" dirty="0"/>
           </a:p>
@@ -1295,7 +1296,7 @@
     </p:spTree>
     <p:extLst>
       <p:ext uri="{BB962C8B-B14F-4D97-AF65-F5344CB8AC3E}">
-        <p14:creationId xmlns:p14="http://schemas.microsoft.com/office/powerpoint/2010/main" val="528191723"/>
+        <p14:creationId xmlns="" xmlns:p14="http://schemas.microsoft.com/office/powerpoint/2010/main" val="528191723"/>
       </p:ext>
     </p:extLst>
   </p:cSld>
@@ -1415,7 +1416,7 @@
             <a:fld id="{3D599013-5C43-42B3-986A-3CF64AAE02B4}" type="datetimeFigureOut">
               <a:rPr lang="en-US" smtClean="0"/>
               <a:pPr/>
-              <a:t>10/27/2016</a:t>
+              <a:t>12/9/2016</a:t>
             </a:fld>
             <a:endParaRPr lang="en-US" dirty="0"/>
           </a:p>
@@ -1467,7 +1468,7 @@
     </p:spTree>
     <p:extLst>
       <p:ext uri="{BB962C8B-B14F-4D97-AF65-F5344CB8AC3E}">
-        <p14:creationId xmlns:p14="http://schemas.microsoft.com/office/powerpoint/2010/main" val="3985316557"/>
+        <p14:creationId xmlns="" xmlns:p14="http://schemas.microsoft.com/office/powerpoint/2010/main" val="3985316557"/>
       </p:ext>
     </p:extLst>
   </p:cSld>
@@ -1597,7 +1598,7 @@
             <a:fld id="{3D599013-5C43-42B3-986A-3CF64AAE02B4}" type="datetimeFigureOut">
               <a:rPr lang="en-US" smtClean="0"/>
               <a:pPr/>
-              <a:t>10/27/2016</a:t>
+              <a:t>12/9/2016</a:t>
             </a:fld>
             <a:endParaRPr lang="en-US" dirty="0"/>
           </a:p>
@@ -1649,7 +1650,7 @@
     </p:spTree>
     <p:extLst>
       <p:ext uri="{BB962C8B-B14F-4D97-AF65-F5344CB8AC3E}">
-        <p14:creationId xmlns:p14="http://schemas.microsoft.com/office/powerpoint/2010/main" val="2433128099"/>
+        <p14:creationId xmlns="" xmlns:p14="http://schemas.microsoft.com/office/powerpoint/2010/main" val="2433128099"/>
       </p:ext>
     </p:extLst>
   </p:cSld>
@@ -1788,7 +1789,8 @@
           <a:p>
             <a:fld id="{3F96F2D7-2467-4E8E-B24B-63336E0458CC}" type="datetimeFigureOut">
               <a:rPr lang="it-IT" smtClean="0"/>
-              <a:t>27/10/2016</a:t>
+              <a:pPr/>
+              <a:t>09/12/2016</a:t>
             </a:fld>
             <a:endParaRPr lang="it-IT" dirty="0"/>
           </a:p>
@@ -1846,7 +1848,7 @@
     </p:spTree>
     <p:extLst>
       <p:ext uri="{BB962C8B-B14F-4D97-AF65-F5344CB8AC3E}">
-        <p14:creationId xmlns:p14="http://schemas.microsoft.com/office/powerpoint/2010/main" val="3050119853"/>
+        <p14:creationId xmlns="" xmlns:p14="http://schemas.microsoft.com/office/powerpoint/2010/main" val="3050119853"/>
       </p:ext>
     </p:extLst>
   </p:cSld>
@@ -1964,7 +1966,8 @@
           <a:p>
             <a:fld id="{3F96F2D7-2467-4E8E-B24B-63336E0458CC}" type="datetimeFigureOut">
               <a:rPr lang="it-IT" smtClean="0"/>
-              <a:t>27/10/2016</a:t>
+              <a:pPr/>
+              <a:t>09/12/2016</a:t>
             </a:fld>
             <a:endParaRPr lang="it-IT" dirty="0"/>
           </a:p>
@@ -2022,7 +2025,7 @@
     </p:spTree>
     <p:extLst>
       <p:ext uri="{BB962C8B-B14F-4D97-AF65-F5344CB8AC3E}">
-        <p14:creationId xmlns:p14="http://schemas.microsoft.com/office/powerpoint/2010/main" val="3561046108"/>
+        <p14:creationId xmlns="" xmlns:p14="http://schemas.microsoft.com/office/powerpoint/2010/main" val="3561046108"/>
       </p:ext>
     </p:extLst>
   </p:cSld>
@@ -2217,7 +2220,8 @@
           <a:p>
             <a:fld id="{3F96F2D7-2467-4E8E-B24B-63336E0458CC}" type="datetimeFigureOut">
               <a:rPr lang="it-IT" smtClean="0"/>
-              <a:t>27/10/2016</a:t>
+              <a:pPr/>
+              <a:t>09/12/2016</a:t>
             </a:fld>
             <a:endParaRPr lang="it-IT" dirty="0"/>
           </a:p>
@@ -2275,7 +2279,7 @@
     </p:spTree>
     <p:extLst>
       <p:ext uri="{BB962C8B-B14F-4D97-AF65-F5344CB8AC3E}">
-        <p14:creationId xmlns:p14="http://schemas.microsoft.com/office/powerpoint/2010/main" val="1491878869"/>
+        <p14:creationId xmlns="" xmlns:p14="http://schemas.microsoft.com/office/powerpoint/2010/main" val="1491878869"/>
       </p:ext>
     </p:extLst>
   </p:cSld>
@@ -2454,7 +2458,8 @@
           <a:p>
             <a:fld id="{3F96F2D7-2467-4E8E-B24B-63336E0458CC}" type="datetimeFigureOut">
               <a:rPr lang="it-IT" smtClean="0"/>
-              <a:t>27/10/2016</a:t>
+              <a:pPr/>
+              <a:t>09/12/2016</a:t>
             </a:fld>
             <a:endParaRPr lang="it-IT" dirty="0"/>
           </a:p>
@@ -2512,7 +2517,7 @@
     </p:spTree>
     <p:extLst>
       <p:ext uri="{BB962C8B-B14F-4D97-AF65-F5344CB8AC3E}">
-        <p14:creationId xmlns:p14="http://schemas.microsoft.com/office/powerpoint/2010/main" val="1931778150"/>
+        <p14:creationId xmlns="" xmlns:p14="http://schemas.microsoft.com/office/powerpoint/2010/main" val="1931778150"/>
       </p:ext>
     </p:extLst>
   </p:cSld>
@@ -2826,7 +2831,8 @@
           <a:p>
             <a:fld id="{3F96F2D7-2467-4E8E-B24B-63336E0458CC}" type="datetimeFigureOut">
               <a:rPr lang="it-IT" smtClean="0"/>
-              <a:t>27/10/2016</a:t>
+              <a:pPr/>
+              <a:t>09/12/2016</a:t>
             </a:fld>
             <a:endParaRPr lang="it-IT" dirty="0"/>
           </a:p>
@@ -2884,7 +2890,7 @@
     </p:spTree>
     <p:extLst>
       <p:ext uri="{BB962C8B-B14F-4D97-AF65-F5344CB8AC3E}">
-        <p14:creationId xmlns:p14="http://schemas.microsoft.com/office/powerpoint/2010/main" val="4213649195"/>
+        <p14:creationId xmlns="" xmlns:p14="http://schemas.microsoft.com/office/powerpoint/2010/main" val="4213649195"/>
       </p:ext>
     </p:extLst>
   </p:cSld>
@@ -2951,7 +2957,8 @@
           <a:p>
             <a:fld id="{3F96F2D7-2467-4E8E-B24B-63336E0458CC}" type="datetimeFigureOut">
               <a:rPr lang="it-IT" smtClean="0"/>
-              <a:t>27/10/2016</a:t>
+              <a:pPr/>
+              <a:t>09/12/2016</a:t>
             </a:fld>
             <a:endParaRPr lang="it-IT" dirty="0"/>
           </a:p>
@@ -3009,7 +3016,7 @@
     </p:spTree>
     <p:extLst>
       <p:ext uri="{BB962C8B-B14F-4D97-AF65-F5344CB8AC3E}">
-        <p14:creationId xmlns:p14="http://schemas.microsoft.com/office/powerpoint/2010/main" val="2585755053"/>
+        <p14:creationId xmlns="" xmlns:p14="http://schemas.microsoft.com/office/powerpoint/2010/main" val="2585755053"/>
       </p:ext>
     </p:extLst>
   </p:cSld>
@@ -3054,7 +3061,8 @@
           <a:p>
             <a:fld id="{3F96F2D7-2467-4E8E-B24B-63336E0458CC}" type="datetimeFigureOut">
               <a:rPr lang="it-IT" smtClean="0"/>
-              <a:t>27/10/2016</a:t>
+              <a:pPr/>
+              <a:t>09/12/2016</a:t>
             </a:fld>
             <a:endParaRPr lang="it-IT" dirty="0"/>
           </a:p>
@@ -3112,7 +3120,7 @@
     </p:spTree>
     <p:extLst>
       <p:ext uri="{BB962C8B-B14F-4D97-AF65-F5344CB8AC3E}">
-        <p14:creationId xmlns:p14="http://schemas.microsoft.com/office/powerpoint/2010/main" val="2619388098"/>
+        <p14:creationId xmlns="" xmlns:p14="http://schemas.microsoft.com/office/powerpoint/2010/main" val="2619388098"/>
       </p:ext>
     </p:extLst>
   </p:cSld>
@@ -3337,7 +3345,8 @@
           <a:p>
             <a:fld id="{3F96F2D7-2467-4E8E-B24B-63336E0458CC}" type="datetimeFigureOut">
               <a:rPr lang="it-IT" smtClean="0"/>
-              <a:t>27/10/2016</a:t>
+              <a:pPr/>
+              <a:t>09/12/2016</a:t>
             </a:fld>
             <a:endParaRPr lang="it-IT" dirty="0"/>
           </a:p>
@@ -3395,7 +3404,7 @@
     </p:spTree>
     <p:extLst>
       <p:ext uri="{BB962C8B-B14F-4D97-AF65-F5344CB8AC3E}">
-        <p14:creationId xmlns:p14="http://schemas.microsoft.com/office/powerpoint/2010/main" val="567630295"/>
+        <p14:creationId xmlns="" xmlns:p14="http://schemas.microsoft.com/office/powerpoint/2010/main" val="567630295"/>
       </p:ext>
     </p:extLst>
   </p:cSld>
@@ -3516,7 +3525,7 @@
             <a:fld id="{3D599013-5C43-42B3-986A-3CF64AAE02B4}" type="datetimeFigureOut">
               <a:rPr lang="en-US" smtClean="0"/>
               <a:pPr/>
-              <a:t>10/27/2016</a:t>
+              <a:t>12/9/2016</a:t>
             </a:fld>
             <a:endParaRPr lang="en-US" dirty="0"/>
           </a:p>
@@ -3568,7 +3577,7 @@
     </p:spTree>
     <p:extLst>
       <p:ext uri="{BB962C8B-B14F-4D97-AF65-F5344CB8AC3E}">
-        <p14:creationId xmlns:p14="http://schemas.microsoft.com/office/powerpoint/2010/main" val="1291509717"/>
+        <p14:creationId xmlns="" xmlns:p14="http://schemas.microsoft.com/office/powerpoint/2010/main" val="1291509717"/>
       </p:ext>
     </p:extLst>
   </p:cSld>
@@ -3769,7 +3778,8 @@
           <a:p>
             <a:fld id="{3F96F2D7-2467-4E8E-B24B-63336E0458CC}" type="datetimeFigureOut">
               <a:rPr lang="it-IT" smtClean="0"/>
-              <a:t>27/10/2016</a:t>
+              <a:pPr/>
+              <a:t>09/12/2016</a:t>
             </a:fld>
             <a:endParaRPr lang="it-IT" dirty="0"/>
           </a:p>
@@ -3827,7 +3837,7 @@
     </p:spTree>
     <p:extLst>
       <p:ext uri="{BB962C8B-B14F-4D97-AF65-F5344CB8AC3E}">
-        <p14:creationId xmlns:p14="http://schemas.microsoft.com/office/powerpoint/2010/main" val="3550009978"/>
+        <p14:creationId xmlns="" xmlns:p14="http://schemas.microsoft.com/office/powerpoint/2010/main" val="3550009978"/>
       </p:ext>
     </p:extLst>
   </p:cSld>
@@ -3945,7 +3955,8 @@
           <a:p>
             <a:fld id="{3F96F2D7-2467-4E8E-B24B-63336E0458CC}" type="datetimeFigureOut">
               <a:rPr lang="it-IT" smtClean="0"/>
-              <a:t>27/10/2016</a:t>
+              <a:pPr/>
+              <a:t>09/12/2016</a:t>
             </a:fld>
             <a:endParaRPr lang="it-IT" dirty="0"/>
           </a:p>
@@ -4003,7 +4014,7 @@
     </p:spTree>
     <p:extLst>
       <p:ext uri="{BB962C8B-B14F-4D97-AF65-F5344CB8AC3E}">
-        <p14:creationId xmlns:p14="http://schemas.microsoft.com/office/powerpoint/2010/main" val="452876478"/>
+        <p14:creationId xmlns="" xmlns:p14="http://schemas.microsoft.com/office/powerpoint/2010/main" val="452876478"/>
       </p:ext>
     </p:extLst>
   </p:cSld>
@@ -4131,7 +4142,8 @@
           <a:p>
             <a:fld id="{3F96F2D7-2467-4E8E-B24B-63336E0458CC}" type="datetimeFigureOut">
               <a:rPr lang="it-IT" smtClean="0"/>
-              <a:t>27/10/2016</a:t>
+              <a:pPr/>
+              <a:t>09/12/2016</a:t>
             </a:fld>
             <a:endParaRPr lang="it-IT" dirty="0"/>
           </a:p>
@@ -4189,7 +4201,7 @@
     </p:spTree>
     <p:extLst>
       <p:ext uri="{BB962C8B-B14F-4D97-AF65-F5344CB8AC3E}">
-        <p14:creationId xmlns:p14="http://schemas.microsoft.com/office/powerpoint/2010/main" val="3984697129"/>
+        <p14:creationId xmlns="" xmlns:p14="http://schemas.microsoft.com/office/powerpoint/2010/main" val="3984697129"/>
       </p:ext>
     </p:extLst>
   </p:cSld>
@@ -4302,7 +4314,7 @@
     </p:spTree>
     <p:extLst>
       <p:ext uri="{BB962C8B-B14F-4D97-AF65-F5344CB8AC3E}">
-        <p14:creationId xmlns:p14="http://schemas.microsoft.com/office/powerpoint/2010/main" val="1788908991"/>
+        <p14:creationId xmlns="" xmlns:p14="http://schemas.microsoft.com/office/powerpoint/2010/main" val="1788908991"/>
       </p:ext>
     </p:extLst>
   </p:cSld>
@@ -4674,7 +4686,7 @@
     </p:spTree>
     <p:extLst>
       <p:ext uri="{BB962C8B-B14F-4D97-AF65-F5344CB8AC3E}">
-        <p14:creationId xmlns:p14="http://schemas.microsoft.com/office/powerpoint/2010/main" val="3742094159"/>
+        <p14:creationId xmlns="" xmlns:p14="http://schemas.microsoft.com/office/powerpoint/2010/main" val="3742094159"/>
       </p:ext>
     </p:extLst>
   </p:cSld>
@@ -4954,7 +4966,7 @@
     </p:spTree>
     <p:extLst>
       <p:ext uri="{BB962C8B-B14F-4D97-AF65-F5344CB8AC3E}">
-        <p14:creationId xmlns:p14="http://schemas.microsoft.com/office/powerpoint/2010/main" val="1364823266"/>
+        <p14:creationId xmlns="" xmlns:p14="http://schemas.microsoft.com/office/powerpoint/2010/main" val="1364823266"/>
       </p:ext>
     </p:extLst>
   </p:cSld>
@@ -5234,7 +5246,7 @@
     </p:spTree>
     <p:extLst>
       <p:ext uri="{BB962C8B-B14F-4D97-AF65-F5344CB8AC3E}">
-        <p14:creationId xmlns:p14="http://schemas.microsoft.com/office/powerpoint/2010/main" val="713766139"/>
+        <p14:creationId xmlns="" xmlns:p14="http://schemas.microsoft.com/office/powerpoint/2010/main" val="713766139"/>
       </p:ext>
     </p:extLst>
   </p:cSld>
@@ -5514,7 +5526,7 @@
     </p:spTree>
     <p:extLst>
       <p:ext uri="{BB962C8B-B14F-4D97-AF65-F5344CB8AC3E}">
-        <p14:creationId xmlns:p14="http://schemas.microsoft.com/office/powerpoint/2010/main" val="598142629"/>
+        <p14:creationId xmlns="" xmlns:p14="http://schemas.microsoft.com/office/powerpoint/2010/main" val="598142629"/>
       </p:ext>
     </p:extLst>
   </p:cSld>
@@ -5794,7 +5806,7 @@
     </p:spTree>
     <p:extLst>
       <p:ext uri="{BB962C8B-B14F-4D97-AF65-F5344CB8AC3E}">
-        <p14:creationId xmlns:p14="http://schemas.microsoft.com/office/powerpoint/2010/main" val="2689436701"/>
+        <p14:creationId xmlns="" xmlns:p14="http://schemas.microsoft.com/office/powerpoint/2010/main" val="2689436701"/>
       </p:ext>
     </p:extLst>
   </p:cSld>
@@ -6074,7 +6086,7 @@
     </p:spTree>
     <p:extLst>
       <p:ext uri="{BB962C8B-B14F-4D97-AF65-F5344CB8AC3E}">
-        <p14:creationId xmlns:p14="http://schemas.microsoft.com/office/powerpoint/2010/main" val="3100991363"/>
+        <p14:creationId xmlns="" xmlns:p14="http://schemas.microsoft.com/office/powerpoint/2010/main" val="3100991363"/>
       </p:ext>
     </p:extLst>
   </p:cSld>
@@ -6271,7 +6283,7 @@
             <a:fld id="{3D599013-5C43-42B3-986A-3CF64AAE02B4}" type="datetimeFigureOut">
               <a:rPr lang="en-US" smtClean="0"/>
               <a:pPr/>
-              <a:t>10/27/2016</a:t>
+              <a:t>12/9/2016</a:t>
             </a:fld>
             <a:endParaRPr lang="en-US" dirty="0"/>
           </a:p>
@@ -6323,7 +6335,7 @@
     </p:spTree>
     <p:extLst>
       <p:ext uri="{BB962C8B-B14F-4D97-AF65-F5344CB8AC3E}">
-        <p14:creationId xmlns:p14="http://schemas.microsoft.com/office/powerpoint/2010/main" val="3757756728"/>
+        <p14:creationId xmlns="" xmlns:p14="http://schemas.microsoft.com/office/powerpoint/2010/main" val="3757756728"/>
       </p:ext>
     </p:extLst>
   </p:cSld>
@@ -6600,7 +6612,7 @@
     </p:spTree>
     <p:extLst>
       <p:ext uri="{BB962C8B-B14F-4D97-AF65-F5344CB8AC3E}">
-        <p14:creationId xmlns:p14="http://schemas.microsoft.com/office/powerpoint/2010/main" val="3217557692"/>
+        <p14:creationId xmlns="" xmlns:p14="http://schemas.microsoft.com/office/powerpoint/2010/main" val="3217557692"/>
       </p:ext>
     </p:extLst>
   </p:cSld>
@@ -6802,7 +6814,7 @@
     </p:spTree>
     <p:extLst>
       <p:ext uri="{BB962C8B-B14F-4D97-AF65-F5344CB8AC3E}">
-        <p14:creationId xmlns:p14="http://schemas.microsoft.com/office/powerpoint/2010/main" val="3845599130"/>
+        <p14:creationId xmlns="" xmlns:p14="http://schemas.microsoft.com/office/powerpoint/2010/main" val="3845599130"/>
       </p:ext>
     </p:extLst>
   </p:cSld>
@@ -6987,7 +6999,7 @@
             <a:fld id="{3D599013-5C43-42B3-986A-3CF64AAE02B4}" type="datetimeFigureOut">
               <a:rPr lang="en-US" smtClean="0"/>
               <a:pPr/>
-              <a:t>10/27/2016</a:t>
+              <a:t>12/9/2016</a:t>
             </a:fld>
             <a:endParaRPr lang="en-US" dirty="0"/>
           </a:p>
@@ -7039,7 +7051,7 @@
     </p:spTree>
     <p:extLst>
       <p:ext uri="{BB962C8B-B14F-4D97-AF65-F5344CB8AC3E}">
-        <p14:creationId xmlns:p14="http://schemas.microsoft.com/office/powerpoint/2010/main" val="700055631"/>
+        <p14:creationId xmlns="" xmlns:p14="http://schemas.microsoft.com/office/powerpoint/2010/main" val="700055631"/>
       </p:ext>
     </p:extLst>
   </p:cSld>
@@ -7356,7 +7368,7 @@
             <a:fld id="{3D599013-5C43-42B3-986A-3CF64AAE02B4}" type="datetimeFigureOut">
               <a:rPr lang="en-US" smtClean="0"/>
               <a:pPr/>
-              <a:t>10/27/2016</a:t>
+              <a:t>12/9/2016</a:t>
             </a:fld>
             <a:endParaRPr lang="en-US" dirty="0"/>
           </a:p>
@@ -7408,7 +7420,7 @@
     </p:spTree>
     <p:extLst>
       <p:ext uri="{BB962C8B-B14F-4D97-AF65-F5344CB8AC3E}">
-        <p14:creationId xmlns:p14="http://schemas.microsoft.com/office/powerpoint/2010/main" val="2359288918"/>
+        <p14:creationId xmlns="" xmlns:p14="http://schemas.microsoft.com/office/powerpoint/2010/main" val="2359288918"/>
       </p:ext>
     </p:extLst>
   </p:cSld>
@@ -7476,7 +7488,7 @@
             <a:fld id="{3D599013-5C43-42B3-986A-3CF64AAE02B4}" type="datetimeFigureOut">
               <a:rPr lang="en-US" smtClean="0"/>
               <a:pPr/>
-              <a:t>10/27/2016</a:t>
+              <a:t>12/9/2016</a:t>
             </a:fld>
             <a:endParaRPr lang="en-US" dirty="0"/>
           </a:p>
@@ -7528,7 +7540,7 @@
     </p:spTree>
     <p:extLst>
       <p:ext uri="{BB962C8B-B14F-4D97-AF65-F5344CB8AC3E}">
-        <p14:creationId xmlns:p14="http://schemas.microsoft.com/office/powerpoint/2010/main" val="1245979004"/>
+        <p14:creationId xmlns="" xmlns:p14="http://schemas.microsoft.com/office/powerpoint/2010/main" val="1245979004"/>
       </p:ext>
     </p:extLst>
   </p:cSld>
@@ -7573,7 +7585,7 @@
             <a:fld id="{3D599013-5C43-42B3-986A-3CF64AAE02B4}" type="datetimeFigureOut">
               <a:rPr lang="en-US" smtClean="0"/>
               <a:pPr/>
-              <a:t>10/27/2016</a:t>
+              <a:t>12/9/2016</a:t>
             </a:fld>
             <a:endParaRPr lang="en-US" dirty="0"/>
           </a:p>
@@ -7625,7 +7637,7 @@
     </p:spTree>
     <p:extLst>
       <p:ext uri="{BB962C8B-B14F-4D97-AF65-F5344CB8AC3E}">
-        <p14:creationId xmlns:p14="http://schemas.microsoft.com/office/powerpoint/2010/main" val="2472079974"/>
+        <p14:creationId xmlns="" xmlns:p14="http://schemas.microsoft.com/office/powerpoint/2010/main" val="2472079974"/>
       </p:ext>
     </p:extLst>
   </p:cSld>
@@ -7852,7 +7864,7 @@
             <a:fld id="{3D599013-5C43-42B3-986A-3CF64AAE02B4}" type="datetimeFigureOut">
               <a:rPr lang="en-US" smtClean="0"/>
               <a:pPr/>
-              <a:t>10/27/2016</a:t>
+              <a:t>12/9/2016</a:t>
             </a:fld>
             <a:endParaRPr lang="en-US" dirty="0"/>
           </a:p>
@@ -7904,7 +7916,7 @@
     </p:spTree>
     <p:extLst>
       <p:ext uri="{BB962C8B-B14F-4D97-AF65-F5344CB8AC3E}">
-        <p14:creationId xmlns:p14="http://schemas.microsoft.com/office/powerpoint/2010/main" val="4244452049"/>
+        <p14:creationId xmlns="" xmlns:p14="http://schemas.microsoft.com/office/powerpoint/2010/main" val="4244452049"/>
       </p:ext>
     </p:extLst>
   </p:cSld>
@@ -8110,7 +8122,7 @@
             <a:fld id="{3D599013-5C43-42B3-986A-3CF64AAE02B4}" type="datetimeFigureOut">
               <a:rPr lang="en-US" smtClean="0"/>
               <a:pPr/>
-              <a:t>10/27/2016</a:t>
+              <a:t>12/9/2016</a:t>
             </a:fld>
             <a:endParaRPr lang="en-US" dirty="0"/>
           </a:p>
@@ -8162,7 +8174,7 @@
     </p:spTree>
     <p:extLst>
       <p:ext uri="{BB962C8B-B14F-4D97-AF65-F5344CB8AC3E}">
-        <p14:creationId xmlns:p14="http://schemas.microsoft.com/office/powerpoint/2010/main" val="182241103"/>
+        <p14:creationId xmlns="" xmlns:p14="http://schemas.microsoft.com/office/powerpoint/2010/main" val="182241103"/>
       </p:ext>
     </p:extLst>
   </p:cSld>
@@ -8325,7 +8337,7 @@
             <a:fld id="{3D599013-5C43-42B3-986A-3CF64AAE02B4}" type="datetimeFigureOut">
               <a:rPr lang="en-US" smtClean="0"/>
               <a:pPr/>
-              <a:t>10/27/2016</a:t>
+              <a:t>12/9/2016</a:t>
             </a:fld>
             <a:endParaRPr lang="en-US" dirty="0"/>
           </a:p>
@@ -8413,7 +8425,7 @@
     </p:spTree>
     <p:extLst>
       <p:ext uri="{BB962C8B-B14F-4D97-AF65-F5344CB8AC3E}">
-        <p14:creationId xmlns:p14="http://schemas.microsoft.com/office/powerpoint/2010/main" val="636156023"/>
+        <p14:creationId xmlns="" xmlns:p14="http://schemas.microsoft.com/office/powerpoint/2010/main" val="636156023"/>
       </p:ext>
     </p:extLst>
   </p:cSld>
@@ -8864,7 +8876,8 @@
           <a:p>
             <a:fld id="{3F96F2D7-2467-4E8E-B24B-63336E0458CC}" type="datetimeFigureOut">
               <a:rPr lang="it-IT" smtClean="0"/>
-              <a:t>27/10/2016</a:t>
+              <a:pPr/>
+              <a:t>09/12/2016</a:t>
             </a:fld>
             <a:endParaRPr lang="it-IT" dirty="0"/>
           </a:p>
@@ -8958,7 +8971,7 @@
     </p:spTree>
     <p:extLst>
       <p:ext uri="{BB962C8B-B14F-4D97-AF65-F5344CB8AC3E}">
-        <p14:creationId xmlns:p14="http://schemas.microsoft.com/office/powerpoint/2010/main" val="2960352496"/>
+        <p14:creationId xmlns="" xmlns:p14="http://schemas.microsoft.com/office/powerpoint/2010/main" val="2960352496"/>
       </p:ext>
     </p:extLst>
   </p:cSld>
@@ -9297,8 +9310,8 @@
         </p:nvSpPr>
         <p:spPr>
           <a:xfrm>
-            <a:off x="301758" y="805385"/>
-            <a:ext cx="8230682" cy="4551475"/>
+            <a:off x="71406" y="498298"/>
+            <a:ext cx="8429684" cy="4896005"/>
           </a:xfrm>
           <a:prstGeom prst="rect">
             <a:avLst/>
@@ -9312,16 +9325,10 @@
             </a:solidFill>
             <a:round/>
           </a:ln>
-          <a:effectLst>
-            <a:outerShdw blurRad="50800" dist="38100" dir="2700000" algn="tl" rotWithShape="0">
-              <a:prstClr val="black">
-                <a:alpha val="40000"/>
-              </a:prstClr>
-            </a:outerShdw>
-          </a:effectLst>
-        </p:spPr>
-        <p:txBody>
-          <a:bodyPr vert="horz" anchor="b"/>
+          <a:effectLst/>
+        </p:spPr>
+        <p:txBody>
+          <a:bodyPr vert="vert270" anchor="b"/>
           <a:lstStyle>
             <a:defPPr>
               <a:defRPr lang="en-US"/>
@@ -9418,16 +9425,149 @@
             </a:lvl9pPr>
           </a:lstStyle>
           <a:p>
-            <a:pPr algn="r"/>
-            <a:r>
-              <a:rPr lang="it-IT" dirty="0"/>
+            <a:r>
+              <a:rPr lang="it-IT" dirty="0" smtClean="0"/>
               <a:t>Universal </a:t>
             </a:r>
             <a:r>
-              <a:rPr lang="it-IT" dirty="0" err="1"/>
+              <a:rPr lang="en-US" dirty="0" smtClean="0"/>
               <a:t>Node</a:t>
             </a:r>
             <a:endParaRPr lang="en-US" dirty="0"/>
+          </a:p>
+        </p:txBody>
+      </p:sp>
+      <p:sp>
+        <p:nvSpPr>
+          <p:cNvPr id="82" name="CustomShape 27"/>
+          <p:cNvSpPr/>
+          <p:nvPr/>
+        </p:nvSpPr>
+        <p:spPr>
+          <a:xfrm>
+            <a:off x="214314" y="628201"/>
+            <a:ext cx="6715204" cy="2333961"/>
+          </a:xfrm>
+          <a:prstGeom prst="rect">
+            <a:avLst/>
+          </a:prstGeom>
+          <a:solidFill>
+            <a:schemeClr val="bg1">
+              <a:lumMod val="95000"/>
+            </a:schemeClr>
+          </a:solidFill>
+          <a:ln w="19050">
+            <a:solidFill>
+              <a:schemeClr val="tx1"/>
+            </a:solidFill>
+            <a:round/>
+          </a:ln>
+          <a:effectLst/>
+        </p:spPr>
+        <p:txBody>
+          <a:bodyPr vert="horz" lIns="0" tIns="0" rIns="0" bIns="0" anchor="t"/>
+          <a:lstStyle>
+            <a:defPPr>
+              <a:defRPr lang="en-US"/>
+            </a:defPPr>
+            <a:lvl1pPr marL="0" algn="l" defTabSz="914400" rtl="0" eaLnBrk="1" latinLnBrk="0" hangingPunct="1">
+              <a:defRPr sz="1800" kern="1200">
+                <a:solidFill>
+                  <a:schemeClr val="tx1"/>
+                </a:solidFill>
+                <a:latin typeface="+mn-lt"/>
+                <a:ea typeface="+mn-ea"/>
+                <a:cs typeface="+mn-cs"/>
+              </a:defRPr>
+            </a:lvl1pPr>
+            <a:lvl2pPr marL="457200" algn="l" defTabSz="914400" rtl="0" eaLnBrk="1" latinLnBrk="0" hangingPunct="1">
+              <a:defRPr sz="1800" kern="1200">
+                <a:solidFill>
+                  <a:schemeClr val="tx1"/>
+                </a:solidFill>
+                <a:latin typeface="+mn-lt"/>
+                <a:ea typeface="+mn-ea"/>
+                <a:cs typeface="+mn-cs"/>
+              </a:defRPr>
+            </a:lvl2pPr>
+            <a:lvl3pPr marL="914400" algn="l" defTabSz="914400" rtl="0" eaLnBrk="1" latinLnBrk="0" hangingPunct="1">
+              <a:defRPr sz="1800" kern="1200">
+                <a:solidFill>
+                  <a:schemeClr val="tx1"/>
+                </a:solidFill>
+                <a:latin typeface="+mn-lt"/>
+                <a:ea typeface="+mn-ea"/>
+                <a:cs typeface="+mn-cs"/>
+              </a:defRPr>
+            </a:lvl3pPr>
+            <a:lvl4pPr marL="1371600" algn="l" defTabSz="914400" rtl="0" eaLnBrk="1" latinLnBrk="0" hangingPunct="1">
+              <a:defRPr sz="1800" kern="1200">
+                <a:solidFill>
+                  <a:schemeClr val="tx1"/>
+                </a:solidFill>
+                <a:latin typeface="+mn-lt"/>
+                <a:ea typeface="+mn-ea"/>
+                <a:cs typeface="+mn-cs"/>
+              </a:defRPr>
+            </a:lvl4pPr>
+            <a:lvl5pPr marL="1828800" algn="l" defTabSz="914400" rtl="0" eaLnBrk="1" latinLnBrk="0" hangingPunct="1">
+              <a:defRPr sz="1800" kern="1200">
+                <a:solidFill>
+                  <a:schemeClr val="tx1"/>
+                </a:solidFill>
+                <a:latin typeface="+mn-lt"/>
+                <a:ea typeface="+mn-ea"/>
+                <a:cs typeface="+mn-cs"/>
+              </a:defRPr>
+            </a:lvl5pPr>
+            <a:lvl6pPr marL="2286000" algn="l" defTabSz="914400" rtl="0" eaLnBrk="1" latinLnBrk="0" hangingPunct="1">
+              <a:defRPr sz="1800" kern="1200">
+                <a:solidFill>
+                  <a:schemeClr val="tx1"/>
+                </a:solidFill>
+                <a:latin typeface="+mn-lt"/>
+                <a:ea typeface="+mn-ea"/>
+                <a:cs typeface="+mn-cs"/>
+              </a:defRPr>
+            </a:lvl6pPr>
+            <a:lvl7pPr marL="2743200" algn="l" defTabSz="914400" rtl="0" eaLnBrk="1" latinLnBrk="0" hangingPunct="1">
+              <a:defRPr sz="1800" kern="1200">
+                <a:solidFill>
+                  <a:schemeClr val="tx1"/>
+                </a:solidFill>
+                <a:latin typeface="+mn-lt"/>
+                <a:ea typeface="+mn-ea"/>
+                <a:cs typeface="+mn-cs"/>
+              </a:defRPr>
+            </a:lvl7pPr>
+            <a:lvl8pPr marL="3200400" algn="l" defTabSz="914400" rtl="0" eaLnBrk="1" latinLnBrk="0" hangingPunct="1">
+              <a:defRPr sz="1800" kern="1200">
+                <a:solidFill>
+                  <a:schemeClr val="tx1"/>
+                </a:solidFill>
+                <a:latin typeface="+mn-lt"/>
+                <a:ea typeface="+mn-ea"/>
+                <a:cs typeface="+mn-cs"/>
+              </a:defRPr>
+            </a:lvl8pPr>
+            <a:lvl9pPr marL="3657600" algn="l" defTabSz="914400" rtl="0" eaLnBrk="1" latinLnBrk="0" hangingPunct="1">
+              <a:defRPr sz="1800" kern="1200">
+                <a:solidFill>
+                  <a:schemeClr val="tx1"/>
+                </a:solidFill>
+                <a:latin typeface="+mn-lt"/>
+                <a:ea typeface="+mn-ea"/>
+                <a:cs typeface="+mn-cs"/>
+              </a:defRPr>
+            </a:lvl9pPr>
+          </a:lstStyle>
+          <a:p>
+            <a:pPr algn="ctr"/>
+            <a:r>
+              <a:rPr lang="en-US" sz="1400" dirty="0" smtClean="0"/>
+              <a:t>Orchestrator</a:t>
+            </a:r>
+            <a:endParaRPr lang="en-US" sz="1400" dirty="0"/>
           </a:p>
         </p:txBody>
       </p:sp>
@@ -9439,8 +9579,8 @@
         </p:nvSpPr>
         <p:spPr>
           <a:xfrm>
-            <a:off x="876969" y="4179830"/>
-            <a:ext cx="3695032" cy="1034618"/>
+            <a:off x="326413" y="4213355"/>
+            <a:ext cx="6780149" cy="969587"/>
           </a:xfrm>
           <a:prstGeom prst="roundRect">
             <a:avLst>
@@ -9458,12 +9598,21 @@
               <a:schemeClr val="tx1"/>
             </a:solidFill>
           </a:ln>
-        </p:spPr>
-        <p:txBody>
-          <a:bodyPr/>
+          <a:effectLst/>
+        </p:spPr>
+        <p:txBody>
+          <a:bodyPr anchor="b"/>
           <a:lstStyle/>
           <a:p>
-            <a:endParaRPr lang="it-IT"/>
+            <a:r>
+              <a:rPr lang="it-IT" sz="1400" dirty="0" smtClean="0"/>
+              <a:t>Virtual </a:t>
+            </a:r>
+            <a:r>
+              <a:rPr lang="it-IT" sz="1400" dirty="0" err="1" smtClean="0"/>
+              <a:t>switch</a:t>
+            </a:r>
+            <a:endParaRPr lang="it-IT" sz="1400" dirty="0"/>
           </a:p>
         </p:txBody>
       </p:sp>
@@ -9475,8 +9624,8 @@
         </p:nvSpPr>
         <p:spPr>
           <a:xfrm>
-            <a:off x="1945258" y="4834169"/>
-            <a:ext cx="1179392" cy="288882"/>
+            <a:off x="4248401" y="4857608"/>
+            <a:ext cx="1179392" cy="233937"/>
           </a:xfrm>
           <a:prstGeom prst="rect">
             <a:avLst/>
@@ -9492,6 +9641,7 @@
               <a:schemeClr val="tx1"/>
             </a:solidFill>
           </a:ln>
+          <a:effectLst/>
         </p:spPr>
         <p:txBody>
           <a:bodyPr wrap="none" lIns="90000" tIns="45000" rIns="90000" bIns="45000" anchor="ctr"/>
@@ -9608,501 +9758,6 @@
           </a:p>
         </p:txBody>
       </p:sp>
-      <p:sp>
-        <p:nvSpPr>
-          <p:cNvPr id="5" name="CustomShape 49"/>
-          <p:cNvSpPr/>
-          <p:nvPr/>
-        </p:nvSpPr>
-        <p:spPr>
-          <a:xfrm>
-            <a:off x="3452256" y="4940810"/>
-            <a:ext cx="719640" cy="289800"/>
-          </a:xfrm>
-          <a:prstGeom prst="rect">
-            <a:avLst/>
-          </a:prstGeom>
-        </p:spPr>
-        <p:txBody>
-          <a:bodyPr wrap="none" lIns="90000" tIns="45000" rIns="90000" bIns="45000"/>
-          <a:lstStyle>
-            <a:defPPr>
-              <a:defRPr lang="en-US"/>
-            </a:defPPr>
-            <a:lvl1pPr marL="0" algn="l" defTabSz="914400" rtl="0" eaLnBrk="1" latinLnBrk="0" hangingPunct="1">
-              <a:defRPr sz="1800" kern="1200">
-                <a:solidFill>
-                  <a:schemeClr val="tx1"/>
-                </a:solidFill>
-                <a:latin typeface="+mn-lt"/>
-                <a:ea typeface="+mn-ea"/>
-                <a:cs typeface="+mn-cs"/>
-              </a:defRPr>
-            </a:lvl1pPr>
-            <a:lvl2pPr marL="457200" algn="l" defTabSz="914400" rtl="0" eaLnBrk="1" latinLnBrk="0" hangingPunct="1">
-              <a:defRPr sz="1800" kern="1200">
-                <a:solidFill>
-                  <a:schemeClr val="tx1"/>
-                </a:solidFill>
-                <a:latin typeface="+mn-lt"/>
-                <a:ea typeface="+mn-ea"/>
-                <a:cs typeface="+mn-cs"/>
-              </a:defRPr>
-            </a:lvl2pPr>
-            <a:lvl3pPr marL="914400" algn="l" defTabSz="914400" rtl="0" eaLnBrk="1" latinLnBrk="0" hangingPunct="1">
-              <a:defRPr sz="1800" kern="1200">
-                <a:solidFill>
-                  <a:schemeClr val="tx1"/>
-                </a:solidFill>
-                <a:latin typeface="+mn-lt"/>
-                <a:ea typeface="+mn-ea"/>
-                <a:cs typeface="+mn-cs"/>
-              </a:defRPr>
-            </a:lvl3pPr>
-            <a:lvl4pPr marL="1371600" algn="l" defTabSz="914400" rtl="0" eaLnBrk="1" latinLnBrk="0" hangingPunct="1">
-              <a:defRPr sz="1800" kern="1200">
-                <a:solidFill>
-                  <a:schemeClr val="tx1"/>
-                </a:solidFill>
-                <a:latin typeface="+mn-lt"/>
-                <a:ea typeface="+mn-ea"/>
-                <a:cs typeface="+mn-cs"/>
-              </a:defRPr>
-            </a:lvl4pPr>
-            <a:lvl5pPr marL="1828800" algn="l" defTabSz="914400" rtl="0" eaLnBrk="1" latinLnBrk="0" hangingPunct="1">
-              <a:defRPr sz="1800" kern="1200">
-                <a:solidFill>
-                  <a:schemeClr val="tx1"/>
-                </a:solidFill>
-                <a:latin typeface="+mn-lt"/>
-                <a:ea typeface="+mn-ea"/>
-                <a:cs typeface="+mn-cs"/>
-              </a:defRPr>
-            </a:lvl5pPr>
-            <a:lvl6pPr marL="2286000" algn="l" defTabSz="914400" rtl="0" eaLnBrk="1" latinLnBrk="0" hangingPunct="1">
-              <a:defRPr sz="1800" kern="1200">
-                <a:solidFill>
-                  <a:schemeClr val="tx1"/>
-                </a:solidFill>
-                <a:latin typeface="+mn-lt"/>
-                <a:ea typeface="+mn-ea"/>
-                <a:cs typeface="+mn-cs"/>
-              </a:defRPr>
-            </a:lvl6pPr>
-            <a:lvl7pPr marL="2743200" algn="l" defTabSz="914400" rtl="0" eaLnBrk="1" latinLnBrk="0" hangingPunct="1">
-              <a:defRPr sz="1800" kern="1200">
-                <a:solidFill>
-                  <a:schemeClr val="tx1"/>
-                </a:solidFill>
-                <a:latin typeface="+mn-lt"/>
-                <a:ea typeface="+mn-ea"/>
-                <a:cs typeface="+mn-cs"/>
-              </a:defRPr>
-            </a:lvl7pPr>
-            <a:lvl8pPr marL="3200400" algn="l" defTabSz="914400" rtl="0" eaLnBrk="1" latinLnBrk="0" hangingPunct="1">
-              <a:defRPr sz="1800" kern="1200">
-                <a:solidFill>
-                  <a:schemeClr val="tx1"/>
-                </a:solidFill>
-                <a:latin typeface="+mn-lt"/>
-                <a:ea typeface="+mn-ea"/>
-                <a:cs typeface="+mn-cs"/>
-              </a:defRPr>
-            </a:lvl8pPr>
-            <a:lvl9pPr marL="3657600" algn="l" defTabSz="914400" rtl="0" eaLnBrk="1" latinLnBrk="0" hangingPunct="1">
-              <a:defRPr sz="1800" kern="1200">
-                <a:solidFill>
-                  <a:schemeClr val="tx1"/>
-                </a:solidFill>
-                <a:latin typeface="+mn-lt"/>
-                <a:ea typeface="+mn-ea"/>
-                <a:cs typeface="+mn-cs"/>
-              </a:defRPr>
-            </a:lvl9pPr>
-          </a:lstStyle>
-          <a:p>
-            <a:r>
-              <a:rPr lang="it-IT" sz="1400" dirty="0">
-                <a:cs typeface="Times New Roman" pitchFamily="18" charset="0"/>
-              </a:rPr>
-              <a:t>Virtual </a:t>
-            </a:r>
-            <a:r>
-              <a:rPr lang="it-IT" sz="1400" dirty="0" err="1">
-                <a:cs typeface="Times New Roman" pitchFamily="18" charset="0"/>
-              </a:rPr>
-              <a:t>switch</a:t>
-            </a:r>
-            <a:endParaRPr sz="1400" dirty="0">
-              <a:cs typeface="Times New Roman" pitchFamily="18" charset="0"/>
-            </a:endParaRPr>
-          </a:p>
-        </p:txBody>
-      </p:sp>
-      <p:sp>
-        <p:nvSpPr>
-          <p:cNvPr id="6" name="CustomShape 21"/>
-          <p:cNvSpPr/>
-          <p:nvPr/>
-        </p:nvSpPr>
-        <p:spPr>
-          <a:xfrm>
-            <a:off x="2785268" y="2583970"/>
-            <a:ext cx="657756" cy="421560"/>
-          </a:xfrm>
-          <a:prstGeom prst="rect">
-            <a:avLst/>
-          </a:prstGeom>
-          <a:solidFill>
-            <a:srgbClr val="CCFFCC"/>
-          </a:solidFill>
-          <a:ln w="12700">
-            <a:solidFill>
-              <a:schemeClr val="tx1"/>
-            </a:solidFill>
-          </a:ln>
-        </p:spPr>
-        <p:txBody>
-          <a:bodyPr wrap="none" lIns="90000" tIns="45000" rIns="90000" bIns="45000" anchor="ctr"/>
-          <a:lstStyle>
-            <a:defPPr>
-              <a:defRPr lang="en-US"/>
-            </a:defPPr>
-            <a:lvl1pPr marL="0" algn="l" defTabSz="914400" rtl="0" eaLnBrk="1" latinLnBrk="0" hangingPunct="1">
-              <a:defRPr sz="1800" kern="1200">
-                <a:solidFill>
-                  <a:schemeClr val="tx1"/>
-                </a:solidFill>
-                <a:latin typeface="+mn-lt"/>
-                <a:ea typeface="+mn-ea"/>
-                <a:cs typeface="+mn-cs"/>
-              </a:defRPr>
-            </a:lvl1pPr>
-            <a:lvl2pPr marL="457200" algn="l" defTabSz="914400" rtl="0" eaLnBrk="1" latinLnBrk="0" hangingPunct="1">
-              <a:defRPr sz="1800" kern="1200">
-                <a:solidFill>
-                  <a:schemeClr val="tx1"/>
-                </a:solidFill>
-                <a:latin typeface="+mn-lt"/>
-                <a:ea typeface="+mn-ea"/>
-                <a:cs typeface="+mn-cs"/>
-              </a:defRPr>
-            </a:lvl2pPr>
-            <a:lvl3pPr marL="914400" algn="l" defTabSz="914400" rtl="0" eaLnBrk="1" latinLnBrk="0" hangingPunct="1">
-              <a:defRPr sz="1800" kern="1200">
-                <a:solidFill>
-                  <a:schemeClr val="tx1"/>
-                </a:solidFill>
-                <a:latin typeface="+mn-lt"/>
-                <a:ea typeface="+mn-ea"/>
-                <a:cs typeface="+mn-cs"/>
-              </a:defRPr>
-            </a:lvl3pPr>
-            <a:lvl4pPr marL="1371600" algn="l" defTabSz="914400" rtl="0" eaLnBrk="1" latinLnBrk="0" hangingPunct="1">
-              <a:defRPr sz="1800" kern="1200">
-                <a:solidFill>
-                  <a:schemeClr val="tx1"/>
-                </a:solidFill>
-                <a:latin typeface="+mn-lt"/>
-                <a:ea typeface="+mn-ea"/>
-                <a:cs typeface="+mn-cs"/>
-              </a:defRPr>
-            </a:lvl4pPr>
-            <a:lvl5pPr marL="1828800" algn="l" defTabSz="914400" rtl="0" eaLnBrk="1" latinLnBrk="0" hangingPunct="1">
-              <a:defRPr sz="1800" kern="1200">
-                <a:solidFill>
-                  <a:schemeClr val="tx1"/>
-                </a:solidFill>
-                <a:latin typeface="+mn-lt"/>
-                <a:ea typeface="+mn-ea"/>
-                <a:cs typeface="+mn-cs"/>
-              </a:defRPr>
-            </a:lvl5pPr>
-            <a:lvl6pPr marL="2286000" algn="l" defTabSz="914400" rtl="0" eaLnBrk="1" latinLnBrk="0" hangingPunct="1">
-              <a:defRPr sz="1800" kern="1200">
-                <a:solidFill>
-                  <a:schemeClr val="tx1"/>
-                </a:solidFill>
-                <a:latin typeface="+mn-lt"/>
-                <a:ea typeface="+mn-ea"/>
-                <a:cs typeface="+mn-cs"/>
-              </a:defRPr>
-            </a:lvl6pPr>
-            <a:lvl7pPr marL="2743200" algn="l" defTabSz="914400" rtl="0" eaLnBrk="1" latinLnBrk="0" hangingPunct="1">
-              <a:defRPr sz="1800" kern="1200">
-                <a:solidFill>
-                  <a:schemeClr val="tx1"/>
-                </a:solidFill>
-                <a:latin typeface="+mn-lt"/>
-                <a:ea typeface="+mn-ea"/>
-                <a:cs typeface="+mn-cs"/>
-              </a:defRPr>
-            </a:lvl7pPr>
-            <a:lvl8pPr marL="3200400" algn="l" defTabSz="914400" rtl="0" eaLnBrk="1" latinLnBrk="0" hangingPunct="1">
-              <a:defRPr sz="1800" kern="1200">
-                <a:solidFill>
-                  <a:schemeClr val="tx1"/>
-                </a:solidFill>
-                <a:latin typeface="+mn-lt"/>
-                <a:ea typeface="+mn-ea"/>
-                <a:cs typeface="+mn-cs"/>
-              </a:defRPr>
-            </a:lvl8pPr>
-            <a:lvl9pPr marL="3657600" algn="l" defTabSz="914400" rtl="0" eaLnBrk="1" latinLnBrk="0" hangingPunct="1">
-              <a:defRPr sz="1800" kern="1200">
-                <a:solidFill>
-                  <a:schemeClr val="tx1"/>
-                </a:solidFill>
-                <a:latin typeface="+mn-lt"/>
-                <a:ea typeface="+mn-ea"/>
-                <a:cs typeface="+mn-cs"/>
-              </a:defRPr>
-            </a:lvl9pPr>
-          </a:lstStyle>
-          <a:p>
-            <a:pPr algn="ctr">
-              <a:lnSpc>
-                <a:spcPct val="100000"/>
-              </a:lnSpc>
-            </a:pPr>
-            <a:r>
-              <a:rPr lang="it-IT" sz="1400" dirty="0">
-                <a:cs typeface="Times New Roman" pitchFamily="18" charset="0"/>
-              </a:rPr>
-              <a:t>OF contr.</a:t>
-            </a:r>
-            <a:endParaRPr sz="1400" dirty="0">
-              <a:cs typeface="Times New Roman" pitchFamily="18" charset="0"/>
-            </a:endParaRPr>
-          </a:p>
-          <a:p>
-            <a:pPr algn="ctr">
-              <a:lnSpc>
-                <a:spcPct val="100000"/>
-              </a:lnSpc>
-            </a:pPr>
-            <a:r>
-              <a:rPr lang="it-IT" sz="1400" dirty="0">
-                <a:cs typeface="Times New Roman" pitchFamily="18" charset="0"/>
-              </a:rPr>
-              <a:t>LSI #1</a:t>
-            </a:r>
-            <a:endParaRPr sz="1400" dirty="0">
-              <a:cs typeface="Times New Roman" pitchFamily="18" charset="0"/>
-            </a:endParaRPr>
-          </a:p>
-        </p:txBody>
-      </p:sp>
-      <p:sp>
-        <p:nvSpPr>
-          <p:cNvPr id="7" name="CustomShape 21"/>
-          <p:cNvSpPr/>
-          <p:nvPr/>
-        </p:nvSpPr>
-        <p:spPr>
-          <a:xfrm>
-            <a:off x="4487023" y="2583969"/>
-            <a:ext cx="697691" cy="426374"/>
-          </a:xfrm>
-          <a:prstGeom prst="rect">
-            <a:avLst/>
-          </a:prstGeom>
-          <a:solidFill>
-            <a:srgbClr val="CCFFCC"/>
-          </a:solidFill>
-          <a:ln w="12700">
-            <a:solidFill>
-              <a:schemeClr val="tx1"/>
-            </a:solidFill>
-          </a:ln>
-        </p:spPr>
-        <p:txBody>
-          <a:bodyPr wrap="none" lIns="90000" tIns="45000" rIns="90000" bIns="45000" anchor="ctr"/>
-          <a:lstStyle>
-            <a:defPPr>
-              <a:defRPr lang="en-US"/>
-            </a:defPPr>
-            <a:lvl1pPr marL="0" algn="l" defTabSz="914400" rtl="0" eaLnBrk="1" latinLnBrk="0" hangingPunct="1">
-              <a:defRPr sz="1800" kern="1200">
-                <a:solidFill>
-                  <a:schemeClr val="tx1"/>
-                </a:solidFill>
-                <a:latin typeface="+mn-lt"/>
-                <a:ea typeface="+mn-ea"/>
-                <a:cs typeface="+mn-cs"/>
-              </a:defRPr>
-            </a:lvl1pPr>
-            <a:lvl2pPr marL="457200" algn="l" defTabSz="914400" rtl="0" eaLnBrk="1" latinLnBrk="0" hangingPunct="1">
-              <a:defRPr sz="1800" kern="1200">
-                <a:solidFill>
-                  <a:schemeClr val="tx1"/>
-                </a:solidFill>
-                <a:latin typeface="+mn-lt"/>
-                <a:ea typeface="+mn-ea"/>
-                <a:cs typeface="+mn-cs"/>
-              </a:defRPr>
-            </a:lvl2pPr>
-            <a:lvl3pPr marL="914400" algn="l" defTabSz="914400" rtl="0" eaLnBrk="1" latinLnBrk="0" hangingPunct="1">
-              <a:defRPr sz="1800" kern="1200">
-                <a:solidFill>
-                  <a:schemeClr val="tx1"/>
-                </a:solidFill>
-                <a:latin typeface="+mn-lt"/>
-                <a:ea typeface="+mn-ea"/>
-                <a:cs typeface="+mn-cs"/>
-              </a:defRPr>
-            </a:lvl3pPr>
-            <a:lvl4pPr marL="1371600" algn="l" defTabSz="914400" rtl="0" eaLnBrk="1" latinLnBrk="0" hangingPunct="1">
-              <a:defRPr sz="1800" kern="1200">
-                <a:solidFill>
-                  <a:schemeClr val="tx1"/>
-                </a:solidFill>
-                <a:latin typeface="+mn-lt"/>
-                <a:ea typeface="+mn-ea"/>
-                <a:cs typeface="+mn-cs"/>
-              </a:defRPr>
-            </a:lvl4pPr>
-            <a:lvl5pPr marL="1828800" algn="l" defTabSz="914400" rtl="0" eaLnBrk="1" latinLnBrk="0" hangingPunct="1">
-              <a:defRPr sz="1800" kern="1200">
-                <a:solidFill>
-                  <a:schemeClr val="tx1"/>
-                </a:solidFill>
-                <a:latin typeface="+mn-lt"/>
-                <a:ea typeface="+mn-ea"/>
-                <a:cs typeface="+mn-cs"/>
-              </a:defRPr>
-            </a:lvl5pPr>
-            <a:lvl6pPr marL="2286000" algn="l" defTabSz="914400" rtl="0" eaLnBrk="1" latinLnBrk="0" hangingPunct="1">
-              <a:defRPr sz="1800" kern="1200">
-                <a:solidFill>
-                  <a:schemeClr val="tx1"/>
-                </a:solidFill>
-                <a:latin typeface="+mn-lt"/>
-                <a:ea typeface="+mn-ea"/>
-                <a:cs typeface="+mn-cs"/>
-              </a:defRPr>
-            </a:lvl6pPr>
-            <a:lvl7pPr marL="2743200" algn="l" defTabSz="914400" rtl="0" eaLnBrk="1" latinLnBrk="0" hangingPunct="1">
-              <a:defRPr sz="1800" kern="1200">
-                <a:solidFill>
-                  <a:schemeClr val="tx1"/>
-                </a:solidFill>
-                <a:latin typeface="+mn-lt"/>
-                <a:ea typeface="+mn-ea"/>
-                <a:cs typeface="+mn-cs"/>
-              </a:defRPr>
-            </a:lvl7pPr>
-            <a:lvl8pPr marL="3200400" algn="l" defTabSz="914400" rtl="0" eaLnBrk="1" latinLnBrk="0" hangingPunct="1">
-              <a:defRPr sz="1800" kern="1200">
-                <a:solidFill>
-                  <a:schemeClr val="tx1"/>
-                </a:solidFill>
-                <a:latin typeface="+mn-lt"/>
-                <a:ea typeface="+mn-ea"/>
-                <a:cs typeface="+mn-cs"/>
-              </a:defRPr>
-            </a:lvl8pPr>
-            <a:lvl9pPr marL="3657600" algn="l" defTabSz="914400" rtl="0" eaLnBrk="1" latinLnBrk="0" hangingPunct="1">
-              <a:defRPr sz="1800" kern="1200">
-                <a:solidFill>
-                  <a:schemeClr val="tx1"/>
-                </a:solidFill>
-                <a:latin typeface="+mn-lt"/>
-                <a:ea typeface="+mn-ea"/>
-                <a:cs typeface="+mn-cs"/>
-              </a:defRPr>
-            </a:lvl9pPr>
-          </a:lstStyle>
-          <a:p>
-            <a:pPr algn="ctr">
-              <a:lnSpc>
-                <a:spcPct val="100000"/>
-              </a:lnSpc>
-            </a:pPr>
-            <a:r>
-              <a:rPr lang="it-IT" sz="1400" dirty="0">
-                <a:cs typeface="Times New Roman" pitchFamily="18" charset="0"/>
-              </a:rPr>
-              <a:t>OF contr.</a:t>
-            </a:r>
-            <a:endParaRPr sz="1400" dirty="0">
-              <a:cs typeface="Times New Roman" pitchFamily="18" charset="0"/>
-            </a:endParaRPr>
-          </a:p>
-          <a:p>
-            <a:pPr algn="ctr">
-              <a:lnSpc>
-                <a:spcPct val="100000"/>
-              </a:lnSpc>
-            </a:pPr>
-            <a:r>
-              <a:rPr lang="it-IT" sz="1400" dirty="0">
-                <a:cs typeface="Times New Roman" pitchFamily="18" charset="0"/>
-              </a:rPr>
-              <a:t>LSI #0</a:t>
-            </a:r>
-            <a:endParaRPr sz="1400" dirty="0">
-              <a:cs typeface="Times New Roman" pitchFamily="18" charset="0"/>
-            </a:endParaRPr>
-          </a:p>
-        </p:txBody>
-      </p:sp>
-      <p:cxnSp>
-        <p:nvCxnSpPr>
-          <p:cNvPr id="8" name="Straight Connector 3"/>
-          <p:cNvCxnSpPr>
-            <a:stCxn id="7" idx="2"/>
-            <a:endCxn id="4" idx="3"/>
-          </p:cNvCxnSpPr>
-          <p:nvPr/>
-        </p:nvCxnSpPr>
-        <p:spPr>
-          <a:xfrm rot="5400000">
-            <a:off x="2996127" y="3138867"/>
-            <a:ext cx="1968267" cy="1711219"/>
-          </a:xfrm>
-          <a:prstGeom prst="curvedConnector2">
-            <a:avLst/>
-          </a:prstGeom>
-          <a:ln w="19050">
-            <a:solidFill>
-              <a:srgbClr val="008000"/>
-            </a:solidFill>
-            <a:prstDash val="sysDash"/>
-            <a:round/>
-            <a:headEnd type="triangle" w="med" len="med"/>
-            <a:tailEnd type="triangle" w="med" len="med"/>
-          </a:ln>
-        </p:spPr>
-      </p:cxnSp>
-      <p:cxnSp>
-        <p:nvCxnSpPr>
-          <p:cNvPr id="9" name="Straight Connector 78"/>
-          <p:cNvCxnSpPr>
-            <a:stCxn id="6" idx="2"/>
-            <a:endCxn id="38" idx="3"/>
-          </p:cNvCxnSpPr>
-          <p:nvPr/>
-        </p:nvCxnSpPr>
-        <p:spPr>
-          <a:xfrm rot="5400000">
-            <a:off x="1866013" y="3219021"/>
-            <a:ext cx="1461624" cy="1034642"/>
-          </a:xfrm>
-          <a:prstGeom prst="curvedConnector2">
-            <a:avLst/>
-          </a:prstGeom>
-          <a:ln w="19050">
-            <a:solidFill>
-              <a:srgbClr val="008000"/>
-            </a:solidFill>
-            <a:prstDash val="sysDash"/>
-            <a:round/>
-            <a:headEnd type="triangle" w="med" len="med"/>
-            <a:tailEnd type="triangle" w="med" len="med"/>
-          </a:ln>
-        </p:spPr>
-      </p:cxnSp>
       <p:cxnSp>
         <p:nvCxnSpPr>
           <p:cNvPr id="11" name="Straight Connector 77"/>
@@ -10111,7 +9766,7 @@
         </p:nvCxnSpPr>
         <p:spPr>
           <a:xfrm>
-            <a:off x="2164617" y="5124952"/>
+            <a:off x="4467760" y="5093447"/>
             <a:ext cx="1198" cy="457200"/>
           </a:xfrm>
           <a:prstGeom prst="line">
@@ -10122,6 +9777,7 @@
               <a:schemeClr val="tx1"/>
             </a:solidFill>
           </a:ln>
+          <a:effectLst/>
         </p:spPr>
         <p:style>
           <a:lnRef idx="1">
@@ -10146,7 +9802,7 @@
         </p:nvCxnSpPr>
         <p:spPr>
           <a:xfrm>
-            <a:off x="2414673" y="5124952"/>
+            <a:off x="4717816" y="5093447"/>
             <a:ext cx="0" cy="457200"/>
           </a:xfrm>
           <a:prstGeom prst="line">
@@ -10157,6 +9813,7 @@
               <a:schemeClr val="tx1"/>
             </a:solidFill>
           </a:ln>
+          <a:effectLst/>
         </p:spPr>
         <p:style>
           <a:lnRef idx="1">
@@ -10181,7 +9838,7 @@
         </p:nvCxnSpPr>
         <p:spPr>
           <a:xfrm>
-            <a:off x="2664729" y="5129480"/>
+            <a:off x="4967872" y="5097975"/>
             <a:ext cx="0" cy="457200"/>
           </a:xfrm>
           <a:prstGeom prst="line">
@@ -10192,6 +9849,7 @@
               <a:schemeClr val="tx1"/>
             </a:solidFill>
           </a:ln>
+          <a:effectLst/>
         </p:spPr>
         <p:style>
           <a:lnRef idx="1">
@@ -10216,7 +9874,7 @@
         </p:nvCxnSpPr>
         <p:spPr>
           <a:xfrm>
-            <a:off x="2914785" y="5132040"/>
+            <a:off x="5217928" y="5100535"/>
             <a:ext cx="0" cy="457200"/>
           </a:xfrm>
           <a:prstGeom prst="line">
@@ -10227,6 +9885,7 @@
               <a:schemeClr val="tx1"/>
             </a:solidFill>
           </a:ln>
+          <a:effectLst/>
         </p:spPr>
         <p:style>
           <a:lnRef idx="1">
@@ -10251,8 +9910,8 @@
         </p:nvSpPr>
         <p:spPr>
           <a:xfrm flipH="1">
-            <a:off x="899592" y="391524"/>
-            <a:ext cx="0" cy="1100217"/>
+            <a:off x="758453" y="71342"/>
+            <a:ext cx="0" cy="793800"/>
           </a:xfrm>
           <a:prstGeom prst="line">
             <a:avLst/>
@@ -10264,6 +9923,7 @@
             <a:round/>
             <a:tailEnd type="triangle" w="med" len="med"/>
           </a:ln>
+          <a:effectLst/>
         </p:spPr>
         <p:txBody>
           <a:bodyPr/>
@@ -10281,12 +9941,13 @@
         </p:nvSpPr>
         <p:spPr>
           <a:xfrm>
-            <a:off x="867097" y="433218"/>
+            <a:off x="758452" y="122865"/>
             <a:ext cx="1857388" cy="275722"/>
           </a:xfrm>
           <a:prstGeom prst="rect">
             <a:avLst/>
           </a:prstGeom>
+          <a:effectLst/>
         </p:spPr>
         <p:txBody>
           <a:bodyPr wrap="none" lIns="90000" tIns="45000" rIns="90000" bIns="45000"/>
@@ -10387,10 +10048,52 @@
           </a:lstStyle>
           <a:p>
             <a:r>
-              <a:rPr lang="it-IT" sz="1400" dirty="0">
+              <a:rPr lang="it-IT" sz="1400" dirty="0" smtClean="0">
                 <a:cs typeface="Times New Roman" pitchFamily="18" charset="0"/>
               </a:rPr>
-              <a:t>[NF-FG] (native)</a:t>
+              <a:t>Network </a:t>
+            </a:r>
+            <a:r>
+              <a:rPr lang="it-IT" sz="1400" dirty="0" err="1" smtClean="0">
+                <a:cs typeface="Times New Roman" pitchFamily="18" charset="0"/>
+              </a:rPr>
+              <a:t>Functions</a:t>
+            </a:r>
+            <a:r>
+              <a:rPr lang="it-IT" sz="1400" dirty="0" smtClean="0">
+                <a:cs typeface="Times New Roman" pitchFamily="18" charset="0"/>
+              </a:rPr>
+              <a:t> </a:t>
+            </a:r>
+            <a:r>
+              <a:rPr lang="it-IT" sz="1400" dirty="0" err="1" smtClean="0">
+                <a:cs typeface="Times New Roman" pitchFamily="18" charset="0"/>
+              </a:rPr>
+              <a:t>Forwarding</a:t>
+            </a:r>
+            <a:r>
+              <a:rPr lang="it-IT" sz="1400" dirty="0" smtClean="0">
+                <a:cs typeface="Times New Roman" pitchFamily="18" charset="0"/>
+              </a:rPr>
+              <a:t> </a:t>
+            </a:r>
+            <a:r>
+              <a:rPr lang="it-IT" sz="1400" dirty="0" err="1" smtClean="0">
+                <a:cs typeface="Times New Roman" pitchFamily="18" charset="0"/>
+              </a:rPr>
+              <a:t>Graph</a:t>
+            </a:r>
+            <a:r>
+              <a:rPr lang="it-IT" sz="1400" dirty="0" smtClean="0">
+                <a:cs typeface="Times New Roman" pitchFamily="18" charset="0"/>
+              </a:rPr>
+              <a:t> </a:t>
+            </a:r>
+            <a:r>
+              <a:rPr lang="en-US" sz="1400" dirty="0" smtClean="0">
+                <a:cs typeface="Times New Roman" pitchFamily="18" charset="0"/>
+              </a:rPr>
+              <a:t>(NF-FG)</a:t>
             </a:r>
             <a:endParaRPr sz="1400" dirty="0">
               <a:cs typeface="Times New Roman" pitchFamily="18" charset="0"/>
@@ -10406,20 +10109,24 @@
         </p:nvSpPr>
         <p:spPr>
           <a:xfrm>
-            <a:off x="583998" y="2224574"/>
-            <a:ext cx="1904136" cy="373814"/>
+            <a:off x="298310" y="1566916"/>
+            <a:ext cx="2059176" cy="373814"/>
           </a:xfrm>
           <a:prstGeom prst="rect">
             <a:avLst/>
           </a:prstGeom>
           <a:solidFill>
-            <a:srgbClr val="FFEBFF"/>
+            <a:schemeClr val="accent2">
+              <a:lumMod val="60000"/>
+              <a:lumOff val="40000"/>
+            </a:schemeClr>
           </a:solidFill>
           <a:ln w="12700">
             <a:solidFill>
               <a:schemeClr val="tx1"/>
             </a:solidFill>
           </a:ln>
+          <a:effectLst/>
         </p:spPr>
         <p:txBody>
           <a:bodyPr wrap="none" lIns="90000" tIns="45000" rIns="90000" bIns="45000" anchor="ctr"/>
@@ -10525,10 +10232,22 @@
               </a:lnSpc>
             </a:pPr>
             <a:r>
+              <a:rPr lang="it-IT" sz="1400" dirty="0" err="1">
+                <a:cs typeface="Times New Roman" pitchFamily="18" charset="0"/>
+              </a:rPr>
+              <a:t>Compute</a:t>
+            </a:r>
+            <a:r>
               <a:rPr lang="it-IT" sz="1400" dirty="0">
                 <a:cs typeface="Times New Roman" pitchFamily="18" charset="0"/>
               </a:rPr>
-              <a:t>Compute controller</a:t>
+              <a:t> </a:t>
+            </a:r>
+            <a:r>
+              <a:rPr lang="it-IT" sz="1400" dirty="0" smtClean="0">
+                <a:cs typeface="Times New Roman" pitchFamily="18" charset="0"/>
+              </a:rPr>
+              <a:t>manager</a:t>
             </a:r>
             <a:endParaRPr sz="1400" dirty="0">
               <a:cs typeface="Times New Roman" pitchFamily="18" charset="0"/>
@@ -10544,7 +10263,7 @@
         </p:nvSpPr>
         <p:spPr>
           <a:xfrm>
-            <a:off x="1986827" y="2594899"/>
+            <a:off x="1856179" y="1937241"/>
             <a:ext cx="501307" cy="412532"/>
           </a:xfrm>
           <a:prstGeom prst="rect">
@@ -10560,6 +10279,7 @@
               </a:schemeClr>
             </a:solidFill>
           </a:ln>
+          <a:effectLst/>
         </p:spPr>
         <p:txBody>
           <a:bodyPr wrap="none" lIns="90000" tIns="45000" rIns="90000" bIns="45000" anchor="ctr"/>
@@ -10595,8 +10315,8 @@
         </p:nvSpPr>
         <p:spPr>
           <a:xfrm>
-            <a:off x="1533679" y="3004763"/>
-            <a:ext cx="453148" cy="215805"/>
+            <a:off x="1332834" y="2347105"/>
+            <a:ext cx="524586" cy="215805"/>
           </a:xfrm>
           <a:prstGeom prst="rect">
             <a:avLst/>
@@ -10609,6 +10329,7 @@
               <a:schemeClr val="tx1"/>
             </a:solidFill>
           </a:ln>
+          <a:effectLst/>
         </p:spPr>
         <p:txBody>
           <a:bodyPr wrap="none" lIns="90000" tIns="45000" rIns="90000" bIns="45000" anchor="ctr"/>
@@ -10730,14 +10451,13 @@
           <p:cNvPr id="21" name="Straight Connector 3"/>
           <p:cNvCxnSpPr>
             <a:stCxn id="19" idx="2"/>
-            <a:endCxn id="61" idx="0"/>
           </p:cNvCxnSpPr>
           <p:nvPr/>
         </p:nvCxnSpPr>
         <p:spPr>
           <a:xfrm>
-            <a:off x="2237481" y="3007431"/>
-            <a:ext cx="1219775" cy="549228"/>
+            <a:off x="2106833" y="2349773"/>
+            <a:ext cx="0" cy="729785"/>
           </a:xfrm>
           <a:prstGeom prst="straightConnector1">
             <a:avLst/>
@@ -10751,21 +10471,59 @@
             <a:headEnd type="triangle" w="med" len="med"/>
             <a:tailEnd type="triangle" w="med" len="med"/>
           </a:ln>
+          <a:effectLst/>
         </p:spPr>
       </p:cxnSp>
       <p:cxnSp>
         <p:nvCxnSpPr>
-          <p:cNvPr id="22" name="Straight Connector 3"/>
+          <p:cNvPr id="28" name="Connettore 1 27"/>
+          <p:cNvCxnSpPr/>
+          <p:nvPr/>
+        </p:nvCxnSpPr>
+        <p:spPr>
+          <a:xfrm>
+            <a:off x="4570911" y="4612293"/>
+            <a:ext cx="216000" cy="0"/>
+          </a:xfrm>
+          <a:prstGeom prst="line">
+            <a:avLst/>
+          </a:prstGeom>
+          <a:ln w="50800" cap="rnd">
+            <a:solidFill>
+              <a:schemeClr val="tx1"/>
+            </a:solidFill>
+            <a:prstDash val="sysDot"/>
+          </a:ln>
+          <a:effectLst/>
+        </p:spPr>
+        <p:style>
+          <a:lnRef idx="1">
+            <a:schemeClr val="accent1"/>
+          </a:lnRef>
+          <a:fillRef idx="0">
+            <a:schemeClr val="accent1"/>
+          </a:fillRef>
+          <a:effectRef idx="0">
+            <a:schemeClr val="accent1"/>
+          </a:effectRef>
+          <a:fontRef idx="minor">
+            <a:schemeClr val="tx1"/>
+          </a:fontRef>
+        </p:style>
+      </p:cxnSp>
+      <p:cxnSp>
+        <p:nvCxnSpPr>
+          <p:cNvPr id="30" name="Straight Connector 3"/>
           <p:cNvCxnSpPr>
-            <a:stCxn id="20" idx="2"/>
-            <a:endCxn id="39" idx="0"/>
+            <a:stCxn id="33" idx="2"/>
+            <a:endCxn id="89" idx="0"/>
           </p:cNvCxnSpPr>
           <p:nvPr/>
         </p:nvCxnSpPr>
         <p:spPr>
-          <a:xfrm>
-            <a:off x="1760253" y="3220568"/>
-            <a:ext cx="380464" cy="340878"/>
+          <a:xfrm rot="5400000">
+            <a:off x="-62054" y="2953907"/>
+            <a:ext cx="1208268" cy="0"/>
           </a:xfrm>
           <a:prstGeom prst="straightConnector1">
             <a:avLst/>
@@ -10779,758 +10537,26 @@
             <a:headEnd type="triangle" w="med" len="med"/>
             <a:tailEnd type="triangle" w="med" len="med"/>
           </a:ln>
-        </p:spPr>
-      </p:cxnSp>
-      <p:sp>
-        <p:nvSpPr>
-          <p:cNvPr id="23" name="CustomShape 52"/>
-          <p:cNvSpPr/>
-          <p:nvPr/>
-        </p:nvSpPr>
-        <p:spPr>
-          <a:xfrm>
-            <a:off x="5240239" y="2583968"/>
-            <a:ext cx="1872530" cy="419745"/>
-          </a:xfrm>
-          <a:prstGeom prst="rect">
-            <a:avLst/>
-          </a:prstGeom>
-          <a:solidFill>
-            <a:schemeClr val="accent2"/>
-          </a:solidFill>
-          <a:ln w="12700">
-            <a:solidFill>
-              <a:schemeClr val="tx1"/>
-            </a:solidFill>
-          </a:ln>
-        </p:spPr>
-        <p:txBody>
-          <a:bodyPr wrap="none" lIns="90000" tIns="45000" rIns="90000" bIns="45000" anchor="ctr"/>
-          <a:lstStyle>
-            <a:defPPr>
-              <a:defRPr lang="en-US"/>
-            </a:defPPr>
-            <a:lvl1pPr marL="0" algn="l" defTabSz="914400" rtl="0" eaLnBrk="1" latinLnBrk="0" hangingPunct="1">
-              <a:defRPr sz="1800" kern="1200">
-                <a:solidFill>
-                  <a:schemeClr val="tx1"/>
-                </a:solidFill>
-                <a:latin typeface="+mn-lt"/>
-                <a:ea typeface="+mn-ea"/>
-                <a:cs typeface="+mn-cs"/>
-              </a:defRPr>
-            </a:lvl1pPr>
-            <a:lvl2pPr marL="457200" algn="l" defTabSz="914400" rtl="0" eaLnBrk="1" latinLnBrk="0" hangingPunct="1">
-              <a:defRPr sz="1800" kern="1200">
-                <a:solidFill>
-                  <a:schemeClr val="tx1"/>
-                </a:solidFill>
-                <a:latin typeface="+mn-lt"/>
-                <a:ea typeface="+mn-ea"/>
-                <a:cs typeface="+mn-cs"/>
-              </a:defRPr>
-            </a:lvl2pPr>
-            <a:lvl3pPr marL="914400" algn="l" defTabSz="914400" rtl="0" eaLnBrk="1" latinLnBrk="0" hangingPunct="1">
-              <a:defRPr sz="1800" kern="1200">
-                <a:solidFill>
-                  <a:schemeClr val="tx1"/>
-                </a:solidFill>
-                <a:latin typeface="+mn-lt"/>
-                <a:ea typeface="+mn-ea"/>
-                <a:cs typeface="+mn-cs"/>
-              </a:defRPr>
-            </a:lvl3pPr>
-            <a:lvl4pPr marL="1371600" algn="l" defTabSz="914400" rtl="0" eaLnBrk="1" latinLnBrk="0" hangingPunct="1">
-              <a:defRPr sz="1800" kern="1200">
-                <a:solidFill>
-                  <a:schemeClr val="tx1"/>
-                </a:solidFill>
-                <a:latin typeface="+mn-lt"/>
-                <a:ea typeface="+mn-ea"/>
-                <a:cs typeface="+mn-cs"/>
-              </a:defRPr>
-            </a:lvl4pPr>
-            <a:lvl5pPr marL="1828800" algn="l" defTabSz="914400" rtl="0" eaLnBrk="1" latinLnBrk="0" hangingPunct="1">
-              <a:defRPr sz="1800" kern="1200">
-                <a:solidFill>
-                  <a:schemeClr val="tx1"/>
-                </a:solidFill>
-                <a:latin typeface="+mn-lt"/>
-                <a:ea typeface="+mn-ea"/>
-                <a:cs typeface="+mn-cs"/>
-              </a:defRPr>
-            </a:lvl5pPr>
-            <a:lvl6pPr marL="2286000" algn="l" defTabSz="914400" rtl="0" eaLnBrk="1" latinLnBrk="0" hangingPunct="1">
-              <a:defRPr sz="1800" kern="1200">
-                <a:solidFill>
-                  <a:schemeClr val="tx1"/>
-                </a:solidFill>
-                <a:latin typeface="+mn-lt"/>
-                <a:ea typeface="+mn-ea"/>
-                <a:cs typeface="+mn-cs"/>
-              </a:defRPr>
-            </a:lvl6pPr>
-            <a:lvl7pPr marL="2743200" algn="l" defTabSz="914400" rtl="0" eaLnBrk="1" latinLnBrk="0" hangingPunct="1">
-              <a:defRPr sz="1800" kern="1200">
-                <a:solidFill>
-                  <a:schemeClr val="tx1"/>
-                </a:solidFill>
-                <a:latin typeface="+mn-lt"/>
-                <a:ea typeface="+mn-ea"/>
-                <a:cs typeface="+mn-cs"/>
-              </a:defRPr>
-            </a:lvl7pPr>
-            <a:lvl8pPr marL="3200400" algn="l" defTabSz="914400" rtl="0" eaLnBrk="1" latinLnBrk="0" hangingPunct="1">
-              <a:defRPr sz="1800" kern="1200">
-                <a:solidFill>
-                  <a:schemeClr val="tx1"/>
-                </a:solidFill>
-                <a:latin typeface="+mn-lt"/>
-                <a:ea typeface="+mn-ea"/>
-                <a:cs typeface="+mn-cs"/>
-              </a:defRPr>
-            </a:lvl8pPr>
-            <a:lvl9pPr marL="3657600" algn="l" defTabSz="914400" rtl="0" eaLnBrk="1" latinLnBrk="0" hangingPunct="1">
-              <a:defRPr sz="1800" kern="1200">
-                <a:solidFill>
-                  <a:schemeClr val="tx1"/>
-                </a:solidFill>
-                <a:latin typeface="+mn-lt"/>
-                <a:ea typeface="+mn-ea"/>
-                <a:cs typeface="+mn-cs"/>
-              </a:defRPr>
-            </a:lvl9pPr>
-          </a:lstStyle>
-          <a:p>
-            <a:pPr algn="ctr">
-              <a:lnSpc>
-                <a:spcPct val="100000"/>
-              </a:lnSpc>
-            </a:pPr>
-            <a:r>
-              <a:rPr lang="it-IT" sz="1400" dirty="0">
-                <a:cs typeface="Times New Roman" pitchFamily="18" charset="0"/>
-              </a:rPr>
-              <a:t>Switch Manager</a:t>
-            </a:r>
-            <a:endParaRPr sz="1400" dirty="0">
-              <a:cs typeface="Times New Roman" pitchFamily="18" charset="0"/>
-            </a:endParaRPr>
-          </a:p>
-        </p:txBody>
-      </p:sp>
-      <p:sp>
-        <p:nvSpPr>
-          <p:cNvPr id="24" name="CustomShape 52"/>
-          <p:cNvSpPr/>
-          <p:nvPr/>
-        </p:nvSpPr>
-        <p:spPr>
-          <a:xfrm>
-            <a:off x="5240101" y="3004436"/>
-            <a:ext cx="610376" cy="408440"/>
-          </a:xfrm>
-          <a:prstGeom prst="rect">
-            <a:avLst/>
-          </a:prstGeom>
-          <a:solidFill>
-            <a:schemeClr val="accent4">
-              <a:lumMod val="60000"/>
-              <a:lumOff val="40000"/>
-            </a:schemeClr>
-          </a:solidFill>
-          <a:ln w="12700">
-            <a:solidFill>
-              <a:schemeClr val="tx1"/>
-            </a:solidFill>
-          </a:ln>
-        </p:spPr>
-        <p:txBody>
-          <a:bodyPr wrap="none" lIns="90000" tIns="45000" rIns="90000" bIns="45000" anchor="ctr"/>
-          <a:lstStyle>
-            <a:defPPr>
-              <a:defRPr lang="en-US"/>
-            </a:defPPr>
-            <a:lvl1pPr marL="0" algn="l" defTabSz="914400" rtl="0" eaLnBrk="1" latinLnBrk="0" hangingPunct="1">
-              <a:defRPr sz="1800" kern="1200">
-                <a:solidFill>
-                  <a:schemeClr val="tx1"/>
-                </a:solidFill>
-                <a:latin typeface="+mn-lt"/>
-                <a:ea typeface="+mn-ea"/>
-                <a:cs typeface="+mn-cs"/>
-              </a:defRPr>
-            </a:lvl1pPr>
-            <a:lvl2pPr marL="457200" algn="l" defTabSz="914400" rtl="0" eaLnBrk="1" latinLnBrk="0" hangingPunct="1">
-              <a:defRPr sz="1800" kern="1200">
-                <a:solidFill>
-                  <a:schemeClr val="tx1"/>
-                </a:solidFill>
-                <a:latin typeface="+mn-lt"/>
-                <a:ea typeface="+mn-ea"/>
-                <a:cs typeface="+mn-cs"/>
-              </a:defRPr>
-            </a:lvl2pPr>
-            <a:lvl3pPr marL="914400" algn="l" defTabSz="914400" rtl="0" eaLnBrk="1" latinLnBrk="0" hangingPunct="1">
-              <a:defRPr sz="1800" kern="1200">
-                <a:solidFill>
-                  <a:schemeClr val="tx1"/>
-                </a:solidFill>
-                <a:latin typeface="+mn-lt"/>
-                <a:ea typeface="+mn-ea"/>
-                <a:cs typeface="+mn-cs"/>
-              </a:defRPr>
-            </a:lvl3pPr>
-            <a:lvl4pPr marL="1371600" algn="l" defTabSz="914400" rtl="0" eaLnBrk="1" latinLnBrk="0" hangingPunct="1">
-              <a:defRPr sz="1800" kern="1200">
-                <a:solidFill>
-                  <a:schemeClr val="tx1"/>
-                </a:solidFill>
-                <a:latin typeface="+mn-lt"/>
-                <a:ea typeface="+mn-ea"/>
-                <a:cs typeface="+mn-cs"/>
-              </a:defRPr>
-            </a:lvl4pPr>
-            <a:lvl5pPr marL="1828800" algn="l" defTabSz="914400" rtl="0" eaLnBrk="1" latinLnBrk="0" hangingPunct="1">
-              <a:defRPr sz="1800" kern="1200">
-                <a:solidFill>
-                  <a:schemeClr val="tx1"/>
-                </a:solidFill>
-                <a:latin typeface="+mn-lt"/>
-                <a:ea typeface="+mn-ea"/>
-                <a:cs typeface="+mn-cs"/>
-              </a:defRPr>
-            </a:lvl5pPr>
-            <a:lvl6pPr marL="2286000" algn="l" defTabSz="914400" rtl="0" eaLnBrk="1" latinLnBrk="0" hangingPunct="1">
-              <a:defRPr sz="1800" kern="1200">
-                <a:solidFill>
-                  <a:schemeClr val="tx1"/>
-                </a:solidFill>
-                <a:latin typeface="+mn-lt"/>
-                <a:ea typeface="+mn-ea"/>
-                <a:cs typeface="+mn-cs"/>
-              </a:defRPr>
-            </a:lvl6pPr>
-            <a:lvl7pPr marL="2743200" algn="l" defTabSz="914400" rtl="0" eaLnBrk="1" latinLnBrk="0" hangingPunct="1">
-              <a:defRPr sz="1800" kern="1200">
-                <a:solidFill>
-                  <a:schemeClr val="tx1"/>
-                </a:solidFill>
-                <a:latin typeface="+mn-lt"/>
-                <a:ea typeface="+mn-ea"/>
-                <a:cs typeface="+mn-cs"/>
-              </a:defRPr>
-            </a:lvl7pPr>
-            <a:lvl8pPr marL="3200400" algn="l" defTabSz="914400" rtl="0" eaLnBrk="1" latinLnBrk="0" hangingPunct="1">
-              <a:defRPr sz="1800" kern="1200">
-                <a:solidFill>
-                  <a:schemeClr val="tx1"/>
-                </a:solidFill>
-                <a:latin typeface="+mn-lt"/>
-                <a:ea typeface="+mn-ea"/>
-                <a:cs typeface="+mn-cs"/>
-              </a:defRPr>
-            </a:lvl8pPr>
-            <a:lvl9pPr marL="3657600" algn="l" defTabSz="914400" rtl="0" eaLnBrk="1" latinLnBrk="0" hangingPunct="1">
-              <a:defRPr sz="1800" kern="1200">
-                <a:solidFill>
-                  <a:schemeClr val="tx1"/>
-                </a:solidFill>
-                <a:latin typeface="+mn-lt"/>
-                <a:ea typeface="+mn-ea"/>
-                <a:cs typeface="+mn-cs"/>
-              </a:defRPr>
-            </a:lvl9pPr>
-          </a:lstStyle>
-          <a:p>
-            <a:pPr algn="ctr">
-              <a:lnSpc>
-                <a:spcPct val="100000"/>
-              </a:lnSpc>
-            </a:pPr>
-            <a:r>
-              <a:rPr lang="it-IT" sz="1400" dirty="0" err="1">
-                <a:cs typeface="Times New Roman" pitchFamily="18" charset="0"/>
-              </a:rPr>
-              <a:t>xDPd</a:t>
-            </a:r>
-            <a:endParaRPr lang="it-IT" sz="1400" dirty="0">
-              <a:cs typeface="Times New Roman" pitchFamily="18" charset="0"/>
-            </a:endParaRPr>
-          </a:p>
-          <a:p>
-            <a:pPr algn="ctr">
-              <a:lnSpc>
-                <a:spcPct val="100000"/>
-              </a:lnSpc>
-            </a:pPr>
-            <a:r>
-              <a:rPr lang="it-IT" sz="1400" dirty="0">
-                <a:cs typeface="Times New Roman" pitchFamily="18" charset="0"/>
-              </a:rPr>
-              <a:t>driver</a:t>
-            </a:r>
-            <a:endParaRPr sz="1400" dirty="0">
-              <a:cs typeface="Times New Roman" pitchFamily="18" charset="0"/>
-            </a:endParaRPr>
-          </a:p>
-        </p:txBody>
-      </p:sp>
-      <p:sp>
-        <p:nvSpPr>
-          <p:cNvPr id="25" name="CustomShape 52"/>
-          <p:cNvSpPr/>
-          <p:nvPr/>
-        </p:nvSpPr>
-        <p:spPr>
-          <a:xfrm>
-            <a:off x="5850477" y="3004203"/>
-            <a:ext cx="635975" cy="408440"/>
-          </a:xfrm>
-          <a:prstGeom prst="rect">
-            <a:avLst/>
-          </a:prstGeom>
-          <a:solidFill>
-            <a:schemeClr val="accent4">
-              <a:lumMod val="60000"/>
-              <a:lumOff val="40000"/>
-            </a:schemeClr>
-          </a:solidFill>
-          <a:ln w="12700">
-            <a:solidFill>
-              <a:schemeClr val="tx1"/>
-            </a:solidFill>
-          </a:ln>
-        </p:spPr>
-        <p:txBody>
-          <a:bodyPr wrap="none" lIns="90000" tIns="45000" rIns="90000" bIns="45000" anchor="ctr"/>
-          <a:lstStyle>
-            <a:defPPr>
-              <a:defRPr lang="en-US"/>
-            </a:defPPr>
-            <a:lvl1pPr marL="0" algn="l" defTabSz="914400" rtl="0" eaLnBrk="1" latinLnBrk="0" hangingPunct="1">
-              <a:defRPr sz="1800" kern="1200">
-                <a:solidFill>
-                  <a:schemeClr val="tx1"/>
-                </a:solidFill>
-                <a:latin typeface="+mn-lt"/>
-                <a:ea typeface="+mn-ea"/>
-                <a:cs typeface="+mn-cs"/>
-              </a:defRPr>
-            </a:lvl1pPr>
-            <a:lvl2pPr marL="457200" algn="l" defTabSz="914400" rtl="0" eaLnBrk="1" latinLnBrk="0" hangingPunct="1">
-              <a:defRPr sz="1800" kern="1200">
-                <a:solidFill>
-                  <a:schemeClr val="tx1"/>
-                </a:solidFill>
-                <a:latin typeface="+mn-lt"/>
-                <a:ea typeface="+mn-ea"/>
-                <a:cs typeface="+mn-cs"/>
-              </a:defRPr>
-            </a:lvl2pPr>
-            <a:lvl3pPr marL="914400" algn="l" defTabSz="914400" rtl="0" eaLnBrk="1" latinLnBrk="0" hangingPunct="1">
-              <a:defRPr sz="1800" kern="1200">
-                <a:solidFill>
-                  <a:schemeClr val="tx1"/>
-                </a:solidFill>
-                <a:latin typeface="+mn-lt"/>
-                <a:ea typeface="+mn-ea"/>
-                <a:cs typeface="+mn-cs"/>
-              </a:defRPr>
-            </a:lvl3pPr>
-            <a:lvl4pPr marL="1371600" algn="l" defTabSz="914400" rtl="0" eaLnBrk="1" latinLnBrk="0" hangingPunct="1">
-              <a:defRPr sz="1800" kern="1200">
-                <a:solidFill>
-                  <a:schemeClr val="tx1"/>
-                </a:solidFill>
-                <a:latin typeface="+mn-lt"/>
-                <a:ea typeface="+mn-ea"/>
-                <a:cs typeface="+mn-cs"/>
-              </a:defRPr>
-            </a:lvl4pPr>
-            <a:lvl5pPr marL="1828800" algn="l" defTabSz="914400" rtl="0" eaLnBrk="1" latinLnBrk="0" hangingPunct="1">
-              <a:defRPr sz="1800" kern="1200">
-                <a:solidFill>
-                  <a:schemeClr val="tx1"/>
-                </a:solidFill>
-                <a:latin typeface="+mn-lt"/>
-                <a:ea typeface="+mn-ea"/>
-                <a:cs typeface="+mn-cs"/>
-              </a:defRPr>
-            </a:lvl5pPr>
-            <a:lvl6pPr marL="2286000" algn="l" defTabSz="914400" rtl="0" eaLnBrk="1" latinLnBrk="0" hangingPunct="1">
-              <a:defRPr sz="1800" kern="1200">
-                <a:solidFill>
-                  <a:schemeClr val="tx1"/>
-                </a:solidFill>
-                <a:latin typeface="+mn-lt"/>
-                <a:ea typeface="+mn-ea"/>
-                <a:cs typeface="+mn-cs"/>
-              </a:defRPr>
-            </a:lvl6pPr>
-            <a:lvl7pPr marL="2743200" algn="l" defTabSz="914400" rtl="0" eaLnBrk="1" latinLnBrk="0" hangingPunct="1">
-              <a:defRPr sz="1800" kern="1200">
-                <a:solidFill>
-                  <a:schemeClr val="tx1"/>
-                </a:solidFill>
-                <a:latin typeface="+mn-lt"/>
-                <a:ea typeface="+mn-ea"/>
-                <a:cs typeface="+mn-cs"/>
-              </a:defRPr>
-            </a:lvl7pPr>
-            <a:lvl8pPr marL="3200400" algn="l" defTabSz="914400" rtl="0" eaLnBrk="1" latinLnBrk="0" hangingPunct="1">
-              <a:defRPr sz="1800" kern="1200">
-                <a:solidFill>
-                  <a:schemeClr val="tx1"/>
-                </a:solidFill>
-                <a:latin typeface="+mn-lt"/>
-                <a:ea typeface="+mn-ea"/>
-                <a:cs typeface="+mn-cs"/>
-              </a:defRPr>
-            </a:lvl8pPr>
-            <a:lvl9pPr marL="3657600" algn="l" defTabSz="914400" rtl="0" eaLnBrk="1" latinLnBrk="0" hangingPunct="1">
-              <a:defRPr sz="1800" kern="1200">
-                <a:solidFill>
-                  <a:schemeClr val="tx1"/>
-                </a:solidFill>
-                <a:latin typeface="+mn-lt"/>
-                <a:ea typeface="+mn-ea"/>
-                <a:cs typeface="+mn-cs"/>
-              </a:defRPr>
-            </a:lvl9pPr>
-          </a:lstStyle>
-          <a:p>
-            <a:pPr algn="ctr">
-              <a:lnSpc>
-                <a:spcPct val="100000"/>
-              </a:lnSpc>
-            </a:pPr>
-            <a:r>
-              <a:rPr lang="it-IT" sz="1400" dirty="0" err="1">
-                <a:cs typeface="Times New Roman" pitchFamily="18" charset="0"/>
-              </a:rPr>
-              <a:t>OvS</a:t>
-            </a:r>
-            <a:endParaRPr lang="it-IT" sz="1400" dirty="0">
-              <a:cs typeface="Times New Roman" pitchFamily="18" charset="0"/>
-            </a:endParaRPr>
-          </a:p>
-          <a:p>
-            <a:pPr algn="ctr">
-              <a:lnSpc>
-                <a:spcPct val="100000"/>
-              </a:lnSpc>
-            </a:pPr>
-            <a:r>
-              <a:rPr lang="it-IT" sz="1400" dirty="0">
-                <a:cs typeface="Times New Roman" pitchFamily="18" charset="0"/>
-              </a:rPr>
-              <a:t>driver</a:t>
-            </a:r>
-            <a:endParaRPr sz="1400" dirty="0">
-              <a:cs typeface="Times New Roman" pitchFamily="18" charset="0"/>
-            </a:endParaRPr>
-          </a:p>
-        </p:txBody>
-      </p:sp>
-      <p:sp>
-        <p:nvSpPr>
-          <p:cNvPr id="26" name="CustomShape 21"/>
-          <p:cNvSpPr/>
-          <p:nvPr/>
-        </p:nvSpPr>
-        <p:spPr>
-          <a:xfrm>
-            <a:off x="3740189" y="2583970"/>
-            <a:ext cx="746835" cy="426373"/>
-          </a:xfrm>
-          <a:prstGeom prst="rect">
-            <a:avLst/>
-          </a:prstGeom>
-          <a:solidFill>
-            <a:srgbClr val="CCFFCC"/>
-          </a:solidFill>
-          <a:ln w="12700">
-            <a:solidFill>
-              <a:schemeClr val="tx1"/>
-            </a:solidFill>
-          </a:ln>
-        </p:spPr>
-        <p:txBody>
-          <a:bodyPr wrap="none" lIns="90000" tIns="45000" rIns="90000" bIns="45000" anchor="ctr"/>
-          <a:lstStyle>
-            <a:defPPr>
-              <a:defRPr lang="en-US"/>
-            </a:defPPr>
-            <a:lvl1pPr marL="0" algn="l" defTabSz="914400" rtl="0" eaLnBrk="1" latinLnBrk="0" hangingPunct="1">
-              <a:defRPr sz="1800" kern="1200">
-                <a:solidFill>
-                  <a:schemeClr val="tx1"/>
-                </a:solidFill>
-                <a:latin typeface="+mn-lt"/>
-                <a:ea typeface="+mn-ea"/>
-                <a:cs typeface="+mn-cs"/>
-              </a:defRPr>
-            </a:lvl1pPr>
-            <a:lvl2pPr marL="457200" algn="l" defTabSz="914400" rtl="0" eaLnBrk="1" latinLnBrk="0" hangingPunct="1">
-              <a:defRPr sz="1800" kern="1200">
-                <a:solidFill>
-                  <a:schemeClr val="tx1"/>
-                </a:solidFill>
-                <a:latin typeface="+mn-lt"/>
-                <a:ea typeface="+mn-ea"/>
-                <a:cs typeface="+mn-cs"/>
-              </a:defRPr>
-            </a:lvl2pPr>
-            <a:lvl3pPr marL="914400" algn="l" defTabSz="914400" rtl="0" eaLnBrk="1" latinLnBrk="0" hangingPunct="1">
-              <a:defRPr sz="1800" kern="1200">
-                <a:solidFill>
-                  <a:schemeClr val="tx1"/>
-                </a:solidFill>
-                <a:latin typeface="+mn-lt"/>
-                <a:ea typeface="+mn-ea"/>
-                <a:cs typeface="+mn-cs"/>
-              </a:defRPr>
-            </a:lvl3pPr>
-            <a:lvl4pPr marL="1371600" algn="l" defTabSz="914400" rtl="0" eaLnBrk="1" latinLnBrk="0" hangingPunct="1">
-              <a:defRPr sz="1800" kern="1200">
-                <a:solidFill>
-                  <a:schemeClr val="tx1"/>
-                </a:solidFill>
-                <a:latin typeface="+mn-lt"/>
-                <a:ea typeface="+mn-ea"/>
-                <a:cs typeface="+mn-cs"/>
-              </a:defRPr>
-            </a:lvl4pPr>
-            <a:lvl5pPr marL="1828800" algn="l" defTabSz="914400" rtl="0" eaLnBrk="1" latinLnBrk="0" hangingPunct="1">
-              <a:defRPr sz="1800" kern="1200">
-                <a:solidFill>
-                  <a:schemeClr val="tx1"/>
-                </a:solidFill>
-                <a:latin typeface="+mn-lt"/>
-                <a:ea typeface="+mn-ea"/>
-                <a:cs typeface="+mn-cs"/>
-              </a:defRPr>
-            </a:lvl5pPr>
-            <a:lvl6pPr marL="2286000" algn="l" defTabSz="914400" rtl="0" eaLnBrk="1" latinLnBrk="0" hangingPunct="1">
-              <a:defRPr sz="1800" kern="1200">
-                <a:solidFill>
-                  <a:schemeClr val="tx1"/>
-                </a:solidFill>
-                <a:latin typeface="+mn-lt"/>
-                <a:ea typeface="+mn-ea"/>
-                <a:cs typeface="+mn-cs"/>
-              </a:defRPr>
-            </a:lvl6pPr>
-            <a:lvl7pPr marL="2743200" algn="l" defTabSz="914400" rtl="0" eaLnBrk="1" latinLnBrk="0" hangingPunct="1">
-              <a:defRPr sz="1800" kern="1200">
-                <a:solidFill>
-                  <a:schemeClr val="tx1"/>
-                </a:solidFill>
-                <a:latin typeface="+mn-lt"/>
-                <a:ea typeface="+mn-ea"/>
-                <a:cs typeface="+mn-cs"/>
-              </a:defRPr>
-            </a:lvl7pPr>
-            <a:lvl8pPr marL="3200400" algn="l" defTabSz="914400" rtl="0" eaLnBrk="1" latinLnBrk="0" hangingPunct="1">
-              <a:defRPr sz="1800" kern="1200">
-                <a:solidFill>
-                  <a:schemeClr val="tx1"/>
-                </a:solidFill>
-                <a:latin typeface="+mn-lt"/>
-                <a:ea typeface="+mn-ea"/>
-                <a:cs typeface="+mn-cs"/>
-              </a:defRPr>
-            </a:lvl8pPr>
-            <a:lvl9pPr marL="3657600" algn="l" defTabSz="914400" rtl="0" eaLnBrk="1" latinLnBrk="0" hangingPunct="1">
-              <a:defRPr sz="1800" kern="1200">
-                <a:solidFill>
-                  <a:schemeClr val="tx1"/>
-                </a:solidFill>
-                <a:latin typeface="+mn-lt"/>
-                <a:ea typeface="+mn-ea"/>
-                <a:cs typeface="+mn-cs"/>
-              </a:defRPr>
-            </a:lvl9pPr>
-          </a:lstStyle>
-          <a:p>
-            <a:pPr algn="ctr">
-              <a:lnSpc>
-                <a:spcPct val="100000"/>
-              </a:lnSpc>
-            </a:pPr>
-            <a:r>
-              <a:rPr lang="it-IT" sz="1400" dirty="0">
-                <a:cs typeface="Times New Roman" pitchFamily="18" charset="0"/>
-              </a:rPr>
-              <a:t>OF contr.</a:t>
-            </a:r>
-            <a:endParaRPr sz="1400" dirty="0">
-              <a:cs typeface="Times New Roman" pitchFamily="18" charset="0"/>
-            </a:endParaRPr>
-          </a:p>
-          <a:p>
-            <a:pPr algn="ctr">
-              <a:lnSpc>
-                <a:spcPct val="100000"/>
-              </a:lnSpc>
-            </a:pPr>
-            <a:r>
-              <a:rPr lang="it-IT" sz="1400" dirty="0">
-                <a:cs typeface="Times New Roman" pitchFamily="18" charset="0"/>
-              </a:rPr>
-              <a:t>LSI #N</a:t>
-            </a:r>
-            <a:endParaRPr sz="1400" dirty="0">
-              <a:cs typeface="Times New Roman" pitchFamily="18" charset="0"/>
-            </a:endParaRPr>
-          </a:p>
-        </p:txBody>
-      </p:sp>
-      <p:cxnSp>
-        <p:nvCxnSpPr>
-          <p:cNvPr id="27" name="Connettore 1 26"/>
-          <p:cNvCxnSpPr/>
-          <p:nvPr/>
-        </p:nvCxnSpPr>
-        <p:spPr>
-          <a:xfrm>
-            <a:off x="3542148" y="2801931"/>
-            <a:ext cx="108000" cy="0"/>
-          </a:xfrm>
-          <a:prstGeom prst="line">
-            <a:avLst/>
-          </a:prstGeom>
-          <a:ln w="25400" cap="rnd">
-            <a:solidFill>
-              <a:schemeClr val="tx1"/>
-            </a:solidFill>
-            <a:prstDash val="sysDot"/>
-          </a:ln>
-        </p:spPr>
-        <p:style>
-          <a:lnRef idx="1">
-            <a:schemeClr val="accent1"/>
-          </a:lnRef>
-          <a:fillRef idx="0">
-            <a:schemeClr val="accent1"/>
-          </a:fillRef>
-          <a:effectRef idx="0">
-            <a:schemeClr val="accent1"/>
-          </a:effectRef>
-          <a:fontRef idx="minor">
-            <a:schemeClr val="tx1"/>
-          </a:fontRef>
-        </p:style>
-      </p:cxnSp>
-      <p:cxnSp>
-        <p:nvCxnSpPr>
-          <p:cNvPr id="28" name="Connettore 1 27"/>
-          <p:cNvCxnSpPr/>
-          <p:nvPr/>
-        </p:nvCxnSpPr>
-        <p:spPr>
-          <a:xfrm>
-            <a:off x="2267768" y="4574984"/>
-            <a:ext cx="216000" cy="0"/>
-          </a:xfrm>
-          <a:prstGeom prst="line">
-            <a:avLst/>
-          </a:prstGeom>
-          <a:ln w="50800" cap="rnd">
-            <a:solidFill>
-              <a:schemeClr val="tx1"/>
-            </a:solidFill>
-            <a:prstDash val="sysDot"/>
-          </a:ln>
-        </p:spPr>
-        <p:style>
-          <a:lnRef idx="1">
-            <a:schemeClr val="accent1"/>
-          </a:lnRef>
-          <a:fillRef idx="0">
-            <a:schemeClr val="accent1"/>
-          </a:fillRef>
-          <a:effectRef idx="0">
-            <a:schemeClr val="accent1"/>
-          </a:effectRef>
-          <a:fontRef idx="minor">
-            <a:schemeClr val="tx1"/>
-          </a:fontRef>
-        </p:style>
-      </p:cxnSp>
-      <p:cxnSp>
-        <p:nvCxnSpPr>
-          <p:cNvPr id="29" name="Straight Connector 78"/>
-          <p:cNvCxnSpPr>
-            <a:stCxn id="26" idx="2"/>
-            <a:endCxn id="60" idx="3"/>
-          </p:cNvCxnSpPr>
-          <p:nvPr/>
-        </p:nvCxnSpPr>
-        <p:spPr>
-          <a:xfrm rot="5400000">
-            <a:off x="3188401" y="3540261"/>
-            <a:ext cx="1455125" cy="395288"/>
-          </a:xfrm>
-          <a:prstGeom prst="curvedConnector2">
-            <a:avLst/>
-          </a:prstGeom>
-          <a:ln w="19050">
-            <a:solidFill>
-              <a:srgbClr val="008000"/>
-            </a:solidFill>
-            <a:prstDash val="sysDash"/>
-            <a:round/>
-            <a:headEnd type="triangle" w="med" len="med"/>
-            <a:tailEnd type="triangle" w="med" len="med"/>
-          </a:ln>
-        </p:spPr>
-      </p:cxnSp>
-      <p:cxnSp>
-        <p:nvCxnSpPr>
-          <p:cNvPr id="30" name="Straight Connector 3"/>
-          <p:cNvCxnSpPr>
-            <a:stCxn id="20" idx="2"/>
-            <a:endCxn id="32" idx="0"/>
-          </p:cNvCxnSpPr>
-          <p:nvPr/>
-        </p:nvCxnSpPr>
-        <p:spPr>
-          <a:xfrm>
-            <a:off x="1760253" y="3220568"/>
-            <a:ext cx="1118862" cy="336091"/>
-          </a:xfrm>
-          <a:prstGeom prst="straightConnector1">
-            <a:avLst/>
-          </a:prstGeom>
-          <a:ln w="19050">
-            <a:solidFill>
-              <a:srgbClr val="920092"/>
-            </a:solidFill>
-            <a:prstDash val="sysDot"/>
-            <a:round/>
-            <a:headEnd type="triangle" w="med" len="med"/>
-            <a:tailEnd type="triangle" w="med" len="med"/>
-          </a:ln>
+          <a:effectLst/>
         </p:spPr>
       </p:cxnSp>
       <p:cxnSp>
         <p:nvCxnSpPr>
           <p:cNvPr id="31" name="Straight Connector 3"/>
           <p:cNvCxnSpPr>
-            <a:stCxn id="25" idx="2"/>
-            <a:endCxn id="3" idx="3"/>
+            <a:stCxn id="133" idx="2"/>
           </p:cNvCxnSpPr>
           <p:nvPr/>
         </p:nvCxnSpPr>
         <p:spPr>
           <a:xfrm rot="5400000">
-            <a:off x="4727985" y="3256659"/>
-            <a:ext cx="1284496" cy="1596464"/>
-          </a:xfrm>
-          <a:prstGeom prst="curvedConnector2">
-            <a:avLst/>
+            <a:off x="5584381" y="3428219"/>
+            <a:ext cx="1511631" cy="32760"/>
+          </a:xfrm>
+          <a:prstGeom prst="curvedConnector3">
+            <a:avLst>
+              <a:gd name="adj1" fmla="val 41656"/>
+            </a:avLst>
           </a:prstGeom>
           <a:ln w="19050">
             <a:solidFill>
@@ -11541,6 +10567,7 @@
             <a:headEnd type="triangle" w="med" len="med"/>
             <a:tailEnd type="triangle" w="med" len="med"/>
           </a:ln>
+          <a:effectLst/>
         </p:spPr>
       </p:cxnSp>
       <p:sp>
@@ -11551,20 +10578,21 @@
         </p:nvSpPr>
         <p:spPr>
           <a:xfrm>
-            <a:off x="2627115" y="3556659"/>
+            <a:off x="4930258" y="3398575"/>
             <a:ext cx="504000" cy="370968"/>
           </a:xfrm>
           <a:prstGeom prst="roundRect">
             <a:avLst/>
           </a:prstGeom>
           <a:solidFill>
-            <a:srgbClr val="FFCCFF"/>
+            <a:srgbClr val="FFA3E7"/>
           </a:solidFill>
           <a:ln w="12700" cmpd="sng">
             <a:solidFill>
               <a:schemeClr val="tx1"/>
             </a:solidFill>
           </a:ln>
+          <a:effectLst/>
         </p:spPr>
         <p:txBody>
           <a:bodyPr wrap="none" lIns="90000" tIns="45000" rIns="90000" bIns="45000" anchor="ctr"/>
@@ -11572,10 +10600,10 @@
           <a:p>
             <a:pPr algn="ctr"/>
             <a:r>
-              <a:rPr lang="it-IT" sz="1400" dirty="0">
+              <a:rPr lang="it-IT" sz="1400" dirty="0" smtClean="0">
                 <a:cs typeface="Times New Roman" pitchFamily="18" charset="0"/>
               </a:rPr>
-              <a:t>VNF4</a:t>
+              <a:t>NF4</a:t>
             </a:r>
             <a:endParaRPr sz="1400" dirty="0">
               <a:cs typeface="Times New Roman" pitchFamily="18" charset="0"/>
@@ -11591,8 +10619,8 @@
         </p:nvSpPr>
         <p:spPr>
           <a:xfrm>
-            <a:off x="583998" y="2594899"/>
-            <a:ext cx="429396" cy="412532"/>
+            <a:off x="298310" y="1937241"/>
+            <a:ext cx="487540" cy="412532"/>
           </a:xfrm>
           <a:prstGeom prst="rect">
             <a:avLst/>
@@ -11607,6 +10635,7 @@
               </a:schemeClr>
             </a:solidFill>
           </a:ln>
+          <a:effectLst/>
         </p:spPr>
         <p:txBody>
           <a:bodyPr wrap="none" lIns="90000" tIns="45000" rIns="90000" bIns="45000" anchor="ctr"/>
@@ -11650,8 +10679,8 @@
         </p:nvSpPr>
         <p:spPr>
           <a:xfrm>
-            <a:off x="1009788" y="2594899"/>
-            <a:ext cx="530001" cy="412532"/>
+            <a:off x="785850" y="1937241"/>
+            <a:ext cx="546983" cy="412532"/>
           </a:xfrm>
           <a:prstGeom prst="rect">
             <a:avLst/>
@@ -11666,6 +10695,7 @@
               </a:schemeClr>
             </a:solidFill>
           </a:ln>
+          <a:effectLst/>
         </p:spPr>
         <p:txBody>
           <a:bodyPr wrap="none" lIns="90000" tIns="45000" rIns="90000" bIns="45000" anchor="ctr"/>
@@ -11707,16 +10737,13 @@
       <p:cxnSp>
         <p:nvCxnSpPr>
           <p:cNvPr id="35" name="Straight Connector 3"/>
-          <p:cNvCxnSpPr>
-            <a:stCxn id="34" idx="2"/>
-            <a:endCxn id="37" idx="0"/>
-          </p:cNvCxnSpPr>
+          <p:cNvCxnSpPr/>
           <p:nvPr/>
         </p:nvCxnSpPr>
         <p:spPr>
-          <a:xfrm>
-            <a:off x="1274789" y="3007431"/>
-            <a:ext cx="279475" cy="552781"/>
+          <a:xfrm flipH="1">
+            <a:off x="1071570" y="2343025"/>
+            <a:ext cx="0" cy="703129"/>
           </a:xfrm>
           <a:prstGeom prst="straightConnector1">
             <a:avLst/>
@@ -11730,21 +10757,22 @@
             <a:headEnd type="triangle" w="med" len="med"/>
             <a:tailEnd type="triangle" w="med" len="med"/>
           </a:ln>
+          <a:effectLst/>
         </p:spPr>
       </p:cxnSp>
       <p:cxnSp>
         <p:nvCxnSpPr>
           <p:cNvPr id="36" name="Straight Connector 3"/>
           <p:cNvCxnSpPr>
-            <a:stCxn id="33" idx="2"/>
-            <a:endCxn id="40" idx="0"/>
+            <a:stCxn id="20" idx="2"/>
+            <a:endCxn id="88" idx="0"/>
           </p:cNvCxnSpPr>
           <p:nvPr/>
         </p:nvCxnSpPr>
         <p:spPr>
-          <a:xfrm>
-            <a:off x="798696" y="3007431"/>
-            <a:ext cx="184757" cy="551913"/>
+          <a:xfrm rot="16200000" flipH="1">
+            <a:off x="1097562" y="3060475"/>
+            <a:ext cx="995131" cy="0"/>
           </a:xfrm>
           <a:prstGeom prst="straightConnector1">
             <a:avLst/>
@@ -11758,6 +10786,7 @@
             <a:headEnd type="triangle" w="med" len="med"/>
             <a:tailEnd type="triangle" w="med" len="med"/>
           </a:ln>
+          <a:effectLst/>
         </p:spPr>
       </p:cxnSp>
       <p:sp>
@@ -11768,20 +10797,21 @@
         </p:nvSpPr>
         <p:spPr>
           <a:xfrm>
-            <a:off x="1302264" y="3560212"/>
+            <a:off x="3605407" y="3402128"/>
             <a:ext cx="504000" cy="370703"/>
           </a:xfrm>
           <a:prstGeom prst="roundRect">
             <a:avLst/>
           </a:prstGeom>
           <a:solidFill>
-            <a:srgbClr val="FFCCFF"/>
+            <a:srgbClr val="FFC611"/>
           </a:solidFill>
           <a:ln w="12700" cmpd="sng">
             <a:solidFill>
               <a:schemeClr val="tx1"/>
             </a:solidFill>
           </a:ln>
+          <a:effectLst/>
         </p:spPr>
         <p:txBody>
           <a:bodyPr wrap="none" lIns="90000" tIns="45000" rIns="90000" bIns="45000" anchor="ctr"/>
@@ -11887,10 +10917,10 @@
               </a:lnSpc>
             </a:pPr>
             <a:r>
-              <a:rPr lang="it-IT" sz="1400" dirty="0">
+              <a:rPr lang="it-IT" sz="1400" dirty="0" smtClean="0">
                 <a:cs typeface="Times New Roman" pitchFamily="18" charset="0"/>
               </a:rPr>
-              <a:t>VNF2</a:t>
+              <a:t>NF2</a:t>
             </a:r>
             <a:endParaRPr sz="1400" dirty="0">
               <a:cs typeface="Times New Roman" pitchFamily="18" charset="0"/>
@@ -11906,8 +10936,8 @@
         </p:nvSpPr>
         <p:spPr>
           <a:xfrm>
-            <a:off x="1052062" y="4316191"/>
-            <a:ext cx="1027442" cy="301925"/>
+            <a:off x="3355205" y="4410926"/>
+            <a:ext cx="1027442" cy="244499"/>
           </a:xfrm>
           <a:prstGeom prst="rect">
             <a:avLst/>
@@ -11923,6 +10953,7 @@
               <a:schemeClr val="tx1"/>
             </a:solidFill>
           </a:ln>
+          <a:effectLst/>
         </p:spPr>
         <p:txBody>
           <a:bodyPr wrap="none" lIns="90000" tIns="45000" rIns="90000" bIns="45000" anchor="ctr"/>
@@ -12034,16 +11065,22 @@
               <a:t>LSI - </a:t>
             </a:r>
             <a:r>
-              <a:rPr lang="it-IT" sz="1400" dirty="0" err="1">
+              <a:rPr lang="it-IT" sz="1400" dirty="0" err="1" smtClean="0">
                 <a:cs typeface="Times New Roman" pitchFamily="18" charset="0"/>
               </a:rPr>
               <a:t>graph</a:t>
             </a:r>
             <a:r>
+              <a:rPr lang="it-IT" sz="1400" dirty="0" smtClean="0">
+                <a:cs typeface="Times New Roman" pitchFamily="18" charset="0"/>
+              </a:rPr>
+              <a:t> </a:t>
+            </a:r>
+            <a:r>
               <a:rPr lang="it-IT" sz="1400" dirty="0">
                 <a:cs typeface="Times New Roman" pitchFamily="18" charset="0"/>
               </a:rPr>
-              <a:t> 1 </a:t>
+              <a:t>1 </a:t>
             </a:r>
             <a:endParaRPr sz="1400" dirty="0">
               <a:cs typeface="Times New Roman" pitchFamily="18" charset="0"/>
@@ -12053,290 +11090,14 @@
       </p:sp>
       <p:sp>
         <p:nvSpPr>
-          <p:cNvPr id="39" name="CustomShape 10"/>
-          <p:cNvSpPr/>
-          <p:nvPr/>
-        </p:nvSpPr>
-        <p:spPr>
-          <a:xfrm>
-            <a:off x="1888717" y="3561446"/>
-            <a:ext cx="504000" cy="370703"/>
-          </a:xfrm>
-          <a:prstGeom prst="roundRect">
-            <a:avLst/>
-          </a:prstGeom>
-          <a:solidFill>
-            <a:srgbClr val="FFCCFF"/>
-          </a:solidFill>
-          <a:ln w="12700" cmpd="sng">
-            <a:solidFill>
-              <a:schemeClr val="tx1"/>
-            </a:solidFill>
-          </a:ln>
-        </p:spPr>
-        <p:txBody>
-          <a:bodyPr wrap="none" lIns="90000" tIns="45000" rIns="90000" bIns="45000" anchor="ctr"/>
-          <a:lstStyle>
-            <a:defPPr>
-              <a:defRPr lang="en-US"/>
-            </a:defPPr>
-            <a:lvl1pPr marL="0" algn="l" defTabSz="914400" rtl="0" eaLnBrk="1" latinLnBrk="0" hangingPunct="1">
-              <a:defRPr sz="1800" kern="1200">
-                <a:solidFill>
-                  <a:schemeClr val="tx1"/>
-                </a:solidFill>
-                <a:latin typeface="+mn-lt"/>
-                <a:ea typeface="+mn-ea"/>
-                <a:cs typeface="+mn-cs"/>
-              </a:defRPr>
-            </a:lvl1pPr>
-            <a:lvl2pPr marL="457200" algn="l" defTabSz="914400" rtl="0" eaLnBrk="1" latinLnBrk="0" hangingPunct="1">
-              <a:defRPr sz="1800" kern="1200">
-                <a:solidFill>
-                  <a:schemeClr val="tx1"/>
-                </a:solidFill>
-                <a:latin typeface="+mn-lt"/>
-                <a:ea typeface="+mn-ea"/>
-                <a:cs typeface="+mn-cs"/>
-              </a:defRPr>
-            </a:lvl2pPr>
-            <a:lvl3pPr marL="914400" algn="l" defTabSz="914400" rtl="0" eaLnBrk="1" latinLnBrk="0" hangingPunct="1">
-              <a:defRPr sz="1800" kern="1200">
-                <a:solidFill>
-                  <a:schemeClr val="tx1"/>
-                </a:solidFill>
-                <a:latin typeface="+mn-lt"/>
-                <a:ea typeface="+mn-ea"/>
-                <a:cs typeface="+mn-cs"/>
-              </a:defRPr>
-            </a:lvl3pPr>
-            <a:lvl4pPr marL="1371600" algn="l" defTabSz="914400" rtl="0" eaLnBrk="1" latinLnBrk="0" hangingPunct="1">
-              <a:defRPr sz="1800" kern="1200">
-                <a:solidFill>
-                  <a:schemeClr val="tx1"/>
-                </a:solidFill>
-                <a:latin typeface="+mn-lt"/>
-                <a:ea typeface="+mn-ea"/>
-                <a:cs typeface="+mn-cs"/>
-              </a:defRPr>
-            </a:lvl4pPr>
-            <a:lvl5pPr marL="1828800" algn="l" defTabSz="914400" rtl="0" eaLnBrk="1" latinLnBrk="0" hangingPunct="1">
-              <a:defRPr sz="1800" kern="1200">
-                <a:solidFill>
-                  <a:schemeClr val="tx1"/>
-                </a:solidFill>
-                <a:latin typeface="+mn-lt"/>
-                <a:ea typeface="+mn-ea"/>
-                <a:cs typeface="+mn-cs"/>
-              </a:defRPr>
-            </a:lvl5pPr>
-            <a:lvl6pPr marL="2286000" algn="l" defTabSz="914400" rtl="0" eaLnBrk="1" latinLnBrk="0" hangingPunct="1">
-              <a:defRPr sz="1800" kern="1200">
-                <a:solidFill>
-                  <a:schemeClr val="tx1"/>
-                </a:solidFill>
-                <a:latin typeface="+mn-lt"/>
-                <a:ea typeface="+mn-ea"/>
-                <a:cs typeface="+mn-cs"/>
-              </a:defRPr>
-            </a:lvl6pPr>
-            <a:lvl7pPr marL="2743200" algn="l" defTabSz="914400" rtl="0" eaLnBrk="1" latinLnBrk="0" hangingPunct="1">
-              <a:defRPr sz="1800" kern="1200">
-                <a:solidFill>
-                  <a:schemeClr val="tx1"/>
-                </a:solidFill>
-                <a:latin typeface="+mn-lt"/>
-                <a:ea typeface="+mn-ea"/>
-                <a:cs typeface="+mn-cs"/>
-              </a:defRPr>
-            </a:lvl7pPr>
-            <a:lvl8pPr marL="3200400" algn="l" defTabSz="914400" rtl="0" eaLnBrk="1" latinLnBrk="0" hangingPunct="1">
-              <a:defRPr sz="1800" kern="1200">
-                <a:solidFill>
-                  <a:schemeClr val="tx1"/>
-                </a:solidFill>
-                <a:latin typeface="+mn-lt"/>
-                <a:ea typeface="+mn-ea"/>
-                <a:cs typeface="+mn-cs"/>
-              </a:defRPr>
-            </a:lvl8pPr>
-            <a:lvl9pPr marL="3657600" algn="l" defTabSz="914400" rtl="0" eaLnBrk="1" latinLnBrk="0" hangingPunct="1">
-              <a:defRPr sz="1800" kern="1200">
-                <a:solidFill>
-                  <a:schemeClr val="tx1"/>
-                </a:solidFill>
-                <a:latin typeface="+mn-lt"/>
-                <a:ea typeface="+mn-ea"/>
-                <a:cs typeface="+mn-cs"/>
-              </a:defRPr>
-            </a:lvl9pPr>
-          </a:lstStyle>
-          <a:p>
-            <a:pPr algn="ctr">
-              <a:lnSpc>
-                <a:spcPct val="100000"/>
-              </a:lnSpc>
-            </a:pPr>
-            <a:r>
-              <a:rPr lang="it-IT" sz="1400" dirty="0">
-                <a:cs typeface="Times New Roman" pitchFamily="18" charset="0"/>
-              </a:rPr>
-              <a:t>VNF3</a:t>
-            </a:r>
-            <a:endParaRPr sz="1400" dirty="0">
-              <a:cs typeface="Times New Roman" pitchFamily="18" charset="0"/>
-            </a:endParaRPr>
-          </a:p>
-        </p:txBody>
-      </p:sp>
-      <p:sp>
-        <p:nvSpPr>
-          <p:cNvPr id="40" name="CustomShape 10"/>
-          <p:cNvSpPr/>
-          <p:nvPr/>
-        </p:nvSpPr>
-        <p:spPr>
-          <a:xfrm>
-            <a:off x="731453" y="3559344"/>
-            <a:ext cx="504000" cy="370703"/>
-          </a:xfrm>
-          <a:prstGeom prst="roundRect">
-            <a:avLst/>
-          </a:prstGeom>
-          <a:solidFill>
-            <a:srgbClr val="FFCCFF"/>
-          </a:solidFill>
-          <a:ln w="12700" cmpd="sng">
-            <a:solidFill>
-              <a:schemeClr val="tx1"/>
-            </a:solidFill>
-          </a:ln>
-        </p:spPr>
-        <p:txBody>
-          <a:bodyPr wrap="none" lIns="90000" tIns="45000" rIns="90000" bIns="45000" anchor="ctr"/>
-          <a:lstStyle>
-            <a:defPPr>
-              <a:defRPr lang="en-US"/>
-            </a:defPPr>
-            <a:lvl1pPr marL="0" algn="l" defTabSz="914400" rtl="0" eaLnBrk="1" latinLnBrk="0" hangingPunct="1">
-              <a:defRPr sz="1800" kern="1200">
-                <a:solidFill>
-                  <a:schemeClr val="tx1"/>
-                </a:solidFill>
-                <a:latin typeface="+mn-lt"/>
-                <a:ea typeface="+mn-ea"/>
-                <a:cs typeface="+mn-cs"/>
-              </a:defRPr>
-            </a:lvl1pPr>
-            <a:lvl2pPr marL="457200" algn="l" defTabSz="914400" rtl="0" eaLnBrk="1" latinLnBrk="0" hangingPunct="1">
-              <a:defRPr sz="1800" kern="1200">
-                <a:solidFill>
-                  <a:schemeClr val="tx1"/>
-                </a:solidFill>
-                <a:latin typeface="+mn-lt"/>
-                <a:ea typeface="+mn-ea"/>
-                <a:cs typeface="+mn-cs"/>
-              </a:defRPr>
-            </a:lvl2pPr>
-            <a:lvl3pPr marL="914400" algn="l" defTabSz="914400" rtl="0" eaLnBrk="1" latinLnBrk="0" hangingPunct="1">
-              <a:defRPr sz="1800" kern="1200">
-                <a:solidFill>
-                  <a:schemeClr val="tx1"/>
-                </a:solidFill>
-                <a:latin typeface="+mn-lt"/>
-                <a:ea typeface="+mn-ea"/>
-                <a:cs typeface="+mn-cs"/>
-              </a:defRPr>
-            </a:lvl3pPr>
-            <a:lvl4pPr marL="1371600" algn="l" defTabSz="914400" rtl="0" eaLnBrk="1" latinLnBrk="0" hangingPunct="1">
-              <a:defRPr sz="1800" kern="1200">
-                <a:solidFill>
-                  <a:schemeClr val="tx1"/>
-                </a:solidFill>
-                <a:latin typeface="+mn-lt"/>
-                <a:ea typeface="+mn-ea"/>
-                <a:cs typeface="+mn-cs"/>
-              </a:defRPr>
-            </a:lvl4pPr>
-            <a:lvl5pPr marL="1828800" algn="l" defTabSz="914400" rtl="0" eaLnBrk="1" latinLnBrk="0" hangingPunct="1">
-              <a:defRPr sz="1800" kern="1200">
-                <a:solidFill>
-                  <a:schemeClr val="tx1"/>
-                </a:solidFill>
-                <a:latin typeface="+mn-lt"/>
-                <a:ea typeface="+mn-ea"/>
-                <a:cs typeface="+mn-cs"/>
-              </a:defRPr>
-            </a:lvl5pPr>
-            <a:lvl6pPr marL="2286000" algn="l" defTabSz="914400" rtl="0" eaLnBrk="1" latinLnBrk="0" hangingPunct="1">
-              <a:defRPr sz="1800" kern="1200">
-                <a:solidFill>
-                  <a:schemeClr val="tx1"/>
-                </a:solidFill>
-                <a:latin typeface="+mn-lt"/>
-                <a:ea typeface="+mn-ea"/>
-                <a:cs typeface="+mn-cs"/>
-              </a:defRPr>
-            </a:lvl6pPr>
-            <a:lvl7pPr marL="2743200" algn="l" defTabSz="914400" rtl="0" eaLnBrk="1" latinLnBrk="0" hangingPunct="1">
-              <a:defRPr sz="1800" kern="1200">
-                <a:solidFill>
-                  <a:schemeClr val="tx1"/>
-                </a:solidFill>
-                <a:latin typeface="+mn-lt"/>
-                <a:ea typeface="+mn-ea"/>
-                <a:cs typeface="+mn-cs"/>
-              </a:defRPr>
-            </a:lvl7pPr>
-            <a:lvl8pPr marL="3200400" algn="l" defTabSz="914400" rtl="0" eaLnBrk="1" latinLnBrk="0" hangingPunct="1">
-              <a:defRPr sz="1800" kern="1200">
-                <a:solidFill>
-                  <a:schemeClr val="tx1"/>
-                </a:solidFill>
-                <a:latin typeface="+mn-lt"/>
-                <a:ea typeface="+mn-ea"/>
-                <a:cs typeface="+mn-cs"/>
-              </a:defRPr>
-            </a:lvl8pPr>
-            <a:lvl9pPr marL="3657600" algn="l" defTabSz="914400" rtl="0" eaLnBrk="1" latinLnBrk="0" hangingPunct="1">
-              <a:defRPr sz="1800" kern="1200">
-                <a:solidFill>
-                  <a:schemeClr val="tx1"/>
-                </a:solidFill>
-                <a:latin typeface="+mn-lt"/>
-                <a:ea typeface="+mn-ea"/>
-                <a:cs typeface="+mn-cs"/>
-              </a:defRPr>
-            </a:lvl9pPr>
-          </a:lstStyle>
-          <a:p>
-            <a:pPr algn="ctr">
-              <a:lnSpc>
-                <a:spcPct val="100000"/>
-              </a:lnSpc>
-            </a:pPr>
-            <a:r>
-              <a:rPr lang="it-IT" sz="1400" dirty="0">
-                <a:cs typeface="Times New Roman" pitchFamily="18" charset="0"/>
-              </a:rPr>
-              <a:t>VNF1</a:t>
-            </a:r>
-            <a:endParaRPr sz="1400" dirty="0">
-              <a:cs typeface="Times New Roman" pitchFamily="18" charset="0"/>
-            </a:endParaRPr>
-          </a:p>
-        </p:txBody>
-      </p:sp>
-      <p:sp>
-        <p:nvSpPr>
           <p:cNvPr id="41" name="CustomShape 3"/>
           <p:cNvSpPr/>
           <p:nvPr/>
         </p:nvSpPr>
         <p:spPr>
           <a:xfrm>
-            <a:off x="583998" y="1523854"/>
-            <a:ext cx="2272733" cy="247078"/>
+            <a:off x="298310" y="863471"/>
+            <a:ext cx="2987870" cy="249803"/>
           </a:xfrm>
           <a:prstGeom prst="rect">
             <a:avLst/>
@@ -12349,6 +11110,7 @@
               <a:schemeClr val="tx1"/>
             </a:solidFill>
           </a:ln>
+          <a:effectLst/>
         </p:spPr>
         <p:style>
           <a:lnRef idx="2">
@@ -12489,7 +11251,7 @@
         </p:nvSpPr>
         <p:spPr>
           <a:xfrm>
-            <a:off x="1101778" y="5752879"/>
+            <a:off x="993134" y="5809912"/>
             <a:ext cx="5005719" cy="837276"/>
           </a:xfrm>
           <a:prstGeom prst="roundRect">
@@ -12498,6 +11260,7 @@
           <a:solidFill>
             <a:schemeClr val="bg2"/>
           </a:solidFill>
+          <a:effectLst/>
         </p:spPr>
         <p:style>
           <a:lnRef idx="1">
@@ -12524,17 +11287,18 @@
       </p:sp>
       <p:grpSp>
         <p:nvGrpSpPr>
-          <p:cNvPr id="45" name="Gruppo 44"/>
+          <p:cNvPr id="5" name="Gruppo 44"/>
           <p:cNvGrpSpPr/>
           <p:nvPr/>
         </p:nvGrpSpPr>
         <p:grpSpPr>
           <a:xfrm>
-            <a:off x="1196323" y="5760946"/>
+            <a:off x="1087679" y="5817979"/>
             <a:ext cx="2323440" cy="289800"/>
             <a:chOff x="599684" y="4952526"/>
             <a:chExt cx="2323440" cy="289800"/>
           </a:xfrm>
+          <a:effectLst/>
         </p:grpSpPr>
         <p:sp>
           <p:nvSpPr>
@@ -12712,17 +11476,18 @@
       </p:grpSp>
       <p:grpSp>
         <p:nvGrpSpPr>
-          <p:cNvPr id="48" name="Gruppo 47"/>
+          <p:cNvPr id="6" name="Gruppo 47"/>
           <p:cNvGrpSpPr/>
           <p:nvPr/>
         </p:nvGrpSpPr>
         <p:grpSpPr>
           <a:xfrm>
-            <a:off x="1196323" y="6012946"/>
+            <a:off x="1087679" y="6069979"/>
             <a:ext cx="2323440" cy="289800"/>
             <a:chOff x="576000" y="5206717"/>
             <a:chExt cx="2323440" cy="289800"/>
           </a:xfrm>
+          <a:effectLst/>
         </p:grpSpPr>
         <p:sp>
           <p:nvSpPr>
@@ -12886,17 +11651,20 @@
                 <a:t> </a:t>
               </a:r>
               <a:r>
-                <a:rPr lang="it-IT" sz="1400" dirty="0" err="1">
+                <a:rPr lang="it-IT" sz="1400" dirty="0" err="1" smtClean="0">
                   <a:cs typeface="Times New Roman" pitchFamily="18" charset="0"/>
                 </a:rPr>
                 <a:t>port</a:t>
               </a:r>
               <a:r>
-                <a:rPr lang="it-IT" sz="1400" dirty="0">
+                <a:rPr lang="it-IT" sz="1400" dirty="0" smtClean="0">
                   <a:cs typeface="Times New Roman" pitchFamily="18" charset="0"/>
                 </a:rPr>
                 <a:t>(s)</a:t>
               </a:r>
+              <a:endParaRPr lang="it-IT" sz="1400" dirty="0">
+                <a:cs typeface="Times New Roman" pitchFamily="18" charset="0"/>
+              </a:endParaRPr>
             </a:p>
             <a:p>
               <a:r>
@@ -12915,7 +11683,25 @@
                 <a:rPr lang="it-IT" sz="1400" dirty="0">
                   <a:cs typeface="Times New Roman" pitchFamily="18" charset="0"/>
                 </a:rPr>
-                <a:t> an LSI and a VNF)</a:t>
+                <a:t> an LSI and </a:t>
+              </a:r>
+              <a:r>
+                <a:rPr lang="it-IT" sz="1400">
+                  <a:cs typeface="Times New Roman" pitchFamily="18" charset="0"/>
+                </a:rPr>
+                <a:t>a </a:t>
+              </a:r>
+              <a:r>
+                <a:rPr lang="it-IT" sz="1400" smtClean="0">
+                  <a:cs typeface="Times New Roman" pitchFamily="18" charset="0"/>
+                </a:rPr>
+                <a:t>NF</a:t>
+              </a:r>
+              <a:r>
+                <a:rPr lang="it-IT" sz="1400" dirty="0">
+                  <a:cs typeface="Times New Roman" pitchFamily="18" charset="0"/>
+                </a:rPr>
+                <a:t>)</a:t>
               </a:r>
               <a:endParaRPr sz="1400" dirty="0">
                 <a:cs typeface="Times New Roman" pitchFamily="18" charset="0"/>
@@ -12926,17 +11712,18 @@
       </p:grpSp>
       <p:grpSp>
         <p:nvGrpSpPr>
-          <p:cNvPr id="51" name="Gruppo 50"/>
+          <p:cNvPr id="10" name="Gruppo 50"/>
           <p:cNvGrpSpPr/>
           <p:nvPr/>
         </p:nvGrpSpPr>
         <p:grpSpPr>
           <a:xfrm>
-            <a:off x="3784056" y="5759157"/>
+            <a:off x="3675412" y="5816190"/>
             <a:ext cx="2323440" cy="289800"/>
             <a:chOff x="3058358" y="5161343"/>
             <a:chExt cx="2323440" cy="289800"/>
           </a:xfrm>
+          <a:effectLst/>
         </p:grpSpPr>
         <p:sp>
           <p:nvSpPr>
@@ -13110,7 +11897,7 @@
         </p:nvSpPr>
         <p:spPr>
           <a:xfrm flipH="1">
-            <a:off x="3784056" y="6386789"/>
+            <a:off x="3675412" y="6443822"/>
             <a:ext cx="432000" cy="0"/>
           </a:xfrm>
           <a:prstGeom prst="line">
@@ -13125,6 +11912,7 @@
             <a:headEnd type="triangle" w="med" len="med"/>
             <a:tailEnd type="triangle" w="med" len="med"/>
           </a:ln>
+          <a:effectLst/>
         </p:spPr>
         <p:txBody>
           <a:bodyPr/>
@@ -13142,12 +11930,13 @@
         </p:nvSpPr>
         <p:spPr>
           <a:xfrm>
-            <a:off x="4261416" y="6241833"/>
+            <a:off x="4152772" y="6298866"/>
             <a:ext cx="1375882" cy="289800"/>
           </a:xfrm>
           <a:prstGeom prst="rect">
             <a:avLst/>
           </a:prstGeom>
+          <a:effectLst/>
         </p:spPr>
         <p:txBody>
           <a:bodyPr wrap="none" lIns="90000" tIns="45000" rIns="90000" bIns="45000"/>
@@ -13267,7 +12056,7 @@
         </p:nvSpPr>
         <p:spPr>
           <a:xfrm flipH="1">
-            <a:off x="3784056" y="6150951"/>
+            <a:off x="3675412" y="6207984"/>
             <a:ext cx="432000" cy="0"/>
           </a:xfrm>
           <a:prstGeom prst="line">
@@ -13282,6 +12071,7 @@
             <a:headEnd type="triangle" w="med" len="med"/>
             <a:tailEnd type="triangle" w="med" len="med"/>
           </a:ln>
+          <a:effectLst/>
         </p:spPr>
         <p:txBody>
           <a:bodyPr/>
@@ -13299,12 +12089,13 @@
         </p:nvSpPr>
         <p:spPr>
           <a:xfrm>
-            <a:off x="4261416" y="6005995"/>
+            <a:off x="4152772" y="6063028"/>
             <a:ext cx="1375882" cy="289800"/>
           </a:xfrm>
           <a:prstGeom prst="rect">
             <a:avLst/>
           </a:prstGeom>
+          <a:effectLst/>
         </p:spPr>
         <p:txBody>
           <a:bodyPr wrap="none" lIns="90000" tIns="45000" rIns="90000" bIns="45000"/>
@@ -13424,7 +12215,7 @@
         </p:nvSpPr>
         <p:spPr>
           <a:xfrm>
-            <a:off x="583999" y="1766465"/>
+            <a:off x="298311" y="1108807"/>
             <a:ext cx="6528770" cy="457623"/>
           </a:xfrm>
           <a:prstGeom prst="rect">
@@ -13441,6 +12232,7 @@
               <a:schemeClr val="tx1"/>
             </a:solidFill>
           </a:ln>
+          <a:effectLst/>
         </p:spPr>
         <p:style>
           <a:lnRef idx="2">
@@ -13558,12 +12350,12 @@
           <a:p>
             <a:pPr algn="ctr"/>
             <a:r>
-              <a:rPr lang="it-IT" sz="1400" dirty="0" err="1">
+              <a:rPr lang="it-IT" sz="1400" dirty="0" smtClean="0">
                 <a:solidFill>
                   <a:schemeClr val="tx1"/>
                 </a:solidFill>
               </a:rPr>
-              <a:t>Node</a:t>
+              <a:t>Resource </a:t>
             </a:r>
             <a:r>
               <a:rPr lang="it-IT" sz="1400" dirty="0">
@@ -13571,23 +12363,7 @@
                   <a:schemeClr val="tx1"/>
                 </a:solidFill>
               </a:rPr>
-              <a:t> </a:t>
-            </a:r>
-            <a:r>
-              <a:rPr lang="it-IT" sz="1400" dirty="0" err="1">
-                <a:solidFill>
-                  <a:schemeClr val="tx1"/>
-                </a:solidFill>
-              </a:rPr>
-              <a:t>resource</a:t>
-            </a:r>
-            <a:r>
-              <a:rPr lang="it-IT" sz="1400" dirty="0">
-                <a:solidFill>
-                  <a:schemeClr val="tx1"/>
-                </a:solidFill>
-              </a:rPr>
-              <a:t> manager</a:t>
+              <a:t>manager</a:t>
             </a:r>
             <a:endParaRPr sz="1400" dirty="0">
               <a:solidFill>
@@ -13605,8 +12381,8 @@
         </p:nvSpPr>
         <p:spPr>
           <a:xfrm>
-            <a:off x="1533891" y="2594899"/>
-            <a:ext cx="452936" cy="412532"/>
+            <a:off x="1332833" y="1937241"/>
+            <a:ext cx="524587" cy="412532"/>
           </a:xfrm>
           <a:prstGeom prst="rect">
             <a:avLst/>
@@ -13621,6 +12397,7 @@
               </a:schemeClr>
             </a:solidFill>
           </a:ln>
+          <a:effectLst/>
         </p:spPr>
         <p:txBody>
           <a:bodyPr wrap="none" lIns="90000" tIns="45000" rIns="90000" bIns="45000" anchor="ctr"/>
@@ -13758,8 +12535,8 @@
         </p:nvSpPr>
         <p:spPr>
           <a:xfrm>
-            <a:off x="2690877" y="4312820"/>
-            <a:ext cx="1027442" cy="305296"/>
+            <a:off x="4994020" y="4408195"/>
+            <a:ext cx="1027442" cy="247229"/>
           </a:xfrm>
           <a:prstGeom prst="rect">
             <a:avLst/>
@@ -13775,6 +12552,7 @@
               <a:schemeClr val="tx1"/>
             </a:solidFill>
           </a:ln>
+          <a:effectLst/>
         </p:spPr>
         <p:txBody>
           <a:bodyPr wrap="none" lIns="90000" tIns="45000" rIns="90000" bIns="45000" anchor="ctr"/>
@@ -13792,16 +12570,22 @@
               <a:t>LSI - </a:t>
             </a:r>
             <a:r>
-              <a:rPr lang="it-IT" sz="1400" dirty="0" err="1">
+              <a:rPr lang="it-IT" sz="1400" dirty="0" err="1" smtClean="0">
                 <a:cs typeface="Times New Roman" pitchFamily="18" charset="0"/>
               </a:rPr>
               <a:t>graph</a:t>
             </a:r>
             <a:r>
+              <a:rPr lang="it-IT" sz="1400" dirty="0" smtClean="0">
+                <a:cs typeface="Times New Roman" pitchFamily="18" charset="0"/>
+              </a:rPr>
+              <a:t> </a:t>
+            </a:r>
+            <a:r>
               <a:rPr lang="it-IT" sz="1400" dirty="0">
                 <a:cs typeface="Times New Roman" pitchFamily="18" charset="0"/>
               </a:rPr>
-              <a:t> N</a:t>
+              <a:t>N</a:t>
             </a:r>
             <a:endParaRPr sz="1400" dirty="0">
               <a:cs typeface="Times New Roman" pitchFamily="18" charset="0"/>
@@ -13817,31 +12601,1474 @@
         </p:nvSpPr>
         <p:spPr>
           <a:xfrm>
-            <a:off x="3205256" y="3556659"/>
+            <a:off x="5508399" y="3398575"/>
             <a:ext cx="504000" cy="370968"/>
           </a:xfrm>
           <a:prstGeom prst="roundRect">
             <a:avLst/>
           </a:prstGeom>
           <a:solidFill>
-            <a:srgbClr val="FFCCFF"/>
+            <a:schemeClr val="accent1">
+              <a:lumMod val="60000"/>
+              <a:lumOff val="40000"/>
+            </a:schemeClr>
           </a:solidFill>
           <a:ln w="12700" cmpd="sng">
             <a:solidFill>
               <a:schemeClr val="tx1"/>
             </a:solidFill>
           </a:ln>
+          <a:effectLst/>
         </p:spPr>
         <p:txBody>
           <a:bodyPr wrap="none" lIns="90000" tIns="45000" rIns="90000" bIns="45000" anchor="ctr"/>
           <a:lstStyle/>
           <a:p>
             <a:pPr algn="ctr"/>
+            <a:r>
+              <a:rPr lang="it-IT" sz="1400" dirty="0" smtClean="0">
+                <a:cs typeface="Times New Roman" pitchFamily="18" charset="0"/>
+              </a:rPr>
+              <a:t>NF5</a:t>
+            </a:r>
+            <a:endParaRPr sz="1400" dirty="0">
+              <a:cs typeface="Times New Roman" pitchFamily="18" charset="0"/>
+            </a:endParaRPr>
+          </a:p>
+        </p:txBody>
+      </p:sp>
+      <p:cxnSp>
+        <p:nvCxnSpPr>
+          <p:cNvPr id="63" name="Straight Connector 3"/>
+          <p:cNvCxnSpPr>
+            <a:stCxn id="37" idx="2"/>
+            <a:endCxn id="38" idx="0"/>
+          </p:cNvCxnSpPr>
+          <p:nvPr/>
+        </p:nvCxnSpPr>
+        <p:spPr>
+          <a:xfrm>
+            <a:off x="3857407" y="3772831"/>
+            <a:ext cx="11519" cy="638095"/>
+          </a:xfrm>
+          <a:prstGeom prst="line">
+            <a:avLst/>
+          </a:prstGeom>
+          <a:ln w="12700">
+            <a:solidFill>
+              <a:schemeClr val="tx1"/>
+            </a:solidFill>
+            <a:prstDash val="solid"/>
+            <a:round/>
+          </a:ln>
+          <a:effectLst/>
+        </p:spPr>
+      </p:cxnSp>
+      <p:cxnSp>
+        <p:nvCxnSpPr>
+          <p:cNvPr id="64" name="Straight Connector 81"/>
+          <p:cNvCxnSpPr>
+            <a:stCxn id="40" idx="2"/>
+            <a:endCxn id="38" idx="0"/>
+          </p:cNvCxnSpPr>
+          <p:nvPr/>
+        </p:nvCxnSpPr>
+        <p:spPr>
+          <a:xfrm>
+            <a:off x="3286596" y="3771963"/>
+            <a:ext cx="582330" cy="638963"/>
+          </a:xfrm>
+          <a:prstGeom prst="line">
+            <a:avLst/>
+          </a:prstGeom>
+          <a:ln w="12700">
+            <a:solidFill>
+              <a:schemeClr val="tx1"/>
+            </a:solidFill>
+            <a:prstDash val="solid"/>
+            <a:round/>
+          </a:ln>
+          <a:effectLst/>
+        </p:spPr>
+      </p:cxnSp>
+      <p:cxnSp>
+        <p:nvCxnSpPr>
+          <p:cNvPr id="65" name="Straight Connector 84"/>
+          <p:cNvCxnSpPr>
+            <a:stCxn id="39" idx="2"/>
+            <a:endCxn id="38" idx="0"/>
+          </p:cNvCxnSpPr>
+          <p:nvPr/>
+        </p:nvCxnSpPr>
+        <p:spPr>
+          <a:xfrm flipH="1">
+            <a:off x="3868926" y="3774065"/>
+            <a:ext cx="574934" cy="636861"/>
+          </a:xfrm>
+          <a:prstGeom prst="line">
+            <a:avLst/>
+          </a:prstGeom>
+          <a:ln w="12700">
+            <a:solidFill>
+              <a:schemeClr val="tx1"/>
+            </a:solidFill>
+            <a:prstDash val="solid"/>
+            <a:round/>
+          </a:ln>
+          <a:effectLst/>
+        </p:spPr>
+      </p:cxnSp>
+      <p:cxnSp>
+        <p:nvCxnSpPr>
+          <p:cNvPr id="66" name="Straight Connector 159"/>
+          <p:cNvCxnSpPr>
+            <a:stCxn id="32" idx="2"/>
+            <a:endCxn id="60" idx="0"/>
+          </p:cNvCxnSpPr>
+          <p:nvPr/>
+        </p:nvCxnSpPr>
+        <p:spPr>
+          <a:xfrm>
+            <a:off x="5182258" y="3769543"/>
+            <a:ext cx="325483" cy="638652"/>
+          </a:xfrm>
+          <a:prstGeom prst="line">
+            <a:avLst/>
+          </a:prstGeom>
+          <a:ln w="12700">
+            <a:solidFill>
+              <a:schemeClr val="tx1"/>
+            </a:solidFill>
+            <a:prstDash val="solid"/>
+            <a:round/>
+          </a:ln>
+          <a:effectLst/>
+        </p:spPr>
+      </p:cxnSp>
+      <p:cxnSp>
+        <p:nvCxnSpPr>
+          <p:cNvPr id="67" name="Straight Connector 160"/>
+          <p:cNvCxnSpPr>
+            <a:stCxn id="60" idx="0"/>
+            <a:endCxn id="61" idx="2"/>
+          </p:cNvCxnSpPr>
+          <p:nvPr/>
+        </p:nvCxnSpPr>
+        <p:spPr>
+          <a:xfrm flipV="1">
+            <a:off x="5507741" y="3769543"/>
+            <a:ext cx="252658" cy="638652"/>
+          </a:xfrm>
+          <a:prstGeom prst="line">
+            <a:avLst/>
+          </a:prstGeom>
+          <a:ln w="12700">
+            <a:solidFill>
+              <a:schemeClr val="tx1"/>
+            </a:solidFill>
+            <a:prstDash val="solid"/>
+            <a:round/>
+          </a:ln>
+          <a:effectLst/>
+        </p:spPr>
+      </p:cxnSp>
+      <p:cxnSp>
+        <p:nvCxnSpPr>
+          <p:cNvPr id="68" name="Straight Connector 161"/>
+          <p:cNvCxnSpPr>
+            <a:stCxn id="4" idx="0"/>
+            <a:endCxn id="38" idx="2"/>
+          </p:cNvCxnSpPr>
+          <p:nvPr/>
+        </p:nvCxnSpPr>
+        <p:spPr>
+          <a:xfrm flipH="1" flipV="1">
+            <a:off x="3868926" y="4655425"/>
+            <a:ext cx="969171" cy="202183"/>
+          </a:xfrm>
+          <a:prstGeom prst="line">
+            <a:avLst/>
+          </a:prstGeom>
+          <a:ln w="12700">
+            <a:solidFill>
+              <a:schemeClr val="tx1"/>
+            </a:solidFill>
+            <a:prstDash val="dash"/>
+            <a:round/>
+          </a:ln>
+          <a:effectLst/>
+        </p:spPr>
+      </p:cxnSp>
+      <p:cxnSp>
+        <p:nvCxnSpPr>
+          <p:cNvPr id="69" name="Straight Connector 162"/>
+          <p:cNvCxnSpPr>
+            <a:stCxn id="4" idx="0"/>
+            <a:endCxn id="60" idx="2"/>
+          </p:cNvCxnSpPr>
+          <p:nvPr/>
+        </p:nvCxnSpPr>
+        <p:spPr>
+          <a:xfrm flipV="1">
+            <a:off x="4838097" y="4655424"/>
+            <a:ext cx="669644" cy="202184"/>
+          </a:xfrm>
+          <a:prstGeom prst="line">
+            <a:avLst/>
+          </a:prstGeom>
+          <a:ln w="12700">
+            <a:solidFill>
+              <a:schemeClr val="tx1"/>
+            </a:solidFill>
+            <a:prstDash val="dash"/>
+            <a:round/>
+          </a:ln>
+          <a:effectLst/>
+        </p:spPr>
+      </p:cxnSp>
+      <p:sp>
+        <p:nvSpPr>
+          <p:cNvPr id="70" name="CustomShape 3"/>
+          <p:cNvSpPr/>
+          <p:nvPr/>
+        </p:nvSpPr>
+        <p:spPr>
+          <a:xfrm>
+            <a:off x="3283528" y="863471"/>
+            <a:ext cx="1686784" cy="243083"/>
+          </a:xfrm>
+          <a:prstGeom prst="rect">
+            <a:avLst/>
+          </a:prstGeom>
+          <a:solidFill>
+            <a:schemeClr val="accent4">
+              <a:lumMod val="20000"/>
+              <a:lumOff val="80000"/>
+            </a:schemeClr>
+          </a:solidFill>
+          <a:ln w="12700">
+            <a:solidFill>
+              <a:schemeClr val="tx1"/>
+            </a:solidFill>
+          </a:ln>
+          <a:effectLst/>
+        </p:spPr>
+        <p:style>
+          <a:lnRef idx="2">
+            <a:schemeClr val="accent1">
+              <a:shade val="50000"/>
+            </a:schemeClr>
+          </a:lnRef>
+          <a:fillRef idx="1">
+            <a:schemeClr val="accent1"/>
+          </a:fillRef>
+          <a:effectRef idx="0">
+            <a:schemeClr val="accent1"/>
+          </a:effectRef>
+          <a:fontRef idx="minor">
+            <a:schemeClr val="lt1"/>
+          </a:fontRef>
+        </p:style>
+        <p:txBody>
+          <a:bodyPr lIns="36000" tIns="36000" rIns="36000" bIns="36000" rtlCol="0" anchor="ctr"/>
+          <a:lstStyle>
+            <a:defPPr>
+              <a:defRPr lang="en-US"/>
+            </a:defPPr>
+            <a:lvl1pPr marL="0" algn="l" defTabSz="914400" rtl="0" eaLnBrk="1" latinLnBrk="0" hangingPunct="1">
+              <a:defRPr sz="1800" kern="1200">
+                <a:solidFill>
+                  <a:schemeClr val="lt1"/>
+                </a:solidFill>
+                <a:latin typeface="+mn-lt"/>
+                <a:ea typeface="+mn-ea"/>
+                <a:cs typeface="+mn-cs"/>
+              </a:defRPr>
+            </a:lvl1pPr>
+            <a:lvl2pPr marL="457200" algn="l" defTabSz="914400" rtl="0" eaLnBrk="1" latinLnBrk="0" hangingPunct="1">
+              <a:defRPr sz="1800" kern="1200">
+                <a:solidFill>
+                  <a:schemeClr val="lt1"/>
+                </a:solidFill>
+                <a:latin typeface="+mn-lt"/>
+                <a:ea typeface="+mn-ea"/>
+                <a:cs typeface="+mn-cs"/>
+              </a:defRPr>
+            </a:lvl2pPr>
+            <a:lvl3pPr marL="914400" algn="l" defTabSz="914400" rtl="0" eaLnBrk="1" latinLnBrk="0" hangingPunct="1">
+              <a:defRPr sz="1800" kern="1200">
+                <a:solidFill>
+                  <a:schemeClr val="lt1"/>
+                </a:solidFill>
+                <a:latin typeface="+mn-lt"/>
+                <a:ea typeface="+mn-ea"/>
+                <a:cs typeface="+mn-cs"/>
+              </a:defRPr>
+            </a:lvl3pPr>
+            <a:lvl4pPr marL="1371600" algn="l" defTabSz="914400" rtl="0" eaLnBrk="1" latinLnBrk="0" hangingPunct="1">
+              <a:defRPr sz="1800" kern="1200">
+                <a:solidFill>
+                  <a:schemeClr val="lt1"/>
+                </a:solidFill>
+                <a:latin typeface="+mn-lt"/>
+                <a:ea typeface="+mn-ea"/>
+                <a:cs typeface="+mn-cs"/>
+              </a:defRPr>
+            </a:lvl4pPr>
+            <a:lvl5pPr marL="1828800" algn="l" defTabSz="914400" rtl="0" eaLnBrk="1" latinLnBrk="0" hangingPunct="1">
+              <a:defRPr sz="1800" kern="1200">
+                <a:solidFill>
+                  <a:schemeClr val="lt1"/>
+                </a:solidFill>
+                <a:latin typeface="+mn-lt"/>
+                <a:ea typeface="+mn-ea"/>
+                <a:cs typeface="+mn-cs"/>
+              </a:defRPr>
+            </a:lvl5pPr>
+            <a:lvl6pPr marL="2286000" algn="l" defTabSz="914400" rtl="0" eaLnBrk="1" latinLnBrk="0" hangingPunct="1">
+              <a:defRPr sz="1800" kern="1200">
+                <a:solidFill>
+                  <a:schemeClr val="lt1"/>
+                </a:solidFill>
+                <a:latin typeface="+mn-lt"/>
+                <a:ea typeface="+mn-ea"/>
+                <a:cs typeface="+mn-cs"/>
+              </a:defRPr>
+            </a:lvl6pPr>
+            <a:lvl7pPr marL="2743200" algn="l" defTabSz="914400" rtl="0" eaLnBrk="1" latinLnBrk="0" hangingPunct="1">
+              <a:defRPr sz="1800" kern="1200">
+                <a:solidFill>
+                  <a:schemeClr val="lt1"/>
+                </a:solidFill>
+                <a:latin typeface="+mn-lt"/>
+                <a:ea typeface="+mn-ea"/>
+                <a:cs typeface="+mn-cs"/>
+              </a:defRPr>
+            </a:lvl7pPr>
+            <a:lvl8pPr marL="3200400" algn="l" defTabSz="914400" rtl="0" eaLnBrk="1" latinLnBrk="0" hangingPunct="1">
+              <a:defRPr sz="1800" kern="1200">
+                <a:solidFill>
+                  <a:schemeClr val="lt1"/>
+                </a:solidFill>
+                <a:latin typeface="+mn-lt"/>
+                <a:ea typeface="+mn-ea"/>
+                <a:cs typeface="+mn-cs"/>
+              </a:defRPr>
+            </a:lvl8pPr>
+            <a:lvl9pPr marL="3657600" algn="l" defTabSz="914400" rtl="0" eaLnBrk="1" latinLnBrk="0" hangingPunct="1">
+              <a:defRPr sz="1800" kern="1200">
+                <a:solidFill>
+                  <a:schemeClr val="lt1"/>
+                </a:solidFill>
+                <a:latin typeface="+mn-lt"/>
+                <a:ea typeface="+mn-ea"/>
+                <a:cs typeface="+mn-cs"/>
+              </a:defRPr>
+            </a:lvl9pPr>
+          </a:lstStyle>
+          <a:p>
+            <a:pPr algn="ctr"/>
+            <a:r>
+              <a:rPr lang="it-IT" sz="1400" smtClean="0">
+                <a:solidFill>
+                  <a:schemeClr val="tx1"/>
+                </a:solidFill>
+              </a:rPr>
+              <a:t>Security manager</a:t>
+            </a:r>
+            <a:endParaRPr lang="it-IT" sz="1400" dirty="0" smtClean="0">
+              <a:solidFill>
+                <a:schemeClr val="tx1"/>
+              </a:solidFill>
+            </a:endParaRPr>
+          </a:p>
+        </p:txBody>
+      </p:sp>
+      <p:sp>
+        <p:nvSpPr>
+          <p:cNvPr id="17" name="CustomShape 52"/>
+          <p:cNvSpPr/>
+          <p:nvPr/>
+        </p:nvSpPr>
+        <p:spPr>
+          <a:xfrm>
+            <a:off x="2499579" y="1566916"/>
+            <a:ext cx="4327501" cy="811418"/>
+          </a:xfrm>
+          <a:prstGeom prst="rect">
+            <a:avLst/>
+          </a:prstGeom>
+          <a:solidFill>
+            <a:schemeClr val="accent6">
+              <a:lumMod val="60000"/>
+              <a:lumOff val="40000"/>
+            </a:schemeClr>
+          </a:solidFill>
+          <a:ln w="12700">
+            <a:solidFill>
+              <a:schemeClr val="tx1"/>
+            </a:solidFill>
+          </a:ln>
+          <a:effectLst/>
+        </p:spPr>
+        <p:txBody>
+          <a:bodyPr wrap="none" lIns="90000" tIns="45000" rIns="90000" bIns="45000" anchor="t"/>
+          <a:lstStyle>
+            <a:defPPr>
+              <a:defRPr lang="en-US"/>
+            </a:defPPr>
+            <a:lvl1pPr marL="0" algn="l" defTabSz="914400" rtl="0" eaLnBrk="1" latinLnBrk="0" hangingPunct="1">
+              <a:defRPr sz="1800" kern="1200">
+                <a:solidFill>
+                  <a:schemeClr val="tx1"/>
+                </a:solidFill>
+                <a:latin typeface="+mn-lt"/>
+                <a:ea typeface="+mn-ea"/>
+                <a:cs typeface="+mn-cs"/>
+              </a:defRPr>
+            </a:lvl1pPr>
+            <a:lvl2pPr marL="457200" algn="l" defTabSz="914400" rtl="0" eaLnBrk="1" latinLnBrk="0" hangingPunct="1">
+              <a:defRPr sz="1800" kern="1200">
+                <a:solidFill>
+                  <a:schemeClr val="tx1"/>
+                </a:solidFill>
+                <a:latin typeface="+mn-lt"/>
+                <a:ea typeface="+mn-ea"/>
+                <a:cs typeface="+mn-cs"/>
+              </a:defRPr>
+            </a:lvl2pPr>
+            <a:lvl3pPr marL="914400" algn="l" defTabSz="914400" rtl="0" eaLnBrk="1" latinLnBrk="0" hangingPunct="1">
+              <a:defRPr sz="1800" kern="1200">
+                <a:solidFill>
+                  <a:schemeClr val="tx1"/>
+                </a:solidFill>
+                <a:latin typeface="+mn-lt"/>
+                <a:ea typeface="+mn-ea"/>
+                <a:cs typeface="+mn-cs"/>
+              </a:defRPr>
+            </a:lvl3pPr>
+            <a:lvl4pPr marL="1371600" algn="l" defTabSz="914400" rtl="0" eaLnBrk="1" latinLnBrk="0" hangingPunct="1">
+              <a:defRPr sz="1800" kern="1200">
+                <a:solidFill>
+                  <a:schemeClr val="tx1"/>
+                </a:solidFill>
+                <a:latin typeface="+mn-lt"/>
+                <a:ea typeface="+mn-ea"/>
+                <a:cs typeface="+mn-cs"/>
+              </a:defRPr>
+            </a:lvl4pPr>
+            <a:lvl5pPr marL="1828800" algn="l" defTabSz="914400" rtl="0" eaLnBrk="1" latinLnBrk="0" hangingPunct="1">
+              <a:defRPr sz="1800" kern="1200">
+                <a:solidFill>
+                  <a:schemeClr val="tx1"/>
+                </a:solidFill>
+                <a:latin typeface="+mn-lt"/>
+                <a:ea typeface="+mn-ea"/>
+                <a:cs typeface="+mn-cs"/>
+              </a:defRPr>
+            </a:lvl5pPr>
+            <a:lvl6pPr marL="2286000" algn="l" defTabSz="914400" rtl="0" eaLnBrk="1" latinLnBrk="0" hangingPunct="1">
+              <a:defRPr sz="1800" kern="1200">
+                <a:solidFill>
+                  <a:schemeClr val="tx1"/>
+                </a:solidFill>
+                <a:latin typeface="+mn-lt"/>
+                <a:ea typeface="+mn-ea"/>
+                <a:cs typeface="+mn-cs"/>
+              </a:defRPr>
+            </a:lvl6pPr>
+            <a:lvl7pPr marL="2743200" algn="l" defTabSz="914400" rtl="0" eaLnBrk="1" latinLnBrk="0" hangingPunct="1">
+              <a:defRPr sz="1800" kern="1200">
+                <a:solidFill>
+                  <a:schemeClr val="tx1"/>
+                </a:solidFill>
+                <a:latin typeface="+mn-lt"/>
+                <a:ea typeface="+mn-ea"/>
+                <a:cs typeface="+mn-cs"/>
+              </a:defRPr>
+            </a:lvl7pPr>
+            <a:lvl8pPr marL="3200400" algn="l" defTabSz="914400" rtl="0" eaLnBrk="1" latinLnBrk="0" hangingPunct="1">
+              <a:defRPr sz="1800" kern="1200">
+                <a:solidFill>
+                  <a:schemeClr val="tx1"/>
+                </a:solidFill>
+                <a:latin typeface="+mn-lt"/>
+                <a:ea typeface="+mn-ea"/>
+                <a:cs typeface="+mn-cs"/>
+              </a:defRPr>
+            </a:lvl8pPr>
+            <a:lvl9pPr marL="3657600" algn="l" defTabSz="914400" rtl="0" eaLnBrk="1" latinLnBrk="0" hangingPunct="1">
+              <a:defRPr sz="1800" kern="1200">
+                <a:solidFill>
+                  <a:schemeClr val="tx1"/>
+                </a:solidFill>
+                <a:latin typeface="+mn-lt"/>
+                <a:ea typeface="+mn-ea"/>
+                <a:cs typeface="+mn-cs"/>
+              </a:defRPr>
+            </a:lvl9pPr>
+          </a:lstStyle>
+          <a:p>
+            <a:pPr algn="ctr">
+              <a:lnSpc>
+                <a:spcPct val="100000"/>
+              </a:lnSpc>
+            </a:pPr>
+            <a:r>
+              <a:rPr lang="it-IT" sz="1400" dirty="0" smtClean="0">
+                <a:cs typeface="Times New Roman" pitchFamily="18" charset="0"/>
+              </a:rPr>
+              <a:t>Network manager</a:t>
+            </a:r>
+            <a:endParaRPr sz="1400" dirty="0">
+              <a:cs typeface="Times New Roman" pitchFamily="18" charset="0"/>
+            </a:endParaRPr>
+          </a:p>
+        </p:txBody>
+      </p:sp>
+      <p:sp>
+        <p:nvSpPr>
+          <p:cNvPr id="85" name="Line 28"/>
+          <p:cNvSpPr/>
+          <p:nvPr/>
+        </p:nvSpPr>
+        <p:spPr>
+          <a:xfrm flipH="1">
+            <a:off x="3000428" y="994137"/>
+            <a:ext cx="486865" cy="0"/>
+          </a:xfrm>
+          <a:prstGeom prst="line">
+            <a:avLst/>
+          </a:prstGeom>
+          <a:ln w="19050">
+            <a:solidFill>
+              <a:srgbClr val="000000"/>
+            </a:solidFill>
+            <a:prstDash val="sysDash"/>
+            <a:round/>
+            <a:headEnd type="triangle" w="med" len="med"/>
+            <a:tailEnd type="triangle" w="med" len="med"/>
+          </a:ln>
+          <a:effectLst/>
+        </p:spPr>
+        <p:txBody>
+          <a:bodyPr/>
+          <a:lstStyle/>
+          <a:p>
+            <a:endParaRPr lang="it-IT"/>
+          </a:p>
+        </p:txBody>
+      </p:sp>
+      <p:sp>
+        <p:nvSpPr>
+          <p:cNvPr id="74" name="CustomShape 29"/>
+          <p:cNvSpPr/>
+          <p:nvPr/>
+        </p:nvSpPr>
+        <p:spPr>
+          <a:xfrm>
+            <a:off x="5958154" y="-24"/>
+            <a:ext cx="1857388" cy="275722"/>
+          </a:xfrm>
+          <a:prstGeom prst="rect">
+            <a:avLst/>
+          </a:prstGeom>
+          <a:effectLst/>
+        </p:spPr>
+        <p:txBody>
+          <a:bodyPr wrap="none" lIns="90000" tIns="45000" rIns="90000" bIns="45000"/>
+          <a:lstStyle>
+            <a:defPPr>
+              <a:defRPr lang="en-US"/>
+            </a:defPPr>
+            <a:lvl1pPr marL="0" algn="l" defTabSz="914400" rtl="0" eaLnBrk="1" latinLnBrk="0" hangingPunct="1">
+              <a:defRPr sz="1800" kern="1200">
+                <a:solidFill>
+                  <a:schemeClr val="tx1"/>
+                </a:solidFill>
+                <a:latin typeface="+mn-lt"/>
+                <a:ea typeface="+mn-ea"/>
+                <a:cs typeface="+mn-cs"/>
+              </a:defRPr>
+            </a:lvl1pPr>
+            <a:lvl2pPr marL="457200" algn="l" defTabSz="914400" rtl="0" eaLnBrk="1" latinLnBrk="0" hangingPunct="1">
+              <a:defRPr sz="1800" kern="1200">
+                <a:solidFill>
+                  <a:schemeClr val="tx1"/>
+                </a:solidFill>
+                <a:latin typeface="+mn-lt"/>
+                <a:ea typeface="+mn-ea"/>
+                <a:cs typeface="+mn-cs"/>
+              </a:defRPr>
+            </a:lvl2pPr>
+            <a:lvl3pPr marL="914400" algn="l" defTabSz="914400" rtl="0" eaLnBrk="1" latinLnBrk="0" hangingPunct="1">
+              <a:defRPr sz="1800" kern="1200">
+                <a:solidFill>
+                  <a:schemeClr val="tx1"/>
+                </a:solidFill>
+                <a:latin typeface="+mn-lt"/>
+                <a:ea typeface="+mn-ea"/>
+                <a:cs typeface="+mn-cs"/>
+              </a:defRPr>
+            </a:lvl3pPr>
+            <a:lvl4pPr marL="1371600" algn="l" defTabSz="914400" rtl="0" eaLnBrk="1" latinLnBrk="0" hangingPunct="1">
+              <a:defRPr sz="1800" kern="1200">
+                <a:solidFill>
+                  <a:schemeClr val="tx1"/>
+                </a:solidFill>
+                <a:latin typeface="+mn-lt"/>
+                <a:ea typeface="+mn-ea"/>
+                <a:cs typeface="+mn-cs"/>
+              </a:defRPr>
+            </a:lvl4pPr>
+            <a:lvl5pPr marL="1828800" algn="l" defTabSz="914400" rtl="0" eaLnBrk="1" latinLnBrk="0" hangingPunct="1">
+              <a:defRPr sz="1800" kern="1200">
+                <a:solidFill>
+                  <a:schemeClr val="tx1"/>
+                </a:solidFill>
+                <a:latin typeface="+mn-lt"/>
+                <a:ea typeface="+mn-ea"/>
+                <a:cs typeface="+mn-cs"/>
+              </a:defRPr>
+            </a:lvl5pPr>
+            <a:lvl6pPr marL="2286000" algn="l" defTabSz="914400" rtl="0" eaLnBrk="1" latinLnBrk="0" hangingPunct="1">
+              <a:defRPr sz="1800" kern="1200">
+                <a:solidFill>
+                  <a:schemeClr val="tx1"/>
+                </a:solidFill>
+                <a:latin typeface="+mn-lt"/>
+                <a:ea typeface="+mn-ea"/>
+                <a:cs typeface="+mn-cs"/>
+              </a:defRPr>
+            </a:lvl6pPr>
+            <a:lvl7pPr marL="2743200" algn="l" defTabSz="914400" rtl="0" eaLnBrk="1" latinLnBrk="0" hangingPunct="1">
+              <a:defRPr sz="1800" kern="1200">
+                <a:solidFill>
+                  <a:schemeClr val="tx1"/>
+                </a:solidFill>
+                <a:latin typeface="+mn-lt"/>
+                <a:ea typeface="+mn-ea"/>
+                <a:cs typeface="+mn-cs"/>
+              </a:defRPr>
+            </a:lvl7pPr>
+            <a:lvl8pPr marL="3200400" algn="l" defTabSz="914400" rtl="0" eaLnBrk="1" latinLnBrk="0" hangingPunct="1">
+              <a:defRPr sz="1800" kern="1200">
+                <a:solidFill>
+                  <a:schemeClr val="tx1"/>
+                </a:solidFill>
+                <a:latin typeface="+mn-lt"/>
+                <a:ea typeface="+mn-ea"/>
+                <a:cs typeface="+mn-cs"/>
+              </a:defRPr>
+            </a:lvl8pPr>
+            <a:lvl9pPr marL="3657600" algn="l" defTabSz="914400" rtl="0" eaLnBrk="1" latinLnBrk="0" hangingPunct="1">
+              <a:defRPr sz="1800" kern="1200">
+                <a:solidFill>
+                  <a:schemeClr val="tx1"/>
+                </a:solidFill>
+                <a:latin typeface="+mn-lt"/>
+                <a:ea typeface="+mn-ea"/>
+                <a:cs typeface="+mn-cs"/>
+              </a:defRPr>
+            </a:lvl9pPr>
+          </a:lstStyle>
+          <a:p>
+            <a:r>
+              <a:rPr lang="it-IT" sz="1400" dirty="0" err="1" smtClean="0">
+                <a:cs typeface="Times New Roman" pitchFamily="18" charset="0"/>
+              </a:rPr>
+              <a:t>Node</a:t>
+            </a:r>
+            <a:r>
+              <a:rPr lang="it-IT" sz="1400" dirty="0" smtClean="0">
+                <a:cs typeface="Times New Roman" pitchFamily="18" charset="0"/>
+              </a:rPr>
+              <a:t> </a:t>
+            </a:r>
+            <a:r>
+              <a:rPr lang="it-IT" sz="1400" dirty="0" err="1" smtClean="0">
+                <a:cs typeface="Times New Roman" pitchFamily="18" charset="0"/>
+              </a:rPr>
+              <a:t>description</a:t>
+            </a:r>
+            <a:r>
+              <a:rPr lang="it-IT" sz="1400" dirty="0" smtClean="0">
+                <a:cs typeface="Times New Roman" pitchFamily="18" charset="0"/>
+              </a:rPr>
+              <a:t>, </a:t>
+            </a:r>
+          </a:p>
+          <a:p>
+            <a:r>
+              <a:rPr lang="it-IT" sz="1400" dirty="0" err="1" smtClean="0">
+                <a:cs typeface="Times New Roman" pitchFamily="18" charset="0"/>
+              </a:rPr>
+              <a:t>capabilities</a:t>
+            </a:r>
+            <a:r>
+              <a:rPr lang="it-IT" sz="1400" dirty="0" smtClean="0">
+                <a:cs typeface="Times New Roman" pitchFamily="18" charset="0"/>
+              </a:rPr>
+              <a:t> and </a:t>
+            </a:r>
+            <a:r>
+              <a:rPr lang="it-IT" sz="1400" dirty="0" err="1" smtClean="0">
+                <a:cs typeface="Times New Roman" pitchFamily="18" charset="0"/>
+              </a:rPr>
+              <a:t>resources</a:t>
+            </a:r>
+            <a:endParaRPr sz="1400" dirty="0">
+              <a:cs typeface="Times New Roman" pitchFamily="18" charset="0"/>
+            </a:endParaRPr>
+          </a:p>
+        </p:txBody>
+      </p:sp>
+      <p:sp>
+        <p:nvSpPr>
+          <p:cNvPr id="111" name="CustomShape 8"/>
+          <p:cNvSpPr/>
+          <p:nvPr/>
+        </p:nvSpPr>
+        <p:spPr>
+          <a:xfrm>
+            <a:off x="5564789" y="1195784"/>
+            <a:ext cx="1121172" cy="282255"/>
+          </a:xfrm>
+          <a:prstGeom prst="roundRect">
+            <a:avLst/>
+          </a:prstGeom>
+          <a:solidFill>
+            <a:schemeClr val="accent2">
+              <a:lumMod val="20000"/>
+              <a:lumOff val="80000"/>
+            </a:schemeClr>
+          </a:solidFill>
+          <a:ln w="12700" cmpd="sng">
+            <a:solidFill>
+              <a:schemeClr val="tx1"/>
+            </a:solidFill>
+          </a:ln>
+          <a:effectLst/>
+        </p:spPr>
+        <p:txBody>
+          <a:bodyPr wrap="none" lIns="90000" tIns="45000" rIns="90000" bIns="45000" anchor="ctr"/>
+          <a:lstStyle/>
+          <a:p>
+            <a:pPr algn="ctr"/>
+            <a:r>
+              <a:rPr lang="it-IT" sz="1400" dirty="0" smtClean="0">
+                <a:cs typeface="Times New Roman" pitchFamily="18" charset="0"/>
+              </a:rPr>
+              <a:t>NF </a:t>
+            </a:r>
+            <a:r>
+              <a:rPr lang="it-IT" sz="1400" dirty="0" err="1" smtClean="0">
+                <a:cs typeface="Times New Roman" pitchFamily="18" charset="0"/>
+              </a:rPr>
+              <a:t>resolver</a:t>
+            </a:r>
+            <a:endParaRPr sz="1400" dirty="0">
+              <a:cs typeface="Times New Roman" pitchFamily="18" charset="0"/>
+            </a:endParaRPr>
+          </a:p>
+        </p:txBody>
+      </p:sp>
+      <p:sp>
+        <p:nvSpPr>
+          <p:cNvPr id="112" name="CustomShape 8"/>
+          <p:cNvSpPr/>
+          <p:nvPr/>
+        </p:nvSpPr>
+        <p:spPr>
+          <a:xfrm>
+            <a:off x="663865" y="1195784"/>
+            <a:ext cx="1232460" cy="282255"/>
+          </a:xfrm>
+          <a:prstGeom prst="roundRect">
+            <a:avLst/>
+          </a:prstGeom>
+          <a:solidFill>
+            <a:schemeClr val="accent2">
+              <a:lumMod val="20000"/>
+              <a:lumOff val="80000"/>
+            </a:schemeClr>
+          </a:solidFill>
+          <a:ln w="12700" cmpd="sng">
+            <a:solidFill>
+              <a:schemeClr val="tx1"/>
+            </a:solidFill>
+          </a:ln>
+          <a:effectLst/>
+        </p:spPr>
+        <p:txBody>
+          <a:bodyPr wrap="none" lIns="90000" tIns="45000" rIns="90000" bIns="45000" anchor="ctr"/>
+          <a:lstStyle/>
+          <a:p>
+            <a:pPr algn="ctr"/>
+            <a:r>
+              <a:rPr lang="it-IT" sz="1400" dirty="0" smtClean="0">
+                <a:cs typeface="Times New Roman" pitchFamily="18" charset="0"/>
+              </a:rPr>
+              <a:t>NF </a:t>
+            </a:r>
+            <a:r>
+              <a:rPr lang="it-IT" sz="1400" dirty="0" err="1" smtClean="0">
+                <a:cs typeface="Times New Roman" pitchFamily="18" charset="0"/>
+              </a:rPr>
+              <a:t>scheduler</a:t>
+            </a:r>
+            <a:endParaRPr sz="1400" dirty="0">
+              <a:cs typeface="Times New Roman" pitchFamily="18" charset="0"/>
+            </a:endParaRPr>
+          </a:p>
+        </p:txBody>
+      </p:sp>
+      <p:grpSp>
+        <p:nvGrpSpPr>
+          <p:cNvPr id="22" name="Gruppo 136"/>
+          <p:cNvGrpSpPr/>
+          <p:nvPr/>
+        </p:nvGrpSpPr>
+        <p:grpSpPr>
+          <a:xfrm>
+            <a:off x="7572396" y="1357298"/>
+            <a:ext cx="827457" cy="1000443"/>
+            <a:chOff x="8064991" y="571169"/>
+            <a:chExt cx="827457" cy="1000443"/>
+          </a:xfrm>
+        </p:grpSpPr>
+        <p:sp>
+          <p:nvSpPr>
+            <p:cNvPr id="127" name="CustomShape 52"/>
+            <p:cNvSpPr/>
+            <p:nvPr/>
+          </p:nvSpPr>
+          <p:spPr>
+            <a:xfrm>
+              <a:off x="8064991" y="571169"/>
+              <a:ext cx="827457" cy="1000443"/>
+            </a:xfrm>
+            <a:prstGeom prst="rect">
+              <a:avLst/>
+            </a:prstGeom>
+            <a:solidFill>
+              <a:schemeClr val="bg1">
+                <a:lumMod val="95000"/>
+              </a:schemeClr>
+            </a:solidFill>
+            <a:ln w="12700">
+              <a:solidFill>
+                <a:schemeClr val="tx1"/>
+              </a:solidFill>
+              <a:prstDash val="solid"/>
+            </a:ln>
+            <a:effectLst/>
+          </p:spPr>
+          <p:txBody>
+            <a:bodyPr wrap="none" lIns="90000" tIns="45000" rIns="90000" bIns="45000" anchor="t"/>
+            <a:lstStyle>
+              <a:defPPr>
+                <a:defRPr lang="en-US"/>
+              </a:defPPr>
+              <a:lvl1pPr marL="0" algn="l" defTabSz="914400" rtl="0" eaLnBrk="1" latinLnBrk="0" hangingPunct="1">
+                <a:defRPr sz="1800" kern="1200">
+                  <a:solidFill>
+                    <a:schemeClr val="tx1"/>
+                  </a:solidFill>
+                  <a:latin typeface="+mn-lt"/>
+                  <a:ea typeface="+mn-ea"/>
+                  <a:cs typeface="+mn-cs"/>
+                </a:defRPr>
+              </a:lvl1pPr>
+              <a:lvl2pPr marL="457200" algn="l" defTabSz="914400" rtl="0" eaLnBrk="1" latinLnBrk="0" hangingPunct="1">
+                <a:defRPr sz="1800" kern="1200">
+                  <a:solidFill>
+                    <a:schemeClr val="tx1"/>
+                  </a:solidFill>
+                  <a:latin typeface="+mn-lt"/>
+                  <a:ea typeface="+mn-ea"/>
+                  <a:cs typeface="+mn-cs"/>
+                </a:defRPr>
+              </a:lvl2pPr>
+              <a:lvl3pPr marL="914400" algn="l" defTabSz="914400" rtl="0" eaLnBrk="1" latinLnBrk="0" hangingPunct="1">
+                <a:defRPr sz="1800" kern="1200">
+                  <a:solidFill>
+                    <a:schemeClr val="tx1"/>
+                  </a:solidFill>
+                  <a:latin typeface="+mn-lt"/>
+                  <a:ea typeface="+mn-ea"/>
+                  <a:cs typeface="+mn-cs"/>
+                </a:defRPr>
+              </a:lvl3pPr>
+              <a:lvl4pPr marL="1371600" algn="l" defTabSz="914400" rtl="0" eaLnBrk="1" latinLnBrk="0" hangingPunct="1">
+                <a:defRPr sz="1800" kern="1200">
+                  <a:solidFill>
+                    <a:schemeClr val="tx1"/>
+                  </a:solidFill>
+                  <a:latin typeface="+mn-lt"/>
+                  <a:ea typeface="+mn-ea"/>
+                  <a:cs typeface="+mn-cs"/>
+                </a:defRPr>
+              </a:lvl4pPr>
+              <a:lvl5pPr marL="1828800" algn="l" defTabSz="914400" rtl="0" eaLnBrk="1" latinLnBrk="0" hangingPunct="1">
+                <a:defRPr sz="1800" kern="1200">
+                  <a:solidFill>
+                    <a:schemeClr val="tx1"/>
+                  </a:solidFill>
+                  <a:latin typeface="+mn-lt"/>
+                  <a:ea typeface="+mn-ea"/>
+                  <a:cs typeface="+mn-cs"/>
+                </a:defRPr>
+              </a:lvl5pPr>
+              <a:lvl6pPr marL="2286000" algn="l" defTabSz="914400" rtl="0" eaLnBrk="1" latinLnBrk="0" hangingPunct="1">
+                <a:defRPr sz="1800" kern="1200">
+                  <a:solidFill>
+                    <a:schemeClr val="tx1"/>
+                  </a:solidFill>
+                  <a:latin typeface="+mn-lt"/>
+                  <a:ea typeface="+mn-ea"/>
+                  <a:cs typeface="+mn-cs"/>
+                </a:defRPr>
+              </a:lvl6pPr>
+              <a:lvl7pPr marL="2743200" algn="l" defTabSz="914400" rtl="0" eaLnBrk="1" latinLnBrk="0" hangingPunct="1">
+                <a:defRPr sz="1800" kern="1200">
+                  <a:solidFill>
+                    <a:schemeClr val="tx1"/>
+                  </a:solidFill>
+                  <a:latin typeface="+mn-lt"/>
+                  <a:ea typeface="+mn-ea"/>
+                  <a:cs typeface="+mn-cs"/>
+                </a:defRPr>
+              </a:lvl7pPr>
+              <a:lvl8pPr marL="3200400" algn="l" defTabSz="914400" rtl="0" eaLnBrk="1" latinLnBrk="0" hangingPunct="1">
+                <a:defRPr sz="1800" kern="1200">
+                  <a:solidFill>
+                    <a:schemeClr val="tx1"/>
+                  </a:solidFill>
+                  <a:latin typeface="+mn-lt"/>
+                  <a:ea typeface="+mn-ea"/>
+                  <a:cs typeface="+mn-cs"/>
+                </a:defRPr>
+              </a:lvl8pPr>
+              <a:lvl9pPr marL="3657600" algn="l" defTabSz="914400" rtl="0" eaLnBrk="1" latinLnBrk="0" hangingPunct="1">
+                <a:defRPr sz="1800" kern="1200">
+                  <a:solidFill>
+                    <a:schemeClr val="tx1"/>
+                  </a:solidFill>
+                  <a:latin typeface="+mn-lt"/>
+                  <a:ea typeface="+mn-ea"/>
+                  <a:cs typeface="+mn-cs"/>
+                </a:defRPr>
+              </a:lvl9pPr>
+            </a:lstStyle>
+            <a:p>
+              <a:pPr algn="ctr">
+                <a:lnSpc>
+                  <a:spcPct val="100000"/>
+                </a:lnSpc>
+              </a:pPr>
+              <a:r>
+                <a:rPr lang="it-IT" sz="1400" dirty="0" err="1" smtClean="0">
+                  <a:cs typeface="Times New Roman" pitchFamily="18" charset="0"/>
+                </a:rPr>
+                <a:t>Datastore</a:t>
+              </a:r>
+              <a:endParaRPr sz="1400" dirty="0">
+                <a:cs typeface="Times New Roman" pitchFamily="18" charset="0"/>
+              </a:endParaRPr>
+            </a:p>
+          </p:txBody>
+        </p:sp>
+        <p:pic>
+          <p:nvPicPr>
+            <p:cNvPr id="43" name="Picture 7"/>
+            <p:cNvPicPr>
+              <a:picLocks noChangeAspect="1"/>
+            </p:cNvPicPr>
+            <p:nvPr/>
+          </p:nvPicPr>
+          <p:blipFill>
+            <a:blip r:embed="rId3" cstate="print">
+              <a:extLst>
+                <a:ext uri="{28A0092B-C50C-407E-A947-70E740481C1C}">
+                  <a14:useLocalDpi xmlns="" xmlns:a14="http://schemas.microsoft.com/office/drawing/2010/main" val="0"/>
+                </a:ext>
+              </a:extLst>
+            </a:blip>
+            <a:stretch>
+              <a:fillRect/>
+            </a:stretch>
+          </p:blipFill>
+          <p:spPr>
+            <a:xfrm>
+              <a:off x="8320944" y="1142984"/>
+              <a:ext cx="378217" cy="419077"/>
+            </a:xfrm>
+            <a:prstGeom prst="rect">
+              <a:avLst/>
+            </a:prstGeom>
+            <a:effectLst/>
+          </p:spPr>
+        </p:pic>
+      </p:grpSp>
+      <p:sp>
+        <p:nvSpPr>
+          <p:cNvPr id="87" name="CustomShape 10"/>
+          <p:cNvSpPr/>
+          <p:nvPr/>
+        </p:nvSpPr>
+        <p:spPr>
+          <a:xfrm>
+            <a:off x="714380" y="3052902"/>
+            <a:ext cx="744214" cy="428628"/>
+          </a:xfrm>
+          <a:prstGeom prst="roundRect">
+            <a:avLst/>
+          </a:prstGeom>
+          <a:solidFill>
+            <a:srgbClr val="FFA3E7"/>
+          </a:solidFill>
+          <a:ln w="12700" cmpd="sng">
+            <a:solidFill>
+              <a:schemeClr val="tx1"/>
+            </a:solidFill>
+            <a:prstDash val="sysDash"/>
+          </a:ln>
+          <a:effectLst/>
+        </p:spPr>
+        <p:txBody>
+          <a:bodyPr wrap="none" lIns="90000" tIns="45000" rIns="90000" bIns="45000" anchor="ctr"/>
+          <a:lstStyle>
+            <a:defPPr>
+              <a:defRPr lang="en-US"/>
+            </a:defPPr>
+            <a:lvl1pPr marL="0" algn="l" defTabSz="914400" rtl="0" eaLnBrk="1" latinLnBrk="0" hangingPunct="1">
+              <a:defRPr sz="1800" kern="1200">
+                <a:solidFill>
+                  <a:schemeClr val="tx1"/>
+                </a:solidFill>
+                <a:latin typeface="+mn-lt"/>
+                <a:ea typeface="+mn-ea"/>
+                <a:cs typeface="+mn-cs"/>
+              </a:defRPr>
+            </a:lvl1pPr>
+            <a:lvl2pPr marL="457200" algn="l" defTabSz="914400" rtl="0" eaLnBrk="1" latinLnBrk="0" hangingPunct="1">
+              <a:defRPr sz="1800" kern="1200">
+                <a:solidFill>
+                  <a:schemeClr val="tx1"/>
+                </a:solidFill>
+                <a:latin typeface="+mn-lt"/>
+                <a:ea typeface="+mn-ea"/>
+                <a:cs typeface="+mn-cs"/>
+              </a:defRPr>
+            </a:lvl2pPr>
+            <a:lvl3pPr marL="914400" algn="l" defTabSz="914400" rtl="0" eaLnBrk="1" latinLnBrk="0" hangingPunct="1">
+              <a:defRPr sz="1800" kern="1200">
+                <a:solidFill>
+                  <a:schemeClr val="tx1"/>
+                </a:solidFill>
+                <a:latin typeface="+mn-lt"/>
+                <a:ea typeface="+mn-ea"/>
+                <a:cs typeface="+mn-cs"/>
+              </a:defRPr>
+            </a:lvl3pPr>
+            <a:lvl4pPr marL="1371600" algn="l" defTabSz="914400" rtl="0" eaLnBrk="1" latinLnBrk="0" hangingPunct="1">
+              <a:defRPr sz="1800" kern="1200">
+                <a:solidFill>
+                  <a:schemeClr val="tx1"/>
+                </a:solidFill>
+                <a:latin typeface="+mn-lt"/>
+                <a:ea typeface="+mn-ea"/>
+                <a:cs typeface="+mn-cs"/>
+              </a:defRPr>
+            </a:lvl4pPr>
+            <a:lvl5pPr marL="1828800" algn="l" defTabSz="914400" rtl="0" eaLnBrk="1" latinLnBrk="0" hangingPunct="1">
+              <a:defRPr sz="1800" kern="1200">
+                <a:solidFill>
+                  <a:schemeClr val="tx1"/>
+                </a:solidFill>
+                <a:latin typeface="+mn-lt"/>
+                <a:ea typeface="+mn-ea"/>
+                <a:cs typeface="+mn-cs"/>
+              </a:defRPr>
+            </a:lvl5pPr>
+            <a:lvl6pPr marL="2286000" algn="l" defTabSz="914400" rtl="0" eaLnBrk="1" latinLnBrk="0" hangingPunct="1">
+              <a:defRPr sz="1800" kern="1200">
+                <a:solidFill>
+                  <a:schemeClr val="tx1"/>
+                </a:solidFill>
+                <a:latin typeface="+mn-lt"/>
+                <a:ea typeface="+mn-ea"/>
+                <a:cs typeface="+mn-cs"/>
+              </a:defRPr>
+            </a:lvl6pPr>
+            <a:lvl7pPr marL="2743200" algn="l" defTabSz="914400" rtl="0" eaLnBrk="1" latinLnBrk="0" hangingPunct="1">
+              <a:defRPr sz="1800" kern="1200">
+                <a:solidFill>
+                  <a:schemeClr val="tx1"/>
+                </a:solidFill>
+                <a:latin typeface="+mn-lt"/>
+                <a:ea typeface="+mn-ea"/>
+                <a:cs typeface="+mn-cs"/>
+              </a:defRPr>
+            </a:lvl7pPr>
+            <a:lvl8pPr marL="3200400" algn="l" defTabSz="914400" rtl="0" eaLnBrk="1" latinLnBrk="0" hangingPunct="1">
+              <a:defRPr sz="1800" kern="1200">
+                <a:solidFill>
+                  <a:schemeClr val="tx1"/>
+                </a:solidFill>
+                <a:latin typeface="+mn-lt"/>
+                <a:ea typeface="+mn-ea"/>
+                <a:cs typeface="+mn-cs"/>
+              </a:defRPr>
+            </a:lvl8pPr>
+            <a:lvl9pPr marL="3657600" algn="l" defTabSz="914400" rtl="0" eaLnBrk="1" latinLnBrk="0" hangingPunct="1">
+              <a:defRPr sz="1800" kern="1200">
+                <a:solidFill>
+                  <a:schemeClr val="tx1"/>
+                </a:solidFill>
+                <a:latin typeface="+mn-lt"/>
+                <a:ea typeface="+mn-ea"/>
+                <a:cs typeface="+mn-cs"/>
+              </a:defRPr>
+            </a:lvl9pPr>
+          </a:lstStyle>
+          <a:p>
+            <a:pPr algn="ctr">
+              <a:lnSpc>
+                <a:spcPct val="100000"/>
+              </a:lnSpc>
+            </a:pPr>
+            <a:r>
+              <a:rPr lang="it-IT" sz="1400" dirty="0" err="1" smtClean="0">
+                <a:cs typeface="Times New Roman" pitchFamily="18" charset="0"/>
+              </a:rPr>
+              <a:t>Docker</a:t>
+            </a:r>
+            <a:endParaRPr lang="it-IT" sz="1400" dirty="0">
+              <a:cs typeface="Times New Roman" pitchFamily="18" charset="0"/>
+            </a:endParaRPr>
+          </a:p>
+          <a:p>
+            <a:pPr algn="ctr">
+              <a:lnSpc>
+                <a:spcPct val="100000"/>
+              </a:lnSpc>
+            </a:pPr>
+            <a:r>
+              <a:rPr lang="it-IT" sz="1400" dirty="0" err="1" smtClean="0">
+                <a:cs typeface="Times New Roman" pitchFamily="18" charset="0"/>
+              </a:rPr>
+              <a:t>engine</a:t>
+            </a:r>
+            <a:endParaRPr sz="1400" dirty="0">
+              <a:cs typeface="Times New Roman" pitchFamily="18" charset="0"/>
+            </a:endParaRPr>
+          </a:p>
+        </p:txBody>
+      </p:sp>
+      <p:sp>
+        <p:nvSpPr>
+          <p:cNvPr id="88" name="CustomShape 10"/>
+          <p:cNvSpPr/>
+          <p:nvPr/>
+        </p:nvSpPr>
+        <p:spPr>
+          <a:xfrm>
+            <a:off x="1214446" y="3558041"/>
+            <a:ext cx="838094" cy="428628"/>
+          </a:xfrm>
+          <a:prstGeom prst="roundRect">
+            <a:avLst/>
+          </a:prstGeom>
+          <a:solidFill>
+            <a:srgbClr val="FFC611"/>
+          </a:solidFill>
+          <a:ln w="12700" cmpd="sng">
+            <a:solidFill>
+              <a:schemeClr val="tx1"/>
+            </a:solidFill>
+            <a:prstDash val="sysDash"/>
+          </a:ln>
+          <a:effectLst/>
+        </p:spPr>
+        <p:txBody>
+          <a:bodyPr wrap="none" lIns="90000" tIns="45000" rIns="90000" bIns="45000" anchor="ctr"/>
+          <a:lstStyle>
+            <a:defPPr>
+              <a:defRPr lang="en-US"/>
+            </a:defPPr>
+            <a:lvl1pPr marL="0" algn="l" defTabSz="914400" rtl="0" eaLnBrk="1" latinLnBrk="0" hangingPunct="1">
+              <a:defRPr sz="1800" kern="1200">
+                <a:solidFill>
+                  <a:schemeClr val="tx1"/>
+                </a:solidFill>
+                <a:latin typeface="+mn-lt"/>
+                <a:ea typeface="+mn-ea"/>
+                <a:cs typeface="+mn-cs"/>
+              </a:defRPr>
+            </a:lvl1pPr>
+            <a:lvl2pPr marL="457200" algn="l" defTabSz="914400" rtl="0" eaLnBrk="1" latinLnBrk="0" hangingPunct="1">
+              <a:defRPr sz="1800" kern="1200">
+                <a:solidFill>
+                  <a:schemeClr val="tx1"/>
+                </a:solidFill>
+                <a:latin typeface="+mn-lt"/>
+                <a:ea typeface="+mn-ea"/>
+                <a:cs typeface="+mn-cs"/>
+              </a:defRPr>
+            </a:lvl2pPr>
+            <a:lvl3pPr marL="914400" algn="l" defTabSz="914400" rtl="0" eaLnBrk="1" latinLnBrk="0" hangingPunct="1">
+              <a:defRPr sz="1800" kern="1200">
+                <a:solidFill>
+                  <a:schemeClr val="tx1"/>
+                </a:solidFill>
+                <a:latin typeface="+mn-lt"/>
+                <a:ea typeface="+mn-ea"/>
+                <a:cs typeface="+mn-cs"/>
+              </a:defRPr>
+            </a:lvl3pPr>
+            <a:lvl4pPr marL="1371600" algn="l" defTabSz="914400" rtl="0" eaLnBrk="1" latinLnBrk="0" hangingPunct="1">
+              <a:defRPr sz="1800" kern="1200">
+                <a:solidFill>
+                  <a:schemeClr val="tx1"/>
+                </a:solidFill>
+                <a:latin typeface="+mn-lt"/>
+                <a:ea typeface="+mn-ea"/>
+                <a:cs typeface="+mn-cs"/>
+              </a:defRPr>
+            </a:lvl4pPr>
+            <a:lvl5pPr marL="1828800" algn="l" defTabSz="914400" rtl="0" eaLnBrk="1" latinLnBrk="0" hangingPunct="1">
+              <a:defRPr sz="1800" kern="1200">
+                <a:solidFill>
+                  <a:schemeClr val="tx1"/>
+                </a:solidFill>
+                <a:latin typeface="+mn-lt"/>
+                <a:ea typeface="+mn-ea"/>
+                <a:cs typeface="+mn-cs"/>
+              </a:defRPr>
+            </a:lvl5pPr>
+            <a:lvl6pPr marL="2286000" algn="l" defTabSz="914400" rtl="0" eaLnBrk="1" latinLnBrk="0" hangingPunct="1">
+              <a:defRPr sz="1800" kern="1200">
+                <a:solidFill>
+                  <a:schemeClr val="tx1"/>
+                </a:solidFill>
+                <a:latin typeface="+mn-lt"/>
+                <a:ea typeface="+mn-ea"/>
+                <a:cs typeface="+mn-cs"/>
+              </a:defRPr>
+            </a:lvl6pPr>
+            <a:lvl7pPr marL="2743200" algn="l" defTabSz="914400" rtl="0" eaLnBrk="1" latinLnBrk="0" hangingPunct="1">
+              <a:defRPr sz="1800" kern="1200">
+                <a:solidFill>
+                  <a:schemeClr val="tx1"/>
+                </a:solidFill>
+                <a:latin typeface="+mn-lt"/>
+                <a:ea typeface="+mn-ea"/>
+                <a:cs typeface="+mn-cs"/>
+              </a:defRPr>
+            </a:lvl7pPr>
+            <a:lvl8pPr marL="3200400" algn="l" defTabSz="914400" rtl="0" eaLnBrk="1" latinLnBrk="0" hangingPunct="1">
+              <a:defRPr sz="1800" kern="1200">
+                <a:solidFill>
+                  <a:schemeClr val="tx1"/>
+                </a:solidFill>
+                <a:latin typeface="+mn-lt"/>
+                <a:ea typeface="+mn-ea"/>
+                <a:cs typeface="+mn-cs"/>
+              </a:defRPr>
+            </a:lvl8pPr>
+            <a:lvl9pPr marL="3657600" algn="l" defTabSz="914400" rtl="0" eaLnBrk="1" latinLnBrk="0" hangingPunct="1">
+              <a:defRPr sz="1800" kern="1200">
+                <a:solidFill>
+                  <a:schemeClr val="tx1"/>
+                </a:solidFill>
+                <a:latin typeface="+mn-lt"/>
+                <a:ea typeface="+mn-ea"/>
+                <a:cs typeface="+mn-cs"/>
+              </a:defRPr>
+            </a:lvl9pPr>
+          </a:lstStyle>
+          <a:p>
+            <a:pPr algn="ctr">
+              <a:lnSpc>
+                <a:spcPct val="100000"/>
+              </a:lnSpc>
+            </a:pPr>
             <a:r>
               <a:rPr lang="it-IT" sz="1400" dirty="0">
                 <a:cs typeface="Times New Roman" pitchFamily="18" charset="0"/>
               </a:rPr>
-              <a:t>VNF5</a:t>
+              <a:t>KVM </a:t>
+            </a:r>
+          </a:p>
+          <a:p>
+            <a:pPr algn="ctr">
+              <a:lnSpc>
+                <a:spcPct val="100000"/>
+              </a:lnSpc>
+            </a:pPr>
+            <a:r>
+              <a:rPr lang="it-IT" sz="1400" dirty="0" err="1">
+                <a:cs typeface="Times New Roman" pitchFamily="18" charset="0"/>
+              </a:rPr>
+              <a:t>hypervisor</a:t>
+            </a:r>
+            <a:endParaRPr lang="it-IT" sz="1400" dirty="0">
+              <a:cs typeface="Times New Roman" pitchFamily="18" charset="0"/>
+            </a:endParaRPr>
+          </a:p>
+        </p:txBody>
+      </p:sp>
+      <p:sp>
+        <p:nvSpPr>
+          <p:cNvPr id="89" name="CustomShape 10"/>
+          <p:cNvSpPr/>
+          <p:nvPr/>
+        </p:nvSpPr>
+        <p:spPr>
+          <a:xfrm>
+            <a:off x="214314" y="3558041"/>
+            <a:ext cx="642942" cy="428628"/>
+          </a:xfrm>
+          <a:prstGeom prst="roundRect">
+            <a:avLst/>
+          </a:prstGeom>
+          <a:solidFill>
+            <a:schemeClr val="accent1">
+              <a:lumMod val="60000"/>
+              <a:lumOff val="40000"/>
+            </a:schemeClr>
+          </a:solidFill>
+          <a:ln w="12700" cmpd="sng">
+            <a:solidFill>
+              <a:schemeClr val="tx1"/>
+            </a:solidFill>
+            <a:prstDash val="sysDash"/>
+          </a:ln>
+          <a:effectLst/>
+        </p:spPr>
+        <p:txBody>
+          <a:bodyPr wrap="none" lIns="90000" tIns="45000" rIns="90000" bIns="45000" anchor="ctr"/>
+          <a:lstStyle>
+            <a:defPPr>
+              <a:defRPr lang="en-US"/>
+            </a:defPPr>
+            <a:lvl1pPr marL="0" algn="l" defTabSz="914400" rtl="0" eaLnBrk="1" latinLnBrk="0" hangingPunct="1">
+              <a:defRPr sz="1800" kern="1200">
+                <a:solidFill>
+                  <a:schemeClr val="tx1"/>
+                </a:solidFill>
+                <a:latin typeface="+mn-lt"/>
+                <a:ea typeface="+mn-ea"/>
+                <a:cs typeface="+mn-cs"/>
+              </a:defRPr>
+            </a:lvl1pPr>
+            <a:lvl2pPr marL="457200" algn="l" defTabSz="914400" rtl="0" eaLnBrk="1" latinLnBrk="0" hangingPunct="1">
+              <a:defRPr sz="1800" kern="1200">
+                <a:solidFill>
+                  <a:schemeClr val="tx1"/>
+                </a:solidFill>
+                <a:latin typeface="+mn-lt"/>
+                <a:ea typeface="+mn-ea"/>
+                <a:cs typeface="+mn-cs"/>
+              </a:defRPr>
+            </a:lvl2pPr>
+            <a:lvl3pPr marL="914400" algn="l" defTabSz="914400" rtl="0" eaLnBrk="1" latinLnBrk="0" hangingPunct="1">
+              <a:defRPr sz="1800" kern="1200">
+                <a:solidFill>
+                  <a:schemeClr val="tx1"/>
+                </a:solidFill>
+                <a:latin typeface="+mn-lt"/>
+                <a:ea typeface="+mn-ea"/>
+                <a:cs typeface="+mn-cs"/>
+              </a:defRPr>
+            </a:lvl3pPr>
+            <a:lvl4pPr marL="1371600" algn="l" defTabSz="914400" rtl="0" eaLnBrk="1" latinLnBrk="0" hangingPunct="1">
+              <a:defRPr sz="1800" kern="1200">
+                <a:solidFill>
+                  <a:schemeClr val="tx1"/>
+                </a:solidFill>
+                <a:latin typeface="+mn-lt"/>
+                <a:ea typeface="+mn-ea"/>
+                <a:cs typeface="+mn-cs"/>
+              </a:defRPr>
+            </a:lvl4pPr>
+            <a:lvl5pPr marL="1828800" algn="l" defTabSz="914400" rtl="0" eaLnBrk="1" latinLnBrk="0" hangingPunct="1">
+              <a:defRPr sz="1800" kern="1200">
+                <a:solidFill>
+                  <a:schemeClr val="tx1"/>
+                </a:solidFill>
+                <a:latin typeface="+mn-lt"/>
+                <a:ea typeface="+mn-ea"/>
+                <a:cs typeface="+mn-cs"/>
+              </a:defRPr>
+            </a:lvl5pPr>
+            <a:lvl6pPr marL="2286000" algn="l" defTabSz="914400" rtl="0" eaLnBrk="1" latinLnBrk="0" hangingPunct="1">
+              <a:defRPr sz="1800" kern="1200">
+                <a:solidFill>
+                  <a:schemeClr val="tx1"/>
+                </a:solidFill>
+                <a:latin typeface="+mn-lt"/>
+                <a:ea typeface="+mn-ea"/>
+                <a:cs typeface="+mn-cs"/>
+              </a:defRPr>
+            </a:lvl6pPr>
+            <a:lvl7pPr marL="2743200" algn="l" defTabSz="914400" rtl="0" eaLnBrk="1" latinLnBrk="0" hangingPunct="1">
+              <a:defRPr sz="1800" kern="1200">
+                <a:solidFill>
+                  <a:schemeClr val="tx1"/>
+                </a:solidFill>
+                <a:latin typeface="+mn-lt"/>
+                <a:ea typeface="+mn-ea"/>
+                <a:cs typeface="+mn-cs"/>
+              </a:defRPr>
+            </a:lvl7pPr>
+            <a:lvl8pPr marL="3200400" algn="l" defTabSz="914400" rtl="0" eaLnBrk="1" latinLnBrk="0" hangingPunct="1">
+              <a:defRPr sz="1800" kern="1200">
+                <a:solidFill>
+                  <a:schemeClr val="tx1"/>
+                </a:solidFill>
+                <a:latin typeface="+mn-lt"/>
+                <a:ea typeface="+mn-ea"/>
+                <a:cs typeface="+mn-cs"/>
+              </a:defRPr>
+            </a:lvl8pPr>
+            <a:lvl9pPr marL="3657600" algn="l" defTabSz="914400" rtl="0" eaLnBrk="1" latinLnBrk="0" hangingPunct="1">
+              <a:defRPr sz="1800" kern="1200">
+                <a:solidFill>
+                  <a:schemeClr val="tx1"/>
+                </a:solidFill>
+                <a:latin typeface="+mn-lt"/>
+                <a:ea typeface="+mn-ea"/>
+                <a:cs typeface="+mn-cs"/>
+              </a:defRPr>
+            </a:lvl9pPr>
+          </a:lstStyle>
+          <a:p>
+            <a:pPr algn="ctr">
+              <a:lnSpc>
+                <a:spcPct val="100000"/>
+              </a:lnSpc>
+            </a:pPr>
+            <a:r>
+              <a:rPr lang="it-IT" sz="1400" dirty="0" smtClean="0">
+                <a:cs typeface="Times New Roman" pitchFamily="18" charset="0"/>
+              </a:rPr>
+              <a:t>DPDK</a:t>
+            </a:r>
+          </a:p>
+          <a:p>
+            <a:pPr algn="ctr">
+              <a:lnSpc>
+                <a:spcPct val="100000"/>
+              </a:lnSpc>
+            </a:pPr>
+            <a:r>
+              <a:rPr lang="it-IT" sz="1400" dirty="0" err="1" smtClean="0">
+                <a:cs typeface="Times New Roman" pitchFamily="18" charset="0"/>
+              </a:rPr>
+              <a:t>engine</a:t>
             </a:r>
             <a:endParaRPr sz="1400" dirty="0">
               <a:cs typeface="Times New Roman" pitchFamily="18" charset="0"/>
@@ -13851,14 +14078,463 @@
       </p:sp>
       <p:sp>
         <p:nvSpPr>
-          <p:cNvPr id="62" name="CustomShape 52"/>
+          <p:cNvPr id="132" name="CustomShape 3"/>
           <p:cNvSpPr/>
           <p:nvPr/>
         </p:nvSpPr>
         <p:spPr>
           <a:xfrm>
-            <a:off x="6479924" y="3004203"/>
-            <a:ext cx="627615" cy="408440"/>
+            <a:off x="4970312" y="864189"/>
+            <a:ext cx="1857388" cy="243942"/>
+          </a:xfrm>
+          <a:prstGeom prst="rect">
+            <a:avLst/>
+          </a:prstGeom>
+          <a:solidFill>
+            <a:schemeClr val="accent1">
+              <a:lumMod val="20000"/>
+              <a:lumOff val="80000"/>
+            </a:schemeClr>
+          </a:solidFill>
+          <a:ln w="12700">
+            <a:solidFill>
+              <a:schemeClr val="tx1"/>
+            </a:solidFill>
+          </a:ln>
+        </p:spPr>
+        <p:style>
+          <a:lnRef idx="2">
+            <a:schemeClr val="accent1">
+              <a:shade val="50000"/>
+            </a:schemeClr>
+          </a:lnRef>
+          <a:fillRef idx="1">
+            <a:schemeClr val="accent1"/>
+          </a:fillRef>
+          <a:effectRef idx="0">
+            <a:schemeClr val="accent1"/>
+          </a:effectRef>
+          <a:fontRef idx="minor">
+            <a:schemeClr val="lt1"/>
+          </a:fontRef>
+        </p:style>
+        <p:txBody>
+          <a:bodyPr lIns="36000" tIns="36000" rIns="36000" bIns="36000" rtlCol="0" anchor="ctr"/>
+          <a:lstStyle>
+            <a:defPPr>
+              <a:defRPr lang="en-US"/>
+            </a:defPPr>
+            <a:lvl1pPr marL="0" algn="l" defTabSz="914400" rtl="0" eaLnBrk="1" latinLnBrk="0" hangingPunct="1">
+              <a:defRPr sz="1800" kern="1200">
+                <a:solidFill>
+                  <a:schemeClr val="lt1"/>
+                </a:solidFill>
+                <a:latin typeface="+mn-lt"/>
+                <a:ea typeface="+mn-ea"/>
+                <a:cs typeface="+mn-cs"/>
+              </a:defRPr>
+            </a:lvl1pPr>
+            <a:lvl2pPr marL="457200" algn="l" defTabSz="914400" rtl="0" eaLnBrk="1" latinLnBrk="0" hangingPunct="1">
+              <a:defRPr sz="1800" kern="1200">
+                <a:solidFill>
+                  <a:schemeClr val="lt1"/>
+                </a:solidFill>
+                <a:latin typeface="+mn-lt"/>
+                <a:ea typeface="+mn-ea"/>
+                <a:cs typeface="+mn-cs"/>
+              </a:defRPr>
+            </a:lvl2pPr>
+            <a:lvl3pPr marL="914400" algn="l" defTabSz="914400" rtl="0" eaLnBrk="1" latinLnBrk="0" hangingPunct="1">
+              <a:defRPr sz="1800" kern="1200">
+                <a:solidFill>
+                  <a:schemeClr val="lt1"/>
+                </a:solidFill>
+                <a:latin typeface="+mn-lt"/>
+                <a:ea typeface="+mn-ea"/>
+                <a:cs typeface="+mn-cs"/>
+              </a:defRPr>
+            </a:lvl3pPr>
+            <a:lvl4pPr marL="1371600" algn="l" defTabSz="914400" rtl="0" eaLnBrk="1" latinLnBrk="0" hangingPunct="1">
+              <a:defRPr sz="1800" kern="1200">
+                <a:solidFill>
+                  <a:schemeClr val="lt1"/>
+                </a:solidFill>
+                <a:latin typeface="+mn-lt"/>
+                <a:ea typeface="+mn-ea"/>
+                <a:cs typeface="+mn-cs"/>
+              </a:defRPr>
+            </a:lvl4pPr>
+            <a:lvl5pPr marL="1828800" algn="l" defTabSz="914400" rtl="0" eaLnBrk="1" latinLnBrk="0" hangingPunct="1">
+              <a:defRPr sz="1800" kern="1200">
+                <a:solidFill>
+                  <a:schemeClr val="lt1"/>
+                </a:solidFill>
+                <a:latin typeface="+mn-lt"/>
+                <a:ea typeface="+mn-ea"/>
+                <a:cs typeface="+mn-cs"/>
+              </a:defRPr>
+            </a:lvl5pPr>
+            <a:lvl6pPr marL="2286000" algn="l" defTabSz="914400" rtl="0" eaLnBrk="1" latinLnBrk="0" hangingPunct="1">
+              <a:defRPr sz="1800" kern="1200">
+                <a:solidFill>
+                  <a:schemeClr val="lt1"/>
+                </a:solidFill>
+                <a:latin typeface="+mn-lt"/>
+                <a:ea typeface="+mn-ea"/>
+                <a:cs typeface="+mn-cs"/>
+              </a:defRPr>
+            </a:lvl6pPr>
+            <a:lvl7pPr marL="2743200" algn="l" defTabSz="914400" rtl="0" eaLnBrk="1" latinLnBrk="0" hangingPunct="1">
+              <a:defRPr sz="1800" kern="1200">
+                <a:solidFill>
+                  <a:schemeClr val="lt1"/>
+                </a:solidFill>
+                <a:latin typeface="+mn-lt"/>
+                <a:ea typeface="+mn-ea"/>
+                <a:cs typeface="+mn-cs"/>
+              </a:defRPr>
+            </a:lvl7pPr>
+            <a:lvl8pPr marL="3200400" algn="l" defTabSz="914400" rtl="0" eaLnBrk="1" latinLnBrk="0" hangingPunct="1">
+              <a:defRPr sz="1800" kern="1200">
+                <a:solidFill>
+                  <a:schemeClr val="lt1"/>
+                </a:solidFill>
+                <a:latin typeface="+mn-lt"/>
+                <a:ea typeface="+mn-ea"/>
+                <a:cs typeface="+mn-cs"/>
+              </a:defRPr>
+            </a:lvl8pPr>
+            <a:lvl9pPr marL="3657600" algn="l" defTabSz="914400" rtl="0" eaLnBrk="1" latinLnBrk="0" hangingPunct="1">
+              <a:defRPr sz="1800" kern="1200">
+                <a:solidFill>
+                  <a:schemeClr val="lt1"/>
+                </a:solidFill>
+                <a:latin typeface="+mn-lt"/>
+                <a:ea typeface="+mn-ea"/>
+                <a:cs typeface="+mn-cs"/>
+              </a:defRPr>
+            </a:lvl9pPr>
+          </a:lstStyle>
+          <a:p>
+            <a:pPr algn="ctr"/>
+            <a:r>
+              <a:rPr lang="it-IT" sz="1400" dirty="0" err="1" smtClean="0">
+                <a:solidFill>
+                  <a:schemeClr val="tx1"/>
+                </a:solidFill>
+              </a:rPr>
+              <a:t>DoubleDecker</a:t>
+            </a:r>
+            <a:r>
+              <a:rPr lang="it-IT" sz="1400" dirty="0" smtClean="0">
+                <a:solidFill>
+                  <a:schemeClr val="tx1"/>
+                </a:solidFill>
+              </a:rPr>
+              <a:t> client</a:t>
+            </a:r>
+            <a:endParaRPr sz="1400" dirty="0">
+              <a:solidFill>
+                <a:schemeClr val="tx1"/>
+              </a:solidFill>
+            </a:endParaRPr>
+          </a:p>
+        </p:txBody>
+      </p:sp>
+      <p:sp>
+        <p:nvSpPr>
+          <p:cNvPr id="90" name="CustomShape 10"/>
+          <p:cNvSpPr/>
+          <p:nvPr/>
+        </p:nvSpPr>
+        <p:spPr>
+          <a:xfrm>
+            <a:off x="1714512" y="3079558"/>
+            <a:ext cx="785818" cy="428628"/>
+          </a:xfrm>
+          <a:prstGeom prst="roundRect">
+            <a:avLst/>
+          </a:prstGeom>
+          <a:solidFill>
+            <a:schemeClr val="bg1">
+              <a:lumMod val="75000"/>
+            </a:schemeClr>
+          </a:solidFill>
+          <a:ln w="12700" cmpd="sng">
+            <a:solidFill>
+              <a:schemeClr val="tx1"/>
+            </a:solidFill>
+            <a:prstDash val="sysDash"/>
+          </a:ln>
+          <a:effectLst/>
+        </p:spPr>
+        <p:txBody>
+          <a:bodyPr wrap="none" lIns="90000" tIns="45000" rIns="90000" bIns="45000" anchor="ctr"/>
+          <a:lstStyle>
+            <a:defPPr>
+              <a:defRPr lang="en-US"/>
+            </a:defPPr>
+            <a:lvl1pPr marL="0" algn="l" defTabSz="914400" rtl="0" eaLnBrk="1" latinLnBrk="0" hangingPunct="1">
+              <a:defRPr sz="1800" kern="1200">
+                <a:solidFill>
+                  <a:schemeClr val="tx1"/>
+                </a:solidFill>
+                <a:latin typeface="+mn-lt"/>
+                <a:ea typeface="+mn-ea"/>
+                <a:cs typeface="+mn-cs"/>
+              </a:defRPr>
+            </a:lvl1pPr>
+            <a:lvl2pPr marL="457200" algn="l" defTabSz="914400" rtl="0" eaLnBrk="1" latinLnBrk="0" hangingPunct="1">
+              <a:defRPr sz="1800" kern="1200">
+                <a:solidFill>
+                  <a:schemeClr val="tx1"/>
+                </a:solidFill>
+                <a:latin typeface="+mn-lt"/>
+                <a:ea typeface="+mn-ea"/>
+                <a:cs typeface="+mn-cs"/>
+              </a:defRPr>
+            </a:lvl2pPr>
+            <a:lvl3pPr marL="914400" algn="l" defTabSz="914400" rtl="0" eaLnBrk="1" latinLnBrk="0" hangingPunct="1">
+              <a:defRPr sz="1800" kern="1200">
+                <a:solidFill>
+                  <a:schemeClr val="tx1"/>
+                </a:solidFill>
+                <a:latin typeface="+mn-lt"/>
+                <a:ea typeface="+mn-ea"/>
+                <a:cs typeface="+mn-cs"/>
+              </a:defRPr>
+            </a:lvl3pPr>
+            <a:lvl4pPr marL="1371600" algn="l" defTabSz="914400" rtl="0" eaLnBrk="1" latinLnBrk="0" hangingPunct="1">
+              <a:defRPr sz="1800" kern="1200">
+                <a:solidFill>
+                  <a:schemeClr val="tx1"/>
+                </a:solidFill>
+                <a:latin typeface="+mn-lt"/>
+                <a:ea typeface="+mn-ea"/>
+                <a:cs typeface="+mn-cs"/>
+              </a:defRPr>
+            </a:lvl4pPr>
+            <a:lvl5pPr marL="1828800" algn="l" defTabSz="914400" rtl="0" eaLnBrk="1" latinLnBrk="0" hangingPunct="1">
+              <a:defRPr sz="1800" kern="1200">
+                <a:solidFill>
+                  <a:schemeClr val="tx1"/>
+                </a:solidFill>
+                <a:latin typeface="+mn-lt"/>
+                <a:ea typeface="+mn-ea"/>
+                <a:cs typeface="+mn-cs"/>
+              </a:defRPr>
+            </a:lvl5pPr>
+            <a:lvl6pPr marL="2286000" algn="l" defTabSz="914400" rtl="0" eaLnBrk="1" latinLnBrk="0" hangingPunct="1">
+              <a:defRPr sz="1800" kern="1200">
+                <a:solidFill>
+                  <a:schemeClr val="tx1"/>
+                </a:solidFill>
+                <a:latin typeface="+mn-lt"/>
+                <a:ea typeface="+mn-ea"/>
+                <a:cs typeface="+mn-cs"/>
+              </a:defRPr>
+            </a:lvl6pPr>
+            <a:lvl7pPr marL="2743200" algn="l" defTabSz="914400" rtl="0" eaLnBrk="1" latinLnBrk="0" hangingPunct="1">
+              <a:defRPr sz="1800" kern="1200">
+                <a:solidFill>
+                  <a:schemeClr val="tx1"/>
+                </a:solidFill>
+                <a:latin typeface="+mn-lt"/>
+                <a:ea typeface="+mn-ea"/>
+                <a:cs typeface="+mn-cs"/>
+              </a:defRPr>
+            </a:lvl7pPr>
+            <a:lvl8pPr marL="3200400" algn="l" defTabSz="914400" rtl="0" eaLnBrk="1" latinLnBrk="0" hangingPunct="1">
+              <a:defRPr sz="1800" kern="1200">
+                <a:solidFill>
+                  <a:schemeClr val="tx1"/>
+                </a:solidFill>
+                <a:latin typeface="+mn-lt"/>
+                <a:ea typeface="+mn-ea"/>
+                <a:cs typeface="+mn-cs"/>
+              </a:defRPr>
+            </a:lvl8pPr>
+            <a:lvl9pPr marL="3657600" algn="l" defTabSz="914400" rtl="0" eaLnBrk="1" latinLnBrk="0" hangingPunct="1">
+              <a:defRPr sz="1800" kern="1200">
+                <a:solidFill>
+                  <a:schemeClr val="tx1"/>
+                </a:solidFill>
+                <a:latin typeface="+mn-lt"/>
+                <a:ea typeface="+mn-ea"/>
+                <a:cs typeface="+mn-cs"/>
+              </a:defRPr>
+            </a:lvl9pPr>
+          </a:lstStyle>
+          <a:p>
+            <a:pPr algn="ctr">
+              <a:lnSpc>
+                <a:spcPct val="100000"/>
+              </a:lnSpc>
+            </a:pPr>
+            <a:r>
+              <a:rPr lang="it-IT" sz="1400" dirty="0" smtClean="0">
+                <a:cs typeface="Times New Roman" pitchFamily="18" charset="0"/>
+              </a:rPr>
+              <a:t>Native</a:t>
+            </a:r>
+          </a:p>
+          <a:p>
+            <a:pPr algn="ctr">
+              <a:lnSpc>
+                <a:spcPct val="100000"/>
+              </a:lnSpc>
+            </a:pPr>
+            <a:r>
+              <a:rPr lang="it-IT" sz="1400" dirty="0" err="1" smtClean="0">
+                <a:cs typeface="Times New Roman" pitchFamily="18" charset="0"/>
+              </a:rPr>
+              <a:t>functions</a:t>
+            </a:r>
+            <a:endParaRPr sz="1400" dirty="0">
+              <a:cs typeface="Times New Roman" pitchFamily="18" charset="0"/>
+            </a:endParaRPr>
+          </a:p>
+        </p:txBody>
+      </p:sp>
+      <p:sp>
+        <p:nvSpPr>
+          <p:cNvPr id="97" name="CustomShape 52"/>
+          <p:cNvSpPr/>
+          <p:nvPr/>
+        </p:nvSpPr>
+        <p:spPr>
+          <a:xfrm>
+            <a:off x="2690471" y="2068017"/>
+            <a:ext cx="1059157" cy="806298"/>
+          </a:xfrm>
+          <a:prstGeom prst="rect">
+            <a:avLst/>
+          </a:prstGeom>
+          <a:solidFill>
+            <a:srgbClr val="CCFFCC"/>
+          </a:solidFill>
+          <a:ln w="12700">
+            <a:solidFill>
+              <a:schemeClr val="tx1"/>
+            </a:solidFill>
+          </a:ln>
+          <a:effectLst/>
+        </p:spPr>
+        <p:txBody>
+          <a:bodyPr wrap="none" lIns="0" tIns="0" rIns="0" bIns="0" anchor="t"/>
+          <a:lstStyle/>
+          <a:p>
+            <a:pPr algn="ctr"/>
+            <a:r>
+              <a:rPr lang="it-IT" sz="1400" dirty="0">
+                <a:cs typeface="Times New Roman" pitchFamily="18" charset="0"/>
+              </a:rPr>
+              <a:t>OF driver</a:t>
+            </a:r>
+            <a:endParaRPr sz="1400" dirty="0">
+              <a:cs typeface="Times New Roman" pitchFamily="18" charset="0"/>
+            </a:endParaRPr>
+          </a:p>
+        </p:txBody>
+      </p:sp>
+      <p:sp>
+        <p:nvSpPr>
+          <p:cNvPr id="72" name="Rectangle 71"/>
+          <p:cNvSpPr/>
+          <p:nvPr/>
+        </p:nvSpPr>
+        <p:spPr>
+          <a:xfrm>
+            <a:off x="2951503" y="1794275"/>
+            <a:ext cx="1222386" cy="276999"/>
+          </a:xfrm>
+          <a:prstGeom prst="rect">
+            <a:avLst/>
+          </a:prstGeom>
+        </p:spPr>
+        <p:txBody>
+          <a:bodyPr wrap="none">
+            <a:spAutoFit/>
+          </a:bodyPr>
+          <a:lstStyle/>
+          <a:p>
+            <a:pPr algn="ctr">
+              <a:lnSpc>
+                <a:spcPct val="100000"/>
+              </a:lnSpc>
+            </a:pPr>
+            <a:r>
+              <a:rPr lang="it-IT" sz="1200" i="1" dirty="0" smtClean="0">
+                <a:cs typeface="Times New Roman" pitchFamily="18" charset="0"/>
+              </a:rPr>
+              <a:t>Control </a:t>
+            </a:r>
+            <a:r>
+              <a:rPr lang="it-IT" sz="1200" i="1" dirty="0" err="1" smtClean="0">
+                <a:cs typeface="Times New Roman" pitchFamily="18" charset="0"/>
+              </a:rPr>
+              <a:t>interface</a:t>
+            </a:r>
+            <a:endParaRPr lang="it-IT" sz="1200" i="1" dirty="0">
+              <a:cs typeface="Times New Roman" pitchFamily="18" charset="0"/>
+            </a:endParaRPr>
+          </a:p>
+        </p:txBody>
+      </p:sp>
+      <p:sp>
+        <p:nvSpPr>
+          <p:cNvPr id="100" name="Rectangle 99"/>
+          <p:cNvSpPr/>
+          <p:nvPr/>
+        </p:nvSpPr>
+        <p:spPr>
+          <a:xfrm>
+            <a:off x="4868388" y="1794162"/>
+            <a:ext cx="1611916" cy="276999"/>
+          </a:xfrm>
+          <a:prstGeom prst="rect">
+            <a:avLst/>
+          </a:prstGeom>
+        </p:spPr>
+        <p:txBody>
+          <a:bodyPr wrap="none">
+            <a:spAutoFit/>
+          </a:bodyPr>
+          <a:lstStyle/>
+          <a:p>
+            <a:pPr algn="ctr">
+              <a:lnSpc>
+                <a:spcPct val="100000"/>
+              </a:lnSpc>
+            </a:pPr>
+            <a:r>
+              <a:rPr lang="it-IT" sz="1200" i="1" dirty="0" smtClean="0">
+                <a:cs typeface="Times New Roman" pitchFamily="18" charset="0"/>
+              </a:rPr>
+              <a:t>Management </a:t>
+            </a:r>
+            <a:r>
+              <a:rPr lang="it-IT" sz="1200" i="1" dirty="0" err="1" smtClean="0">
+                <a:cs typeface="Times New Roman" pitchFamily="18" charset="0"/>
+              </a:rPr>
+              <a:t>interface</a:t>
+            </a:r>
+            <a:endParaRPr lang="it-IT" sz="1200" i="1" dirty="0">
+              <a:cs typeface="Times New Roman" pitchFamily="18" charset="0"/>
+            </a:endParaRPr>
+          </a:p>
+        </p:txBody>
+      </p:sp>
+      <p:sp>
+        <p:nvSpPr>
+          <p:cNvPr id="24" name="CustomShape 52"/>
+          <p:cNvSpPr/>
+          <p:nvPr/>
+        </p:nvSpPr>
+        <p:spPr>
+          <a:xfrm>
+            <a:off x="4785595" y="2055141"/>
+            <a:ext cx="635535" cy="408440"/>
           </a:xfrm>
           <a:prstGeom prst="rect">
             <a:avLst/>
@@ -13874,6 +14550,7 @@
               <a:schemeClr val="tx1"/>
             </a:solidFill>
           </a:ln>
+          <a:effectLst/>
         </p:spPr>
         <p:txBody>
           <a:bodyPr wrap="none" lIns="90000" tIns="45000" rIns="90000" bIns="45000" anchor="ctr"/>
@@ -13979,11 +14656,14 @@
               </a:lnSpc>
             </a:pPr>
             <a:r>
-              <a:rPr lang="it-IT" sz="1400" dirty="0">
+              <a:rPr lang="it-IT" sz="1400" dirty="0" err="1">
                 <a:cs typeface="Times New Roman" pitchFamily="18" charset="0"/>
               </a:rPr>
-              <a:t>ERFS</a:t>
-            </a:r>
+              <a:t>xDPd</a:t>
+            </a:r>
+            <a:endParaRPr lang="it-IT" sz="1400" dirty="0">
+              <a:cs typeface="Times New Roman" pitchFamily="18" charset="0"/>
+            </a:endParaRPr>
           </a:p>
           <a:p>
             <a:pPr algn="ctr">
@@ -14003,520 +14683,22 @@
           </a:p>
         </p:txBody>
       </p:sp>
-      <p:cxnSp>
-        <p:nvCxnSpPr>
-          <p:cNvPr id="63" name="Straight Connector 3"/>
-          <p:cNvCxnSpPr>
-            <a:stCxn id="37" idx="2"/>
-            <a:endCxn id="38" idx="0"/>
-          </p:cNvCxnSpPr>
-          <p:nvPr/>
-        </p:nvCxnSpPr>
-        <p:spPr>
-          <a:xfrm>
-            <a:off x="1554264" y="3930915"/>
-            <a:ext cx="11519" cy="385276"/>
-          </a:xfrm>
-          <a:prstGeom prst="line">
-            <a:avLst/>
-          </a:prstGeom>
-          <a:ln w="12700">
-            <a:solidFill>
-              <a:schemeClr val="tx1"/>
-            </a:solidFill>
-            <a:prstDash val="solid"/>
-            <a:round/>
-          </a:ln>
-        </p:spPr>
-      </p:cxnSp>
-      <p:cxnSp>
-        <p:nvCxnSpPr>
-          <p:cNvPr id="64" name="Straight Connector 81"/>
-          <p:cNvCxnSpPr>
-            <a:stCxn id="40" idx="2"/>
-            <a:endCxn id="38" idx="0"/>
-          </p:cNvCxnSpPr>
-          <p:nvPr/>
-        </p:nvCxnSpPr>
-        <p:spPr>
-          <a:xfrm>
-            <a:off x="983453" y="3930047"/>
-            <a:ext cx="582330" cy="386144"/>
-          </a:xfrm>
-          <a:prstGeom prst="line">
-            <a:avLst/>
-          </a:prstGeom>
-          <a:ln w="12700">
-            <a:solidFill>
-              <a:schemeClr val="tx1"/>
-            </a:solidFill>
-            <a:prstDash val="solid"/>
-            <a:round/>
-          </a:ln>
-        </p:spPr>
-      </p:cxnSp>
-      <p:cxnSp>
-        <p:nvCxnSpPr>
-          <p:cNvPr id="65" name="Straight Connector 84"/>
-          <p:cNvCxnSpPr>
-            <a:stCxn id="39" idx="2"/>
-            <a:endCxn id="38" idx="0"/>
-          </p:cNvCxnSpPr>
-          <p:nvPr/>
-        </p:nvCxnSpPr>
-        <p:spPr>
-          <a:xfrm flipH="1">
-            <a:off x="1565783" y="3932149"/>
-            <a:ext cx="574934" cy="384042"/>
-          </a:xfrm>
-          <a:prstGeom prst="line">
-            <a:avLst/>
-          </a:prstGeom>
-          <a:ln w="12700">
-            <a:solidFill>
-              <a:schemeClr val="tx1"/>
-            </a:solidFill>
-            <a:prstDash val="solid"/>
-            <a:round/>
-          </a:ln>
-        </p:spPr>
-      </p:cxnSp>
-      <p:cxnSp>
-        <p:nvCxnSpPr>
-          <p:cNvPr id="66" name="Straight Connector 159"/>
-          <p:cNvCxnSpPr>
-            <a:stCxn id="32" idx="2"/>
-            <a:endCxn id="60" idx="0"/>
-          </p:cNvCxnSpPr>
-          <p:nvPr/>
-        </p:nvCxnSpPr>
-        <p:spPr>
-          <a:xfrm>
-            <a:off x="2879115" y="3927627"/>
-            <a:ext cx="325483" cy="385193"/>
-          </a:xfrm>
-          <a:prstGeom prst="line">
-            <a:avLst/>
-          </a:prstGeom>
-          <a:ln w="12700">
-            <a:solidFill>
-              <a:schemeClr val="tx1"/>
-            </a:solidFill>
-            <a:prstDash val="solid"/>
-            <a:round/>
-          </a:ln>
-        </p:spPr>
-      </p:cxnSp>
-      <p:cxnSp>
-        <p:nvCxnSpPr>
-          <p:cNvPr id="67" name="Straight Connector 160"/>
-          <p:cNvCxnSpPr>
-            <a:stCxn id="60" idx="0"/>
-            <a:endCxn id="61" idx="2"/>
-          </p:cNvCxnSpPr>
-          <p:nvPr/>
-        </p:nvCxnSpPr>
-        <p:spPr>
-          <a:xfrm flipV="1">
-            <a:off x="3204598" y="3927627"/>
-            <a:ext cx="252658" cy="385193"/>
-          </a:xfrm>
-          <a:prstGeom prst="line">
-            <a:avLst/>
-          </a:prstGeom>
-          <a:ln w="12700">
-            <a:solidFill>
-              <a:schemeClr val="tx1"/>
-            </a:solidFill>
-            <a:prstDash val="solid"/>
-            <a:round/>
-          </a:ln>
-        </p:spPr>
-      </p:cxnSp>
-      <p:cxnSp>
-        <p:nvCxnSpPr>
-          <p:cNvPr id="68" name="Straight Connector 161"/>
-          <p:cNvCxnSpPr>
-            <a:stCxn id="4" idx="0"/>
-            <a:endCxn id="38" idx="2"/>
-          </p:cNvCxnSpPr>
-          <p:nvPr/>
-        </p:nvCxnSpPr>
-        <p:spPr>
-          <a:xfrm flipH="1" flipV="1">
-            <a:off x="1565783" y="4618116"/>
-            <a:ext cx="969171" cy="216053"/>
-          </a:xfrm>
-          <a:prstGeom prst="line">
-            <a:avLst/>
-          </a:prstGeom>
-          <a:ln w="12700">
-            <a:solidFill>
-              <a:schemeClr val="tx1"/>
-            </a:solidFill>
-            <a:prstDash val="dash"/>
-            <a:round/>
-          </a:ln>
-        </p:spPr>
-      </p:cxnSp>
-      <p:cxnSp>
-        <p:nvCxnSpPr>
-          <p:cNvPr id="69" name="Straight Connector 162"/>
-          <p:cNvCxnSpPr>
-            <a:stCxn id="4" idx="0"/>
-            <a:endCxn id="60" idx="2"/>
-          </p:cNvCxnSpPr>
-          <p:nvPr/>
-        </p:nvCxnSpPr>
-        <p:spPr>
-          <a:xfrm flipV="1">
-            <a:off x="2534954" y="4618116"/>
-            <a:ext cx="669644" cy="216053"/>
-          </a:xfrm>
-          <a:prstGeom prst="line">
-            <a:avLst/>
-          </a:prstGeom>
-          <a:ln w="12700">
-            <a:solidFill>
-              <a:schemeClr val="tx1"/>
-            </a:solidFill>
-            <a:prstDash val="dash"/>
-            <a:round/>
-          </a:ln>
-        </p:spPr>
-      </p:cxnSp>
-      <p:sp>
-        <p:nvSpPr>
-          <p:cNvPr id="70" name="CustomShape 3"/>
+      <p:sp>
+        <p:nvSpPr>
+          <p:cNvPr id="25" name="CustomShape 52"/>
           <p:cNvSpPr/>
           <p:nvPr/>
         </p:nvSpPr>
         <p:spPr>
           <a:xfrm>
-            <a:off x="2851634" y="1523199"/>
-            <a:ext cx="2131201" cy="241366"/>
+            <a:off x="5421130" y="2054908"/>
+            <a:ext cx="635975" cy="408440"/>
           </a:xfrm>
           <a:prstGeom prst="rect">
             <a:avLst/>
           </a:prstGeom>
           <a:solidFill>
-            <a:schemeClr val="bg1">
-              <a:lumMod val="95000"/>
-            </a:schemeClr>
-          </a:solidFill>
-          <a:ln w="12700">
-            <a:solidFill>
-              <a:schemeClr val="tx1"/>
-            </a:solidFill>
-          </a:ln>
-        </p:spPr>
-        <p:style>
-          <a:lnRef idx="2">
-            <a:schemeClr val="accent1">
-              <a:shade val="50000"/>
-            </a:schemeClr>
-          </a:lnRef>
-          <a:fillRef idx="1">
-            <a:schemeClr val="accent1"/>
-          </a:fillRef>
-          <a:effectRef idx="0">
-            <a:schemeClr val="accent1"/>
-          </a:effectRef>
-          <a:fontRef idx="minor">
-            <a:schemeClr val="lt1"/>
-          </a:fontRef>
-        </p:style>
-        <p:txBody>
-          <a:bodyPr lIns="36000" tIns="36000" rIns="36000" bIns="36000" rtlCol="0" anchor="ctr"/>
-          <a:lstStyle>
-            <a:defPPr>
-              <a:defRPr lang="en-US"/>
-            </a:defPPr>
-            <a:lvl1pPr marL="0" algn="l" defTabSz="914400" rtl="0" eaLnBrk="1" latinLnBrk="0" hangingPunct="1">
-              <a:defRPr sz="1800" kern="1200">
-                <a:solidFill>
-                  <a:schemeClr val="lt1"/>
-                </a:solidFill>
-                <a:latin typeface="+mn-lt"/>
-                <a:ea typeface="+mn-ea"/>
-                <a:cs typeface="+mn-cs"/>
-              </a:defRPr>
-            </a:lvl1pPr>
-            <a:lvl2pPr marL="457200" algn="l" defTabSz="914400" rtl="0" eaLnBrk="1" latinLnBrk="0" hangingPunct="1">
-              <a:defRPr sz="1800" kern="1200">
-                <a:solidFill>
-                  <a:schemeClr val="lt1"/>
-                </a:solidFill>
-                <a:latin typeface="+mn-lt"/>
-                <a:ea typeface="+mn-ea"/>
-                <a:cs typeface="+mn-cs"/>
-              </a:defRPr>
-            </a:lvl2pPr>
-            <a:lvl3pPr marL="914400" algn="l" defTabSz="914400" rtl="0" eaLnBrk="1" latinLnBrk="0" hangingPunct="1">
-              <a:defRPr sz="1800" kern="1200">
-                <a:solidFill>
-                  <a:schemeClr val="lt1"/>
-                </a:solidFill>
-                <a:latin typeface="+mn-lt"/>
-                <a:ea typeface="+mn-ea"/>
-                <a:cs typeface="+mn-cs"/>
-              </a:defRPr>
-            </a:lvl3pPr>
-            <a:lvl4pPr marL="1371600" algn="l" defTabSz="914400" rtl="0" eaLnBrk="1" latinLnBrk="0" hangingPunct="1">
-              <a:defRPr sz="1800" kern="1200">
-                <a:solidFill>
-                  <a:schemeClr val="lt1"/>
-                </a:solidFill>
-                <a:latin typeface="+mn-lt"/>
-                <a:ea typeface="+mn-ea"/>
-                <a:cs typeface="+mn-cs"/>
-              </a:defRPr>
-            </a:lvl4pPr>
-            <a:lvl5pPr marL="1828800" algn="l" defTabSz="914400" rtl="0" eaLnBrk="1" latinLnBrk="0" hangingPunct="1">
-              <a:defRPr sz="1800" kern="1200">
-                <a:solidFill>
-                  <a:schemeClr val="lt1"/>
-                </a:solidFill>
-                <a:latin typeface="+mn-lt"/>
-                <a:ea typeface="+mn-ea"/>
-                <a:cs typeface="+mn-cs"/>
-              </a:defRPr>
-            </a:lvl5pPr>
-            <a:lvl6pPr marL="2286000" algn="l" defTabSz="914400" rtl="0" eaLnBrk="1" latinLnBrk="0" hangingPunct="1">
-              <a:defRPr sz="1800" kern="1200">
-                <a:solidFill>
-                  <a:schemeClr val="lt1"/>
-                </a:solidFill>
-                <a:latin typeface="+mn-lt"/>
-                <a:ea typeface="+mn-ea"/>
-                <a:cs typeface="+mn-cs"/>
-              </a:defRPr>
-            </a:lvl6pPr>
-            <a:lvl7pPr marL="2743200" algn="l" defTabSz="914400" rtl="0" eaLnBrk="1" latinLnBrk="0" hangingPunct="1">
-              <a:defRPr sz="1800" kern="1200">
-                <a:solidFill>
-                  <a:schemeClr val="lt1"/>
-                </a:solidFill>
-                <a:latin typeface="+mn-lt"/>
-                <a:ea typeface="+mn-ea"/>
-                <a:cs typeface="+mn-cs"/>
-              </a:defRPr>
-            </a:lvl7pPr>
-            <a:lvl8pPr marL="3200400" algn="l" defTabSz="914400" rtl="0" eaLnBrk="1" latinLnBrk="0" hangingPunct="1">
-              <a:defRPr sz="1800" kern="1200">
-                <a:solidFill>
-                  <a:schemeClr val="lt1"/>
-                </a:solidFill>
-                <a:latin typeface="+mn-lt"/>
-                <a:ea typeface="+mn-ea"/>
-                <a:cs typeface="+mn-cs"/>
-              </a:defRPr>
-            </a:lvl8pPr>
-            <a:lvl9pPr marL="3657600" algn="l" defTabSz="914400" rtl="0" eaLnBrk="1" latinLnBrk="0" hangingPunct="1">
-              <a:defRPr sz="1800" kern="1200">
-                <a:solidFill>
-                  <a:schemeClr val="lt1"/>
-                </a:solidFill>
-                <a:latin typeface="+mn-lt"/>
-                <a:ea typeface="+mn-ea"/>
-                <a:cs typeface="+mn-cs"/>
-              </a:defRPr>
-            </a:lvl9pPr>
-          </a:lstStyle>
-          <a:p>
-            <a:pPr algn="ctr"/>
-            <a:r>
-              <a:rPr lang="it-IT" sz="1400" dirty="0">
-                <a:solidFill>
-                  <a:schemeClr val="tx1"/>
-                </a:solidFill>
-              </a:rPr>
-              <a:t>Local DB manager</a:t>
-            </a:r>
-          </a:p>
-        </p:txBody>
-      </p:sp>
-      <p:sp>
-        <p:nvSpPr>
-          <p:cNvPr id="71" name="CustomShape 3"/>
-          <p:cNvSpPr/>
-          <p:nvPr/>
-        </p:nvSpPr>
-        <p:spPr>
-          <a:xfrm>
-            <a:off x="4983105" y="1522709"/>
-            <a:ext cx="2129395" cy="243034"/>
-          </a:xfrm>
-          <a:prstGeom prst="rect">
-            <a:avLst/>
-          </a:prstGeom>
-          <a:solidFill>
-            <a:schemeClr val="accent1">
-              <a:lumMod val="20000"/>
-              <a:lumOff val="80000"/>
-            </a:schemeClr>
-          </a:solidFill>
-          <a:ln w="12700">
-            <a:solidFill>
-              <a:schemeClr val="tx1"/>
-            </a:solidFill>
-          </a:ln>
-        </p:spPr>
-        <p:style>
-          <a:lnRef idx="2">
-            <a:schemeClr val="accent1">
-              <a:shade val="50000"/>
-            </a:schemeClr>
-          </a:lnRef>
-          <a:fillRef idx="1">
-            <a:schemeClr val="accent1"/>
-          </a:fillRef>
-          <a:effectRef idx="0">
-            <a:schemeClr val="accent1"/>
-          </a:effectRef>
-          <a:fontRef idx="minor">
-            <a:schemeClr val="lt1"/>
-          </a:fontRef>
-        </p:style>
-        <p:txBody>
-          <a:bodyPr lIns="36000" tIns="36000" rIns="36000" bIns="36000" rtlCol="0" anchor="ctr"/>
-          <a:lstStyle>
-            <a:defPPr>
-              <a:defRPr lang="en-US"/>
-            </a:defPPr>
-            <a:lvl1pPr marL="0" algn="l" defTabSz="914400" rtl="0" eaLnBrk="1" latinLnBrk="0" hangingPunct="1">
-              <a:defRPr sz="1800" kern="1200">
-                <a:solidFill>
-                  <a:schemeClr val="lt1"/>
-                </a:solidFill>
-                <a:latin typeface="+mn-lt"/>
-                <a:ea typeface="+mn-ea"/>
-                <a:cs typeface="+mn-cs"/>
-              </a:defRPr>
-            </a:lvl1pPr>
-            <a:lvl2pPr marL="457200" algn="l" defTabSz="914400" rtl="0" eaLnBrk="1" latinLnBrk="0" hangingPunct="1">
-              <a:defRPr sz="1800" kern="1200">
-                <a:solidFill>
-                  <a:schemeClr val="lt1"/>
-                </a:solidFill>
-                <a:latin typeface="+mn-lt"/>
-                <a:ea typeface="+mn-ea"/>
-                <a:cs typeface="+mn-cs"/>
-              </a:defRPr>
-            </a:lvl2pPr>
-            <a:lvl3pPr marL="914400" algn="l" defTabSz="914400" rtl="0" eaLnBrk="1" latinLnBrk="0" hangingPunct="1">
-              <a:defRPr sz="1800" kern="1200">
-                <a:solidFill>
-                  <a:schemeClr val="lt1"/>
-                </a:solidFill>
-                <a:latin typeface="+mn-lt"/>
-                <a:ea typeface="+mn-ea"/>
-                <a:cs typeface="+mn-cs"/>
-              </a:defRPr>
-            </a:lvl3pPr>
-            <a:lvl4pPr marL="1371600" algn="l" defTabSz="914400" rtl="0" eaLnBrk="1" latinLnBrk="0" hangingPunct="1">
-              <a:defRPr sz="1800" kern="1200">
-                <a:solidFill>
-                  <a:schemeClr val="lt1"/>
-                </a:solidFill>
-                <a:latin typeface="+mn-lt"/>
-                <a:ea typeface="+mn-ea"/>
-                <a:cs typeface="+mn-cs"/>
-              </a:defRPr>
-            </a:lvl4pPr>
-            <a:lvl5pPr marL="1828800" algn="l" defTabSz="914400" rtl="0" eaLnBrk="1" latinLnBrk="0" hangingPunct="1">
-              <a:defRPr sz="1800" kern="1200">
-                <a:solidFill>
-                  <a:schemeClr val="lt1"/>
-                </a:solidFill>
-                <a:latin typeface="+mn-lt"/>
-                <a:ea typeface="+mn-ea"/>
-                <a:cs typeface="+mn-cs"/>
-              </a:defRPr>
-            </a:lvl5pPr>
-            <a:lvl6pPr marL="2286000" algn="l" defTabSz="914400" rtl="0" eaLnBrk="1" latinLnBrk="0" hangingPunct="1">
-              <a:defRPr sz="1800" kern="1200">
-                <a:solidFill>
-                  <a:schemeClr val="lt1"/>
-                </a:solidFill>
-                <a:latin typeface="+mn-lt"/>
-                <a:ea typeface="+mn-ea"/>
-                <a:cs typeface="+mn-cs"/>
-              </a:defRPr>
-            </a:lvl6pPr>
-            <a:lvl7pPr marL="2743200" algn="l" defTabSz="914400" rtl="0" eaLnBrk="1" latinLnBrk="0" hangingPunct="1">
-              <a:defRPr sz="1800" kern="1200">
-                <a:solidFill>
-                  <a:schemeClr val="lt1"/>
-                </a:solidFill>
-                <a:latin typeface="+mn-lt"/>
-                <a:ea typeface="+mn-ea"/>
-                <a:cs typeface="+mn-cs"/>
-              </a:defRPr>
-            </a:lvl7pPr>
-            <a:lvl8pPr marL="3200400" algn="l" defTabSz="914400" rtl="0" eaLnBrk="1" latinLnBrk="0" hangingPunct="1">
-              <a:defRPr sz="1800" kern="1200">
-                <a:solidFill>
-                  <a:schemeClr val="lt1"/>
-                </a:solidFill>
-                <a:latin typeface="+mn-lt"/>
-                <a:ea typeface="+mn-ea"/>
-                <a:cs typeface="+mn-cs"/>
-              </a:defRPr>
-            </a:lvl8pPr>
-            <a:lvl9pPr marL="3657600" algn="l" defTabSz="914400" rtl="0" eaLnBrk="1" latinLnBrk="0" hangingPunct="1">
-              <a:defRPr sz="1800" kern="1200">
-                <a:solidFill>
-                  <a:schemeClr val="lt1"/>
-                </a:solidFill>
-                <a:latin typeface="+mn-lt"/>
-                <a:ea typeface="+mn-ea"/>
-                <a:cs typeface="+mn-cs"/>
-              </a:defRPr>
-            </a:lvl9pPr>
-          </a:lstStyle>
-          <a:p>
-            <a:pPr algn="ctr"/>
-            <a:r>
-              <a:rPr lang="it-IT" sz="1400" dirty="0" err="1">
-                <a:solidFill>
-                  <a:schemeClr val="tx1"/>
-                </a:solidFill>
-              </a:rPr>
-              <a:t>DoubleDecker</a:t>
-            </a:r>
-            <a:r>
-              <a:rPr lang="it-IT" sz="1400" dirty="0">
-                <a:solidFill>
-                  <a:schemeClr val="tx1"/>
-                </a:solidFill>
-              </a:rPr>
-              <a:t> client</a:t>
-            </a:r>
-            <a:endParaRPr sz="1400" dirty="0">
-              <a:solidFill>
-                <a:schemeClr val="tx1"/>
-              </a:solidFill>
-            </a:endParaRPr>
-          </a:p>
-        </p:txBody>
-      </p:sp>
-      <p:sp>
-        <p:nvSpPr>
-          <p:cNvPr id="17" name="CustomShape 52"/>
-          <p:cNvSpPr/>
-          <p:nvPr/>
-        </p:nvSpPr>
-        <p:spPr>
-          <a:xfrm>
-            <a:off x="2785267" y="2224574"/>
-            <a:ext cx="4327501" cy="361537"/>
-          </a:xfrm>
-          <a:prstGeom prst="rect">
-            <a:avLst/>
-          </a:prstGeom>
-          <a:solidFill>
-            <a:schemeClr val="accent6">
+            <a:schemeClr val="accent4">
               <a:lumMod val="60000"/>
               <a:lumOff val="40000"/>
             </a:schemeClr>
@@ -14526,6 +14708,7 @@
               <a:schemeClr val="tx1"/>
             </a:solidFill>
           </a:ln>
+          <a:effectLst/>
         </p:spPr>
         <p:txBody>
           <a:bodyPr wrap="none" lIns="90000" tIns="45000" rIns="90000" bIns="45000" anchor="ctr"/>
@@ -14631,10 +14814,26 @@
               </a:lnSpc>
             </a:pPr>
             <a:r>
+              <a:rPr lang="it-IT" sz="1400" dirty="0" smtClean="0">
+                <a:cs typeface="Times New Roman" pitchFamily="18" charset="0"/>
+              </a:rPr>
+              <a:t>ERFS</a:t>
+            </a:r>
+            <a:endParaRPr lang="it-IT" sz="1400" dirty="0">
+              <a:cs typeface="Times New Roman" pitchFamily="18" charset="0"/>
+            </a:endParaRPr>
+          </a:p>
+          <a:p>
+            <a:pPr algn="ctr">
+              <a:lnSpc>
+                <a:spcPct val="100000"/>
+              </a:lnSpc>
+            </a:pPr>
+            <a:r>
               <a:rPr lang="it-IT" sz="1400" dirty="0">
                 <a:cs typeface="Times New Roman" pitchFamily="18" charset="0"/>
               </a:rPr>
-              <a:t>Network controller</a:t>
+              <a:t>driver</a:t>
             </a:r>
             <a:endParaRPr sz="1400" dirty="0">
               <a:cs typeface="Times New Roman" pitchFamily="18" charset="0"/>
@@ -14644,234 +14843,706 @@
       </p:sp>
       <p:sp>
         <p:nvSpPr>
-          <p:cNvPr id="85" name="Line 28"/>
+          <p:cNvPr id="62" name="CustomShape 52"/>
           <p:cNvSpPr/>
           <p:nvPr/>
         </p:nvSpPr>
         <p:spPr>
-          <a:xfrm flipH="1">
-            <a:off x="2608201" y="1651795"/>
-            <a:ext cx="486865" cy="0"/>
-          </a:xfrm>
-          <a:prstGeom prst="line">
-            <a:avLst/>
+          <a:xfrm>
+            <a:off x="6050576" y="2054908"/>
+            <a:ext cx="612000" cy="408440"/>
+          </a:xfrm>
+          <a:prstGeom prst="rect">
+            <a:avLst/>
+          </a:prstGeom>
+          <a:solidFill>
+            <a:schemeClr val="accent4">
+              <a:lumMod val="60000"/>
+              <a:lumOff val="40000"/>
+            </a:schemeClr>
+          </a:solidFill>
+          <a:ln w="12700">
+            <a:solidFill>
+              <a:schemeClr val="tx1"/>
+            </a:solidFill>
+          </a:ln>
+          <a:effectLst/>
+        </p:spPr>
+        <p:txBody>
+          <a:bodyPr wrap="none" lIns="90000" tIns="45000" rIns="90000" bIns="45000" anchor="ctr"/>
+          <a:lstStyle>
+            <a:defPPr>
+              <a:defRPr lang="en-US"/>
+            </a:defPPr>
+            <a:lvl1pPr marL="0" algn="l" defTabSz="914400" rtl="0" eaLnBrk="1" latinLnBrk="0" hangingPunct="1">
+              <a:defRPr sz="1800" kern="1200">
+                <a:solidFill>
+                  <a:schemeClr val="tx1"/>
+                </a:solidFill>
+                <a:latin typeface="+mn-lt"/>
+                <a:ea typeface="+mn-ea"/>
+                <a:cs typeface="+mn-cs"/>
+              </a:defRPr>
+            </a:lvl1pPr>
+            <a:lvl2pPr marL="457200" algn="l" defTabSz="914400" rtl="0" eaLnBrk="1" latinLnBrk="0" hangingPunct="1">
+              <a:defRPr sz="1800" kern="1200">
+                <a:solidFill>
+                  <a:schemeClr val="tx1"/>
+                </a:solidFill>
+                <a:latin typeface="+mn-lt"/>
+                <a:ea typeface="+mn-ea"/>
+                <a:cs typeface="+mn-cs"/>
+              </a:defRPr>
+            </a:lvl2pPr>
+            <a:lvl3pPr marL="914400" algn="l" defTabSz="914400" rtl="0" eaLnBrk="1" latinLnBrk="0" hangingPunct="1">
+              <a:defRPr sz="1800" kern="1200">
+                <a:solidFill>
+                  <a:schemeClr val="tx1"/>
+                </a:solidFill>
+                <a:latin typeface="+mn-lt"/>
+                <a:ea typeface="+mn-ea"/>
+                <a:cs typeface="+mn-cs"/>
+              </a:defRPr>
+            </a:lvl3pPr>
+            <a:lvl4pPr marL="1371600" algn="l" defTabSz="914400" rtl="0" eaLnBrk="1" latinLnBrk="0" hangingPunct="1">
+              <a:defRPr sz="1800" kern="1200">
+                <a:solidFill>
+                  <a:schemeClr val="tx1"/>
+                </a:solidFill>
+                <a:latin typeface="+mn-lt"/>
+                <a:ea typeface="+mn-ea"/>
+                <a:cs typeface="+mn-cs"/>
+              </a:defRPr>
+            </a:lvl4pPr>
+            <a:lvl5pPr marL="1828800" algn="l" defTabSz="914400" rtl="0" eaLnBrk="1" latinLnBrk="0" hangingPunct="1">
+              <a:defRPr sz="1800" kern="1200">
+                <a:solidFill>
+                  <a:schemeClr val="tx1"/>
+                </a:solidFill>
+                <a:latin typeface="+mn-lt"/>
+                <a:ea typeface="+mn-ea"/>
+                <a:cs typeface="+mn-cs"/>
+              </a:defRPr>
+            </a:lvl5pPr>
+            <a:lvl6pPr marL="2286000" algn="l" defTabSz="914400" rtl="0" eaLnBrk="1" latinLnBrk="0" hangingPunct="1">
+              <a:defRPr sz="1800" kern="1200">
+                <a:solidFill>
+                  <a:schemeClr val="tx1"/>
+                </a:solidFill>
+                <a:latin typeface="+mn-lt"/>
+                <a:ea typeface="+mn-ea"/>
+                <a:cs typeface="+mn-cs"/>
+              </a:defRPr>
+            </a:lvl6pPr>
+            <a:lvl7pPr marL="2743200" algn="l" defTabSz="914400" rtl="0" eaLnBrk="1" latinLnBrk="0" hangingPunct="1">
+              <a:defRPr sz="1800" kern="1200">
+                <a:solidFill>
+                  <a:schemeClr val="tx1"/>
+                </a:solidFill>
+                <a:latin typeface="+mn-lt"/>
+                <a:ea typeface="+mn-ea"/>
+                <a:cs typeface="+mn-cs"/>
+              </a:defRPr>
+            </a:lvl7pPr>
+            <a:lvl8pPr marL="3200400" algn="l" defTabSz="914400" rtl="0" eaLnBrk="1" latinLnBrk="0" hangingPunct="1">
+              <a:defRPr sz="1800" kern="1200">
+                <a:solidFill>
+                  <a:schemeClr val="tx1"/>
+                </a:solidFill>
+                <a:latin typeface="+mn-lt"/>
+                <a:ea typeface="+mn-ea"/>
+                <a:cs typeface="+mn-cs"/>
+              </a:defRPr>
+            </a:lvl8pPr>
+            <a:lvl9pPr marL="3657600" algn="l" defTabSz="914400" rtl="0" eaLnBrk="1" latinLnBrk="0" hangingPunct="1">
+              <a:defRPr sz="1800" kern="1200">
+                <a:solidFill>
+                  <a:schemeClr val="tx1"/>
+                </a:solidFill>
+                <a:latin typeface="+mn-lt"/>
+                <a:ea typeface="+mn-ea"/>
+                <a:cs typeface="+mn-cs"/>
+              </a:defRPr>
+            </a:lvl9pPr>
+          </a:lstStyle>
+          <a:p>
+            <a:pPr algn="ctr">
+              <a:lnSpc>
+                <a:spcPct val="100000"/>
+              </a:lnSpc>
+            </a:pPr>
+            <a:r>
+              <a:rPr lang="it-IT" sz="1400" dirty="0" err="1" smtClean="0">
+                <a:cs typeface="Times New Roman" pitchFamily="18" charset="0"/>
+              </a:rPr>
+              <a:t>OvS</a:t>
+            </a:r>
+            <a:endParaRPr lang="it-IT" sz="1400" dirty="0">
+              <a:cs typeface="Times New Roman" pitchFamily="18" charset="0"/>
+            </a:endParaRPr>
+          </a:p>
+          <a:p>
+            <a:pPr algn="ctr">
+              <a:lnSpc>
+                <a:spcPct val="100000"/>
+              </a:lnSpc>
+            </a:pPr>
+            <a:r>
+              <a:rPr lang="it-IT" sz="1400" dirty="0">
+                <a:cs typeface="Times New Roman" pitchFamily="18" charset="0"/>
+              </a:rPr>
+              <a:t>driver</a:t>
+            </a:r>
+            <a:endParaRPr sz="1400" dirty="0">
+              <a:cs typeface="Times New Roman" pitchFamily="18" charset="0"/>
+            </a:endParaRPr>
+          </a:p>
+        </p:txBody>
+      </p:sp>
+      <p:sp>
+        <p:nvSpPr>
+          <p:cNvPr id="7" name="CustomShape 21"/>
+          <p:cNvSpPr/>
+          <p:nvPr/>
+        </p:nvSpPr>
+        <p:spPr>
+          <a:xfrm>
+            <a:off x="2691113" y="2305768"/>
+            <a:ext cx="642942" cy="355449"/>
+          </a:xfrm>
+          <a:prstGeom prst="rect">
+            <a:avLst/>
+          </a:prstGeom>
+          <a:solidFill>
+            <a:srgbClr val="CCFFCC"/>
+          </a:solidFill>
+          <a:ln w="12700">
+            <a:solidFill>
+              <a:schemeClr val="tx1"/>
+            </a:solidFill>
+          </a:ln>
+          <a:effectLst/>
+        </p:spPr>
+        <p:txBody>
+          <a:bodyPr wrap="none" lIns="90000" tIns="45000" rIns="90000" bIns="45000" anchor="ctr"/>
+          <a:lstStyle>
+            <a:defPPr>
+              <a:defRPr lang="en-US"/>
+            </a:defPPr>
+            <a:lvl1pPr marL="0" algn="l" defTabSz="914400" rtl="0" eaLnBrk="1" latinLnBrk="0" hangingPunct="1">
+              <a:defRPr sz="1800" kern="1200">
+                <a:solidFill>
+                  <a:schemeClr val="tx1"/>
+                </a:solidFill>
+                <a:latin typeface="+mn-lt"/>
+                <a:ea typeface="+mn-ea"/>
+                <a:cs typeface="+mn-cs"/>
+              </a:defRPr>
+            </a:lvl1pPr>
+            <a:lvl2pPr marL="457200" algn="l" defTabSz="914400" rtl="0" eaLnBrk="1" latinLnBrk="0" hangingPunct="1">
+              <a:defRPr sz="1800" kern="1200">
+                <a:solidFill>
+                  <a:schemeClr val="tx1"/>
+                </a:solidFill>
+                <a:latin typeface="+mn-lt"/>
+                <a:ea typeface="+mn-ea"/>
+                <a:cs typeface="+mn-cs"/>
+              </a:defRPr>
+            </a:lvl2pPr>
+            <a:lvl3pPr marL="914400" algn="l" defTabSz="914400" rtl="0" eaLnBrk="1" latinLnBrk="0" hangingPunct="1">
+              <a:defRPr sz="1800" kern="1200">
+                <a:solidFill>
+                  <a:schemeClr val="tx1"/>
+                </a:solidFill>
+                <a:latin typeface="+mn-lt"/>
+                <a:ea typeface="+mn-ea"/>
+                <a:cs typeface="+mn-cs"/>
+              </a:defRPr>
+            </a:lvl3pPr>
+            <a:lvl4pPr marL="1371600" algn="l" defTabSz="914400" rtl="0" eaLnBrk="1" latinLnBrk="0" hangingPunct="1">
+              <a:defRPr sz="1800" kern="1200">
+                <a:solidFill>
+                  <a:schemeClr val="tx1"/>
+                </a:solidFill>
+                <a:latin typeface="+mn-lt"/>
+                <a:ea typeface="+mn-ea"/>
+                <a:cs typeface="+mn-cs"/>
+              </a:defRPr>
+            </a:lvl4pPr>
+            <a:lvl5pPr marL="1828800" algn="l" defTabSz="914400" rtl="0" eaLnBrk="1" latinLnBrk="0" hangingPunct="1">
+              <a:defRPr sz="1800" kern="1200">
+                <a:solidFill>
+                  <a:schemeClr val="tx1"/>
+                </a:solidFill>
+                <a:latin typeface="+mn-lt"/>
+                <a:ea typeface="+mn-ea"/>
+                <a:cs typeface="+mn-cs"/>
+              </a:defRPr>
+            </a:lvl5pPr>
+            <a:lvl6pPr marL="2286000" algn="l" defTabSz="914400" rtl="0" eaLnBrk="1" latinLnBrk="0" hangingPunct="1">
+              <a:defRPr sz="1800" kern="1200">
+                <a:solidFill>
+                  <a:schemeClr val="tx1"/>
+                </a:solidFill>
+                <a:latin typeface="+mn-lt"/>
+                <a:ea typeface="+mn-ea"/>
+                <a:cs typeface="+mn-cs"/>
+              </a:defRPr>
+            </a:lvl6pPr>
+            <a:lvl7pPr marL="2743200" algn="l" defTabSz="914400" rtl="0" eaLnBrk="1" latinLnBrk="0" hangingPunct="1">
+              <a:defRPr sz="1800" kern="1200">
+                <a:solidFill>
+                  <a:schemeClr val="tx1"/>
+                </a:solidFill>
+                <a:latin typeface="+mn-lt"/>
+                <a:ea typeface="+mn-ea"/>
+                <a:cs typeface="+mn-cs"/>
+              </a:defRPr>
+            </a:lvl7pPr>
+            <a:lvl8pPr marL="3200400" algn="l" defTabSz="914400" rtl="0" eaLnBrk="1" latinLnBrk="0" hangingPunct="1">
+              <a:defRPr sz="1800" kern="1200">
+                <a:solidFill>
+                  <a:schemeClr val="tx1"/>
+                </a:solidFill>
+                <a:latin typeface="+mn-lt"/>
+                <a:ea typeface="+mn-ea"/>
+                <a:cs typeface="+mn-cs"/>
+              </a:defRPr>
+            </a:lvl8pPr>
+            <a:lvl9pPr marL="3657600" algn="l" defTabSz="914400" rtl="0" eaLnBrk="1" latinLnBrk="0" hangingPunct="1">
+              <a:defRPr sz="1800" kern="1200">
+                <a:solidFill>
+                  <a:schemeClr val="tx1"/>
+                </a:solidFill>
+                <a:latin typeface="+mn-lt"/>
+                <a:ea typeface="+mn-ea"/>
+                <a:cs typeface="+mn-cs"/>
+              </a:defRPr>
+            </a:lvl9pPr>
+          </a:lstStyle>
+          <a:p>
+            <a:pPr algn="ctr">
+              <a:lnSpc>
+                <a:spcPct val="100000"/>
+              </a:lnSpc>
+            </a:pPr>
+            <a:endParaRPr sz="1400" dirty="0">
+              <a:cs typeface="Times New Roman" pitchFamily="18" charset="0"/>
+            </a:endParaRPr>
+          </a:p>
+        </p:txBody>
+      </p:sp>
+      <p:sp>
+        <p:nvSpPr>
+          <p:cNvPr id="91" name="CustomShape 21"/>
+          <p:cNvSpPr/>
+          <p:nvPr/>
+        </p:nvSpPr>
+        <p:spPr>
+          <a:xfrm>
+            <a:off x="2762551" y="2377206"/>
+            <a:ext cx="632332" cy="355449"/>
+          </a:xfrm>
+          <a:prstGeom prst="rect">
+            <a:avLst/>
+          </a:prstGeom>
+          <a:solidFill>
+            <a:srgbClr val="CCFFCC"/>
+          </a:solidFill>
+          <a:ln w="12700">
+            <a:solidFill>
+              <a:schemeClr val="tx1"/>
+            </a:solidFill>
+          </a:ln>
+          <a:effectLst/>
+        </p:spPr>
+        <p:txBody>
+          <a:bodyPr wrap="none" lIns="90000" tIns="45000" rIns="90000" bIns="45000" anchor="ctr"/>
+          <a:lstStyle>
+            <a:defPPr>
+              <a:defRPr lang="en-US"/>
+            </a:defPPr>
+            <a:lvl1pPr marL="0" algn="l" defTabSz="914400" rtl="0" eaLnBrk="1" latinLnBrk="0" hangingPunct="1">
+              <a:defRPr sz="1800" kern="1200">
+                <a:solidFill>
+                  <a:schemeClr val="tx1"/>
+                </a:solidFill>
+                <a:latin typeface="+mn-lt"/>
+                <a:ea typeface="+mn-ea"/>
+                <a:cs typeface="+mn-cs"/>
+              </a:defRPr>
+            </a:lvl1pPr>
+            <a:lvl2pPr marL="457200" algn="l" defTabSz="914400" rtl="0" eaLnBrk="1" latinLnBrk="0" hangingPunct="1">
+              <a:defRPr sz="1800" kern="1200">
+                <a:solidFill>
+                  <a:schemeClr val="tx1"/>
+                </a:solidFill>
+                <a:latin typeface="+mn-lt"/>
+                <a:ea typeface="+mn-ea"/>
+                <a:cs typeface="+mn-cs"/>
+              </a:defRPr>
+            </a:lvl2pPr>
+            <a:lvl3pPr marL="914400" algn="l" defTabSz="914400" rtl="0" eaLnBrk="1" latinLnBrk="0" hangingPunct="1">
+              <a:defRPr sz="1800" kern="1200">
+                <a:solidFill>
+                  <a:schemeClr val="tx1"/>
+                </a:solidFill>
+                <a:latin typeface="+mn-lt"/>
+                <a:ea typeface="+mn-ea"/>
+                <a:cs typeface="+mn-cs"/>
+              </a:defRPr>
+            </a:lvl3pPr>
+            <a:lvl4pPr marL="1371600" algn="l" defTabSz="914400" rtl="0" eaLnBrk="1" latinLnBrk="0" hangingPunct="1">
+              <a:defRPr sz="1800" kern="1200">
+                <a:solidFill>
+                  <a:schemeClr val="tx1"/>
+                </a:solidFill>
+                <a:latin typeface="+mn-lt"/>
+                <a:ea typeface="+mn-ea"/>
+                <a:cs typeface="+mn-cs"/>
+              </a:defRPr>
+            </a:lvl4pPr>
+            <a:lvl5pPr marL="1828800" algn="l" defTabSz="914400" rtl="0" eaLnBrk="1" latinLnBrk="0" hangingPunct="1">
+              <a:defRPr sz="1800" kern="1200">
+                <a:solidFill>
+                  <a:schemeClr val="tx1"/>
+                </a:solidFill>
+                <a:latin typeface="+mn-lt"/>
+                <a:ea typeface="+mn-ea"/>
+                <a:cs typeface="+mn-cs"/>
+              </a:defRPr>
+            </a:lvl5pPr>
+            <a:lvl6pPr marL="2286000" algn="l" defTabSz="914400" rtl="0" eaLnBrk="1" latinLnBrk="0" hangingPunct="1">
+              <a:defRPr sz="1800" kern="1200">
+                <a:solidFill>
+                  <a:schemeClr val="tx1"/>
+                </a:solidFill>
+                <a:latin typeface="+mn-lt"/>
+                <a:ea typeface="+mn-ea"/>
+                <a:cs typeface="+mn-cs"/>
+              </a:defRPr>
+            </a:lvl6pPr>
+            <a:lvl7pPr marL="2743200" algn="l" defTabSz="914400" rtl="0" eaLnBrk="1" latinLnBrk="0" hangingPunct="1">
+              <a:defRPr sz="1800" kern="1200">
+                <a:solidFill>
+                  <a:schemeClr val="tx1"/>
+                </a:solidFill>
+                <a:latin typeface="+mn-lt"/>
+                <a:ea typeface="+mn-ea"/>
+                <a:cs typeface="+mn-cs"/>
+              </a:defRPr>
+            </a:lvl7pPr>
+            <a:lvl8pPr marL="3200400" algn="l" defTabSz="914400" rtl="0" eaLnBrk="1" latinLnBrk="0" hangingPunct="1">
+              <a:defRPr sz="1800" kern="1200">
+                <a:solidFill>
+                  <a:schemeClr val="tx1"/>
+                </a:solidFill>
+                <a:latin typeface="+mn-lt"/>
+                <a:ea typeface="+mn-ea"/>
+                <a:cs typeface="+mn-cs"/>
+              </a:defRPr>
+            </a:lvl8pPr>
+            <a:lvl9pPr marL="3657600" algn="l" defTabSz="914400" rtl="0" eaLnBrk="1" latinLnBrk="0" hangingPunct="1">
+              <a:defRPr sz="1800" kern="1200">
+                <a:solidFill>
+                  <a:schemeClr val="tx1"/>
+                </a:solidFill>
+                <a:latin typeface="+mn-lt"/>
+                <a:ea typeface="+mn-ea"/>
+                <a:cs typeface="+mn-cs"/>
+              </a:defRPr>
+            </a:lvl9pPr>
+          </a:lstStyle>
+          <a:p>
+            <a:pPr algn="ctr">
+              <a:lnSpc>
+                <a:spcPct val="100000"/>
+              </a:lnSpc>
+            </a:pPr>
+            <a:endParaRPr sz="1400" dirty="0">
+              <a:cs typeface="Times New Roman" pitchFamily="18" charset="0"/>
+            </a:endParaRPr>
+          </a:p>
+        </p:txBody>
+      </p:sp>
+      <p:sp>
+        <p:nvSpPr>
+          <p:cNvPr id="92" name="CustomShape 21"/>
+          <p:cNvSpPr/>
+          <p:nvPr/>
+        </p:nvSpPr>
+        <p:spPr>
+          <a:xfrm>
+            <a:off x="2833990" y="2448644"/>
+            <a:ext cx="645942" cy="355449"/>
+          </a:xfrm>
+          <a:prstGeom prst="rect">
+            <a:avLst/>
+          </a:prstGeom>
+          <a:solidFill>
+            <a:srgbClr val="CCFFCC"/>
+          </a:solidFill>
+          <a:ln w="12700">
+            <a:solidFill>
+              <a:schemeClr val="tx1"/>
+            </a:solidFill>
+          </a:ln>
+          <a:effectLst/>
+        </p:spPr>
+        <p:txBody>
+          <a:bodyPr wrap="none" lIns="90000" tIns="45000" rIns="90000" bIns="45000" anchor="ctr"/>
+          <a:lstStyle>
+            <a:defPPr>
+              <a:defRPr lang="en-US"/>
+            </a:defPPr>
+            <a:lvl1pPr marL="0" algn="l" defTabSz="914400" rtl="0" eaLnBrk="1" latinLnBrk="0" hangingPunct="1">
+              <a:defRPr sz="1800" kern="1200">
+                <a:solidFill>
+                  <a:schemeClr val="tx1"/>
+                </a:solidFill>
+                <a:latin typeface="+mn-lt"/>
+                <a:ea typeface="+mn-ea"/>
+                <a:cs typeface="+mn-cs"/>
+              </a:defRPr>
+            </a:lvl1pPr>
+            <a:lvl2pPr marL="457200" algn="l" defTabSz="914400" rtl="0" eaLnBrk="1" latinLnBrk="0" hangingPunct="1">
+              <a:defRPr sz="1800" kern="1200">
+                <a:solidFill>
+                  <a:schemeClr val="tx1"/>
+                </a:solidFill>
+                <a:latin typeface="+mn-lt"/>
+                <a:ea typeface="+mn-ea"/>
+                <a:cs typeface="+mn-cs"/>
+              </a:defRPr>
+            </a:lvl2pPr>
+            <a:lvl3pPr marL="914400" algn="l" defTabSz="914400" rtl="0" eaLnBrk="1" latinLnBrk="0" hangingPunct="1">
+              <a:defRPr sz="1800" kern="1200">
+                <a:solidFill>
+                  <a:schemeClr val="tx1"/>
+                </a:solidFill>
+                <a:latin typeface="+mn-lt"/>
+                <a:ea typeface="+mn-ea"/>
+                <a:cs typeface="+mn-cs"/>
+              </a:defRPr>
+            </a:lvl3pPr>
+            <a:lvl4pPr marL="1371600" algn="l" defTabSz="914400" rtl="0" eaLnBrk="1" latinLnBrk="0" hangingPunct="1">
+              <a:defRPr sz="1800" kern="1200">
+                <a:solidFill>
+                  <a:schemeClr val="tx1"/>
+                </a:solidFill>
+                <a:latin typeface="+mn-lt"/>
+                <a:ea typeface="+mn-ea"/>
+                <a:cs typeface="+mn-cs"/>
+              </a:defRPr>
+            </a:lvl4pPr>
+            <a:lvl5pPr marL="1828800" algn="l" defTabSz="914400" rtl="0" eaLnBrk="1" latinLnBrk="0" hangingPunct="1">
+              <a:defRPr sz="1800" kern="1200">
+                <a:solidFill>
+                  <a:schemeClr val="tx1"/>
+                </a:solidFill>
+                <a:latin typeface="+mn-lt"/>
+                <a:ea typeface="+mn-ea"/>
+                <a:cs typeface="+mn-cs"/>
+              </a:defRPr>
+            </a:lvl5pPr>
+            <a:lvl6pPr marL="2286000" algn="l" defTabSz="914400" rtl="0" eaLnBrk="1" latinLnBrk="0" hangingPunct="1">
+              <a:defRPr sz="1800" kern="1200">
+                <a:solidFill>
+                  <a:schemeClr val="tx1"/>
+                </a:solidFill>
+                <a:latin typeface="+mn-lt"/>
+                <a:ea typeface="+mn-ea"/>
+                <a:cs typeface="+mn-cs"/>
+              </a:defRPr>
+            </a:lvl6pPr>
+            <a:lvl7pPr marL="2743200" algn="l" defTabSz="914400" rtl="0" eaLnBrk="1" latinLnBrk="0" hangingPunct="1">
+              <a:defRPr sz="1800" kern="1200">
+                <a:solidFill>
+                  <a:schemeClr val="tx1"/>
+                </a:solidFill>
+                <a:latin typeface="+mn-lt"/>
+                <a:ea typeface="+mn-ea"/>
+                <a:cs typeface="+mn-cs"/>
+              </a:defRPr>
+            </a:lvl7pPr>
+            <a:lvl8pPr marL="3200400" algn="l" defTabSz="914400" rtl="0" eaLnBrk="1" latinLnBrk="0" hangingPunct="1">
+              <a:defRPr sz="1800" kern="1200">
+                <a:solidFill>
+                  <a:schemeClr val="tx1"/>
+                </a:solidFill>
+                <a:latin typeface="+mn-lt"/>
+                <a:ea typeface="+mn-ea"/>
+                <a:cs typeface="+mn-cs"/>
+              </a:defRPr>
+            </a:lvl8pPr>
+            <a:lvl9pPr marL="3657600" algn="l" defTabSz="914400" rtl="0" eaLnBrk="1" latinLnBrk="0" hangingPunct="1">
+              <a:defRPr sz="1800" kern="1200">
+                <a:solidFill>
+                  <a:schemeClr val="tx1"/>
+                </a:solidFill>
+                <a:latin typeface="+mn-lt"/>
+                <a:ea typeface="+mn-ea"/>
+                <a:cs typeface="+mn-cs"/>
+              </a:defRPr>
+            </a:lvl9pPr>
+          </a:lstStyle>
+          <a:p>
+            <a:pPr algn="ctr">
+              <a:lnSpc>
+                <a:spcPct val="100000"/>
+              </a:lnSpc>
+            </a:pPr>
+            <a:r>
+              <a:rPr lang="it-IT" sz="1200" dirty="0" smtClean="0">
+                <a:cs typeface="Times New Roman" pitchFamily="18" charset="0"/>
+              </a:rPr>
+              <a:t>OF </a:t>
+            </a:r>
+            <a:r>
+              <a:rPr lang="it-IT" sz="1200" dirty="0" err="1" smtClean="0">
+                <a:cs typeface="Times New Roman" pitchFamily="18" charset="0"/>
+              </a:rPr>
+              <a:t>ctrl</a:t>
+            </a:r>
+            <a:endParaRPr lang="it-IT" sz="1200" dirty="0" smtClean="0">
+              <a:cs typeface="Times New Roman" pitchFamily="18" charset="0"/>
+            </a:endParaRPr>
+          </a:p>
+          <a:p>
+            <a:pPr algn="ctr">
+              <a:lnSpc>
+                <a:spcPct val="100000"/>
+              </a:lnSpc>
+            </a:pPr>
+            <a:r>
+              <a:rPr lang="it-IT" sz="1200" dirty="0" smtClean="0">
+                <a:cs typeface="Times New Roman" pitchFamily="18" charset="0"/>
+              </a:rPr>
+              <a:t>LSI </a:t>
+            </a:r>
+            <a:r>
+              <a:rPr lang="it-IT" sz="1200" dirty="0" err="1" smtClean="0">
+                <a:cs typeface="Times New Roman" pitchFamily="18" charset="0"/>
+              </a:rPr>
+              <a:t>#N</a:t>
+            </a:r>
+            <a:endParaRPr lang="it-IT" sz="1200" dirty="0" smtClean="0">
+              <a:cs typeface="Times New Roman" pitchFamily="18" charset="0"/>
+            </a:endParaRPr>
+          </a:p>
+        </p:txBody>
+      </p:sp>
+      <p:cxnSp>
+        <p:nvCxnSpPr>
+          <p:cNvPr id="8" name="Straight Connector 3"/>
+          <p:cNvCxnSpPr>
+            <a:stCxn id="7" idx="1"/>
+            <a:endCxn id="4" idx="1"/>
+          </p:cNvCxnSpPr>
+          <p:nvPr/>
+        </p:nvCxnSpPr>
+        <p:spPr>
+          <a:xfrm rot="10800000" flipH="1" flipV="1">
+            <a:off x="2691113" y="2483493"/>
+            <a:ext cx="1557288" cy="2491084"/>
+          </a:xfrm>
+          <a:prstGeom prst="curvedConnector3">
+            <a:avLst>
+              <a:gd name="adj1" fmla="val -14679"/>
+            </a:avLst>
           </a:prstGeom>
           <a:ln w="19050">
             <a:solidFill>
-              <a:srgbClr val="000000"/>
+              <a:srgbClr val="008000"/>
             </a:solidFill>
             <a:prstDash val="sysDash"/>
             <a:round/>
             <a:headEnd type="triangle" w="med" len="med"/>
             <a:tailEnd type="triangle" w="med" len="med"/>
           </a:ln>
-        </p:spPr>
-        <p:txBody>
-          <a:bodyPr/>
-          <a:lstStyle/>
-          <a:p>
-            <a:endParaRPr lang="it-IT"/>
-          </a:p>
-        </p:txBody>
-      </p:sp>
-      <p:sp>
-        <p:nvSpPr>
-          <p:cNvPr id="73" name="Line 28"/>
-          <p:cNvSpPr/>
-          <p:nvPr/>
-        </p:nvSpPr>
-        <p:spPr>
-          <a:xfrm flipH="1">
-            <a:off x="6026710" y="403089"/>
-            <a:ext cx="268" cy="1117966"/>
-          </a:xfrm>
-          <a:prstGeom prst="line">
-            <a:avLst/>
+          <a:effectLst/>
+        </p:spPr>
+      </p:cxnSp>
+      <p:cxnSp>
+        <p:nvCxnSpPr>
+          <p:cNvPr id="9" name="Straight Connector 78"/>
+          <p:cNvCxnSpPr>
+            <a:stCxn id="91" idx="1"/>
+            <a:endCxn id="38" idx="1"/>
+          </p:cNvCxnSpPr>
+          <p:nvPr/>
+        </p:nvCxnSpPr>
+        <p:spPr>
+          <a:xfrm rot="10800000" flipH="1" flipV="1">
+            <a:off x="2762551" y="2554930"/>
+            <a:ext cx="592654" cy="1978245"/>
+          </a:xfrm>
+          <a:prstGeom prst="curvedConnector3">
+            <a:avLst>
+              <a:gd name="adj1" fmla="val -38572"/>
+            </a:avLst>
           </a:prstGeom>
           <a:ln w="19050">
             <a:solidFill>
-              <a:srgbClr val="000000"/>
+              <a:srgbClr val="008000"/>
             </a:solidFill>
+            <a:prstDash val="sysDash"/>
             <a:round/>
             <a:headEnd type="triangle" w="med" len="med"/>
-            <a:tailEnd type="none" w="med" len="med"/>
+            <a:tailEnd type="triangle" w="med" len="med"/>
           </a:ln>
-        </p:spPr>
-        <p:txBody>
-          <a:bodyPr/>
-          <a:lstStyle/>
-          <a:p>
-            <a:endParaRPr lang="it-IT"/>
-          </a:p>
-        </p:txBody>
-      </p:sp>
-      <p:sp>
-        <p:nvSpPr>
-          <p:cNvPr id="74" name="CustomShape 29"/>
+          <a:effectLst/>
+        </p:spPr>
+      </p:cxnSp>
+      <p:cxnSp>
+        <p:nvCxnSpPr>
+          <p:cNvPr id="29" name="Straight Connector 78"/>
+          <p:cNvCxnSpPr>
+            <a:stCxn id="92" idx="3"/>
+            <a:endCxn id="60" idx="1"/>
+          </p:cNvCxnSpPr>
+          <p:nvPr/>
+        </p:nvCxnSpPr>
+        <p:spPr>
+          <a:xfrm>
+            <a:off x="3479932" y="2626369"/>
+            <a:ext cx="1514088" cy="1905441"/>
+          </a:xfrm>
+          <a:prstGeom prst="curvedConnector3">
+            <a:avLst>
+              <a:gd name="adj1" fmla="val 50000"/>
+            </a:avLst>
+          </a:prstGeom>
+          <a:ln w="19050">
+            <a:solidFill>
+              <a:srgbClr val="008000"/>
+            </a:solidFill>
+            <a:prstDash val="sysDash"/>
+            <a:round/>
+            <a:headEnd type="triangle" w="med" len="med"/>
+            <a:tailEnd type="triangle" w="med" len="med"/>
+          </a:ln>
+          <a:effectLst/>
+        </p:spPr>
+      </p:cxnSp>
+      <p:sp>
+        <p:nvSpPr>
+          <p:cNvPr id="40" name="CustomShape 10"/>
           <p:cNvSpPr/>
           <p:nvPr/>
         </p:nvSpPr>
         <p:spPr>
           <a:xfrm>
-            <a:off x="6026710" y="487687"/>
-            <a:ext cx="1857388" cy="275722"/>
-          </a:xfrm>
-          <a:prstGeom prst="rect">
-            <a:avLst/>
-          </a:prstGeom>
-        </p:spPr>
-        <p:txBody>
-          <a:bodyPr wrap="none" lIns="90000" tIns="45000" rIns="90000" bIns="45000"/>
-          <a:lstStyle>
-            <a:defPPr>
-              <a:defRPr lang="en-US"/>
-            </a:defPPr>
-            <a:lvl1pPr marL="0" algn="l" defTabSz="914400" rtl="0" eaLnBrk="1" latinLnBrk="0" hangingPunct="1">
-              <a:defRPr sz="1800" kern="1200">
-                <a:solidFill>
-                  <a:schemeClr val="tx1"/>
-                </a:solidFill>
-                <a:latin typeface="+mn-lt"/>
-                <a:ea typeface="+mn-ea"/>
-                <a:cs typeface="+mn-cs"/>
-              </a:defRPr>
-            </a:lvl1pPr>
-            <a:lvl2pPr marL="457200" algn="l" defTabSz="914400" rtl="0" eaLnBrk="1" latinLnBrk="0" hangingPunct="1">
-              <a:defRPr sz="1800" kern="1200">
-                <a:solidFill>
-                  <a:schemeClr val="tx1"/>
-                </a:solidFill>
-                <a:latin typeface="+mn-lt"/>
-                <a:ea typeface="+mn-ea"/>
-                <a:cs typeface="+mn-cs"/>
-              </a:defRPr>
-            </a:lvl2pPr>
-            <a:lvl3pPr marL="914400" algn="l" defTabSz="914400" rtl="0" eaLnBrk="1" latinLnBrk="0" hangingPunct="1">
-              <a:defRPr sz="1800" kern="1200">
-                <a:solidFill>
-                  <a:schemeClr val="tx1"/>
-                </a:solidFill>
-                <a:latin typeface="+mn-lt"/>
-                <a:ea typeface="+mn-ea"/>
-                <a:cs typeface="+mn-cs"/>
-              </a:defRPr>
-            </a:lvl3pPr>
-            <a:lvl4pPr marL="1371600" algn="l" defTabSz="914400" rtl="0" eaLnBrk="1" latinLnBrk="0" hangingPunct="1">
-              <a:defRPr sz="1800" kern="1200">
-                <a:solidFill>
-                  <a:schemeClr val="tx1"/>
-                </a:solidFill>
-                <a:latin typeface="+mn-lt"/>
-                <a:ea typeface="+mn-ea"/>
-                <a:cs typeface="+mn-cs"/>
-              </a:defRPr>
-            </a:lvl4pPr>
-            <a:lvl5pPr marL="1828800" algn="l" defTabSz="914400" rtl="0" eaLnBrk="1" latinLnBrk="0" hangingPunct="1">
-              <a:defRPr sz="1800" kern="1200">
-                <a:solidFill>
-                  <a:schemeClr val="tx1"/>
-                </a:solidFill>
-                <a:latin typeface="+mn-lt"/>
-                <a:ea typeface="+mn-ea"/>
-                <a:cs typeface="+mn-cs"/>
-              </a:defRPr>
-            </a:lvl5pPr>
-            <a:lvl6pPr marL="2286000" algn="l" defTabSz="914400" rtl="0" eaLnBrk="1" latinLnBrk="0" hangingPunct="1">
-              <a:defRPr sz="1800" kern="1200">
-                <a:solidFill>
-                  <a:schemeClr val="tx1"/>
-                </a:solidFill>
-                <a:latin typeface="+mn-lt"/>
-                <a:ea typeface="+mn-ea"/>
-                <a:cs typeface="+mn-cs"/>
-              </a:defRPr>
-            </a:lvl6pPr>
-            <a:lvl7pPr marL="2743200" algn="l" defTabSz="914400" rtl="0" eaLnBrk="1" latinLnBrk="0" hangingPunct="1">
-              <a:defRPr sz="1800" kern="1200">
-                <a:solidFill>
-                  <a:schemeClr val="tx1"/>
-                </a:solidFill>
-                <a:latin typeface="+mn-lt"/>
-                <a:ea typeface="+mn-ea"/>
-                <a:cs typeface="+mn-cs"/>
-              </a:defRPr>
-            </a:lvl7pPr>
-            <a:lvl8pPr marL="3200400" algn="l" defTabSz="914400" rtl="0" eaLnBrk="1" latinLnBrk="0" hangingPunct="1">
-              <a:defRPr sz="1800" kern="1200">
-                <a:solidFill>
-                  <a:schemeClr val="tx1"/>
-                </a:solidFill>
-                <a:latin typeface="+mn-lt"/>
-                <a:ea typeface="+mn-ea"/>
-                <a:cs typeface="+mn-cs"/>
-              </a:defRPr>
-            </a:lvl8pPr>
-            <a:lvl9pPr marL="3657600" algn="l" defTabSz="914400" rtl="0" eaLnBrk="1" latinLnBrk="0" hangingPunct="1">
-              <a:defRPr sz="1800" kern="1200">
-                <a:solidFill>
-                  <a:schemeClr val="tx1"/>
-                </a:solidFill>
-                <a:latin typeface="+mn-lt"/>
-                <a:ea typeface="+mn-ea"/>
-                <a:cs typeface="+mn-cs"/>
-              </a:defRPr>
-            </a:lvl9pPr>
-          </a:lstStyle>
-          <a:p>
-            <a:r>
-              <a:rPr lang="it-IT" sz="1400" dirty="0">
-                <a:cs typeface="Times New Roman" pitchFamily="18" charset="0"/>
-              </a:rPr>
-              <a:t>[</a:t>
-            </a:r>
-            <a:r>
-              <a:rPr lang="it-IT" sz="1400" dirty="0" err="1">
-                <a:cs typeface="Times New Roman" pitchFamily="18" charset="0"/>
-              </a:rPr>
-              <a:t>Node</a:t>
-            </a:r>
-            <a:r>
-              <a:rPr lang="it-IT" sz="1400" dirty="0">
-                <a:cs typeface="Times New Roman" pitchFamily="18" charset="0"/>
-              </a:rPr>
-              <a:t> </a:t>
-            </a:r>
-            <a:r>
-              <a:rPr lang="it-IT" sz="1400" dirty="0" err="1">
-                <a:cs typeface="Times New Roman" pitchFamily="18" charset="0"/>
-              </a:rPr>
-              <a:t>description</a:t>
-            </a:r>
-            <a:r>
-              <a:rPr lang="it-IT" sz="1400" dirty="0">
-                <a:cs typeface="Times New Roman" pitchFamily="18" charset="0"/>
-              </a:rPr>
-              <a:t>]</a:t>
-            </a:r>
-            <a:endParaRPr sz="1400" dirty="0">
-              <a:cs typeface="Times New Roman" pitchFamily="18" charset="0"/>
-            </a:endParaRPr>
-          </a:p>
-        </p:txBody>
-      </p:sp>
-      <p:sp>
-        <p:nvSpPr>
-          <p:cNvPr id="111" name="CustomShape 8"/>
-          <p:cNvSpPr/>
-          <p:nvPr/>
-        </p:nvSpPr>
-        <p:spPr>
-          <a:xfrm>
-            <a:off x="5850477" y="1853442"/>
-            <a:ext cx="1121172" cy="282255"/>
+            <a:off x="3034596" y="3401260"/>
+            <a:ext cx="504000" cy="370703"/>
           </a:xfrm>
           <a:prstGeom prst="roundRect">
             <a:avLst/>
           </a:prstGeom>
           <a:solidFill>
-            <a:schemeClr val="accent2">
-              <a:lumMod val="20000"/>
-              <a:lumOff val="80000"/>
+            <a:schemeClr val="accent1">
+              <a:lumMod val="60000"/>
+              <a:lumOff val="40000"/>
             </a:schemeClr>
           </a:solidFill>
           <a:ln w="12700" cmpd="sng">
@@ -14879,23 +15550,116 @@
               <a:schemeClr val="tx1"/>
             </a:solidFill>
           </a:ln>
+          <a:effectLst/>
         </p:spPr>
         <p:txBody>
           <a:bodyPr wrap="none" lIns="90000" tIns="45000" rIns="90000" bIns="45000" anchor="ctr"/>
-          <a:lstStyle/>
-          <a:p>
-            <a:pPr algn="ctr"/>
-            <a:r>
-              <a:rPr lang="it-IT" sz="1400" dirty="0">
+          <a:lstStyle>
+            <a:defPPr>
+              <a:defRPr lang="en-US"/>
+            </a:defPPr>
+            <a:lvl1pPr marL="0" algn="l" defTabSz="914400" rtl="0" eaLnBrk="1" latinLnBrk="0" hangingPunct="1">
+              <a:defRPr sz="1800" kern="1200">
+                <a:solidFill>
+                  <a:schemeClr val="tx1"/>
+                </a:solidFill>
+                <a:latin typeface="+mn-lt"/>
+                <a:ea typeface="+mn-ea"/>
+                <a:cs typeface="+mn-cs"/>
+              </a:defRPr>
+            </a:lvl1pPr>
+            <a:lvl2pPr marL="457200" algn="l" defTabSz="914400" rtl="0" eaLnBrk="1" latinLnBrk="0" hangingPunct="1">
+              <a:defRPr sz="1800" kern="1200">
+                <a:solidFill>
+                  <a:schemeClr val="tx1"/>
+                </a:solidFill>
+                <a:latin typeface="+mn-lt"/>
+                <a:ea typeface="+mn-ea"/>
+                <a:cs typeface="+mn-cs"/>
+              </a:defRPr>
+            </a:lvl2pPr>
+            <a:lvl3pPr marL="914400" algn="l" defTabSz="914400" rtl="0" eaLnBrk="1" latinLnBrk="0" hangingPunct="1">
+              <a:defRPr sz="1800" kern="1200">
+                <a:solidFill>
+                  <a:schemeClr val="tx1"/>
+                </a:solidFill>
+                <a:latin typeface="+mn-lt"/>
+                <a:ea typeface="+mn-ea"/>
+                <a:cs typeface="+mn-cs"/>
+              </a:defRPr>
+            </a:lvl3pPr>
+            <a:lvl4pPr marL="1371600" algn="l" defTabSz="914400" rtl="0" eaLnBrk="1" latinLnBrk="0" hangingPunct="1">
+              <a:defRPr sz="1800" kern="1200">
+                <a:solidFill>
+                  <a:schemeClr val="tx1"/>
+                </a:solidFill>
+                <a:latin typeface="+mn-lt"/>
+                <a:ea typeface="+mn-ea"/>
+                <a:cs typeface="+mn-cs"/>
+              </a:defRPr>
+            </a:lvl4pPr>
+            <a:lvl5pPr marL="1828800" algn="l" defTabSz="914400" rtl="0" eaLnBrk="1" latinLnBrk="0" hangingPunct="1">
+              <a:defRPr sz="1800" kern="1200">
+                <a:solidFill>
+                  <a:schemeClr val="tx1"/>
+                </a:solidFill>
+                <a:latin typeface="+mn-lt"/>
+                <a:ea typeface="+mn-ea"/>
+                <a:cs typeface="+mn-cs"/>
+              </a:defRPr>
+            </a:lvl5pPr>
+            <a:lvl6pPr marL="2286000" algn="l" defTabSz="914400" rtl="0" eaLnBrk="1" latinLnBrk="0" hangingPunct="1">
+              <a:defRPr sz="1800" kern="1200">
+                <a:solidFill>
+                  <a:schemeClr val="tx1"/>
+                </a:solidFill>
+                <a:latin typeface="+mn-lt"/>
+                <a:ea typeface="+mn-ea"/>
+                <a:cs typeface="+mn-cs"/>
+              </a:defRPr>
+            </a:lvl6pPr>
+            <a:lvl7pPr marL="2743200" algn="l" defTabSz="914400" rtl="0" eaLnBrk="1" latinLnBrk="0" hangingPunct="1">
+              <a:defRPr sz="1800" kern="1200">
+                <a:solidFill>
+                  <a:schemeClr val="tx1"/>
+                </a:solidFill>
+                <a:latin typeface="+mn-lt"/>
+                <a:ea typeface="+mn-ea"/>
+                <a:cs typeface="+mn-cs"/>
+              </a:defRPr>
+            </a:lvl7pPr>
+            <a:lvl8pPr marL="3200400" algn="l" defTabSz="914400" rtl="0" eaLnBrk="1" latinLnBrk="0" hangingPunct="1">
+              <a:defRPr sz="1800" kern="1200">
+                <a:solidFill>
+                  <a:schemeClr val="tx1"/>
+                </a:solidFill>
+                <a:latin typeface="+mn-lt"/>
+                <a:ea typeface="+mn-ea"/>
+                <a:cs typeface="+mn-cs"/>
+              </a:defRPr>
+            </a:lvl8pPr>
+            <a:lvl9pPr marL="3657600" algn="l" defTabSz="914400" rtl="0" eaLnBrk="1" latinLnBrk="0" hangingPunct="1">
+              <a:defRPr sz="1800" kern="1200">
+                <a:solidFill>
+                  <a:schemeClr val="tx1"/>
+                </a:solidFill>
+                <a:latin typeface="+mn-lt"/>
+                <a:ea typeface="+mn-ea"/>
+                <a:cs typeface="+mn-cs"/>
+              </a:defRPr>
+            </a:lvl9pPr>
+          </a:lstStyle>
+          <a:p>
+            <a:pPr algn="ctr">
+              <a:lnSpc>
+                <a:spcPct val="100000"/>
+              </a:lnSpc>
+            </a:pPr>
+            <a:r>
+              <a:rPr lang="it-IT" sz="1400" dirty="0" smtClean="0">
                 <a:cs typeface="Times New Roman" pitchFamily="18" charset="0"/>
               </a:rPr>
-              <a:t>VNF </a:t>
-            </a:r>
-            <a:r>
-              <a:rPr lang="it-IT" sz="1400" dirty="0" err="1">
-                <a:cs typeface="Times New Roman" pitchFamily="18" charset="0"/>
-              </a:rPr>
-              <a:t>selector</a:t>
+              <a:t>NF1</a:t>
             </a:r>
             <a:endParaRPr sz="1400" dirty="0">
               <a:cs typeface="Times New Roman" pitchFamily="18" charset="0"/>
@@ -14905,22 +15669,21 @@
       </p:sp>
       <p:sp>
         <p:nvSpPr>
-          <p:cNvPr id="112" name="CustomShape 8"/>
+          <p:cNvPr id="39" name="CustomShape 10"/>
           <p:cNvSpPr/>
           <p:nvPr/>
         </p:nvSpPr>
         <p:spPr>
           <a:xfrm>
-            <a:off x="949553" y="1853442"/>
-            <a:ext cx="1232460" cy="282255"/>
+            <a:off x="4191860" y="3403362"/>
+            <a:ext cx="504000" cy="370703"/>
           </a:xfrm>
           <a:prstGeom prst="roundRect">
             <a:avLst/>
           </a:prstGeom>
           <a:solidFill>
-            <a:schemeClr val="accent2">
-              <a:lumMod val="20000"/>
-              <a:lumOff val="80000"/>
+            <a:schemeClr val="bg1">
+              <a:lumMod val="75000"/>
             </a:schemeClr>
           </a:solidFill>
           <a:ln w="12700" cmpd="sng">
@@ -14928,23 +15691,116 @@
               <a:schemeClr val="tx1"/>
             </a:solidFill>
           </a:ln>
+          <a:effectLst/>
         </p:spPr>
         <p:txBody>
           <a:bodyPr wrap="none" lIns="90000" tIns="45000" rIns="90000" bIns="45000" anchor="ctr"/>
-          <a:lstStyle/>
-          <a:p>
-            <a:pPr algn="ctr"/>
-            <a:r>
-              <a:rPr lang="it-IT" sz="1400" dirty="0">
+          <a:lstStyle>
+            <a:defPPr>
+              <a:defRPr lang="en-US"/>
+            </a:defPPr>
+            <a:lvl1pPr marL="0" algn="l" defTabSz="914400" rtl="0" eaLnBrk="1" latinLnBrk="0" hangingPunct="1">
+              <a:defRPr sz="1800" kern="1200">
+                <a:solidFill>
+                  <a:schemeClr val="tx1"/>
+                </a:solidFill>
+                <a:latin typeface="+mn-lt"/>
+                <a:ea typeface="+mn-ea"/>
+                <a:cs typeface="+mn-cs"/>
+              </a:defRPr>
+            </a:lvl1pPr>
+            <a:lvl2pPr marL="457200" algn="l" defTabSz="914400" rtl="0" eaLnBrk="1" latinLnBrk="0" hangingPunct="1">
+              <a:defRPr sz="1800" kern="1200">
+                <a:solidFill>
+                  <a:schemeClr val="tx1"/>
+                </a:solidFill>
+                <a:latin typeface="+mn-lt"/>
+                <a:ea typeface="+mn-ea"/>
+                <a:cs typeface="+mn-cs"/>
+              </a:defRPr>
+            </a:lvl2pPr>
+            <a:lvl3pPr marL="914400" algn="l" defTabSz="914400" rtl="0" eaLnBrk="1" latinLnBrk="0" hangingPunct="1">
+              <a:defRPr sz="1800" kern="1200">
+                <a:solidFill>
+                  <a:schemeClr val="tx1"/>
+                </a:solidFill>
+                <a:latin typeface="+mn-lt"/>
+                <a:ea typeface="+mn-ea"/>
+                <a:cs typeface="+mn-cs"/>
+              </a:defRPr>
+            </a:lvl3pPr>
+            <a:lvl4pPr marL="1371600" algn="l" defTabSz="914400" rtl="0" eaLnBrk="1" latinLnBrk="0" hangingPunct="1">
+              <a:defRPr sz="1800" kern="1200">
+                <a:solidFill>
+                  <a:schemeClr val="tx1"/>
+                </a:solidFill>
+                <a:latin typeface="+mn-lt"/>
+                <a:ea typeface="+mn-ea"/>
+                <a:cs typeface="+mn-cs"/>
+              </a:defRPr>
+            </a:lvl4pPr>
+            <a:lvl5pPr marL="1828800" algn="l" defTabSz="914400" rtl="0" eaLnBrk="1" latinLnBrk="0" hangingPunct="1">
+              <a:defRPr sz="1800" kern="1200">
+                <a:solidFill>
+                  <a:schemeClr val="tx1"/>
+                </a:solidFill>
+                <a:latin typeface="+mn-lt"/>
+                <a:ea typeface="+mn-ea"/>
+                <a:cs typeface="+mn-cs"/>
+              </a:defRPr>
+            </a:lvl5pPr>
+            <a:lvl6pPr marL="2286000" algn="l" defTabSz="914400" rtl="0" eaLnBrk="1" latinLnBrk="0" hangingPunct="1">
+              <a:defRPr sz="1800" kern="1200">
+                <a:solidFill>
+                  <a:schemeClr val="tx1"/>
+                </a:solidFill>
+                <a:latin typeface="+mn-lt"/>
+                <a:ea typeface="+mn-ea"/>
+                <a:cs typeface="+mn-cs"/>
+              </a:defRPr>
+            </a:lvl6pPr>
+            <a:lvl7pPr marL="2743200" algn="l" defTabSz="914400" rtl="0" eaLnBrk="1" latinLnBrk="0" hangingPunct="1">
+              <a:defRPr sz="1800" kern="1200">
+                <a:solidFill>
+                  <a:schemeClr val="tx1"/>
+                </a:solidFill>
+                <a:latin typeface="+mn-lt"/>
+                <a:ea typeface="+mn-ea"/>
+                <a:cs typeface="+mn-cs"/>
+              </a:defRPr>
+            </a:lvl7pPr>
+            <a:lvl8pPr marL="3200400" algn="l" defTabSz="914400" rtl="0" eaLnBrk="1" latinLnBrk="0" hangingPunct="1">
+              <a:defRPr sz="1800" kern="1200">
+                <a:solidFill>
+                  <a:schemeClr val="tx1"/>
+                </a:solidFill>
+                <a:latin typeface="+mn-lt"/>
+                <a:ea typeface="+mn-ea"/>
+                <a:cs typeface="+mn-cs"/>
+              </a:defRPr>
+            </a:lvl8pPr>
+            <a:lvl9pPr marL="3657600" algn="l" defTabSz="914400" rtl="0" eaLnBrk="1" latinLnBrk="0" hangingPunct="1">
+              <a:defRPr sz="1800" kern="1200">
+                <a:solidFill>
+                  <a:schemeClr val="tx1"/>
+                </a:solidFill>
+                <a:latin typeface="+mn-lt"/>
+                <a:ea typeface="+mn-ea"/>
+                <a:cs typeface="+mn-cs"/>
+              </a:defRPr>
+            </a:lvl9pPr>
+          </a:lstStyle>
+          <a:p>
+            <a:pPr algn="ctr">
+              <a:lnSpc>
+                <a:spcPct val="100000"/>
+              </a:lnSpc>
+            </a:pPr>
+            <a:r>
+              <a:rPr lang="it-IT" sz="1400" dirty="0" smtClean="0">
                 <a:cs typeface="Times New Roman" pitchFamily="18" charset="0"/>
               </a:rPr>
-              <a:t>VNF </a:t>
-            </a:r>
-            <a:r>
-              <a:rPr lang="it-IT" sz="1400" dirty="0" err="1">
-                <a:cs typeface="Times New Roman" pitchFamily="18" charset="0"/>
-              </a:rPr>
-              <a:t>scheduler</a:t>
+              <a:t>NF3</a:t>
             </a:r>
             <a:endParaRPr sz="1400" dirty="0">
               <a:cs typeface="Times New Roman" pitchFamily="18" charset="0"/>
@@ -14954,14 +15810,14 @@
       </p:sp>
       <p:sp>
         <p:nvSpPr>
-          <p:cNvPr id="113" name="CustomShape 52"/>
+          <p:cNvPr id="131" name="CustomShape 52"/>
           <p:cNvSpPr/>
           <p:nvPr/>
         </p:nvSpPr>
         <p:spPr>
           <a:xfrm>
-            <a:off x="1565784" y="973572"/>
-            <a:ext cx="1638814" cy="223180"/>
+            <a:off x="3885525" y="2068968"/>
+            <a:ext cx="680936" cy="806298"/>
           </a:xfrm>
           <a:prstGeom prst="rect">
             <a:avLst/>
@@ -14975,6 +15831,63 @@
             </a:solidFill>
             <a:prstDash val="sysDash"/>
           </a:ln>
+          <a:effectLst/>
+        </p:spPr>
+        <p:txBody>
+          <a:bodyPr wrap="none" lIns="0" tIns="0" rIns="0" bIns="0" anchor="t"/>
+          <a:lstStyle/>
+          <a:p>
+            <a:pPr algn="ctr"/>
+            <a:r>
+              <a:rPr lang="it-IT" sz="1400" dirty="0" err="1" smtClean="0">
+                <a:cs typeface="Times New Roman" pitchFamily="18" charset="0"/>
+              </a:rPr>
+              <a:t>Other</a:t>
+            </a:r>
+            <a:endParaRPr lang="it-IT" sz="1400" dirty="0">
+              <a:cs typeface="Times New Roman" pitchFamily="18" charset="0"/>
+            </a:endParaRPr>
+          </a:p>
+          <a:p>
+            <a:pPr algn="ctr"/>
+            <a:r>
+              <a:rPr lang="it-IT" sz="1400" dirty="0" smtClean="0">
+                <a:cs typeface="Times New Roman" pitchFamily="18" charset="0"/>
+              </a:rPr>
+              <a:t>drivers</a:t>
+            </a:r>
+            <a:endParaRPr sz="1400" dirty="0">
+              <a:cs typeface="Times New Roman" pitchFamily="18" charset="0"/>
+            </a:endParaRPr>
+          </a:p>
+        </p:txBody>
+      </p:sp>
+      <p:sp>
+        <p:nvSpPr>
+          <p:cNvPr id="133" name="CustomShape 52"/>
+          <p:cNvSpPr/>
+          <p:nvPr/>
+        </p:nvSpPr>
+        <p:spPr>
+          <a:xfrm>
+            <a:off x="6050576" y="2462582"/>
+            <a:ext cx="612000" cy="226202"/>
+          </a:xfrm>
+          <a:prstGeom prst="rect">
+            <a:avLst/>
+          </a:prstGeom>
+          <a:solidFill>
+            <a:schemeClr val="accent4">
+              <a:lumMod val="60000"/>
+              <a:lumOff val="40000"/>
+            </a:schemeClr>
+          </a:solidFill>
+          <a:ln w="12700">
+            <a:solidFill>
+              <a:schemeClr val="tx1"/>
+            </a:solidFill>
+          </a:ln>
+          <a:effectLst/>
         </p:spPr>
         <p:txBody>
           <a:bodyPr wrap="none" lIns="90000" tIns="45000" rIns="90000" bIns="45000" anchor="ctr"/>
@@ -15080,10 +15993,10 @@
               </a:lnSpc>
             </a:pPr>
             <a:r>
-              <a:rPr lang="it-IT" sz="1400" dirty="0" err="1">
+              <a:rPr lang="it-IT" sz="1400" dirty="0" err="1" smtClean="0">
                 <a:cs typeface="Times New Roman" pitchFamily="18" charset="0"/>
               </a:rPr>
-              <a:t>Virtualizer</a:t>
+              <a:t>ovsdb</a:t>
             </a:r>
             <a:endParaRPr sz="1400" dirty="0">
               <a:cs typeface="Times New Roman" pitchFamily="18" charset="0"/>
@@ -15091,528 +16004,229 @@
           </a:p>
         </p:txBody>
       </p:sp>
-      <p:sp>
-        <p:nvSpPr>
-          <p:cNvPr id="127" name="CustomShape 52"/>
-          <p:cNvSpPr/>
-          <p:nvPr/>
-        </p:nvSpPr>
-        <p:spPr>
-          <a:xfrm>
-            <a:off x="7545333" y="1522708"/>
-            <a:ext cx="827457" cy="1889935"/>
-          </a:xfrm>
-          <a:prstGeom prst="rect">
-            <a:avLst/>
-          </a:prstGeom>
-          <a:solidFill>
-            <a:srgbClr val="CCFFCC"/>
-          </a:solidFill>
-          <a:ln w="12700">
+      <p:cxnSp>
+        <p:nvCxnSpPr>
+          <p:cNvPr id="71" name="Straight Connector 70"/>
+          <p:cNvCxnSpPr/>
+          <p:nvPr/>
+        </p:nvCxnSpPr>
+        <p:spPr>
+          <a:xfrm>
+            <a:off x="2685029" y="2073033"/>
+            <a:ext cx="1889315" cy="0"/>
+          </a:xfrm>
+          <a:prstGeom prst="line">
+            <a:avLst/>
+          </a:prstGeom>
+          <a:ln w="38100">
             <a:solidFill>
               <a:schemeClr val="tx1"/>
             </a:solidFill>
-            <a:prstDash val="solid"/>
           </a:ln>
         </p:spPr>
-        <p:txBody>
-          <a:bodyPr wrap="none" lIns="90000" tIns="45000" rIns="90000" bIns="45000" anchor="b"/>
-          <a:lstStyle>
-            <a:defPPr>
-              <a:defRPr lang="en-US"/>
-            </a:defPPr>
-            <a:lvl1pPr marL="0" algn="l" defTabSz="914400" rtl="0" eaLnBrk="1" latinLnBrk="0" hangingPunct="1">
-              <a:defRPr sz="1800" kern="1200">
-                <a:solidFill>
-                  <a:schemeClr val="tx1"/>
-                </a:solidFill>
-                <a:latin typeface="+mn-lt"/>
-                <a:ea typeface="+mn-ea"/>
-                <a:cs typeface="+mn-cs"/>
-              </a:defRPr>
-            </a:lvl1pPr>
-            <a:lvl2pPr marL="457200" algn="l" defTabSz="914400" rtl="0" eaLnBrk="1" latinLnBrk="0" hangingPunct="1">
-              <a:defRPr sz="1800" kern="1200">
-                <a:solidFill>
-                  <a:schemeClr val="tx1"/>
-                </a:solidFill>
-                <a:latin typeface="+mn-lt"/>
-                <a:ea typeface="+mn-ea"/>
-                <a:cs typeface="+mn-cs"/>
-              </a:defRPr>
-            </a:lvl2pPr>
-            <a:lvl3pPr marL="914400" algn="l" defTabSz="914400" rtl="0" eaLnBrk="1" latinLnBrk="0" hangingPunct="1">
-              <a:defRPr sz="1800" kern="1200">
-                <a:solidFill>
-                  <a:schemeClr val="tx1"/>
-                </a:solidFill>
-                <a:latin typeface="+mn-lt"/>
-                <a:ea typeface="+mn-ea"/>
-                <a:cs typeface="+mn-cs"/>
-              </a:defRPr>
-            </a:lvl3pPr>
-            <a:lvl4pPr marL="1371600" algn="l" defTabSz="914400" rtl="0" eaLnBrk="1" latinLnBrk="0" hangingPunct="1">
-              <a:defRPr sz="1800" kern="1200">
-                <a:solidFill>
-                  <a:schemeClr val="tx1"/>
-                </a:solidFill>
-                <a:latin typeface="+mn-lt"/>
-                <a:ea typeface="+mn-ea"/>
-                <a:cs typeface="+mn-cs"/>
-              </a:defRPr>
-            </a:lvl4pPr>
-            <a:lvl5pPr marL="1828800" algn="l" defTabSz="914400" rtl="0" eaLnBrk="1" latinLnBrk="0" hangingPunct="1">
-              <a:defRPr sz="1800" kern="1200">
-                <a:solidFill>
-                  <a:schemeClr val="tx1"/>
-                </a:solidFill>
-                <a:latin typeface="+mn-lt"/>
-                <a:ea typeface="+mn-ea"/>
-                <a:cs typeface="+mn-cs"/>
-              </a:defRPr>
-            </a:lvl5pPr>
-            <a:lvl6pPr marL="2286000" algn="l" defTabSz="914400" rtl="0" eaLnBrk="1" latinLnBrk="0" hangingPunct="1">
-              <a:defRPr sz="1800" kern="1200">
-                <a:solidFill>
-                  <a:schemeClr val="tx1"/>
-                </a:solidFill>
-                <a:latin typeface="+mn-lt"/>
-                <a:ea typeface="+mn-ea"/>
-                <a:cs typeface="+mn-cs"/>
-              </a:defRPr>
-            </a:lvl6pPr>
-            <a:lvl7pPr marL="2743200" algn="l" defTabSz="914400" rtl="0" eaLnBrk="1" latinLnBrk="0" hangingPunct="1">
-              <a:defRPr sz="1800" kern="1200">
-                <a:solidFill>
-                  <a:schemeClr val="tx1"/>
-                </a:solidFill>
-                <a:latin typeface="+mn-lt"/>
-                <a:ea typeface="+mn-ea"/>
-                <a:cs typeface="+mn-cs"/>
-              </a:defRPr>
-            </a:lvl7pPr>
-            <a:lvl8pPr marL="3200400" algn="l" defTabSz="914400" rtl="0" eaLnBrk="1" latinLnBrk="0" hangingPunct="1">
-              <a:defRPr sz="1800" kern="1200">
-                <a:solidFill>
-                  <a:schemeClr val="tx1"/>
-                </a:solidFill>
-                <a:latin typeface="+mn-lt"/>
-                <a:ea typeface="+mn-ea"/>
-                <a:cs typeface="+mn-cs"/>
-              </a:defRPr>
-            </a:lvl8pPr>
-            <a:lvl9pPr marL="3657600" algn="l" defTabSz="914400" rtl="0" eaLnBrk="1" latinLnBrk="0" hangingPunct="1">
-              <a:defRPr sz="1800" kern="1200">
-                <a:solidFill>
-                  <a:schemeClr val="tx1"/>
-                </a:solidFill>
-                <a:latin typeface="+mn-lt"/>
-                <a:ea typeface="+mn-ea"/>
-                <a:cs typeface="+mn-cs"/>
-              </a:defRPr>
-            </a:lvl9pPr>
-          </a:lstStyle>
-          <a:p>
-            <a:pPr algn="ctr">
-              <a:lnSpc>
-                <a:spcPct val="100000"/>
-              </a:lnSpc>
-            </a:pPr>
-            <a:r>
-              <a:rPr lang="it-IT" sz="1400" dirty="0">
-                <a:cs typeface="Times New Roman" pitchFamily="18" charset="0"/>
-              </a:rPr>
-              <a:t>VNF </a:t>
-            </a:r>
-            <a:r>
-              <a:rPr lang="it-IT" sz="1400">
-                <a:cs typeface="Times New Roman" pitchFamily="18" charset="0"/>
-              </a:rPr>
-              <a:t>name</a:t>
-            </a:r>
-            <a:endParaRPr lang="it-IT" sz="1400" dirty="0">
-              <a:cs typeface="Times New Roman" pitchFamily="18" charset="0"/>
-            </a:endParaRPr>
-          </a:p>
-          <a:p>
-            <a:pPr algn="ctr">
-              <a:lnSpc>
-                <a:spcPct val="100000"/>
-              </a:lnSpc>
-            </a:pPr>
-            <a:r>
-              <a:rPr lang="it-IT" sz="1400" dirty="0" err="1">
-                <a:cs typeface="Times New Roman" pitchFamily="18" charset="0"/>
-              </a:rPr>
-              <a:t>resolver</a:t>
-            </a:r>
-            <a:endParaRPr sz="1400" dirty="0">
-              <a:cs typeface="Times New Roman" pitchFamily="18" charset="0"/>
-            </a:endParaRPr>
-          </a:p>
-        </p:txBody>
-      </p:sp>
-      <p:pic>
-        <p:nvPicPr>
-          <p:cNvPr id="43" name="Picture 7"/>
-          <p:cNvPicPr>
-            <a:picLocks noChangeAspect="1"/>
-          </p:cNvPicPr>
-          <p:nvPr/>
-        </p:nvPicPr>
-        <p:blipFill>
-          <a:blip r:embed="rId3" cstate="print">
-            <a:extLst>
-              <a:ext uri="{28A0092B-C50C-407E-A947-70E740481C1C}">
-                <a14:useLocalDpi xmlns:a14="http://schemas.microsoft.com/office/drawing/2010/main" val="0"/>
-              </a:ext>
-            </a:extLst>
-          </a:blip>
-          <a:stretch>
-            <a:fillRect/>
-          </a:stretch>
-        </p:blipFill>
-        <p:spPr>
-          <a:xfrm>
-            <a:off x="7769952" y="1785030"/>
-            <a:ext cx="378217" cy="419077"/>
-          </a:xfrm>
-          <a:prstGeom prst="rect">
-            <a:avLst/>
-          </a:prstGeom>
-        </p:spPr>
-      </p:pic>
+        <p:style>
+          <a:lnRef idx="1">
+            <a:schemeClr val="accent1"/>
+          </a:lnRef>
+          <a:fillRef idx="0">
+            <a:schemeClr val="accent1"/>
+          </a:fillRef>
+          <a:effectRef idx="0">
+            <a:schemeClr val="accent1"/>
+          </a:effectRef>
+          <a:fontRef idx="minor">
+            <a:schemeClr val="tx1"/>
+          </a:fontRef>
+        </p:style>
+      </p:cxnSp>
       <p:cxnSp>
         <p:nvCxnSpPr>
-          <p:cNvPr id="42" name="Connettore 4 12"/>
+          <p:cNvPr id="99" name="Straight Connector 98"/>
+          <p:cNvCxnSpPr/>
+          <p:nvPr/>
+        </p:nvCxnSpPr>
+        <p:spPr>
+          <a:xfrm>
+            <a:off x="4785595" y="2053239"/>
+            <a:ext cx="1876981" cy="0"/>
+          </a:xfrm>
+          <a:prstGeom prst="line">
+            <a:avLst/>
+          </a:prstGeom>
+          <a:ln w="38100">
+            <a:solidFill>
+              <a:schemeClr val="tx1"/>
+            </a:solidFill>
+          </a:ln>
+        </p:spPr>
+        <p:style>
+          <a:lnRef idx="1">
+            <a:schemeClr val="accent1"/>
+          </a:lnRef>
+          <a:fillRef idx="0">
+            <a:schemeClr val="accent1"/>
+          </a:fillRef>
+          <a:effectRef idx="0">
+            <a:schemeClr val="accent1"/>
+          </a:effectRef>
+          <a:fontRef idx="minor">
+            <a:schemeClr val="tx1"/>
+          </a:fontRef>
+        </p:style>
+      </p:cxnSp>
+      <p:cxnSp>
+        <p:nvCxnSpPr>
+          <p:cNvPr id="145" name="Connettore 4 144"/>
           <p:cNvCxnSpPr>
-            <a:endCxn id="58" idx="3"/>
+            <a:stCxn id="111" idx="3"/>
+            <a:endCxn id="127" idx="1"/>
           </p:cNvCxnSpPr>
           <p:nvPr/>
         </p:nvCxnSpPr>
         <p:spPr>
-          <a:xfrm flipH="1">
-            <a:off x="7112769" y="1991948"/>
-            <a:ext cx="432564" cy="3329"/>
-          </a:xfrm>
-          <a:prstGeom prst="straightConnector1">
-            <a:avLst/>
+          <a:xfrm>
+            <a:off x="6685961" y="1336912"/>
+            <a:ext cx="886435" cy="520608"/>
+          </a:xfrm>
+          <a:prstGeom prst="bentConnector3">
+            <a:avLst>
+              <a:gd name="adj1" fmla="val 50000"/>
+            </a:avLst>
           </a:prstGeom>
           <a:ln w="19050">
             <a:solidFill>
-              <a:srgbClr val="000000"/>
+              <a:schemeClr val="tx1"/>
+            </a:solidFill>
+            <a:headEnd type="triangle"/>
+            <a:tailEnd type="triangle"/>
+          </a:ln>
+        </p:spPr>
+        <p:style>
+          <a:lnRef idx="1">
+            <a:schemeClr val="accent1"/>
+          </a:lnRef>
+          <a:fillRef idx="0">
+            <a:schemeClr val="accent1"/>
+          </a:fillRef>
+          <a:effectRef idx="0">
+            <a:schemeClr val="accent1"/>
+          </a:effectRef>
+          <a:fontRef idx="minor">
+            <a:schemeClr val="tx1"/>
+          </a:fontRef>
+        </p:style>
+      </p:cxnSp>
+      <p:sp>
+        <p:nvSpPr>
+          <p:cNvPr id="98" name="Figura a mano libera 97"/>
+          <p:cNvSpPr/>
+          <p:nvPr/>
+        </p:nvSpPr>
+        <p:spPr>
+          <a:xfrm>
+            <a:off x="6754903" y="57009"/>
+            <a:ext cx="806334" cy="883921"/>
+          </a:xfrm>
+          <a:custGeom>
+            <a:avLst/>
+            <a:gdLst>
+              <a:gd name="connsiteX0" fmla="*/ 0 w 806334"/>
+              <a:gd name="connsiteY0" fmla="*/ 847899 h 883921"/>
+              <a:gd name="connsiteX1" fmla="*/ 631767 w 806334"/>
+              <a:gd name="connsiteY1" fmla="*/ 847899 h 883921"/>
+              <a:gd name="connsiteX2" fmla="*/ 781396 w 806334"/>
+              <a:gd name="connsiteY2" fmla="*/ 631768 h 883921"/>
+              <a:gd name="connsiteX3" fmla="*/ 781396 w 806334"/>
+              <a:gd name="connsiteY3" fmla="*/ 0 h 883921"/>
+            </a:gdLst>
+            <a:ahLst/>
+            <a:cxnLst>
+              <a:cxn ang="0">
+                <a:pos x="connsiteX0" y="connsiteY0"/>
+              </a:cxn>
+              <a:cxn ang="0">
+                <a:pos x="connsiteX1" y="connsiteY1"/>
+              </a:cxn>
+              <a:cxn ang="0">
+                <a:pos x="connsiteX2" y="connsiteY2"/>
+              </a:cxn>
+              <a:cxn ang="0">
+                <a:pos x="connsiteX3" y="connsiteY3"/>
+              </a:cxn>
+            </a:cxnLst>
+            <a:rect l="l" t="t" r="r" b="b"/>
+            <a:pathLst>
+              <a:path w="806334" h="883921">
+                <a:moveTo>
+                  <a:pt x="0" y="847899"/>
+                </a:moveTo>
+                <a:cubicBezTo>
+                  <a:pt x="250767" y="865910"/>
+                  <a:pt x="501534" y="883921"/>
+                  <a:pt x="631767" y="847899"/>
+                </a:cubicBezTo>
+                <a:cubicBezTo>
+                  <a:pt x="762000" y="811877"/>
+                  <a:pt x="756458" y="773085"/>
+                  <a:pt x="781396" y="631768"/>
+                </a:cubicBezTo>
+                <a:cubicBezTo>
+                  <a:pt x="806334" y="490452"/>
+                  <a:pt x="778625" y="105295"/>
+                  <a:pt x="781396" y="0"/>
+                </a:cubicBezTo>
+              </a:path>
+            </a:pathLst>
+          </a:custGeom>
+          <a:ln w="19050">
+            <a:solidFill>
+              <a:schemeClr val="tx1"/>
             </a:solidFill>
             <a:round/>
-            <a:headEnd type="triangle"/>
-            <a:tailEnd type="triangle" w="med" len="med"/>
+            <a:tailEnd type="triangle"/>
           </a:ln>
         </p:spPr>
-      </p:cxnSp>
-      <p:sp>
-        <p:nvSpPr>
-          <p:cNvPr id="132" name="CustomShape 29"/>
-          <p:cNvSpPr/>
-          <p:nvPr/>
-        </p:nvSpPr>
-        <p:spPr>
-          <a:xfrm>
-            <a:off x="2341877" y="1196752"/>
-            <a:ext cx="1857388" cy="275722"/>
-          </a:xfrm>
-          <a:prstGeom prst="rect">
-            <a:avLst/>
-          </a:prstGeom>
-        </p:spPr>
-        <p:txBody>
-          <a:bodyPr wrap="none" lIns="90000" tIns="45000" rIns="90000" bIns="45000"/>
-          <a:lstStyle>
-            <a:defPPr>
-              <a:defRPr lang="en-US"/>
-            </a:defPPr>
-            <a:lvl1pPr marL="0" algn="l" defTabSz="914400" rtl="0" eaLnBrk="1" latinLnBrk="0" hangingPunct="1">
-              <a:defRPr sz="1800" kern="1200">
-                <a:solidFill>
-                  <a:schemeClr val="tx1"/>
-                </a:solidFill>
-                <a:latin typeface="+mn-lt"/>
-                <a:ea typeface="+mn-ea"/>
-                <a:cs typeface="+mn-cs"/>
-              </a:defRPr>
-            </a:lvl1pPr>
-            <a:lvl2pPr marL="457200" algn="l" defTabSz="914400" rtl="0" eaLnBrk="1" latinLnBrk="0" hangingPunct="1">
-              <a:defRPr sz="1800" kern="1200">
-                <a:solidFill>
-                  <a:schemeClr val="tx1"/>
-                </a:solidFill>
-                <a:latin typeface="+mn-lt"/>
-                <a:ea typeface="+mn-ea"/>
-                <a:cs typeface="+mn-cs"/>
-              </a:defRPr>
-            </a:lvl2pPr>
-            <a:lvl3pPr marL="914400" algn="l" defTabSz="914400" rtl="0" eaLnBrk="1" latinLnBrk="0" hangingPunct="1">
-              <a:defRPr sz="1800" kern="1200">
-                <a:solidFill>
-                  <a:schemeClr val="tx1"/>
-                </a:solidFill>
-                <a:latin typeface="+mn-lt"/>
-                <a:ea typeface="+mn-ea"/>
-                <a:cs typeface="+mn-cs"/>
-              </a:defRPr>
-            </a:lvl3pPr>
-            <a:lvl4pPr marL="1371600" algn="l" defTabSz="914400" rtl="0" eaLnBrk="1" latinLnBrk="0" hangingPunct="1">
-              <a:defRPr sz="1800" kern="1200">
-                <a:solidFill>
-                  <a:schemeClr val="tx1"/>
-                </a:solidFill>
-                <a:latin typeface="+mn-lt"/>
-                <a:ea typeface="+mn-ea"/>
-                <a:cs typeface="+mn-cs"/>
-              </a:defRPr>
-            </a:lvl4pPr>
-            <a:lvl5pPr marL="1828800" algn="l" defTabSz="914400" rtl="0" eaLnBrk="1" latinLnBrk="0" hangingPunct="1">
-              <a:defRPr sz="1800" kern="1200">
-                <a:solidFill>
-                  <a:schemeClr val="tx1"/>
-                </a:solidFill>
-                <a:latin typeface="+mn-lt"/>
-                <a:ea typeface="+mn-ea"/>
-                <a:cs typeface="+mn-cs"/>
-              </a:defRPr>
-            </a:lvl5pPr>
-            <a:lvl6pPr marL="2286000" algn="l" defTabSz="914400" rtl="0" eaLnBrk="1" latinLnBrk="0" hangingPunct="1">
-              <a:defRPr sz="1800" kern="1200">
-                <a:solidFill>
-                  <a:schemeClr val="tx1"/>
-                </a:solidFill>
-                <a:latin typeface="+mn-lt"/>
-                <a:ea typeface="+mn-ea"/>
-                <a:cs typeface="+mn-cs"/>
-              </a:defRPr>
-            </a:lvl6pPr>
-            <a:lvl7pPr marL="2743200" algn="l" defTabSz="914400" rtl="0" eaLnBrk="1" latinLnBrk="0" hangingPunct="1">
-              <a:defRPr sz="1800" kern="1200">
-                <a:solidFill>
-                  <a:schemeClr val="tx1"/>
-                </a:solidFill>
-                <a:latin typeface="+mn-lt"/>
-                <a:ea typeface="+mn-ea"/>
-                <a:cs typeface="+mn-cs"/>
-              </a:defRPr>
-            </a:lvl7pPr>
-            <a:lvl8pPr marL="3200400" algn="l" defTabSz="914400" rtl="0" eaLnBrk="1" latinLnBrk="0" hangingPunct="1">
-              <a:defRPr sz="1800" kern="1200">
-                <a:solidFill>
-                  <a:schemeClr val="tx1"/>
-                </a:solidFill>
-                <a:latin typeface="+mn-lt"/>
-                <a:ea typeface="+mn-ea"/>
-                <a:cs typeface="+mn-cs"/>
-              </a:defRPr>
-            </a:lvl8pPr>
-            <a:lvl9pPr marL="3657600" algn="l" defTabSz="914400" rtl="0" eaLnBrk="1" latinLnBrk="0" hangingPunct="1">
-              <a:defRPr sz="1800" kern="1200">
-                <a:solidFill>
-                  <a:schemeClr val="tx1"/>
-                </a:solidFill>
-                <a:latin typeface="+mn-lt"/>
-                <a:ea typeface="+mn-ea"/>
-                <a:cs typeface="+mn-cs"/>
-              </a:defRPr>
-            </a:lvl9pPr>
-          </a:lstStyle>
-          <a:p>
-            <a:r>
-              <a:rPr lang="it-IT" sz="1400" dirty="0">
-                <a:cs typeface="Times New Roman" pitchFamily="18" charset="0"/>
-              </a:rPr>
-              <a:t>[NF-FG] (native)</a:t>
-            </a:r>
-            <a:endParaRPr sz="1400" dirty="0">
-              <a:cs typeface="Times New Roman" pitchFamily="18" charset="0"/>
-            </a:endParaRPr>
-          </a:p>
-        </p:txBody>
-      </p:sp>
-      <p:cxnSp>
-        <p:nvCxnSpPr>
-          <p:cNvPr id="144" name="Straight Arrow Connector 143"/>
-          <p:cNvCxnSpPr>
-            <a:stCxn id="113" idx="2"/>
-          </p:cNvCxnSpPr>
-          <p:nvPr/>
-        </p:nvCxnSpPr>
-        <p:spPr>
-          <a:xfrm>
-            <a:off x="2385191" y="1196752"/>
-            <a:ext cx="3638" cy="337333"/>
-          </a:xfrm>
-          <a:prstGeom prst="straightConnector1">
-            <a:avLst/>
-          </a:prstGeom>
-          <a:ln w="19050">
-            <a:solidFill>
-              <a:srgbClr val="000000"/>
-            </a:solidFill>
-            <a:round/>
-            <a:tailEnd type="triangle" w="med" len="med"/>
-          </a:ln>
-        </p:spPr>
-      </p:cxnSp>
-      <p:sp>
-        <p:nvSpPr>
-          <p:cNvPr id="148" name="CustomShape 29"/>
-          <p:cNvSpPr/>
-          <p:nvPr/>
-        </p:nvSpPr>
-        <p:spPr>
-          <a:xfrm>
-            <a:off x="2355519" y="435695"/>
-            <a:ext cx="1857388" cy="275722"/>
-          </a:xfrm>
-          <a:prstGeom prst="rect">
-            <a:avLst/>
-          </a:prstGeom>
-        </p:spPr>
-        <p:txBody>
-          <a:bodyPr wrap="none" lIns="90000" tIns="45000" rIns="90000" bIns="45000"/>
-          <a:lstStyle>
-            <a:defPPr>
-              <a:defRPr lang="en-US"/>
-            </a:defPPr>
-            <a:lvl1pPr marL="0" algn="l" defTabSz="914400" rtl="0" eaLnBrk="1" latinLnBrk="0" hangingPunct="1">
-              <a:defRPr sz="1800" kern="1200">
-                <a:solidFill>
-                  <a:schemeClr val="tx1"/>
-                </a:solidFill>
-                <a:latin typeface="+mn-lt"/>
-                <a:ea typeface="+mn-ea"/>
-                <a:cs typeface="+mn-cs"/>
-              </a:defRPr>
-            </a:lvl1pPr>
-            <a:lvl2pPr marL="457200" algn="l" defTabSz="914400" rtl="0" eaLnBrk="1" latinLnBrk="0" hangingPunct="1">
-              <a:defRPr sz="1800" kern="1200">
-                <a:solidFill>
-                  <a:schemeClr val="tx1"/>
-                </a:solidFill>
-                <a:latin typeface="+mn-lt"/>
-                <a:ea typeface="+mn-ea"/>
-                <a:cs typeface="+mn-cs"/>
-              </a:defRPr>
-            </a:lvl2pPr>
-            <a:lvl3pPr marL="914400" algn="l" defTabSz="914400" rtl="0" eaLnBrk="1" latinLnBrk="0" hangingPunct="1">
-              <a:defRPr sz="1800" kern="1200">
-                <a:solidFill>
-                  <a:schemeClr val="tx1"/>
-                </a:solidFill>
-                <a:latin typeface="+mn-lt"/>
-                <a:ea typeface="+mn-ea"/>
-                <a:cs typeface="+mn-cs"/>
-              </a:defRPr>
-            </a:lvl3pPr>
-            <a:lvl4pPr marL="1371600" algn="l" defTabSz="914400" rtl="0" eaLnBrk="1" latinLnBrk="0" hangingPunct="1">
-              <a:defRPr sz="1800" kern="1200">
-                <a:solidFill>
-                  <a:schemeClr val="tx1"/>
-                </a:solidFill>
-                <a:latin typeface="+mn-lt"/>
-                <a:ea typeface="+mn-ea"/>
-                <a:cs typeface="+mn-cs"/>
-              </a:defRPr>
-            </a:lvl4pPr>
-            <a:lvl5pPr marL="1828800" algn="l" defTabSz="914400" rtl="0" eaLnBrk="1" latinLnBrk="0" hangingPunct="1">
-              <a:defRPr sz="1800" kern="1200">
-                <a:solidFill>
-                  <a:schemeClr val="tx1"/>
-                </a:solidFill>
-                <a:latin typeface="+mn-lt"/>
-                <a:ea typeface="+mn-ea"/>
-                <a:cs typeface="+mn-cs"/>
-              </a:defRPr>
-            </a:lvl5pPr>
-            <a:lvl6pPr marL="2286000" algn="l" defTabSz="914400" rtl="0" eaLnBrk="1" latinLnBrk="0" hangingPunct="1">
-              <a:defRPr sz="1800" kern="1200">
-                <a:solidFill>
-                  <a:schemeClr val="tx1"/>
-                </a:solidFill>
-                <a:latin typeface="+mn-lt"/>
-                <a:ea typeface="+mn-ea"/>
-                <a:cs typeface="+mn-cs"/>
-              </a:defRPr>
-            </a:lvl6pPr>
-            <a:lvl7pPr marL="2743200" algn="l" defTabSz="914400" rtl="0" eaLnBrk="1" latinLnBrk="0" hangingPunct="1">
-              <a:defRPr sz="1800" kern="1200">
-                <a:solidFill>
-                  <a:schemeClr val="tx1"/>
-                </a:solidFill>
-                <a:latin typeface="+mn-lt"/>
-                <a:ea typeface="+mn-ea"/>
-                <a:cs typeface="+mn-cs"/>
-              </a:defRPr>
-            </a:lvl7pPr>
-            <a:lvl8pPr marL="3200400" algn="l" defTabSz="914400" rtl="0" eaLnBrk="1" latinLnBrk="0" hangingPunct="1">
-              <a:defRPr sz="1800" kern="1200">
-                <a:solidFill>
-                  <a:schemeClr val="tx1"/>
-                </a:solidFill>
-                <a:latin typeface="+mn-lt"/>
-                <a:ea typeface="+mn-ea"/>
-                <a:cs typeface="+mn-cs"/>
-              </a:defRPr>
-            </a:lvl8pPr>
-            <a:lvl9pPr marL="3657600" algn="l" defTabSz="914400" rtl="0" eaLnBrk="1" latinLnBrk="0" hangingPunct="1">
-              <a:defRPr sz="1800" kern="1200">
-                <a:solidFill>
-                  <a:schemeClr val="tx1"/>
-                </a:solidFill>
-                <a:latin typeface="+mn-lt"/>
-                <a:ea typeface="+mn-ea"/>
-                <a:cs typeface="+mn-cs"/>
-              </a:defRPr>
-            </a:lvl9pPr>
-          </a:lstStyle>
-          <a:p>
-            <a:r>
-              <a:rPr lang="it-IT" sz="1400" dirty="0">
-                <a:cs typeface="Times New Roman" pitchFamily="18" charset="0"/>
-              </a:rPr>
-              <a:t>[NF-FG] (UNIFY)</a:t>
-            </a:r>
-            <a:endParaRPr sz="1400" dirty="0">
-              <a:cs typeface="Times New Roman" pitchFamily="18" charset="0"/>
-            </a:endParaRPr>
-          </a:p>
-        </p:txBody>
-      </p:sp>
-      <p:cxnSp>
-        <p:nvCxnSpPr>
-          <p:cNvPr id="149" name="Straight Arrow Connector 148"/>
-          <p:cNvCxnSpPr>
-            <a:endCxn id="113" idx="0"/>
-          </p:cNvCxnSpPr>
-          <p:nvPr/>
-        </p:nvCxnSpPr>
-        <p:spPr>
-          <a:xfrm flipH="1">
-            <a:off x="2385191" y="419533"/>
-            <a:ext cx="3638" cy="554039"/>
-          </a:xfrm>
-          <a:prstGeom prst="straightConnector1">
-            <a:avLst/>
-          </a:prstGeom>
-          <a:ln w="19050">
-            <a:solidFill>
-              <a:srgbClr val="000000"/>
-            </a:solidFill>
-            <a:round/>
-            <a:tailEnd type="triangle" w="med" len="med"/>
-          </a:ln>
-        </p:spPr>
-      </p:cxnSp>
+        <p:style>
+          <a:lnRef idx="1">
+            <a:schemeClr val="accent1"/>
+          </a:lnRef>
+          <a:fillRef idx="0">
+            <a:schemeClr val="accent1"/>
+          </a:fillRef>
+          <a:effectRef idx="0">
+            <a:schemeClr val="accent1"/>
+          </a:effectRef>
+          <a:fontRef idx="minor">
+            <a:schemeClr val="tx1"/>
+          </a:fontRef>
+        </p:style>
+        <p:txBody>
+          <a:bodyPr rtlCol="0" anchor="ctr"/>
+          <a:lstStyle/>
+          <a:p>
+            <a:pPr algn="ctr"/>
+            <a:endParaRPr lang="it-IT"/>
+          </a:p>
+        </p:txBody>
+      </p:sp>
     </p:spTree>
+    <p:extLst>
+      <p:ext uri="{BB962C8B-B14F-4D97-AF65-F5344CB8AC3E}">
+        <p14:creationId xmlns="" xmlns:p14="http://schemas.microsoft.com/office/powerpoint/2010/main" val="2237771688"/>
+      </p:ext>
+    </p:extLst>
   </p:cSld>
   <p:clrMapOvr>
     <a:masterClrMapping/>
   </p:clrMapOvr>
+  <p:transition/>
+  <p:timing>
+    <p:tnLst>
+      <p:par>
+        <p:cTn id="1" dur="indefinite" restart="never" nodeType="tmRoot"/>
+      </p:par>
+    </p:tnLst>
+  </p:timing>
 </p:sld>
 </file>
 
@@ -17944,7 +18558,7 @@
     </p:spTree>
     <p:extLst>
       <p:ext uri="{BB962C8B-B14F-4D97-AF65-F5344CB8AC3E}">
-        <p14:creationId xmlns:p14="http://schemas.microsoft.com/office/powerpoint/2010/main" val="1153916573"/>
+        <p14:creationId xmlns="" xmlns:p14="http://schemas.microsoft.com/office/powerpoint/2010/main" val="1153916573"/>
       </p:ext>
     </p:extLst>
   </p:cSld>
@@ -20798,7 +21412,7 @@
     </p:spTree>
     <p:extLst>
       <p:ext uri="{BB962C8B-B14F-4D97-AF65-F5344CB8AC3E}">
-        <p14:creationId xmlns:p14="http://schemas.microsoft.com/office/powerpoint/2010/main" val="3359316328"/>
+        <p14:creationId xmlns="" xmlns:p14="http://schemas.microsoft.com/office/powerpoint/2010/main" val="3359316328"/>
       </p:ext>
     </p:extLst>
   </p:cSld>
@@ -22467,7 +23081,7 @@
     </p:spTree>
     <p:extLst>
       <p:ext uri="{BB962C8B-B14F-4D97-AF65-F5344CB8AC3E}">
-        <p14:creationId xmlns:p14="http://schemas.microsoft.com/office/powerpoint/2010/main" val="695641987"/>
+        <p14:creationId xmlns="" xmlns:p14="http://schemas.microsoft.com/office/powerpoint/2010/main" val="695641987"/>
       </p:ext>
     </p:extLst>
   </p:cSld>
@@ -23828,7 +24442,7 @@
     </p:spTree>
     <p:extLst>
       <p:ext uri="{BB962C8B-B14F-4D97-AF65-F5344CB8AC3E}">
-        <p14:creationId xmlns:p14="http://schemas.microsoft.com/office/powerpoint/2010/main" val="529406174"/>
+        <p14:creationId xmlns="" xmlns:p14="http://schemas.microsoft.com/office/powerpoint/2010/main" val="529406174"/>
       </p:ext>
     </p:extLst>
   </p:cSld>
@@ -23870,7 +24484,7 @@
           <a:blip r:embed="rId2" cstate="print">
             <a:extLst>
               <a:ext uri="{28A0092B-C50C-407E-A947-70E740481C1C}">
-                <a14:useLocalDpi xmlns:a14="http://schemas.microsoft.com/office/drawing/2010/main" val="0"/>
+                <a14:useLocalDpi xmlns="" xmlns:a14="http://schemas.microsoft.com/office/drawing/2010/main" val="0"/>
               </a:ext>
             </a:extLst>
           </a:blip>
@@ -24749,7 +25363,7 @@
     </p:spTree>
     <p:extLst>
       <p:ext uri="{BB962C8B-B14F-4D97-AF65-F5344CB8AC3E}">
-        <p14:creationId xmlns:p14="http://schemas.microsoft.com/office/powerpoint/2010/main" val="3330417980"/>
+        <p14:creationId xmlns="" xmlns:p14="http://schemas.microsoft.com/office/powerpoint/2010/main" val="3330417980"/>
       </p:ext>
     </p:extLst>
   </p:cSld>
@@ -24788,7 +25402,7 @@
           <p:nvPr>
             <p:extLst>
               <p:ext uri="{D42A27DB-BD31-4B8C-83A1-F6EECF244321}">
-                <p14:modId xmlns:p14="http://schemas.microsoft.com/office/powerpoint/2010/main" val="3598934757"/>
+                <p14:modId xmlns="" xmlns:p14="http://schemas.microsoft.com/office/powerpoint/2010/main" val="3598934757"/>
               </p:ext>
             </p:extLst>
           </p:nvPr>
@@ -24807,14 +25421,14 @@
                 <a:gridCol w="648072">
                   <a:extLst>
                     <a:ext uri="{9D8B030D-6E8A-4147-A177-3AD203B41FA5}">
-                      <a16:colId xmlns:a16="http://schemas.microsoft.com/office/drawing/2014/main" val="20000"/>
+                      <a16:colId xmlns="" xmlns:a16="http://schemas.microsoft.com/office/drawing/2014/main" val="20000"/>
                     </a:ext>
                   </a:extLst>
                 </a:gridCol>
                 <a:gridCol w="1224136">
                   <a:extLst>
                     <a:ext uri="{9D8B030D-6E8A-4147-A177-3AD203B41FA5}">
-                      <a16:colId xmlns:a16="http://schemas.microsoft.com/office/drawing/2014/main" val="20001"/>
+                      <a16:colId xmlns="" xmlns:a16="http://schemas.microsoft.com/office/drawing/2014/main" val="20001"/>
                     </a:ext>
                   </a:extLst>
                 </a:gridCol>
@@ -24887,7 +25501,7 @@
                 </a:tc>
                 <a:extLst>
                   <a:ext uri="{0D108BD9-81ED-4DB2-BD59-A6C34878D82A}">
-                    <a16:rowId xmlns:a16="http://schemas.microsoft.com/office/drawing/2014/main" val="10000"/>
+                    <a16:rowId xmlns="" xmlns:a16="http://schemas.microsoft.com/office/drawing/2014/main" val="10000"/>
                   </a:ext>
                 </a:extLst>
               </a:tr>
@@ -24954,7 +25568,7 @@
                 </a:tc>
                 <a:extLst>
                   <a:ext uri="{0D108BD9-81ED-4DB2-BD59-A6C34878D82A}">
-                    <a16:rowId xmlns:a16="http://schemas.microsoft.com/office/drawing/2014/main" val="10001"/>
+                    <a16:rowId xmlns="" xmlns:a16="http://schemas.microsoft.com/office/drawing/2014/main" val="10001"/>
                   </a:ext>
                 </a:extLst>
               </a:tr>
@@ -25024,7 +25638,7 @@
                 </a:tc>
                 <a:extLst>
                   <a:ext uri="{0D108BD9-81ED-4DB2-BD59-A6C34878D82A}">
-                    <a16:rowId xmlns:a16="http://schemas.microsoft.com/office/drawing/2014/main" val="10002"/>
+                    <a16:rowId xmlns="" xmlns:a16="http://schemas.microsoft.com/office/drawing/2014/main" val="10002"/>
                   </a:ext>
                 </a:extLst>
               </a:tr>
@@ -25090,7 +25704,7 @@
                 </a:tc>
                 <a:extLst>
                   <a:ext uri="{0D108BD9-81ED-4DB2-BD59-A6C34878D82A}">
-                    <a16:rowId xmlns:a16="http://schemas.microsoft.com/office/drawing/2014/main" val="10003"/>
+                    <a16:rowId xmlns="" xmlns:a16="http://schemas.microsoft.com/office/drawing/2014/main" val="10003"/>
                   </a:ext>
                 </a:extLst>
               </a:tr>
@@ -25178,7 +25792,7 @@
                 </a:tc>
                 <a:extLst>
                   <a:ext uri="{0D108BD9-81ED-4DB2-BD59-A6C34878D82A}">
-                    <a16:rowId xmlns:a16="http://schemas.microsoft.com/office/drawing/2014/main" val="10004"/>
+                    <a16:rowId xmlns="" xmlns:a16="http://schemas.microsoft.com/office/drawing/2014/main" val="10004"/>
                   </a:ext>
                 </a:extLst>
               </a:tr>
@@ -25195,7 +25809,7 @@
           <p:nvPr>
             <p:extLst>
               <p:ext uri="{D42A27DB-BD31-4B8C-83A1-F6EECF244321}">
-                <p14:modId xmlns:p14="http://schemas.microsoft.com/office/powerpoint/2010/main" val="2722487107"/>
+                <p14:modId xmlns="" xmlns:p14="http://schemas.microsoft.com/office/powerpoint/2010/main" val="2722487107"/>
               </p:ext>
             </p:extLst>
           </p:nvPr>
@@ -25214,14 +25828,14 @@
                 <a:gridCol w="638382">
                   <a:extLst>
                     <a:ext uri="{9D8B030D-6E8A-4147-A177-3AD203B41FA5}">
-                      <a16:colId xmlns:a16="http://schemas.microsoft.com/office/drawing/2014/main" val="20000"/>
+                      <a16:colId xmlns="" xmlns:a16="http://schemas.microsoft.com/office/drawing/2014/main" val="20000"/>
                     </a:ext>
                   </a:extLst>
                 </a:gridCol>
                 <a:gridCol w="1224136">
                   <a:extLst>
                     <a:ext uri="{9D8B030D-6E8A-4147-A177-3AD203B41FA5}">
-                      <a16:colId xmlns:a16="http://schemas.microsoft.com/office/drawing/2014/main" val="20001"/>
+                      <a16:colId xmlns="" xmlns:a16="http://schemas.microsoft.com/office/drawing/2014/main" val="20001"/>
                     </a:ext>
                   </a:extLst>
                 </a:gridCol>
@@ -25294,7 +25908,7 @@
                 </a:tc>
                 <a:extLst>
                   <a:ext uri="{0D108BD9-81ED-4DB2-BD59-A6C34878D82A}">
-                    <a16:rowId xmlns:a16="http://schemas.microsoft.com/office/drawing/2014/main" val="10000"/>
+                    <a16:rowId xmlns="" xmlns:a16="http://schemas.microsoft.com/office/drawing/2014/main" val="10000"/>
                   </a:ext>
                 </a:extLst>
               </a:tr>
@@ -25361,7 +25975,7 @@
                 </a:tc>
                 <a:extLst>
                   <a:ext uri="{0D108BD9-81ED-4DB2-BD59-A6C34878D82A}">
-                    <a16:rowId xmlns:a16="http://schemas.microsoft.com/office/drawing/2014/main" val="10001"/>
+                    <a16:rowId xmlns="" xmlns:a16="http://schemas.microsoft.com/office/drawing/2014/main" val="10001"/>
                   </a:ext>
                 </a:extLst>
               </a:tr>
@@ -25431,7 +26045,7 @@
                 </a:tc>
                 <a:extLst>
                   <a:ext uri="{0D108BD9-81ED-4DB2-BD59-A6C34878D82A}">
-                    <a16:rowId xmlns:a16="http://schemas.microsoft.com/office/drawing/2014/main" val="10002"/>
+                    <a16:rowId xmlns="" xmlns:a16="http://schemas.microsoft.com/office/drawing/2014/main" val="10002"/>
                   </a:ext>
                 </a:extLst>
               </a:tr>
@@ -25497,7 +26111,7 @@
                 </a:tc>
                 <a:extLst>
                   <a:ext uri="{0D108BD9-81ED-4DB2-BD59-A6C34878D82A}">
-                    <a16:rowId xmlns:a16="http://schemas.microsoft.com/office/drawing/2014/main" val="10003"/>
+                    <a16:rowId xmlns="" xmlns:a16="http://schemas.microsoft.com/office/drawing/2014/main" val="10003"/>
                   </a:ext>
                 </a:extLst>
               </a:tr>
@@ -25585,7 +26199,7 @@
                 </a:tc>
                 <a:extLst>
                   <a:ext uri="{0D108BD9-81ED-4DB2-BD59-A6C34878D82A}">
-                    <a16:rowId xmlns:a16="http://schemas.microsoft.com/office/drawing/2014/main" val="10004"/>
+                    <a16:rowId xmlns="" xmlns:a16="http://schemas.microsoft.com/office/drawing/2014/main" val="10004"/>
                   </a:ext>
                 </a:extLst>
               </a:tr>
@@ -26426,7 +27040,7 @@
     </p:spTree>
     <p:extLst>
       <p:ext uri="{BB962C8B-B14F-4D97-AF65-F5344CB8AC3E}">
-        <p14:creationId xmlns:p14="http://schemas.microsoft.com/office/powerpoint/2010/main" val="2487360343"/>
+        <p14:creationId xmlns="" xmlns:p14="http://schemas.microsoft.com/office/powerpoint/2010/main" val="2487360343"/>
       </p:ext>
     </p:extLst>
   </p:cSld>
@@ -27103,7 +27717,7 @@
           <a:blip r:embed="rId3" cstate="print">
             <a:extLst>
               <a:ext uri="{28A0092B-C50C-407E-A947-70E740481C1C}">
-                <a14:useLocalDpi xmlns:a14="http://schemas.microsoft.com/office/drawing/2010/main" val="0"/>
+                <a14:useLocalDpi xmlns="" xmlns:a14="http://schemas.microsoft.com/office/drawing/2010/main" val="0"/>
               </a:ext>
             </a:extLst>
           </a:blip>
@@ -27288,7 +27902,7 @@
           <a:blip r:embed="rId4" cstate="print">
             <a:extLst>
               <a:ext uri="{28A0092B-C50C-407E-A947-70E740481C1C}">
-                <a14:useLocalDpi xmlns:a14="http://schemas.microsoft.com/office/drawing/2010/main" val="0"/>
+                <a14:useLocalDpi xmlns="" xmlns:a14="http://schemas.microsoft.com/office/drawing/2010/main" val="0"/>
               </a:ext>
             </a:extLst>
           </a:blip>
@@ -27308,7 +27922,7 @@
           <a:noFill/>
           <a:extLst>
             <a:ext uri="{909E8E84-426E-40DD-AFC4-6F175D3DCCD1}">
-              <a14:hiddenFill xmlns:a14="http://schemas.microsoft.com/office/drawing/2010/main">
+              <a14:hiddenFill xmlns="" xmlns:a14="http://schemas.microsoft.com/office/drawing/2010/main">
                 <a:solidFill>
                   <a:srgbClr val="FFFFFF"/>
                 </a:solidFill>
@@ -27830,7 +28444,7 @@
           <a:blip r:embed="rId5" cstate="print">
             <a:extLst>
               <a:ext uri="{28A0092B-C50C-407E-A947-70E740481C1C}">
-                <a14:useLocalDpi xmlns:a14="http://schemas.microsoft.com/office/drawing/2010/main" val="0"/>
+                <a14:useLocalDpi xmlns="" xmlns:a14="http://schemas.microsoft.com/office/drawing/2010/main" val="0"/>
               </a:ext>
             </a:extLst>
           </a:blip>
@@ -27853,14 +28467,14 @@
           </a:ln>
           <a:extLst>
             <a:ext uri="{909E8E84-426E-40DD-AFC4-6F175D3DCCD1}">
-              <a14:hiddenFill xmlns:a14="http://schemas.microsoft.com/office/drawing/2010/main">
+              <a14:hiddenFill xmlns="" xmlns:a14="http://schemas.microsoft.com/office/drawing/2010/main">
                 <a:solidFill>
                   <a:srgbClr val="FFFFFF"/>
                 </a:solidFill>
               </a14:hiddenFill>
             </a:ext>
             <a:ext uri="{91240B29-F687-4F45-9708-019B960494DF}">
-              <a14:hiddenLine xmlns:a14="http://schemas.microsoft.com/office/drawing/2010/main" w="9525">
+              <a14:hiddenLine xmlns="" xmlns:a14="http://schemas.microsoft.com/office/drawing/2010/main" w="9525">
                 <a:solidFill>
                   <a:srgbClr val="000000"/>
                 </a:solidFill>
@@ -27884,7 +28498,7 @@
           <a:blip r:embed="rId5" cstate="print">
             <a:extLst>
               <a:ext uri="{28A0092B-C50C-407E-A947-70E740481C1C}">
-                <a14:useLocalDpi xmlns:a14="http://schemas.microsoft.com/office/drawing/2010/main" val="0"/>
+                <a14:useLocalDpi xmlns="" xmlns:a14="http://schemas.microsoft.com/office/drawing/2010/main" val="0"/>
               </a:ext>
             </a:extLst>
           </a:blip>
@@ -27907,14 +28521,14 @@
           </a:ln>
           <a:extLst>
             <a:ext uri="{909E8E84-426E-40DD-AFC4-6F175D3DCCD1}">
-              <a14:hiddenFill xmlns:a14="http://schemas.microsoft.com/office/drawing/2010/main">
+              <a14:hiddenFill xmlns="" xmlns:a14="http://schemas.microsoft.com/office/drawing/2010/main">
                 <a:solidFill>
                   <a:srgbClr val="FFFFFF"/>
                 </a:solidFill>
               </a14:hiddenFill>
             </a:ext>
             <a:ext uri="{91240B29-F687-4F45-9708-019B960494DF}">
-              <a14:hiddenLine xmlns:a14="http://schemas.microsoft.com/office/drawing/2010/main" w="9525">
+              <a14:hiddenLine xmlns="" xmlns:a14="http://schemas.microsoft.com/office/drawing/2010/main" w="9525">
                 <a:solidFill>
                   <a:srgbClr val="000000"/>
                 </a:solidFill>
@@ -27990,7 +28604,7 @@
     </p:spTree>
     <p:extLst>
       <p:ext uri="{BB962C8B-B14F-4D97-AF65-F5344CB8AC3E}">
-        <p14:creationId xmlns:p14="http://schemas.microsoft.com/office/powerpoint/2010/main" val="225926590"/>
+        <p14:creationId xmlns="" xmlns:p14="http://schemas.microsoft.com/office/powerpoint/2010/main" val="225926590"/>
       </p:ext>
     </p:extLst>
   </p:cSld>
@@ -30339,7 +30953,7 @@
           <a:blip r:embed="rId3" cstate="print">
             <a:extLst>
               <a:ext uri="{28A0092B-C50C-407E-A947-70E740481C1C}">
-                <a14:useLocalDpi xmlns:a14="http://schemas.microsoft.com/office/drawing/2010/main" val="0"/>
+                <a14:useLocalDpi xmlns="" xmlns:a14="http://schemas.microsoft.com/office/drawing/2010/main" val="0"/>
               </a:ext>
             </a:extLst>
           </a:blip>
@@ -30399,7 +31013,7 @@
           <a:blip r:embed="rId3" cstate="print">
             <a:extLst>
               <a:ext uri="{28A0092B-C50C-407E-A947-70E740481C1C}">
-                <a14:useLocalDpi xmlns:a14="http://schemas.microsoft.com/office/drawing/2010/main" val="0"/>
+                <a14:useLocalDpi xmlns="" xmlns:a14="http://schemas.microsoft.com/office/drawing/2010/main" val="0"/>
               </a:ext>
             </a:extLst>
           </a:blip>
@@ -30450,7 +31064,7 @@
     </p:spTree>
     <p:extLst>
       <p:ext uri="{BB962C8B-B14F-4D97-AF65-F5344CB8AC3E}">
-        <p14:creationId xmlns:p14="http://schemas.microsoft.com/office/powerpoint/2010/main" val="1478858485"/>
+        <p14:creationId xmlns="" xmlns:p14="http://schemas.microsoft.com/office/powerpoint/2010/main" val="1478858485"/>
       </p:ext>
     </p:extLst>
   </p:cSld>
@@ -32098,7 +32712,7 @@
     </p:spTree>
     <p:extLst>
       <p:ext uri="{BB962C8B-B14F-4D97-AF65-F5344CB8AC3E}">
-        <p14:creationId xmlns:p14="http://schemas.microsoft.com/office/powerpoint/2010/main" val="116685902"/>
+        <p14:creationId xmlns="" xmlns:p14="http://schemas.microsoft.com/office/powerpoint/2010/main" val="116685902"/>
       </p:ext>
     </p:extLst>
   </p:cSld>
@@ -33790,7 +34404,7 @@
     </p:spTree>
     <p:extLst>
       <p:ext uri="{BB962C8B-B14F-4D97-AF65-F5344CB8AC3E}">
-        <p14:creationId xmlns:p14="http://schemas.microsoft.com/office/powerpoint/2010/main" val="3645073940"/>
+        <p14:creationId xmlns="" xmlns:p14="http://schemas.microsoft.com/office/powerpoint/2010/main" val="3645073940"/>
       </p:ext>
     </p:extLst>
   </p:cSld>
@@ -34794,7 +35408,7 @@
             <a:blip r:embed="rId2" cstate="email">
               <a:extLst>
                 <a:ext uri="{28A0092B-C50C-407E-A947-70E740481C1C}">
-                  <a14:useLocalDpi xmlns:a14="http://schemas.microsoft.com/office/drawing/2010/main" val="0"/>
+                  <a14:useLocalDpi xmlns="" xmlns:a14="http://schemas.microsoft.com/office/drawing/2010/main" val="0"/>
                 </a:ext>
               </a:extLst>
             </a:blip>
@@ -34814,7 +35428,7 @@
             <a:noFill/>
             <a:extLst>
               <a:ext uri="{909E8E84-426E-40DD-AFC4-6F175D3DCCD1}">
-                <a14:hiddenFill xmlns:a14="http://schemas.microsoft.com/office/drawing/2010/main">
+                <a14:hiddenFill xmlns="" xmlns:a14="http://schemas.microsoft.com/office/drawing/2010/main">
                   <a:solidFill>
                     <a:srgbClr val="FFFFFF"/>
                   </a:solidFill>
@@ -34835,7 +35449,7 @@
             <a:blip r:embed="rId3" cstate="email">
               <a:extLst>
                 <a:ext uri="{28A0092B-C50C-407E-A947-70E740481C1C}">
-                  <a14:useLocalDpi xmlns:a14="http://schemas.microsoft.com/office/drawing/2010/main" val="0"/>
+                  <a14:useLocalDpi xmlns="" xmlns:a14="http://schemas.microsoft.com/office/drawing/2010/main" val="0"/>
                 </a:ext>
               </a:extLst>
             </a:blip>
@@ -34853,7 +35467,7 @@
             <a:noFill/>
             <a:extLst>
               <a:ext uri="{909E8E84-426E-40DD-AFC4-6F175D3DCCD1}">
-                <a14:hiddenFill xmlns:a14="http://schemas.microsoft.com/office/drawing/2010/main">
+                <a14:hiddenFill xmlns="" xmlns:a14="http://schemas.microsoft.com/office/drawing/2010/main">
                   <a:solidFill>
                     <a:srgbClr val="FFFFFF"/>
                   </a:solidFill>
@@ -35033,7 +35647,7 @@
             <a:blip r:embed="rId4" cstate="email">
               <a:extLst>
                 <a:ext uri="{28A0092B-C50C-407E-A947-70E740481C1C}">
-                  <a14:useLocalDpi xmlns:a14="http://schemas.microsoft.com/office/drawing/2010/main" val="0"/>
+                  <a14:useLocalDpi xmlns="" xmlns:a14="http://schemas.microsoft.com/office/drawing/2010/main" val="0"/>
                 </a:ext>
               </a:extLst>
             </a:blip>
@@ -35063,7 +35677,7 @@
             <a:blip r:embed="rId4" cstate="email">
               <a:extLst>
                 <a:ext uri="{28A0092B-C50C-407E-A947-70E740481C1C}">
-                  <a14:useLocalDpi xmlns:a14="http://schemas.microsoft.com/office/drawing/2010/main" val="0"/>
+                  <a14:useLocalDpi xmlns="" xmlns:a14="http://schemas.microsoft.com/office/drawing/2010/main" val="0"/>
                 </a:ext>
               </a:extLst>
             </a:blip>
@@ -35404,7 +36018,7 @@
             <a:blip r:embed="rId5" cstate="email">
               <a:extLst>
                 <a:ext uri="{28A0092B-C50C-407E-A947-70E740481C1C}">
-                  <a14:useLocalDpi xmlns:a14="http://schemas.microsoft.com/office/drawing/2010/main" val="0"/>
+                  <a14:useLocalDpi xmlns="" xmlns:a14="http://schemas.microsoft.com/office/drawing/2010/main" val="0"/>
                 </a:ext>
               </a:extLst>
             </a:blip>
@@ -35742,7 +36356,7 @@
             <a:blip r:embed="rId6" cstate="email">
               <a:extLst>
                 <a:ext uri="{28A0092B-C50C-407E-A947-70E740481C1C}">
-                  <a14:useLocalDpi xmlns:a14="http://schemas.microsoft.com/office/drawing/2010/main" val="0"/>
+                  <a14:useLocalDpi xmlns="" xmlns:a14="http://schemas.microsoft.com/office/drawing/2010/main" val="0"/>
                 </a:ext>
               </a:extLst>
             </a:blip>
@@ -35836,7 +36450,7 @@
     </p:spTree>
     <p:extLst>
       <p:ext uri="{BB962C8B-B14F-4D97-AF65-F5344CB8AC3E}">
-        <p14:creationId xmlns:p14="http://schemas.microsoft.com/office/powerpoint/2010/main" val="2857109805"/>
+        <p14:creationId xmlns="" xmlns:p14="http://schemas.microsoft.com/office/powerpoint/2010/main" val="2857109805"/>
       </p:ext>
     </p:extLst>
   </p:cSld>
@@ -36177,7 +36791,7 @@
           <a:blip r:embed="rId2" cstate="print">
             <a:extLst>
               <a:ext uri="{28A0092B-C50C-407E-A947-70E740481C1C}">
-                <a14:useLocalDpi xmlns:a14="http://schemas.microsoft.com/office/drawing/2010/main" val="0"/>
+                <a14:useLocalDpi xmlns="" xmlns:a14="http://schemas.microsoft.com/office/drawing/2010/main" val="0"/>
               </a:ext>
             </a:extLst>
           </a:blip>
@@ -36244,7 +36858,7 @@
           <a:blip r:embed="rId2" cstate="print">
             <a:extLst>
               <a:ext uri="{28A0092B-C50C-407E-A947-70E740481C1C}">
-                <a14:useLocalDpi xmlns:a14="http://schemas.microsoft.com/office/drawing/2010/main" val="0"/>
+                <a14:useLocalDpi xmlns="" xmlns:a14="http://schemas.microsoft.com/office/drawing/2010/main" val="0"/>
               </a:ext>
             </a:extLst>
           </a:blip>
@@ -36906,7 +37520,7 @@
             </a:clrChange>
             <a:extLst>
               <a:ext uri="{28A0092B-C50C-407E-A947-70E740481C1C}">
-                <a14:useLocalDpi xmlns:a14="http://schemas.microsoft.com/office/drawing/2010/main" val="0"/>
+                <a14:useLocalDpi xmlns="" xmlns:a14="http://schemas.microsoft.com/office/drawing/2010/main" val="0"/>
               </a:ext>
             </a:extLst>
           </a:blip>
@@ -36946,7 +37560,7 @@
             </a:clrChange>
             <a:extLst>
               <a:ext uri="{28A0092B-C50C-407E-A947-70E740481C1C}">
-                <a14:useLocalDpi xmlns:a14="http://schemas.microsoft.com/office/drawing/2010/main" val="0"/>
+                <a14:useLocalDpi xmlns="" xmlns:a14="http://schemas.microsoft.com/office/drawing/2010/main" val="0"/>
               </a:ext>
             </a:extLst>
           </a:blip>
@@ -39991,7 +40605,7 @@
     </p:spTree>
     <p:extLst>
       <p:ext uri="{BB962C8B-B14F-4D97-AF65-F5344CB8AC3E}">
-        <p14:creationId xmlns:p14="http://schemas.microsoft.com/office/powerpoint/2010/main" val="979447790"/>
+        <p14:creationId xmlns="" xmlns:p14="http://schemas.microsoft.com/office/powerpoint/2010/main" val="979447790"/>
       </p:ext>
     </p:extLst>
   </p:cSld>
@@ -40325,7 +40939,7 @@
   <a:extraClrSchemeLst/>
   <a:extLst>
     <a:ext uri="{05A4C25C-085E-4340-85A3-A5531E510DB2}">
-      <thm15:themeFamily xmlns:thm15="http://schemas.microsoft.com/office/thememl/2012/main" name="Office Theme" id="{62F939B6-93AF-4DB8-9C6B-D6C7DFDC589F}" vid="{4A3C46E8-61CC-4603-A589-7422A47A8E4A}"/>
+      <thm15:themeFamily xmlns="" xmlns:thm15="http://schemas.microsoft.com/office/thememl/2012/main" name="Office Theme" id="{62F939B6-93AF-4DB8-9C6B-D6C7DFDC589F}" vid="{4A3C46E8-61CC-4603-A589-7422A47A8E4A}"/>
     </a:ext>
   </a:extLst>
 </a:theme>
@@ -40374,7 +40988,7 @@
     </a:clrScheme>
     <a:fontScheme name="Office">
       <a:majorFont>
-        <a:latin typeface="Calibri Light" panose="020F0302020204030204"/>
+        <a:latin typeface="Calibri Light"/>
         <a:ea typeface=""/>
         <a:cs typeface=""/>
         <a:font script="Jpan" typeface="游ゴシック Light"/>
@@ -40426,7 +41040,7 @@
         <a:font script="Tfng" typeface="Ebrima"/>
       </a:majorFont>
       <a:minorFont>
-        <a:latin typeface="Calibri" panose="020F0502020204030204"/>
+        <a:latin typeface="Calibri"/>
         <a:ea typeface=""/>
         <a:cs typeface=""/>
         <a:font script="Jpan" typeface="游ゴシック"/>
@@ -40620,7 +41234,7 @@
   <a:extraClrSchemeLst/>
   <a:extLst>
     <a:ext uri="{05A4C25C-085E-4340-85A3-A5531E510DB2}">
-      <thm15:themeFamily xmlns:thm15="http://schemas.microsoft.com/office/thememl/2012/main" name="Office Theme" id="{62F939B6-93AF-4DB8-9C6B-D6C7DFDC589F}" vid="{4A3C46E8-61CC-4603-A589-7422A47A8E4A}"/>
+      <thm15:themeFamily xmlns="" xmlns:thm15="http://schemas.microsoft.com/office/thememl/2012/main" name="Office Theme" id="{62F939B6-93AF-4DB8-9C6B-D6C7DFDC589F}" vid="{4A3C46E8-61CC-4603-A589-7422A47A8E4A}"/>
     </a:ext>
   </a:extLst>
 </a:theme>
@@ -40881,7 +41495,7 @@
   <a:extraClrSchemeLst/>
   <a:extLst>
     <a:ext uri="{05A4C25C-085E-4340-85A3-A5531E510DB2}">
-      <thm15:themeFamily xmlns:thm15="http://schemas.microsoft.com/office/thememl/2012/main" name="Office Theme" id="{62F939B6-93AF-4DB8-9C6B-D6C7DFDC589F}" vid="{4A3C46E8-61CC-4603-A589-7422A47A8E4A}"/>
+      <thm15:themeFamily xmlns="" xmlns:thm15="http://schemas.microsoft.com/office/thememl/2012/main" name="Office Theme" id="{62F939B6-93AF-4DB8-9C6B-D6C7DFDC589F}" vid="{4A3C46E8-61CC-4603-A589-7422A47A8E4A}"/>
     </a:ext>
   </a:extLst>
 </a:theme>
